--- a/front-end/MockupSimpleDesign.pptx
+++ b/front-end/MockupSimpleDesign.pptx
@@ -6,7 +6,11 @@
   </p:sldMasterIdLst>
   <p:sldIdLst>
     <p:sldId id="256" r:id="rId2"/>
-    <p:sldId id="257" r:id="rId3"/>
+    <p:sldId id="261" r:id="rId3"/>
+    <p:sldId id="257" r:id="rId4"/>
+    <p:sldId id="262" r:id="rId5"/>
+    <p:sldId id="259" r:id="rId6"/>
+    <p:sldId id="263" r:id="rId7"/>
   </p:sldIdLst>
   <p:sldSz cx="12192000" cy="6858000"/>
   <p:notesSz cx="6858000" cy="9144000"/>
@@ -105,7 +109,1517 @@
       </a:defRPr>
     </a:lvl9pPr>
   </p:defaultTextStyle>
+  <p:extLst>
+    <p:ext uri="{EFAFB233-063F-42B5-8137-9DF3F51BA10A}">
+      <p15:sldGuideLst xmlns:p15="http://schemas.microsoft.com/office/powerpoint/2012/main"/>
+    </p:ext>
+  </p:extLst>
 </p:presentation>
+</file>
+
+<file path=ppt/authors.xml><?xml version="1.0" encoding="utf-8"?>
+<p188:authorLst xmlns:a="http://schemas.openxmlformats.org/drawingml/2006/main" xmlns:r="http://schemas.openxmlformats.org/officeDocument/2006/relationships" xmlns:p188="http://schemas.microsoft.com/office/powerpoint/2018/8/main">
+  <p188:author id="{A482621A-8E93-2DF6-0AD5-8249CB44BF2C}" name="Maldonado, Daniel" initials="DM" userId="S::daniel.maldonado@aspentech.com::208bc5cf-4c7f-40de-aa5f-36b84b85f9f4" providerId="AD"/>
+</p188:authorLst>
+</file>
+
+<file path=ppt/revisionInfo.xml><?xml version="1.0" encoding="utf-8"?>
+<p1510:revInfo xmlns:a="http://schemas.openxmlformats.org/drawingml/2006/main" xmlns:r="http://schemas.openxmlformats.org/officeDocument/2006/relationships" xmlns:p1510="http://schemas.microsoft.com/office/powerpoint/2015/10/main">
+  <p1510:revLst>
+    <p1510:client id="{D4F8EDFF-8D22-436F-92E2-C640653DB82F}" v="64" dt="2023-10-12T17:26:48.783"/>
+  </p1510:revLst>
+</p1510:revInfo>
+</file>
+
+<file path=ppt/changesInfos/changesInfo1.xml><?xml version="1.0" encoding="utf-8"?>
+<pc:chgInfo xmlns:a="http://schemas.openxmlformats.org/drawingml/2006/main" xmlns:r="http://schemas.openxmlformats.org/officeDocument/2006/relationships" xmlns:ac="http://schemas.microsoft.com/office/drawing/2013/main/command" xmlns:pc="http://schemas.microsoft.com/office/powerpoint/2013/main/command">
+  <pc:docChgLst>
+    <pc:chgData name="Maldonado, Daniel" userId="208bc5cf-4c7f-40de-aa5f-36b84b85f9f4" providerId="ADAL" clId="{D4F8EDFF-8D22-436F-92E2-C640653DB82F}"/>
+    <pc:docChg chg="undo custSel addSld delSld modSld sldOrd">
+      <pc:chgData name="Maldonado, Daniel" userId="208bc5cf-4c7f-40de-aa5f-36b84b85f9f4" providerId="ADAL" clId="{D4F8EDFF-8D22-436F-92E2-C640653DB82F}" dt="2023-10-12T17:30:04.966" v="1207" actId="20577"/>
+      <pc:docMkLst>
+        <pc:docMk/>
+      </pc:docMkLst>
+      <pc:sldChg chg="modSp mod">
+        <pc:chgData name="Maldonado, Daniel" userId="208bc5cf-4c7f-40de-aa5f-36b84b85f9f4" providerId="ADAL" clId="{D4F8EDFF-8D22-436F-92E2-C640653DB82F}" dt="2023-10-12T17:22:07.453" v="1013" actId="790"/>
+        <pc:sldMkLst>
+          <pc:docMk/>
+          <pc:sldMk cId="1392269314" sldId="256"/>
+        </pc:sldMkLst>
+        <pc:graphicFrameChg chg="mod modGraphic">
+          <ac:chgData name="Maldonado, Daniel" userId="208bc5cf-4c7f-40de-aa5f-36b84b85f9f4" providerId="ADAL" clId="{D4F8EDFF-8D22-436F-92E2-C640653DB82F}" dt="2023-10-12T17:22:07.453" v="1013" actId="790"/>
+          <ac:graphicFrameMkLst>
+            <pc:docMk/>
+            <pc:sldMk cId="1392269314" sldId="256"/>
+            <ac:graphicFrameMk id="6" creationId="{4CE8F100-B7EB-711C-2777-DD1B5F7925FC}"/>
+          </ac:graphicFrameMkLst>
+        </pc:graphicFrameChg>
+        <pc:graphicFrameChg chg="mod modGraphic">
+          <ac:chgData name="Maldonado, Daniel" userId="208bc5cf-4c7f-40de-aa5f-36b84b85f9f4" providerId="ADAL" clId="{D4F8EDFF-8D22-436F-92E2-C640653DB82F}" dt="2023-10-12T15:37:51.200" v="22"/>
+          <ac:graphicFrameMkLst>
+            <pc:docMk/>
+            <pc:sldMk cId="1392269314" sldId="256"/>
+            <ac:graphicFrameMk id="10" creationId="{103D74CD-889D-5D79-EAF1-9B2335CBF192}"/>
+          </ac:graphicFrameMkLst>
+        </pc:graphicFrameChg>
+      </pc:sldChg>
+      <pc:sldChg chg="addSp delSp modSp mod">
+        <pc:chgData name="Maldonado, Daniel" userId="208bc5cf-4c7f-40de-aa5f-36b84b85f9f4" providerId="ADAL" clId="{D4F8EDFF-8D22-436F-92E2-C640653DB82F}" dt="2023-10-12T16:57:57.122" v="798" actId="1076"/>
+        <pc:sldMkLst>
+          <pc:docMk/>
+          <pc:sldMk cId="2217030426" sldId="257"/>
+        </pc:sldMkLst>
+        <pc:spChg chg="mod">
+          <ac:chgData name="Maldonado, Daniel" userId="208bc5cf-4c7f-40de-aa5f-36b84b85f9f4" providerId="ADAL" clId="{D4F8EDFF-8D22-436F-92E2-C640653DB82F}" dt="2023-10-12T16:57:57.122" v="798" actId="1076"/>
+          <ac:spMkLst>
+            <pc:docMk/>
+            <pc:sldMk cId="2217030426" sldId="257"/>
+            <ac:spMk id="3" creationId="{2CE8C579-7494-6A2F-2E22-0B45FBF4DA55}"/>
+          </ac:spMkLst>
+        </pc:spChg>
+        <pc:spChg chg="add del mod">
+          <ac:chgData name="Maldonado, Daniel" userId="208bc5cf-4c7f-40de-aa5f-36b84b85f9f4" providerId="ADAL" clId="{D4F8EDFF-8D22-436F-92E2-C640653DB82F}" dt="2023-10-12T15:42:42.248" v="46" actId="478"/>
+          <ac:spMkLst>
+            <pc:docMk/>
+            <pc:sldMk cId="2217030426" sldId="257"/>
+            <ac:spMk id="13" creationId="{A4B581E7-DECD-196B-4C70-2E4A0C2FF40B}"/>
+          </ac:spMkLst>
+        </pc:spChg>
+        <pc:spChg chg="add del mod">
+          <ac:chgData name="Maldonado, Daniel" userId="208bc5cf-4c7f-40de-aa5f-36b84b85f9f4" providerId="ADAL" clId="{D4F8EDFF-8D22-436F-92E2-C640653DB82F}" dt="2023-10-12T16:24:38.356" v="276" actId="478"/>
+          <ac:spMkLst>
+            <pc:docMk/>
+            <pc:sldMk cId="2217030426" sldId="257"/>
+            <ac:spMk id="14" creationId="{A0AF4D34-91C6-C6F0-6F66-B78468CF3F4D}"/>
+          </ac:spMkLst>
+        </pc:spChg>
+        <pc:spChg chg="add del mod">
+          <ac:chgData name="Maldonado, Daniel" userId="208bc5cf-4c7f-40de-aa5f-36b84b85f9f4" providerId="ADAL" clId="{D4F8EDFF-8D22-436F-92E2-C640653DB82F}" dt="2023-10-12T16:24:39.213" v="277" actId="478"/>
+          <ac:spMkLst>
+            <pc:docMk/>
+            <pc:sldMk cId="2217030426" sldId="257"/>
+            <ac:spMk id="15" creationId="{7F387BB9-F9F6-9A0A-E37D-510C2653C4BD}"/>
+          </ac:spMkLst>
+        </pc:spChg>
+        <pc:spChg chg="add del mod">
+          <ac:chgData name="Maldonado, Daniel" userId="208bc5cf-4c7f-40de-aa5f-36b84b85f9f4" providerId="ADAL" clId="{D4F8EDFF-8D22-436F-92E2-C640653DB82F}" dt="2023-10-12T16:24:40.243" v="278" actId="478"/>
+          <ac:spMkLst>
+            <pc:docMk/>
+            <pc:sldMk cId="2217030426" sldId="257"/>
+            <ac:spMk id="16" creationId="{D1F4C7CE-D093-DA96-E6AC-C8EB0BAA53E5}"/>
+          </ac:spMkLst>
+        </pc:spChg>
+        <pc:spChg chg="add del mod">
+          <ac:chgData name="Maldonado, Daniel" userId="208bc5cf-4c7f-40de-aa5f-36b84b85f9f4" providerId="ADAL" clId="{D4F8EDFF-8D22-436F-92E2-C640653DB82F}" dt="2023-10-12T16:24:41.587" v="279" actId="478"/>
+          <ac:spMkLst>
+            <pc:docMk/>
+            <pc:sldMk cId="2217030426" sldId="257"/>
+            <ac:spMk id="17" creationId="{D8E568D2-CE54-57AA-4A11-DD2F8EBACAEC}"/>
+          </ac:spMkLst>
+        </pc:spChg>
+        <pc:graphicFrameChg chg="modGraphic">
+          <ac:chgData name="Maldonado, Daniel" userId="208bc5cf-4c7f-40de-aa5f-36b84b85f9f4" providerId="ADAL" clId="{D4F8EDFF-8D22-436F-92E2-C640653DB82F}" dt="2023-10-12T16:57:53.284" v="796" actId="2165"/>
+          <ac:graphicFrameMkLst>
+            <pc:docMk/>
+            <pc:sldMk cId="2217030426" sldId="257"/>
+            <ac:graphicFrameMk id="2" creationId="{387817E4-2C9E-F0E7-8AD1-B88F00C98E9D}"/>
+          </ac:graphicFrameMkLst>
+        </pc:graphicFrameChg>
+        <pc:graphicFrameChg chg="del">
+          <ac:chgData name="Maldonado, Daniel" userId="208bc5cf-4c7f-40de-aa5f-36b84b85f9f4" providerId="ADAL" clId="{D4F8EDFF-8D22-436F-92E2-C640653DB82F}" dt="2023-10-12T16:31:15.987" v="296" actId="478"/>
+          <ac:graphicFrameMkLst>
+            <pc:docMk/>
+            <pc:sldMk cId="2217030426" sldId="257"/>
+            <ac:graphicFrameMk id="6" creationId="{4CE8F100-B7EB-711C-2777-DD1B5F7925FC}"/>
+          </ac:graphicFrameMkLst>
+        </pc:graphicFrameChg>
+        <pc:graphicFrameChg chg="del">
+          <ac:chgData name="Maldonado, Daniel" userId="208bc5cf-4c7f-40de-aa5f-36b84b85f9f4" providerId="ADAL" clId="{D4F8EDFF-8D22-436F-92E2-C640653DB82F}" dt="2023-10-12T15:37:59.411" v="23" actId="478"/>
+          <ac:graphicFrameMkLst>
+            <pc:docMk/>
+            <pc:sldMk cId="2217030426" sldId="257"/>
+            <ac:graphicFrameMk id="11" creationId="{3BE4FB13-3C44-110B-DC63-1051272896BF}"/>
+          </ac:graphicFrameMkLst>
+        </pc:graphicFrameChg>
+        <pc:graphicFrameChg chg="add mod">
+          <ac:chgData name="Maldonado, Daniel" userId="208bc5cf-4c7f-40de-aa5f-36b84b85f9f4" providerId="ADAL" clId="{D4F8EDFF-8D22-436F-92E2-C640653DB82F}" dt="2023-10-12T15:38:06.939" v="25" actId="1076"/>
+          <ac:graphicFrameMkLst>
+            <pc:docMk/>
+            <pc:sldMk cId="2217030426" sldId="257"/>
+            <ac:graphicFrameMk id="12" creationId="{61B08023-FDA1-6070-8953-1B102215E194}"/>
+          </ac:graphicFrameMkLst>
+        </pc:graphicFrameChg>
+        <pc:graphicFrameChg chg="add mod modGraphic">
+          <ac:chgData name="Maldonado, Daniel" userId="208bc5cf-4c7f-40de-aa5f-36b84b85f9f4" providerId="ADAL" clId="{D4F8EDFF-8D22-436F-92E2-C640653DB82F}" dt="2023-10-12T16:54:46.345" v="786" actId="207"/>
+          <ac:graphicFrameMkLst>
+            <pc:docMk/>
+            <pc:sldMk cId="2217030426" sldId="257"/>
+            <ac:graphicFrameMk id="18" creationId="{168BC620-61D8-6B7D-2146-F02C1B2FE89F}"/>
+          </ac:graphicFrameMkLst>
+        </pc:graphicFrameChg>
+        <pc:picChg chg="del">
+          <ac:chgData name="Maldonado, Daniel" userId="208bc5cf-4c7f-40de-aa5f-36b84b85f9f4" providerId="ADAL" clId="{D4F8EDFF-8D22-436F-92E2-C640653DB82F}" dt="2023-10-12T16:57:55.451" v="797" actId="478"/>
+          <ac:picMkLst>
+            <pc:docMk/>
+            <pc:sldMk cId="2217030426" sldId="257"/>
+            <ac:picMk id="8" creationId="{CBA1B897-A7C9-E38B-51BF-6D43E2036CB9}"/>
+          </ac:picMkLst>
+        </pc:picChg>
+      </pc:sldChg>
+      <pc:sldChg chg="modSp add del mod">
+        <pc:chgData name="Maldonado, Daniel" userId="208bc5cf-4c7f-40de-aa5f-36b84b85f9f4" providerId="ADAL" clId="{D4F8EDFF-8D22-436F-92E2-C640653DB82F}" dt="2023-10-12T15:44:01.514" v="58" actId="47"/>
+        <pc:sldMkLst>
+          <pc:docMk/>
+          <pc:sldMk cId="1256970754" sldId="258"/>
+        </pc:sldMkLst>
+        <pc:spChg chg="mod">
+          <ac:chgData name="Maldonado, Daniel" userId="208bc5cf-4c7f-40de-aa5f-36b84b85f9f4" providerId="ADAL" clId="{D4F8EDFF-8D22-436F-92E2-C640653DB82F}" dt="2023-10-12T15:40:16.677" v="34" actId="20577"/>
+          <ac:spMkLst>
+            <pc:docMk/>
+            <pc:sldMk cId="1256970754" sldId="258"/>
+            <ac:spMk id="3" creationId="{2CE8C579-7494-6A2F-2E22-0B45FBF4DA55}"/>
+          </ac:spMkLst>
+        </pc:spChg>
+        <pc:graphicFrameChg chg="modGraphic">
+          <ac:chgData name="Maldonado, Daniel" userId="208bc5cf-4c7f-40de-aa5f-36b84b85f9f4" providerId="ADAL" clId="{D4F8EDFF-8D22-436F-92E2-C640653DB82F}" dt="2023-10-12T15:39:08.654" v="28" actId="207"/>
+          <ac:graphicFrameMkLst>
+            <pc:docMk/>
+            <pc:sldMk cId="1256970754" sldId="258"/>
+            <ac:graphicFrameMk id="6" creationId="{4CE8F100-B7EB-711C-2777-DD1B5F7925FC}"/>
+          </ac:graphicFrameMkLst>
+        </pc:graphicFrameChg>
+      </pc:sldChg>
+      <pc:sldChg chg="addSp delSp modSp add del mod addCm delCm">
+        <pc:chgData name="Maldonado, Daniel" userId="208bc5cf-4c7f-40de-aa5f-36b84b85f9f4" providerId="ADAL" clId="{D4F8EDFF-8D22-436F-92E2-C640653DB82F}" dt="2023-10-12T16:33:25.710" v="325" actId="47"/>
+        <pc:sldMkLst>
+          <pc:docMk/>
+          <pc:sldMk cId="2383836758" sldId="258"/>
+        </pc:sldMkLst>
+        <pc:spChg chg="add del mod">
+          <ac:chgData name="Maldonado, Daniel" userId="208bc5cf-4c7f-40de-aa5f-36b84b85f9f4" providerId="ADAL" clId="{D4F8EDFF-8D22-436F-92E2-C640653DB82F}" dt="2023-10-12T16:32:39.655" v="313" actId="478"/>
+          <ac:spMkLst>
+            <pc:docMk/>
+            <pc:sldMk cId="2383836758" sldId="258"/>
+            <ac:spMk id="3" creationId="{2CE8C579-7494-6A2F-2E22-0B45FBF4DA55}"/>
+          </ac:spMkLst>
+        </pc:spChg>
+        <pc:spChg chg="add del mod">
+          <ac:chgData name="Maldonado, Daniel" userId="208bc5cf-4c7f-40de-aa5f-36b84b85f9f4" providerId="ADAL" clId="{D4F8EDFF-8D22-436F-92E2-C640653DB82F}" dt="2023-10-12T16:32:39.655" v="313" actId="478"/>
+          <ac:spMkLst>
+            <pc:docMk/>
+            <pc:sldMk cId="2383836758" sldId="258"/>
+            <ac:spMk id="9" creationId="{0373BD9D-1630-F5AA-B7EA-06E6635A217B}"/>
+          </ac:spMkLst>
+        </pc:spChg>
+        <pc:spChg chg="add del mod">
+          <ac:chgData name="Maldonado, Daniel" userId="208bc5cf-4c7f-40de-aa5f-36b84b85f9f4" providerId="ADAL" clId="{D4F8EDFF-8D22-436F-92E2-C640653DB82F}" dt="2023-10-12T16:32:39.655" v="313" actId="478"/>
+          <ac:spMkLst>
+            <pc:docMk/>
+            <pc:sldMk cId="2383836758" sldId="258"/>
+            <ac:spMk id="10" creationId="{A804D729-2950-2EB3-D5DD-3EACA9153B02}"/>
+          </ac:spMkLst>
+        </pc:spChg>
+        <pc:spChg chg="add mod">
+          <ac:chgData name="Maldonado, Daniel" userId="208bc5cf-4c7f-40de-aa5f-36b84b85f9f4" providerId="ADAL" clId="{D4F8EDFF-8D22-436F-92E2-C640653DB82F}" dt="2023-10-12T15:57:43.943" v="166" actId="571"/>
+          <ac:spMkLst>
+            <pc:docMk/>
+            <pc:sldMk cId="2383836758" sldId="258"/>
+            <ac:spMk id="13" creationId="{A1CECB6B-1C56-FC77-B0CA-EEF282DCB45D}"/>
+          </ac:spMkLst>
+        </pc:spChg>
+        <pc:spChg chg="del mod">
+          <ac:chgData name="Maldonado, Daniel" userId="208bc5cf-4c7f-40de-aa5f-36b84b85f9f4" providerId="ADAL" clId="{D4F8EDFF-8D22-436F-92E2-C640653DB82F}" dt="2023-10-12T16:20:47.003" v="247" actId="478"/>
+          <ac:spMkLst>
+            <pc:docMk/>
+            <pc:sldMk cId="2383836758" sldId="258"/>
+            <ac:spMk id="14" creationId="{A0AF4D34-91C6-C6F0-6F66-B78468CF3F4D}"/>
+          </ac:spMkLst>
+        </pc:spChg>
+        <pc:spChg chg="del mod">
+          <ac:chgData name="Maldonado, Daniel" userId="208bc5cf-4c7f-40de-aa5f-36b84b85f9f4" providerId="ADAL" clId="{D4F8EDFF-8D22-436F-92E2-C640653DB82F}" dt="2023-10-12T16:20:46.148" v="246" actId="478"/>
+          <ac:spMkLst>
+            <pc:docMk/>
+            <pc:sldMk cId="2383836758" sldId="258"/>
+            <ac:spMk id="15" creationId="{7F387BB9-F9F6-9A0A-E37D-510C2653C4BD}"/>
+          </ac:spMkLst>
+        </pc:spChg>
+        <pc:spChg chg="del mod">
+          <ac:chgData name="Maldonado, Daniel" userId="208bc5cf-4c7f-40de-aa5f-36b84b85f9f4" providerId="ADAL" clId="{D4F8EDFF-8D22-436F-92E2-C640653DB82F}" dt="2023-10-12T16:20:45.244" v="245" actId="478"/>
+          <ac:spMkLst>
+            <pc:docMk/>
+            <pc:sldMk cId="2383836758" sldId="258"/>
+            <ac:spMk id="16" creationId="{D1F4C7CE-D093-DA96-E6AC-C8EB0BAA53E5}"/>
+          </ac:spMkLst>
+        </pc:spChg>
+        <pc:spChg chg="del mod">
+          <ac:chgData name="Maldonado, Daniel" userId="208bc5cf-4c7f-40de-aa5f-36b84b85f9f4" providerId="ADAL" clId="{D4F8EDFF-8D22-436F-92E2-C640653DB82F}" dt="2023-10-12T16:20:44.468" v="244" actId="478"/>
+          <ac:spMkLst>
+            <pc:docMk/>
+            <pc:sldMk cId="2383836758" sldId="258"/>
+            <ac:spMk id="17" creationId="{D8E568D2-CE54-57AA-4A11-DD2F8EBACAEC}"/>
+          </ac:spMkLst>
+        </pc:spChg>
+        <pc:spChg chg="add mod">
+          <ac:chgData name="Maldonado, Daniel" userId="208bc5cf-4c7f-40de-aa5f-36b84b85f9f4" providerId="ADAL" clId="{D4F8EDFF-8D22-436F-92E2-C640653DB82F}" dt="2023-10-12T15:57:43.943" v="166" actId="571"/>
+          <ac:spMkLst>
+            <pc:docMk/>
+            <pc:sldMk cId="2383836758" sldId="258"/>
+            <ac:spMk id="22" creationId="{3FF185B9-AB61-E8BD-F214-E3C258B090E4}"/>
+          </ac:spMkLst>
+        </pc:spChg>
+        <pc:spChg chg="add mod">
+          <ac:chgData name="Maldonado, Daniel" userId="208bc5cf-4c7f-40de-aa5f-36b84b85f9f4" providerId="ADAL" clId="{D4F8EDFF-8D22-436F-92E2-C640653DB82F}" dt="2023-10-12T15:57:43.943" v="166" actId="571"/>
+          <ac:spMkLst>
+            <pc:docMk/>
+            <pc:sldMk cId="2383836758" sldId="258"/>
+            <ac:spMk id="23" creationId="{17BE3ADA-E691-C060-2AD2-6E6EBB5B78EA}"/>
+          </ac:spMkLst>
+        </pc:spChg>
+        <pc:spChg chg="add mod">
+          <ac:chgData name="Maldonado, Daniel" userId="208bc5cf-4c7f-40de-aa5f-36b84b85f9f4" providerId="ADAL" clId="{D4F8EDFF-8D22-436F-92E2-C640653DB82F}" dt="2023-10-12T15:57:43.943" v="166" actId="571"/>
+          <ac:spMkLst>
+            <pc:docMk/>
+            <pc:sldMk cId="2383836758" sldId="258"/>
+            <ac:spMk id="24" creationId="{9389C0E7-1B0D-5D65-3465-F6418138A833}"/>
+          </ac:spMkLst>
+        </pc:spChg>
+        <pc:spChg chg="add mod">
+          <ac:chgData name="Maldonado, Daniel" userId="208bc5cf-4c7f-40de-aa5f-36b84b85f9f4" providerId="ADAL" clId="{D4F8EDFF-8D22-436F-92E2-C640653DB82F}" dt="2023-10-12T15:57:43.943" v="166" actId="571"/>
+          <ac:spMkLst>
+            <pc:docMk/>
+            <pc:sldMk cId="2383836758" sldId="258"/>
+            <ac:spMk id="25" creationId="{B9A44AFF-DFB6-781C-FF7B-294B7848ACDA}"/>
+          </ac:spMkLst>
+        </pc:spChg>
+        <pc:spChg chg="add del mod">
+          <ac:chgData name="Maldonado, Daniel" userId="208bc5cf-4c7f-40de-aa5f-36b84b85f9f4" providerId="ADAL" clId="{D4F8EDFF-8D22-436F-92E2-C640653DB82F}" dt="2023-10-12T16:32:45.193" v="314" actId="478"/>
+          <ac:spMkLst>
+            <pc:docMk/>
+            <pc:sldMk cId="2383836758" sldId="258"/>
+            <ac:spMk id="27" creationId="{C3A7E9C1-35D0-0FDD-F096-48540411A556}"/>
+          </ac:spMkLst>
+        </pc:spChg>
+        <pc:spChg chg="add del mod">
+          <ac:chgData name="Maldonado, Daniel" userId="208bc5cf-4c7f-40de-aa5f-36b84b85f9f4" providerId="ADAL" clId="{D4F8EDFF-8D22-436F-92E2-C640653DB82F}" dt="2023-10-12T16:32:49.521" v="315" actId="478"/>
+          <ac:spMkLst>
+            <pc:docMk/>
+            <pc:sldMk cId="2383836758" sldId="258"/>
+            <ac:spMk id="32" creationId="{9D9CBBA9-E0C4-F8A5-E2FF-40AA412D39BA}"/>
+          </ac:spMkLst>
+        </pc:spChg>
+        <pc:spChg chg="add del mod">
+          <ac:chgData name="Maldonado, Daniel" userId="208bc5cf-4c7f-40de-aa5f-36b84b85f9f4" providerId="ADAL" clId="{D4F8EDFF-8D22-436F-92E2-C640653DB82F}" dt="2023-10-12T16:32:51.432" v="317" actId="478"/>
+          <ac:spMkLst>
+            <pc:docMk/>
+            <pc:sldMk cId="2383836758" sldId="258"/>
+            <ac:spMk id="33" creationId="{3543F7D4-BF22-E31F-A577-E19C1CA04822}"/>
+          </ac:spMkLst>
+        </pc:spChg>
+        <pc:spChg chg="add del mod">
+          <ac:chgData name="Maldonado, Daniel" userId="208bc5cf-4c7f-40de-aa5f-36b84b85f9f4" providerId="ADAL" clId="{D4F8EDFF-8D22-436F-92E2-C640653DB82F}" dt="2023-10-12T16:20:43.124" v="243" actId="478"/>
+          <ac:spMkLst>
+            <pc:docMk/>
+            <pc:sldMk cId="2383836758" sldId="258"/>
+            <ac:spMk id="35" creationId="{A0C4460E-4B9D-D4D2-9AB3-C60B4E15EFBE}"/>
+          </ac:spMkLst>
+        </pc:spChg>
+        <pc:spChg chg="add del mod">
+          <ac:chgData name="Maldonado, Daniel" userId="208bc5cf-4c7f-40de-aa5f-36b84b85f9f4" providerId="ADAL" clId="{D4F8EDFF-8D22-436F-92E2-C640653DB82F}" dt="2023-10-12T16:20:41.501" v="242" actId="478"/>
+          <ac:spMkLst>
+            <pc:docMk/>
+            <pc:sldMk cId="2383836758" sldId="258"/>
+            <ac:spMk id="36" creationId="{FED06CDE-1825-1548-57EF-428C092B5198}"/>
+          </ac:spMkLst>
+        </pc:spChg>
+        <pc:spChg chg="add del mod">
+          <ac:chgData name="Maldonado, Daniel" userId="208bc5cf-4c7f-40de-aa5f-36b84b85f9f4" providerId="ADAL" clId="{D4F8EDFF-8D22-436F-92E2-C640653DB82F}" dt="2023-10-12T16:20:40.702" v="241" actId="478"/>
+          <ac:spMkLst>
+            <pc:docMk/>
+            <pc:sldMk cId="2383836758" sldId="258"/>
+            <ac:spMk id="37" creationId="{E36FA568-03DC-F0F1-97BD-89BC33F50649}"/>
+          </ac:spMkLst>
+        </pc:spChg>
+        <pc:spChg chg="add del mod">
+          <ac:chgData name="Maldonado, Daniel" userId="208bc5cf-4c7f-40de-aa5f-36b84b85f9f4" providerId="ADAL" clId="{D4F8EDFF-8D22-436F-92E2-C640653DB82F}" dt="2023-10-12T16:20:39.541" v="240" actId="478"/>
+          <ac:spMkLst>
+            <pc:docMk/>
+            <pc:sldMk cId="2383836758" sldId="258"/>
+            <ac:spMk id="38" creationId="{F346902C-9B2A-103A-C43F-F29876C441AA}"/>
+          </ac:spMkLst>
+        </pc:spChg>
+        <pc:spChg chg="add del mod">
+          <ac:chgData name="Maldonado, Daniel" userId="208bc5cf-4c7f-40de-aa5f-36b84b85f9f4" providerId="ADAL" clId="{D4F8EDFF-8D22-436F-92E2-C640653DB82F}" dt="2023-10-12T16:32:56.303" v="321" actId="478"/>
+          <ac:spMkLst>
+            <pc:docMk/>
+            <pc:sldMk cId="2383836758" sldId="258"/>
+            <ac:spMk id="39" creationId="{5B97D11D-8C65-F7AE-4892-7D1757E0058B}"/>
+          </ac:spMkLst>
+        </pc:spChg>
+        <pc:spChg chg="add del mod">
+          <ac:chgData name="Maldonado, Daniel" userId="208bc5cf-4c7f-40de-aa5f-36b84b85f9f4" providerId="ADAL" clId="{D4F8EDFF-8D22-436F-92E2-C640653DB82F}" dt="2023-10-12T16:32:54.687" v="320" actId="478"/>
+          <ac:spMkLst>
+            <pc:docMk/>
+            <pc:sldMk cId="2383836758" sldId="258"/>
+            <ac:spMk id="40" creationId="{96A44201-97D0-7DC1-300F-D5C0811E19DD}"/>
+          </ac:spMkLst>
+        </pc:spChg>
+        <pc:graphicFrameChg chg="add del mod modGraphic">
+          <ac:chgData name="Maldonado, Daniel" userId="208bc5cf-4c7f-40de-aa5f-36b84b85f9f4" providerId="ADAL" clId="{D4F8EDFF-8D22-436F-92E2-C640653DB82F}" dt="2023-10-12T16:32:39.655" v="313" actId="478"/>
+          <ac:graphicFrameMkLst>
+            <pc:docMk/>
+            <pc:sldMk cId="2383836758" sldId="258"/>
+            <ac:graphicFrameMk id="2" creationId="{387817E4-2C9E-F0E7-8AD1-B88F00C98E9D}"/>
+          </ac:graphicFrameMkLst>
+        </pc:graphicFrameChg>
+        <pc:graphicFrameChg chg="del modGraphic">
+          <ac:chgData name="Maldonado, Daniel" userId="208bc5cf-4c7f-40de-aa5f-36b84b85f9f4" providerId="ADAL" clId="{D4F8EDFF-8D22-436F-92E2-C640653DB82F}" dt="2023-10-12T16:31:27.560" v="301" actId="478"/>
+          <ac:graphicFrameMkLst>
+            <pc:docMk/>
+            <pc:sldMk cId="2383836758" sldId="258"/>
+            <ac:graphicFrameMk id="6" creationId="{4CE8F100-B7EB-711C-2777-DD1B5F7925FC}"/>
+          </ac:graphicFrameMkLst>
+        </pc:graphicFrameChg>
+        <pc:graphicFrameChg chg="add mod">
+          <ac:chgData name="Maldonado, Daniel" userId="208bc5cf-4c7f-40de-aa5f-36b84b85f9f4" providerId="ADAL" clId="{D4F8EDFF-8D22-436F-92E2-C640653DB82F}" dt="2023-10-12T15:57:43.943" v="166" actId="571"/>
+          <ac:graphicFrameMkLst>
+            <pc:docMk/>
+            <pc:sldMk cId="2383836758" sldId="258"/>
+            <ac:graphicFrameMk id="11" creationId="{E914DAD1-0698-C5B1-9944-F125B3CA7F94}"/>
+          </ac:graphicFrameMkLst>
+        </pc:graphicFrameChg>
+        <pc:graphicFrameChg chg="mod">
+          <ac:chgData name="Maldonado, Daniel" userId="208bc5cf-4c7f-40de-aa5f-36b84b85f9f4" providerId="ADAL" clId="{D4F8EDFF-8D22-436F-92E2-C640653DB82F}" dt="2023-10-12T16:04:14.085" v="188" actId="1076"/>
+          <ac:graphicFrameMkLst>
+            <pc:docMk/>
+            <pc:sldMk cId="2383836758" sldId="258"/>
+            <ac:graphicFrameMk id="12" creationId="{61B08023-FDA1-6070-8953-1B102215E194}"/>
+          </ac:graphicFrameMkLst>
+        </pc:graphicFrameChg>
+        <pc:graphicFrameChg chg="add del mod modGraphic">
+          <ac:chgData name="Maldonado, Daniel" userId="208bc5cf-4c7f-40de-aa5f-36b84b85f9f4" providerId="ADAL" clId="{D4F8EDFF-8D22-436F-92E2-C640653DB82F}" dt="2023-10-12T16:32:45.193" v="314" actId="478"/>
+          <ac:graphicFrameMkLst>
+            <pc:docMk/>
+            <pc:sldMk cId="2383836758" sldId="258"/>
+            <ac:graphicFrameMk id="26" creationId="{F4B039E1-BE6B-AFD3-44D0-4EC244AF0C78}"/>
+          </ac:graphicFrameMkLst>
+        </pc:graphicFrameChg>
+        <pc:graphicFrameChg chg="add del mod">
+          <ac:chgData name="Maldonado, Daniel" userId="208bc5cf-4c7f-40de-aa5f-36b84b85f9f4" providerId="ADAL" clId="{D4F8EDFF-8D22-436F-92E2-C640653DB82F}" dt="2023-10-12T16:04:16.670" v="189" actId="478"/>
+          <ac:graphicFrameMkLst>
+            <pc:docMk/>
+            <pc:sldMk cId="2383836758" sldId="258"/>
+            <ac:graphicFrameMk id="34" creationId="{BD1E0720-F641-9A5B-92B6-3454F649AA7F}"/>
+          </ac:graphicFrameMkLst>
+        </pc:graphicFrameChg>
+        <pc:graphicFrameChg chg="add mod modGraphic">
+          <ac:chgData name="Maldonado, Daniel" userId="208bc5cf-4c7f-40de-aa5f-36b84b85f9f4" providerId="ADAL" clId="{D4F8EDFF-8D22-436F-92E2-C640653DB82F}" dt="2023-10-12T16:31:41.546" v="304" actId="207"/>
+          <ac:graphicFrameMkLst>
+            <pc:docMk/>
+            <pc:sldMk cId="2383836758" sldId="258"/>
+            <ac:graphicFrameMk id="41" creationId="{97939C03-FC6D-9265-E951-B18B0BD61E77}"/>
+          </ac:graphicFrameMkLst>
+        </pc:graphicFrameChg>
+        <pc:picChg chg="add del mod">
+          <ac:chgData name="Maldonado, Daniel" userId="208bc5cf-4c7f-40de-aa5f-36b84b85f9f4" providerId="ADAL" clId="{D4F8EDFF-8D22-436F-92E2-C640653DB82F}" dt="2023-10-12T16:32:39.655" v="313" actId="478"/>
+          <ac:picMkLst>
+            <pc:docMk/>
+            <pc:sldMk cId="2383836758" sldId="258"/>
+            <ac:picMk id="4" creationId="{2A0B324B-5B8B-30C6-FFEF-21DA89C8D965}"/>
+          </ac:picMkLst>
+        </pc:picChg>
+        <pc:picChg chg="add del mod">
+          <ac:chgData name="Maldonado, Daniel" userId="208bc5cf-4c7f-40de-aa5f-36b84b85f9f4" providerId="ADAL" clId="{D4F8EDFF-8D22-436F-92E2-C640653DB82F}" dt="2023-10-12T16:32:39.655" v="313" actId="478"/>
+          <ac:picMkLst>
+            <pc:docMk/>
+            <pc:sldMk cId="2383836758" sldId="258"/>
+            <ac:picMk id="5" creationId="{7F920867-97AB-3CE3-46D4-1C1DAD23F8A6}"/>
+          </ac:picMkLst>
+        </pc:picChg>
+        <pc:picChg chg="add del mod">
+          <ac:chgData name="Maldonado, Daniel" userId="208bc5cf-4c7f-40de-aa5f-36b84b85f9f4" providerId="ADAL" clId="{D4F8EDFF-8D22-436F-92E2-C640653DB82F}" dt="2023-10-12T16:32:39.655" v="313" actId="478"/>
+          <ac:picMkLst>
+            <pc:docMk/>
+            <pc:sldMk cId="2383836758" sldId="258"/>
+            <ac:picMk id="7" creationId="{B05F2212-91CA-8F10-7922-8391CB2E421B}"/>
+          </ac:picMkLst>
+        </pc:picChg>
+        <pc:picChg chg="add del mod">
+          <ac:chgData name="Maldonado, Daniel" userId="208bc5cf-4c7f-40de-aa5f-36b84b85f9f4" providerId="ADAL" clId="{D4F8EDFF-8D22-436F-92E2-C640653DB82F}" dt="2023-10-12T16:32:39.655" v="313" actId="478"/>
+          <ac:picMkLst>
+            <pc:docMk/>
+            <pc:sldMk cId="2383836758" sldId="258"/>
+            <ac:picMk id="8" creationId="{CBA1B897-A7C9-E38B-51BF-6D43E2036CB9}"/>
+          </ac:picMkLst>
+        </pc:picChg>
+        <pc:picChg chg="add mod">
+          <ac:chgData name="Maldonado, Daniel" userId="208bc5cf-4c7f-40de-aa5f-36b84b85f9f4" providerId="ADAL" clId="{D4F8EDFF-8D22-436F-92E2-C640653DB82F}" dt="2023-10-12T15:57:43.943" v="166" actId="571"/>
+          <ac:picMkLst>
+            <pc:docMk/>
+            <pc:sldMk cId="2383836758" sldId="258"/>
+            <ac:picMk id="18" creationId="{781E3F27-8DB8-727A-1817-ABBFAB6E4BBE}"/>
+          </ac:picMkLst>
+        </pc:picChg>
+        <pc:picChg chg="add mod">
+          <ac:chgData name="Maldonado, Daniel" userId="208bc5cf-4c7f-40de-aa5f-36b84b85f9f4" providerId="ADAL" clId="{D4F8EDFF-8D22-436F-92E2-C640653DB82F}" dt="2023-10-12T15:57:43.943" v="166" actId="571"/>
+          <ac:picMkLst>
+            <pc:docMk/>
+            <pc:sldMk cId="2383836758" sldId="258"/>
+            <ac:picMk id="19" creationId="{7AF5ED2E-D9E8-832B-3C54-EE88055613EF}"/>
+          </ac:picMkLst>
+        </pc:picChg>
+        <pc:picChg chg="add mod">
+          <ac:chgData name="Maldonado, Daniel" userId="208bc5cf-4c7f-40de-aa5f-36b84b85f9f4" providerId="ADAL" clId="{D4F8EDFF-8D22-436F-92E2-C640653DB82F}" dt="2023-10-12T15:57:43.943" v="166" actId="571"/>
+          <ac:picMkLst>
+            <pc:docMk/>
+            <pc:sldMk cId="2383836758" sldId="258"/>
+            <ac:picMk id="20" creationId="{EA270E2B-155D-6560-4B06-D256DD8DA0DB}"/>
+          </ac:picMkLst>
+        </pc:picChg>
+        <pc:picChg chg="add mod">
+          <ac:chgData name="Maldonado, Daniel" userId="208bc5cf-4c7f-40de-aa5f-36b84b85f9f4" providerId="ADAL" clId="{D4F8EDFF-8D22-436F-92E2-C640653DB82F}" dt="2023-10-12T15:57:43.943" v="166" actId="571"/>
+          <ac:picMkLst>
+            <pc:docMk/>
+            <pc:sldMk cId="2383836758" sldId="258"/>
+            <ac:picMk id="21" creationId="{9613DA3B-729A-1183-953D-B2E97A27CDF4}"/>
+          </ac:picMkLst>
+        </pc:picChg>
+        <pc:picChg chg="add del mod">
+          <ac:chgData name="Maldonado, Daniel" userId="208bc5cf-4c7f-40de-aa5f-36b84b85f9f4" providerId="ADAL" clId="{D4F8EDFF-8D22-436F-92E2-C640653DB82F}" dt="2023-10-12T16:32:52.046" v="318" actId="478"/>
+          <ac:picMkLst>
+            <pc:docMk/>
+            <pc:sldMk cId="2383836758" sldId="258"/>
+            <ac:picMk id="28" creationId="{37CEA9EB-0E67-9BD0-B3C4-82CA67F37F9E}"/>
+          </ac:picMkLst>
+        </pc:picChg>
+        <pc:picChg chg="add del mod">
+          <ac:chgData name="Maldonado, Daniel" userId="208bc5cf-4c7f-40de-aa5f-36b84b85f9f4" providerId="ADAL" clId="{D4F8EDFF-8D22-436F-92E2-C640653DB82F}" dt="2023-10-12T16:32:52.502" v="319" actId="478"/>
+          <ac:picMkLst>
+            <pc:docMk/>
+            <pc:sldMk cId="2383836758" sldId="258"/>
+            <ac:picMk id="29" creationId="{5E3E8DC9-4CCC-E2C8-15CE-CE04646AE080}"/>
+          </ac:picMkLst>
+        </pc:picChg>
+        <pc:picChg chg="add del mod">
+          <ac:chgData name="Maldonado, Daniel" userId="208bc5cf-4c7f-40de-aa5f-36b84b85f9f4" providerId="ADAL" clId="{D4F8EDFF-8D22-436F-92E2-C640653DB82F}" dt="2023-10-12T16:22:33.863" v="253" actId="478"/>
+          <ac:picMkLst>
+            <pc:docMk/>
+            <pc:sldMk cId="2383836758" sldId="258"/>
+            <ac:picMk id="30" creationId="{4571D840-54DA-3929-77B1-C11350870470}"/>
+          </ac:picMkLst>
+        </pc:picChg>
+        <pc:picChg chg="add del mod">
+          <ac:chgData name="Maldonado, Daniel" userId="208bc5cf-4c7f-40de-aa5f-36b84b85f9f4" providerId="ADAL" clId="{D4F8EDFF-8D22-436F-92E2-C640653DB82F}" dt="2023-10-12T16:22:33.240" v="252" actId="478"/>
+          <ac:picMkLst>
+            <pc:docMk/>
+            <pc:sldMk cId="2383836758" sldId="258"/>
+            <ac:picMk id="31" creationId="{4CF5EE25-3A7D-478B-7836-DC1FE43DBADB}"/>
+          </ac:picMkLst>
+        </pc:picChg>
+        <pc:extLst>
+          <p:ext xmlns:p="http://schemas.openxmlformats.org/presentationml/2006/main" uri="{D6D511B9-2390-475A-947B-AFAB55BFBCF1}">
+            <pc226:cmChg xmlns:pc226="http://schemas.microsoft.com/office/powerpoint/2022/06/main/command" chg="add del">
+              <pc226:chgData name="Maldonado, Daniel" userId="208bc5cf-4c7f-40de-aa5f-36b84b85f9f4" providerId="ADAL" clId="{D4F8EDFF-8D22-436F-92E2-C640653DB82F}" dt="2023-10-12T16:19:30.875" v="234"/>
+              <pc2:cmMkLst xmlns:pc2="http://schemas.microsoft.com/office/powerpoint/2019/9/main/command">
+                <pc:docMk/>
+                <pc:sldMk cId="2383836758" sldId="258"/>
+                <pc2:cmMk id="{6B67C0B6-83C8-4D56-86F5-EF8492E4762E}"/>
+              </pc2:cmMkLst>
+            </pc226:cmChg>
+          </p:ext>
+        </pc:extLst>
+      </pc:sldChg>
+      <pc:sldChg chg="addSp delSp modSp add mod addCm">
+        <pc:chgData name="Maldonado, Daniel" userId="208bc5cf-4c7f-40de-aa5f-36b84b85f9f4" providerId="ADAL" clId="{D4F8EDFF-8D22-436F-92E2-C640653DB82F}" dt="2023-10-12T17:30:04.966" v="1207" actId="20577"/>
+        <pc:sldMkLst>
+          <pc:docMk/>
+          <pc:sldMk cId="3767813412" sldId="259"/>
+        </pc:sldMkLst>
+        <pc:spChg chg="del">
+          <ac:chgData name="Maldonado, Daniel" userId="208bc5cf-4c7f-40de-aa5f-36b84b85f9f4" providerId="ADAL" clId="{D4F8EDFF-8D22-436F-92E2-C640653DB82F}" dt="2023-10-12T16:23:13.104" v="255" actId="478"/>
+          <ac:spMkLst>
+            <pc:docMk/>
+            <pc:sldMk cId="3767813412" sldId="259"/>
+            <ac:spMk id="3" creationId="{2CE8C579-7494-6A2F-2E22-0B45FBF4DA55}"/>
+          </ac:spMkLst>
+        </pc:spChg>
+        <pc:spChg chg="del mod">
+          <ac:chgData name="Maldonado, Daniel" userId="208bc5cf-4c7f-40de-aa5f-36b84b85f9f4" providerId="ADAL" clId="{D4F8EDFF-8D22-436F-92E2-C640653DB82F}" dt="2023-10-12T16:39:43.767" v="409" actId="478"/>
+          <ac:spMkLst>
+            <pc:docMk/>
+            <pc:sldMk cId="3767813412" sldId="259"/>
+            <ac:spMk id="9" creationId="{0373BD9D-1630-F5AA-B7EA-06E6635A217B}"/>
+          </ac:spMkLst>
+        </pc:spChg>
+        <pc:spChg chg="del mod">
+          <ac:chgData name="Maldonado, Daniel" userId="208bc5cf-4c7f-40de-aa5f-36b84b85f9f4" providerId="ADAL" clId="{D4F8EDFF-8D22-436F-92E2-C640653DB82F}" dt="2023-10-12T16:39:43.767" v="409" actId="478"/>
+          <ac:spMkLst>
+            <pc:docMk/>
+            <pc:sldMk cId="3767813412" sldId="259"/>
+            <ac:spMk id="10" creationId="{A804D729-2950-2EB3-D5DD-3EACA9153B02}"/>
+          </ac:spMkLst>
+        </pc:spChg>
+        <pc:spChg chg="add mod">
+          <ac:chgData name="Maldonado, Daniel" userId="208bc5cf-4c7f-40de-aa5f-36b84b85f9f4" providerId="ADAL" clId="{D4F8EDFF-8D22-436F-92E2-C640653DB82F}" dt="2023-10-12T16:27:52.863" v="284" actId="164"/>
+          <ac:spMkLst>
+            <pc:docMk/>
+            <pc:sldMk cId="3767813412" sldId="259"/>
+            <ac:spMk id="11" creationId="{E67CAEA9-5985-416A-72E5-4FBF029B2BA4}"/>
+          </ac:spMkLst>
+        </pc:spChg>
+        <pc:spChg chg="add mod">
+          <ac:chgData name="Maldonado, Daniel" userId="208bc5cf-4c7f-40de-aa5f-36b84b85f9f4" providerId="ADAL" clId="{D4F8EDFF-8D22-436F-92E2-C640653DB82F}" dt="2023-10-12T16:27:52.863" v="284" actId="164"/>
+          <ac:spMkLst>
+            <pc:docMk/>
+            <pc:sldMk cId="3767813412" sldId="259"/>
+            <ac:spMk id="13" creationId="{82F8AC7F-0674-28DF-934A-11110828512A}"/>
+          </ac:spMkLst>
+        </pc:spChg>
+        <pc:spChg chg="del">
+          <ac:chgData name="Maldonado, Daniel" userId="208bc5cf-4c7f-40de-aa5f-36b84b85f9f4" providerId="ADAL" clId="{D4F8EDFF-8D22-436F-92E2-C640653DB82F}" dt="2023-10-12T16:23:13.104" v="255" actId="478"/>
+          <ac:spMkLst>
+            <pc:docMk/>
+            <pc:sldMk cId="3767813412" sldId="259"/>
+            <ac:spMk id="14" creationId="{A0AF4D34-91C6-C6F0-6F66-B78468CF3F4D}"/>
+          </ac:spMkLst>
+        </pc:spChg>
+        <pc:spChg chg="del">
+          <ac:chgData name="Maldonado, Daniel" userId="208bc5cf-4c7f-40de-aa5f-36b84b85f9f4" providerId="ADAL" clId="{D4F8EDFF-8D22-436F-92E2-C640653DB82F}" dt="2023-10-12T16:23:13.104" v="255" actId="478"/>
+          <ac:spMkLst>
+            <pc:docMk/>
+            <pc:sldMk cId="3767813412" sldId="259"/>
+            <ac:spMk id="15" creationId="{7F387BB9-F9F6-9A0A-E37D-510C2653C4BD}"/>
+          </ac:spMkLst>
+        </pc:spChg>
+        <pc:spChg chg="del">
+          <ac:chgData name="Maldonado, Daniel" userId="208bc5cf-4c7f-40de-aa5f-36b84b85f9f4" providerId="ADAL" clId="{D4F8EDFF-8D22-436F-92E2-C640653DB82F}" dt="2023-10-12T16:23:13.104" v="255" actId="478"/>
+          <ac:spMkLst>
+            <pc:docMk/>
+            <pc:sldMk cId="3767813412" sldId="259"/>
+            <ac:spMk id="16" creationId="{D1F4C7CE-D093-DA96-E6AC-C8EB0BAA53E5}"/>
+          </ac:spMkLst>
+        </pc:spChg>
+        <pc:spChg chg="del">
+          <ac:chgData name="Maldonado, Daniel" userId="208bc5cf-4c7f-40de-aa5f-36b84b85f9f4" providerId="ADAL" clId="{D4F8EDFF-8D22-436F-92E2-C640653DB82F}" dt="2023-10-12T16:23:13.104" v="255" actId="478"/>
+          <ac:spMkLst>
+            <pc:docMk/>
+            <pc:sldMk cId="3767813412" sldId="259"/>
+            <ac:spMk id="17" creationId="{D8E568D2-CE54-57AA-4A11-DD2F8EBACAEC}"/>
+          </ac:spMkLst>
+        </pc:spChg>
+        <pc:spChg chg="add mod">
+          <ac:chgData name="Maldonado, Daniel" userId="208bc5cf-4c7f-40de-aa5f-36b84b85f9f4" providerId="ADAL" clId="{D4F8EDFF-8D22-436F-92E2-C640653DB82F}" dt="2023-10-12T16:46:22.175" v="562" actId="1076"/>
+          <ac:spMkLst>
+            <pc:docMk/>
+            <pc:sldMk cId="3767813412" sldId="259"/>
+            <ac:spMk id="20" creationId="{78F97CCB-60A5-016F-C7E7-B9AD8B574372}"/>
+          </ac:spMkLst>
+        </pc:spChg>
+        <pc:spChg chg="add mod">
+          <ac:chgData name="Maldonado, Daniel" userId="208bc5cf-4c7f-40de-aa5f-36b84b85f9f4" providerId="ADAL" clId="{D4F8EDFF-8D22-436F-92E2-C640653DB82F}" dt="2023-10-12T16:46:22.175" v="562" actId="1076"/>
+          <ac:spMkLst>
+            <pc:docMk/>
+            <pc:sldMk cId="3767813412" sldId="259"/>
+            <ac:spMk id="21" creationId="{460D5A63-A6AE-02FE-1889-19471D65E097}"/>
+          </ac:spMkLst>
+        </pc:spChg>
+        <pc:spChg chg="add mod">
+          <ac:chgData name="Maldonado, Daniel" userId="208bc5cf-4c7f-40de-aa5f-36b84b85f9f4" providerId="ADAL" clId="{D4F8EDFF-8D22-436F-92E2-C640653DB82F}" dt="2023-10-12T17:03:02.223" v="845" actId="20577"/>
+          <ac:spMkLst>
+            <pc:docMk/>
+            <pc:sldMk cId="3767813412" sldId="259"/>
+            <ac:spMk id="22" creationId="{71A9CE2E-2125-101D-C167-FD8D01A5551F}"/>
+          </ac:spMkLst>
+        </pc:spChg>
+        <pc:spChg chg="add mod">
+          <ac:chgData name="Maldonado, Daniel" userId="208bc5cf-4c7f-40de-aa5f-36b84b85f9f4" providerId="ADAL" clId="{D4F8EDFF-8D22-436F-92E2-C640653DB82F}" dt="2023-10-12T16:46:22.175" v="562" actId="1076"/>
+          <ac:spMkLst>
+            <pc:docMk/>
+            <pc:sldMk cId="3767813412" sldId="259"/>
+            <ac:spMk id="23" creationId="{D7918DA9-D313-A1BD-57F5-EB77FC79BBEF}"/>
+          </ac:spMkLst>
+        </pc:spChg>
+        <pc:spChg chg="add mod">
+          <ac:chgData name="Maldonado, Daniel" userId="208bc5cf-4c7f-40de-aa5f-36b84b85f9f4" providerId="ADAL" clId="{D4F8EDFF-8D22-436F-92E2-C640653DB82F}" dt="2023-10-12T16:48:34.344" v="654" actId="790"/>
+          <ac:spMkLst>
+            <pc:docMk/>
+            <pc:sldMk cId="3767813412" sldId="259"/>
+            <ac:spMk id="24" creationId="{693BC1C5-E8A5-715F-E9A6-9FCDD23B22A9}"/>
+          </ac:spMkLst>
+        </pc:spChg>
+        <pc:spChg chg="add mod">
+          <ac:chgData name="Maldonado, Daniel" userId="208bc5cf-4c7f-40de-aa5f-36b84b85f9f4" providerId="ADAL" clId="{D4F8EDFF-8D22-436F-92E2-C640653DB82F}" dt="2023-10-12T17:08:15.201" v="995" actId="207"/>
+          <ac:spMkLst>
+            <pc:docMk/>
+            <pc:sldMk cId="3767813412" sldId="259"/>
+            <ac:spMk id="25" creationId="{CD56D140-9137-0720-384C-D4E45A13BE15}"/>
+          </ac:spMkLst>
+        </pc:spChg>
+        <pc:spChg chg="add mod">
+          <ac:chgData name="Maldonado, Daniel" userId="208bc5cf-4c7f-40de-aa5f-36b84b85f9f4" providerId="ADAL" clId="{D4F8EDFF-8D22-436F-92E2-C640653DB82F}" dt="2023-10-12T17:06:27.760" v="948" actId="20577"/>
+          <ac:spMkLst>
+            <pc:docMk/>
+            <pc:sldMk cId="3767813412" sldId="259"/>
+            <ac:spMk id="26" creationId="{819EE118-3F49-91C9-5C24-54B847178F99}"/>
+          </ac:spMkLst>
+        </pc:spChg>
+        <pc:spChg chg="add mod">
+          <ac:chgData name="Maldonado, Daniel" userId="208bc5cf-4c7f-40de-aa5f-36b84b85f9f4" providerId="ADAL" clId="{D4F8EDFF-8D22-436F-92E2-C640653DB82F}" dt="2023-10-12T17:04:07.966" v="871" actId="1035"/>
+          <ac:spMkLst>
+            <pc:docMk/>
+            <pc:sldMk cId="3767813412" sldId="259"/>
+            <ac:spMk id="27" creationId="{12989461-E9F9-028C-D977-ABD2E8D4A86A}"/>
+          </ac:spMkLst>
+        </pc:spChg>
+        <pc:spChg chg="add mod">
+          <ac:chgData name="Maldonado, Daniel" userId="208bc5cf-4c7f-40de-aa5f-36b84b85f9f4" providerId="ADAL" clId="{D4F8EDFF-8D22-436F-92E2-C640653DB82F}" dt="2023-10-12T17:03:22.389" v="847" actId="1076"/>
+          <ac:spMkLst>
+            <pc:docMk/>
+            <pc:sldMk cId="3767813412" sldId="259"/>
+            <ac:spMk id="28" creationId="{4443D486-EA55-E662-163C-000E5FEAA8A0}"/>
+          </ac:spMkLst>
+        </pc:spChg>
+        <pc:spChg chg="add mod">
+          <ac:chgData name="Maldonado, Daniel" userId="208bc5cf-4c7f-40de-aa5f-36b84b85f9f4" providerId="ADAL" clId="{D4F8EDFF-8D22-436F-92E2-C640653DB82F}" dt="2023-10-12T16:48:34.344" v="654" actId="790"/>
+          <ac:spMkLst>
+            <pc:docMk/>
+            <pc:sldMk cId="3767813412" sldId="259"/>
+            <ac:spMk id="29" creationId="{5264F157-54B1-6667-B5EE-77C403B66FEB}"/>
+          </ac:spMkLst>
+        </pc:spChg>
+        <pc:spChg chg="add del mod">
+          <ac:chgData name="Maldonado, Daniel" userId="208bc5cf-4c7f-40de-aa5f-36b84b85f9f4" providerId="ADAL" clId="{D4F8EDFF-8D22-436F-92E2-C640653DB82F}" dt="2023-10-12T17:04:54.698" v="904" actId="478"/>
+          <ac:spMkLst>
+            <pc:docMk/>
+            <pc:sldMk cId="3767813412" sldId="259"/>
+            <ac:spMk id="30" creationId="{DE194360-837A-2802-BC38-A373B6F88380}"/>
+          </ac:spMkLst>
+        </pc:spChg>
+        <pc:spChg chg="add del mod">
+          <ac:chgData name="Maldonado, Daniel" userId="208bc5cf-4c7f-40de-aa5f-36b84b85f9f4" providerId="ADAL" clId="{D4F8EDFF-8D22-436F-92E2-C640653DB82F}" dt="2023-10-12T17:05:02.810" v="905" actId="478"/>
+          <ac:spMkLst>
+            <pc:docMk/>
+            <pc:sldMk cId="3767813412" sldId="259"/>
+            <ac:spMk id="31" creationId="{F49D7C8B-1D23-35D3-B4FD-8121DEB1AFD0}"/>
+          </ac:spMkLst>
+        </pc:spChg>
+        <pc:spChg chg="add del mod">
+          <ac:chgData name="Maldonado, Daniel" userId="208bc5cf-4c7f-40de-aa5f-36b84b85f9f4" providerId="ADAL" clId="{D4F8EDFF-8D22-436F-92E2-C640653DB82F}" dt="2023-10-12T17:05:02.810" v="905" actId="478"/>
+          <ac:spMkLst>
+            <pc:docMk/>
+            <pc:sldMk cId="3767813412" sldId="259"/>
+            <ac:spMk id="32" creationId="{2A6D3F8E-9050-5C42-7708-7D835A099579}"/>
+          </ac:spMkLst>
+        </pc:spChg>
+        <pc:spChg chg="add del mod">
+          <ac:chgData name="Maldonado, Daniel" userId="208bc5cf-4c7f-40de-aa5f-36b84b85f9f4" providerId="ADAL" clId="{D4F8EDFF-8D22-436F-92E2-C640653DB82F}" dt="2023-10-12T17:05:02.810" v="905" actId="478"/>
+          <ac:spMkLst>
+            <pc:docMk/>
+            <pc:sldMk cId="3767813412" sldId="259"/>
+            <ac:spMk id="33" creationId="{33C0E8E3-B8C2-D709-5697-3223CEBC4E5D}"/>
+          </ac:spMkLst>
+        </pc:spChg>
+        <pc:spChg chg="add del mod">
+          <ac:chgData name="Maldonado, Daniel" userId="208bc5cf-4c7f-40de-aa5f-36b84b85f9f4" providerId="ADAL" clId="{D4F8EDFF-8D22-436F-92E2-C640653DB82F}" dt="2023-10-12T17:05:02.810" v="905" actId="478"/>
+          <ac:spMkLst>
+            <pc:docMk/>
+            <pc:sldMk cId="3767813412" sldId="259"/>
+            <ac:spMk id="34" creationId="{9F00A64D-DDD9-DAF3-D50E-16C64A031B30}"/>
+          </ac:spMkLst>
+        </pc:spChg>
+        <pc:spChg chg="add del mod">
+          <ac:chgData name="Maldonado, Daniel" userId="208bc5cf-4c7f-40de-aa5f-36b84b85f9f4" providerId="ADAL" clId="{D4F8EDFF-8D22-436F-92E2-C640653DB82F}" dt="2023-10-12T17:05:02.810" v="905" actId="478"/>
+          <ac:spMkLst>
+            <pc:docMk/>
+            <pc:sldMk cId="3767813412" sldId="259"/>
+            <ac:spMk id="35" creationId="{7050D542-ED67-730B-4B38-A27CA031C340}"/>
+          </ac:spMkLst>
+        </pc:spChg>
+        <pc:spChg chg="add del mod">
+          <ac:chgData name="Maldonado, Daniel" userId="208bc5cf-4c7f-40de-aa5f-36b84b85f9f4" providerId="ADAL" clId="{D4F8EDFF-8D22-436F-92E2-C640653DB82F}" dt="2023-10-12T17:05:02.810" v="905" actId="478"/>
+          <ac:spMkLst>
+            <pc:docMk/>
+            <pc:sldMk cId="3767813412" sldId="259"/>
+            <ac:spMk id="36" creationId="{8DAE6F6A-DE78-EDE1-3B79-ED43B35B7E38}"/>
+          </ac:spMkLst>
+        </pc:spChg>
+        <pc:spChg chg="add del mod">
+          <ac:chgData name="Maldonado, Daniel" userId="208bc5cf-4c7f-40de-aa5f-36b84b85f9f4" providerId="ADAL" clId="{D4F8EDFF-8D22-436F-92E2-C640653DB82F}" dt="2023-10-12T17:05:02.810" v="905" actId="478"/>
+          <ac:spMkLst>
+            <pc:docMk/>
+            <pc:sldMk cId="3767813412" sldId="259"/>
+            <ac:spMk id="37" creationId="{D88218A3-338C-C9B3-245F-8AF738E87FDA}"/>
+          </ac:spMkLst>
+        </pc:spChg>
+        <pc:spChg chg="add del mod">
+          <ac:chgData name="Maldonado, Daniel" userId="208bc5cf-4c7f-40de-aa5f-36b84b85f9f4" providerId="ADAL" clId="{D4F8EDFF-8D22-436F-92E2-C640653DB82F}" dt="2023-10-12T17:05:02.810" v="905" actId="478"/>
+          <ac:spMkLst>
+            <pc:docMk/>
+            <pc:sldMk cId="3767813412" sldId="259"/>
+            <ac:spMk id="38" creationId="{CE05FDEA-FB4B-9D39-4ABD-FAB5738F4C7A}"/>
+          </ac:spMkLst>
+        </pc:spChg>
+        <pc:spChg chg="add del mod">
+          <ac:chgData name="Maldonado, Daniel" userId="208bc5cf-4c7f-40de-aa5f-36b84b85f9f4" providerId="ADAL" clId="{D4F8EDFF-8D22-436F-92E2-C640653DB82F}" dt="2023-10-12T17:05:02.810" v="905" actId="478"/>
+          <ac:spMkLst>
+            <pc:docMk/>
+            <pc:sldMk cId="3767813412" sldId="259"/>
+            <ac:spMk id="39" creationId="{90977D34-9C37-55C9-2EBB-02F137E94159}"/>
+          </ac:spMkLst>
+        </pc:spChg>
+        <pc:spChg chg="add mod">
+          <ac:chgData name="Maldonado, Daniel" userId="208bc5cf-4c7f-40de-aa5f-36b84b85f9f4" providerId="ADAL" clId="{D4F8EDFF-8D22-436F-92E2-C640653DB82F}" dt="2023-10-12T16:49:04.624" v="665" actId="1076"/>
+          <ac:spMkLst>
+            <pc:docMk/>
+            <pc:sldMk cId="3767813412" sldId="259"/>
+            <ac:spMk id="40" creationId="{DC2E4665-6CBD-92EC-C296-A7DF360DC3A9}"/>
+          </ac:spMkLst>
+        </pc:spChg>
+        <pc:spChg chg="add mod">
+          <ac:chgData name="Maldonado, Daniel" userId="208bc5cf-4c7f-40de-aa5f-36b84b85f9f4" providerId="ADAL" clId="{D4F8EDFF-8D22-436F-92E2-C640653DB82F}" dt="2023-10-12T16:49:04.624" v="665" actId="1076"/>
+          <ac:spMkLst>
+            <pc:docMk/>
+            <pc:sldMk cId="3767813412" sldId="259"/>
+            <ac:spMk id="41" creationId="{F233DC48-D0FB-2987-1BDD-50C1D5201533}"/>
+          </ac:spMkLst>
+        </pc:spChg>
+        <pc:spChg chg="add mod">
+          <ac:chgData name="Maldonado, Daniel" userId="208bc5cf-4c7f-40de-aa5f-36b84b85f9f4" providerId="ADAL" clId="{D4F8EDFF-8D22-436F-92E2-C640653DB82F}" dt="2023-10-12T16:49:04.624" v="665" actId="1076"/>
+          <ac:spMkLst>
+            <pc:docMk/>
+            <pc:sldMk cId="3767813412" sldId="259"/>
+            <ac:spMk id="42" creationId="{918009D2-FC40-15D9-EDAF-56AFF3E18204}"/>
+          </ac:spMkLst>
+        </pc:spChg>
+        <pc:spChg chg="add mod">
+          <ac:chgData name="Maldonado, Daniel" userId="208bc5cf-4c7f-40de-aa5f-36b84b85f9f4" providerId="ADAL" clId="{D4F8EDFF-8D22-436F-92E2-C640653DB82F}" dt="2023-10-12T16:49:04.624" v="665" actId="1076"/>
+          <ac:spMkLst>
+            <pc:docMk/>
+            <pc:sldMk cId="3767813412" sldId="259"/>
+            <ac:spMk id="43" creationId="{60FB1637-8B35-7047-21B9-8EC79310C298}"/>
+          </ac:spMkLst>
+        </pc:spChg>
+        <pc:spChg chg="add mod">
+          <ac:chgData name="Maldonado, Daniel" userId="208bc5cf-4c7f-40de-aa5f-36b84b85f9f4" providerId="ADAL" clId="{D4F8EDFF-8D22-436F-92E2-C640653DB82F}" dt="2023-10-12T16:49:04.624" v="665" actId="1076"/>
+          <ac:spMkLst>
+            <pc:docMk/>
+            <pc:sldMk cId="3767813412" sldId="259"/>
+            <ac:spMk id="44" creationId="{2B98A963-4F4B-9F88-2977-F8565E724FC7}"/>
+          </ac:spMkLst>
+        </pc:spChg>
+        <pc:spChg chg="add mod">
+          <ac:chgData name="Maldonado, Daniel" userId="208bc5cf-4c7f-40de-aa5f-36b84b85f9f4" providerId="ADAL" clId="{D4F8EDFF-8D22-436F-92E2-C640653DB82F}" dt="2023-10-12T16:47:49.216" v="602" actId="14100"/>
+          <ac:spMkLst>
+            <pc:docMk/>
+            <pc:sldMk cId="3767813412" sldId="259"/>
+            <ac:spMk id="46" creationId="{538034D1-8718-28EE-76C6-D53B1AE728C0}"/>
+          </ac:spMkLst>
+        </pc:spChg>
+        <pc:spChg chg="add mod">
+          <ac:chgData name="Maldonado, Daniel" userId="208bc5cf-4c7f-40de-aa5f-36b84b85f9f4" providerId="ADAL" clId="{D4F8EDFF-8D22-436F-92E2-C640653DB82F}" dt="2023-10-12T17:30:04.966" v="1207" actId="20577"/>
+          <ac:spMkLst>
+            <pc:docMk/>
+            <pc:sldMk cId="3767813412" sldId="259"/>
+            <ac:spMk id="47" creationId="{39C4F4DE-ED58-C4BD-A0DE-24305556D79C}"/>
+          </ac:spMkLst>
+        </pc:spChg>
+        <pc:spChg chg="add mod">
+          <ac:chgData name="Maldonado, Daniel" userId="208bc5cf-4c7f-40de-aa5f-36b84b85f9f4" providerId="ADAL" clId="{D4F8EDFF-8D22-436F-92E2-C640653DB82F}" dt="2023-10-12T16:50:20.332" v="749" actId="33524"/>
+          <ac:spMkLst>
+            <pc:docMk/>
+            <pc:sldMk cId="3767813412" sldId="259"/>
+            <ac:spMk id="53" creationId="{B65A3C7A-4455-81AA-E7A8-CA8CC59EDB43}"/>
+          </ac:spMkLst>
+        </pc:spChg>
+        <pc:spChg chg="add mod">
+          <ac:chgData name="Maldonado, Daniel" userId="208bc5cf-4c7f-40de-aa5f-36b84b85f9f4" providerId="ADAL" clId="{D4F8EDFF-8D22-436F-92E2-C640653DB82F}" dt="2023-10-12T17:07:43.564" v="993" actId="20577"/>
+          <ac:spMkLst>
+            <pc:docMk/>
+            <pc:sldMk cId="3767813412" sldId="259"/>
+            <ac:spMk id="55" creationId="{14276B5D-2642-0CF0-D579-579C6B8DA4E9}"/>
+          </ac:spMkLst>
+        </pc:spChg>
+        <pc:spChg chg="add mod">
+          <ac:chgData name="Maldonado, Daniel" userId="208bc5cf-4c7f-40de-aa5f-36b84b85f9f4" providerId="ADAL" clId="{D4F8EDFF-8D22-436F-92E2-C640653DB82F}" dt="2023-10-12T17:08:06.917" v="994" actId="207"/>
+          <ac:spMkLst>
+            <pc:docMk/>
+            <pc:sldMk cId="3767813412" sldId="259"/>
+            <ac:spMk id="56" creationId="{9AAF1A5B-CDDA-7FE4-E2DC-09489ACB0AA4}"/>
+          </ac:spMkLst>
+        </pc:spChg>
+        <pc:spChg chg="add mod">
+          <ac:chgData name="Maldonado, Daniel" userId="208bc5cf-4c7f-40de-aa5f-36b84b85f9f4" providerId="ADAL" clId="{D4F8EDFF-8D22-436F-92E2-C640653DB82F}" dt="2023-10-12T17:06:23.678" v="943" actId="20577"/>
+          <ac:spMkLst>
+            <pc:docMk/>
+            <pc:sldMk cId="3767813412" sldId="259"/>
+            <ac:spMk id="57" creationId="{08DF9980-89B1-F77B-6444-6AEE4284D8EC}"/>
+          </ac:spMkLst>
+        </pc:spChg>
+        <pc:spChg chg="add mod">
+          <ac:chgData name="Maldonado, Daniel" userId="208bc5cf-4c7f-40de-aa5f-36b84b85f9f4" providerId="ADAL" clId="{D4F8EDFF-8D22-436F-92E2-C640653DB82F}" dt="2023-10-12T17:06:43.471" v="951" actId="20577"/>
+          <ac:spMkLst>
+            <pc:docMk/>
+            <pc:sldMk cId="3767813412" sldId="259"/>
+            <ac:spMk id="58" creationId="{58BD6280-C3FE-C7E9-B832-0D26FF077613}"/>
+          </ac:spMkLst>
+        </pc:spChg>
+        <pc:spChg chg="add mod">
+          <ac:chgData name="Maldonado, Daniel" userId="208bc5cf-4c7f-40de-aa5f-36b84b85f9f4" providerId="ADAL" clId="{D4F8EDFF-8D22-436F-92E2-C640653DB82F}" dt="2023-10-12T17:05:14.670" v="906" actId="571"/>
+          <ac:spMkLst>
+            <pc:docMk/>
+            <pc:sldMk cId="3767813412" sldId="259"/>
+            <ac:spMk id="59" creationId="{B68A5E8F-843C-E4CD-5AF0-83EFCEC808E0}"/>
+          </ac:spMkLst>
+        </pc:spChg>
+        <pc:spChg chg="add mod">
+          <ac:chgData name="Maldonado, Daniel" userId="208bc5cf-4c7f-40de-aa5f-36b84b85f9f4" providerId="ADAL" clId="{D4F8EDFF-8D22-436F-92E2-C640653DB82F}" dt="2023-10-12T17:07:31.824" v="979" actId="20577"/>
+          <ac:spMkLst>
+            <pc:docMk/>
+            <pc:sldMk cId="3767813412" sldId="259"/>
+            <ac:spMk id="60" creationId="{5AB8DED0-0D5F-3989-1AB0-CF135632198D}"/>
+          </ac:spMkLst>
+        </pc:spChg>
+        <pc:spChg chg="add mod">
+          <ac:chgData name="Maldonado, Daniel" userId="208bc5cf-4c7f-40de-aa5f-36b84b85f9f4" providerId="ADAL" clId="{D4F8EDFF-8D22-436F-92E2-C640653DB82F}" dt="2023-10-12T17:07:38.614" v="987" actId="20577"/>
+          <ac:spMkLst>
+            <pc:docMk/>
+            <pc:sldMk cId="3767813412" sldId="259"/>
+            <ac:spMk id="61" creationId="{7FEB2675-68A6-1F26-BFA5-6AD7CAE3393B}"/>
+          </ac:spMkLst>
+        </pc:spChg>
+        <pc:spChg chg="add mod">
+          <ac:chgData name="Maldonado, Daniel" userId="208bc5cf-4c7f-40de-aa5f-36b84b85f9f4" providerId="ADAL" clId="{D4F8EDFF-8D22-436F-92E2-C640653DB82F}" dt="2023-10-12T17:05:43.765" v="923" actId="571"/>
+          <ac:spMkLst>
+            <pc:docMk/>
+            <pc:sldMk cId="3767813412" sldId="259"/>
+            <ac:spMk id="62" creationId="{55BFF769-EA08-9520-5E6D-25B1892FB9F5}"/>
+          </ac:spMkLst>
+        </pc:spChg>
+        <pc:spChg chg="add mod">
+          <ac:chgData name="Maldonado, Daniel" userId="208bc5cf-4c7f-40de-aa5f-36b84b85f9f4" providerId="ADAL" clId="{D4F8EDFF-8D22-436F-92E2-C640653DB82F}" dt="2023-10-12T17:05:49.280" v="927" actId="20577"/>
+          <ac:spMkLst>
+            <pc:docMk/>
+            <pc:sldMk cId="3767813412" sldId="259"/>
+            <ac:spMk id="63" creationId="{158F5768-BC15-389D-D85A-92F1FC85C19A}"/>
+          </ac:spMkLst>
+        </pc:spChg>
+        <pc:spChg chg="add mod">
+          <ac:chgData name="Maldonado, Daniel" userId="208bc5cf-4c7f-40de-aa5f-36b84b85f9f4" providerId="ADAL" clId="{D4F8EDFF-8D22-436F-92E2-C640653DB82F}" dt="2023-10-12T17:07:05.106" v="958" actId="20577"/>
+          <ac:spMkLst>
+            <pc:docMk/>
+            <pc:sldMk cId="3767813412" sldId="259"/>
+            <ac:spMk id="1024" creationId="{15C50BBB-38C2-CB00-8C05-CED197A9F44B}"/>
+          </ac:spMkLst>
+        </pc:spChg>
+        <pc:spChg chg="add mod">
+          <ac:chgData name="Maldonado, Daniel" userId="208bc5cf-4c7f-40de-aa5f-36b84b85f9f4" providerId="ADAL" clId="{D4F8EDFF-8D22-436F-92E2-C640653DB82F}" dt="2023-10-12T17:05:43.765" v="923" actId="571"/>
+          <ac:spMkLst>
+            <pc:docMk/>
+            <pc:sldMk cId="3767813412" sldId="259"/>
+            <ac:spMk id="1025" creationId="{FB841BC7-5C1E-52DD-104F-7BCFFC3811D3}"/>
+          </ac:spMkLst>
+        </pc:spChg>
+        <pc:spChg chg="add mod">
+          <ac:chgData name="Maldonado, Daniel" userId="208bc5cf-4c7f-40de-aa5f-36b84b85f9f4" providerId="ADAL" clId="{D4F8EDFF-8D22-436F-92E2-C640653DB82F}" dt="2023-10-12T17:07:29.364" v="977" actId="20577"/>
+          <ac:spMkLst>
+            <pc:docMk/>
+            <pc:sldMk cId="3767813412" sldId="259"/>
+            <ac:spMk id="1027" creationId="{54D51B9C-544B-AF07-EA0E-36FB2C3CBC2C}"/>
+          </ac:spMkLst>
+        </pc:spChg>
+        <pc:spChg chg="add mod">
+          <ac:chgData name="Maldonado, Daniel" userId="208bc5cf-4c7f-40de-aa5f-36b84b85f9f4" providerId="ADAL" clId="{D4F8EDFF-8D22-436F-92E2-C640653DB82F}" dt="2023-10-12T17:07:12.100" v="971" actId="20577"/>
+          <ac:spMkLst>
+            <pc:docMk/>
+            <pc:sldMk cId="3767813412" sldId="259"/>
+            <ac:spMk id="1028" creationId="{842F8237-76D3-5323-7ABF-A103144D755B}"/>
+          </ac:spMkLst>
+        </pc:spChg>
+        <pc:grpChg chg="add mod">
+          <ac:chgData name="Maldonado, Daniel" userId="208bc5cf-4c7f-40de-aa5f-36b84b85f9f4" providerId="ADAL" clId="{D4F8EDFF-8D22-436F-92E2-C640653DB82F}" dt="2023-10-12T16:27:52.863" v="284" actId="164"/>
+          <ac:grpSpMkLst>
+            <pc:docMk/>
+            <pc:sldMk cId="3767813412" sldId="259"/>
+            <ac:grpSpMk id="18" creationId="{61640D9D-2BD1-999E-ACE3-258E9A78E537}"/>
+          </ac:grpSpMkLst>
+        </pc:grpChg>
+        <pc:graphicFrameChg chg="del">
+          <ac:chgData name="Maldonado, Daniel" userId="208bc5cf-4c7f-40de-aa5f-36b84b85f9f4" providerId="ADAL" clId="{D4F8EDFF-8D22-436F-92E2-C640653DB82F}" dt="2023-10-12T16:23:13.104" v="255" actId="478"/>
+          <ac:graphicFrameMkLst>
+            <pc:docMk/>
+            <pc:sldMk cId="3767813412" sldId="259"/>
+            <ac:graphicFrameMk id="2" creationId="{387817E4-2C9E-F0E7-8AD1-B88F00C98E9D}"/>
+          </ac:graphicFrameMkLst>
+        </pc:graphicFrameChg>
+        <pc:graphicFrameChg chg="del modGraphic">
+          <ac:chgData name="Maldonado, Daniel" userId="208bc5cf-4c7f-40de-aa5f-36b84b85f9f4" providerId="ADAL" clId="{D4F8EDFF-8D22-436F-92E2-C640653DB82F}" dt="2023-10-12T16:31:55.465" v="308" actId="478"/>
+          <ac:graphicFrameMkLst>
+            <pc:docMk/>
+            <pc:sldMk cId="3767813412" sldId="259"/>
+            <ac:graphicFrameMk id="6" creationId="{4CE8F100-B7EB-711C-2777-DD1B5F7925FC}"/>
+          </ac:graphicFrameMkLst>
+        </pc:graphicFrameChg>
+        <pc:graphicFrameChg chg="mod">
+          <ac:chgData name="Maldonado, Daniel" userId="208bc5cf-4c7f-40de-aa5f-36b84b85f9f4" providerId="ADAL" clId="{D4F8EDFF-8D22-436F-92E2-C640653DB82F}" dt="2023-10-12T16:23:53.727" v="260" actId="1076"/>
+          <ac:graphicFrameMkLst>
+            <pc:docMk/>
+            <pc:sldMk cId="3767813412" sldId="259"/>
+            <ac:graphicFrameMk id="12" creationId="{61B08023-FDA1-6070-8953-1B102215E194}"/>
+          </ac:graphicFrameMkLst>
+        </pc:graphicFrameChg>
+        <pc:graphicFrameChg chg="add mod modGraphic">
+          <ac:chgData name="Maldonado, Daniel" userId="208bc5cf-4c7f-40de-aa5f-36b84b85f9f4" providerId="ADAL" clId="{D4F8EDFF-8D22-436F-92E2-C640653DB82F}" dt="2023-10-12T17:22:30.313" v="1031"/>
+          <ac:graphicFrameMkLst>
+            <pc:docMk/>
+            <pc:sldMk cId="3767813412" sldId="259"/>
+            <ac:graphicFrameMk id="19" creationId="{47DA04BD-D556-E349-F093-088F09954839}"/>
+          </ac:graphicFrameMkLst>
+        </pc:graphicFrameChg>
+        <pc:picChg chg="del">
+          <ac:chgData name="Maldonado, Daniel" userId="208bc5cf-4c7f-40de-aa5f-36b84b85f9f4" providerId="ADAL" clId="{D4F8EDFF-8D22-436F-92E2-C640653DB82F}" dt="2023-10-12T16:23:13.104" v="255" actId="478"/>
+          <ac:picMkLst>
+            <pc:docMk/>
+            <pc:sldMk cId="3767813412" sldId="259"/>
+            <ac:picMk id="4" creationId="{2A0B324B-5B8B-30C6-FFEF-21DA89C8D965}"/>
+          </ac:picMkLst>
+        </pc:picChg>
+        <pc:picChg chg="del">
+          <ac:chgData name="Maldonado, Daniel" userId="208bc5cf-4c7f-40de-aa5f-36b84b85f9f4" providerId="ADAL" clId="{D4F8EDFF-8D22-436F-92E2-C640653DB82F}" dt="2023-10-12T16:23:13.104" v="255" actId="478"/>
+          <ac:picMkLst>
+            <pc:docMk/>
+            <pc:sldMk cId="3767813412" sldId="259"/>
+            <ac:picMk id="5" creationId="{7F920867-97AB-3CE3-46D4-1C1DAD23F8A6}"/>
+          </ac:picMkLst>
+        </pc:picChg>
+        <pc:picChg chg="del">
+          <ac:chgData name="Maldonado, Daniel" userId="208bc5cf-4c7f-40de-aa5f-36b84b85f9f4" providerId="ADAL" clId="{D4F8EDFF-8D22-436F-92E2-C640653DB82F}" dt="2023-10-12T16:23:13.104" v="255" actId="478"/>
+          <ac:picMkLst>
+            <pc:docMk/>
+            <pc:sldMk cId="3767813412" sldId="259"/>
+            <ac:picMk id="7" creationId="{B05F2212-91CA-8F10-7922-8391CB2E421B}"/>
+          </ac:picMkLst>
+        </pc:picChg>
+        <pc:picChg chg="del">
+          <ac:chgData name="Maldonado, Daniel" userId="208bc5cf-4c7f-40de-aa5f-36b84b85f9f4" providerId="ADAL" clId="{D4F8EDFF-8D22-436F-92E2-C640653DB82F}" dt="2023-10-12T16:23:13.104" v="255" actId="478"/>
+          <ac:picMkLst>
+            <pc:docMk/>
+            <pc:sldMk cId="3767813412" sldId="259"/>
+            <ac:picMk id="8" creationId="{CBA1B897-A7C9-E38B-51BF-6D43E2036CB9}"/>
+          </ac:picMkLst>
+        </pc:picChg>
+        <pc:picChg chg="add mod">
+          <ac:chgData name="Maldonado, Daniel" userId="208bc5cf-4c7f-40de-aa5f-36b84b85f9f4" providerId="ADAL" clId="{D4F8EDFF-8D22-436F-92E2-C640653DB82F}" dt="2023-10-12T16:52:00.981" v="751"/>
+          <ac:picMkLst>
+            <pc:docMk/>
+            <pc:sldMk cId="3767813412" sldId="259"/>
+            <ac:picMk id="1026" creationId="{9FB0D8A3-BCFD-E629-3ACD-A10E5016AC48}"/>
+          </ac:picMkLst>
+        </pc:picChg>
+        <pc:cxnChg chg="add mod">
+          <ac:chgData name="Maldonado, Daniel" userId="208bc5cf-4c7f-40de-aa5f-36b84b85f9f4" providerId="ADAL" clId="{D4F8EDFF-8D22-436F-92E2-C640653DB82F}" dt="2023-10-12T16:50:27.164" v="750" actId="14100"/>
+          <ac:cxnSpMkLst>
+            <pc:docMk/>
+            <pc:sldMk cId="3767813412" sldId="259"/>
+            <ac:cxnSpMk id="49" creationId="{E47DC78C-4344-43CB-C9D5-E58F8E67DCE2}"/>
+          </ac:cxnSpMkLst>
+        </pc:cxnChg>
+        <pc:extLst>
+          <p:ext xmlns:p="http://schemas.openxmlformats.org/presentationml/2006/main" uri="{D6D511B9-2390-475A-947B-AFAB55BFBCF1}">
+            <pc226:cmChg xmlns:pc226="http://schemas.microsoft.com/office/powerpoint/2022/06/main/command" chg="add">
+              <pc226:chgData name="Maldonado, Daniel" userId="208bc5cf-4c7f-40de-aa5f-36b84b85f9f4" providerId="ADAL" clId="{D4F8EDFF-8D22-436F-92E2-C640653DB82F}" dt="2023-10-12T16:28:09.904" v="285"/>
+              <pc2:cmMkLst xmlns:pc2="http://schemas.microsoft.com/office/powerpoint/2019/9/main/command">
+                <pc:docMk/>
+                <pc:sldMk cId="3767813412" sldId="259"/>
+                <pc2:cmMk id="{0A60AA8B-7088-40DB-BE9D-B79AC5AA9C14}"/>
+              </pc2:cmMkLst>
+            </pc226:cmChg>
+          </p:ext>
+        </pc:extLst>
+      </pc:sldChg>
+      <pc:sldChg chg="modSp add del mod">
+        <pc:chgData name="Maldonado, Daniel" userId="208bc5cf-4c7f-40de-aa5f-36b84b85f9f4" providerId="ADAL" clId="{D4F8EDFF-8D22-436F-92E2-C640653DB82F}" dt="2023-10-12T16:34:31.204" v="371" actId="47"/>
+        <pc:sldMkLst>
+          <pc:docMk/>
+          <pc:sldMk cId="796129203" sldId="260"/>
+        </pc:sldMkLst>
+        <pc:graphicFrameChg chg="modGraphic">
+          <ac:chgData name="Maldonado, Daniel" userId="208bc5cf-4c7f-40de-aa5f-36b84b85f9f4" providerId="ADAL" clId="{D4F8EDFF-8D22-436F-92E2-C640653DB82F}" dt="2023-10-12T16:31:52.563" v="307" actId="2084"/>
+          <ac:graphicFrameMkLst>
+            <pc:docMk/>
+            <pc:sldMk cId="796129203" sldId="260"/>
+            <ac:graphicFrameMk id="41" creationId="{97939C03-FC6D-9265-E951-B18B0BD61E77}"/>
+          </ac:graphicFrameMkLst>
+        </pc:graphicFrameChg>
+      </pc:sldChg>
+      <pc:sldChg chg="addSp delSp modSp add mod ord">
+        <pc:chgData name="Maldonado, Daniel" userId="208bc5cf-4c7f-40de-aa5f-36b84b85f9f4" providerId="ADAL" clId="{D4F8EDFF-8D22-436F-92E2-C640653DB82F}" dt="2023-10-12T17:02:55.824" v="841" actId="20577"/>
+        <pc:sldMkLst>
+          <pc:docMk/>
+          <pc:sldMk cId="1281371689" sldId="261"/>
+        </pc:sldMkLst>
+        <pc:spChg chg="mod">
+          <ac:chgData name="Maldonado, Daniel" userId="208bc5cf-4c7f-40de-aa5f-36b84b85f9f4" providerId="ADAL" clId="{D4F8EDFF-8D22-436F-92E2-C640653DB82F}" dt="2023-10-12T16:34:03.749" v="367" actId="20577"/>
+          <ac:spMkLst>
+            <pc:docMk/>
+            <pc:sldMk cId="1281371689" sldId="261"/>
+            <ac:spMk id="3" creationId="{2CE8C579-7494-6A2F-2E22-0B45FBF4DA55}"/>
+          </ac:spMkLst>
+        </pc:spChg>
+        <pc:spChg chg="mod">
+          <ac:chgData name="Maldonado, Daniel" userId="208bc5cf-4c7f-40de-aa5f-36b84b85f9f4" providerId="ADAL" clId="{D4F8EDFF-8D22-436F-92E2-C640653DB82F}" dt="2023-10-12T16:33:34.517" v="339" actId="20577"/>
+          <ac:spMkLst>
+            <pc:docMk/>
+            <pc:sldMk cId="1281371689" sldId="261"/>
+            <ac:spMk id="9" creationId="{0373BD9D-1630-F5AA-B7EA-06E6635A217B}"/>
+          </ac:spMkLst>
+        </pc:spChg>
+        <pc:spChg chg="add del mod">
+          <ac:chgData name="Maldonado, Daniel" userId="208bc5cf-4c7f-40de-aa5f-36b84b85f9f4" providerId="ADAL" clId="{D4F8EDFF-8D22-436F-92E2-C640653DB82F}" dt="2023-10-12T17:02:21.681" v="832" actId="478"/>
+          <ac:spMkLst>
+            <pc:docMk/>
+            <pc:sldMk cId="1281371689" sldId="261"/>
+            <ac:spMk id="11" creationId="{D9A13152-59FA-C9B6-C2B2-19C552D77FD7}"/>
+          </ac:spMkLst>
+        </pc:spChg>
+        <pc:spChg chg="add mod">
+          <ac:chgData name="Maldonado, Daniel" userId="208bc5cf-4c7f-40de-aa5f-36b84b85f9f4" providerId="ADAL" clId="{D4F8EDFF-8D22-436F-92E2-C640653DB82F}" dt="2023-10-12T17:02:35.558" v="840" actId="1076"/>
+          <ac:spMkLst>
+            <pc:docMk/>
+            <pc:sldMk cId="1281371689" sldId="261"/>
+            <ac:spMk id="13" creationId="{A1C97C49-7294-E28A-13C3-A32510D0FBEF}"/>
+          </ac:spMkLst>
+        </pc:spChg>
+        <pc:spChg chg="add mod">
+          <ac:chgData name="Maldonado, Daniel" userId="208bc5cf-4c7f-40de-aa5f-36b84b85f9f4" providerId="ADAL" clId="{D4F8EDFF-8D22-436F-92E2-C640653DB82F}" dt="2023-10-12T17:02:55.824" v="841" actId="20577"/>
+          <ac:spMkLst>
+            <pc:docMk/>
+            <pc:sldMk cId="1281371689" sldId="261"/>
+            <ac:spMk id="14" creationId="{CAB61050-9E75-50B8-C62E-0500F3272F36}"/>
+          </ac:spMkLst>
+        </pc:spChg>
+        <pc:graphicFrameChg chg="modGraphic">
+          <ac:chgData name="Maldonado, Daniel" userId="208bc5cf-4c7f-40de-aa5f-36b84b85f9f4" providerId="ADAL" clId="{D4F8EDFF-8D22-436F-92E2-C640653DB82F}" dt="2023-10-12T16:33:56.204" v="359" actId="20577"/>
+          <ac:graphicFrameMkLst>
+            <pc:docMk/>
+            <pc:sldMk cId="1281371689" sldId="261"/>
+            <ac:graphicFrameMk id="2" creationId="{387817E4-2C9E-F0E7-8AD1-B88F00C98E9D}"/>
+          </ac:graphicFrameMkLst>
+        </pc:graphicFrameChg>
+        <pc:graphicFrameChg chg="add mod modGraphic">
+          <ac:chgData name="Maldonado, Daniel" userId="208bc5cf-4c7f-40de-aa5f-36b84b85f9f4" providerId="ADAL" clId="{D4F8EDFF-8D22-436F-92E2-C640653DB82F}" dt="2023-10-12T16:54:39.429" v="784" actId="2084"/>
+          <ac:graphicFrameMkLst>
+            <pc:docMk/>
+            <pc:sldMk cId="1281371689" sldId="261"/>
+            <ac:graphicFrameMk id="6" creationId="{9CDDFB77-3F87-5A6E-D4FA-B8DB9ED4A873}"/>
+          </ac:graphicFrameMkLst>
+        </pc:graphicFrameChg>
+        <pc:graphicFrameChg chg="del">
+          <ac:chgData name="Maldonado, Daniel" userId="208bc5cf-4c7f-40de-aa5f-36b84b85f9f4" providerId="ADAL" clId="{D4F8EDFF-8D22-436F-92E2-C640653DB82F}" dt="2023-10-12T16:33:21.743" v="323" actId="478"/>
+          <ac:graphicFrameMkLst>
+            <pc:docMk/>
+            <pc:sldMk cId="1281371689" sldId="261"/>
+            <ac:graphicFrameMk id="18" creationId="{168BC620-61D8-6B7D-2146-F02C1B2FE89F}"/>
+          </ac:graphicFrameMkLst>
+        </pc:graphicFrameChg>
+      </pc:sldChg>
+      <pc:sldChg chg="addSp delSp modSp add mod">
+        <pc:chgData name="Maldonado, Daniel" userId="208bc5cf-4c7f-40de-aa5f-36b84b85f9f4" providerId="ADAL" clId="{D4F8EDFF-8D22-436F-92E2-C640653DB82F}" dt="2023-10-12T17:22:20.359" v="1021"/>
+        <pc:sldMkLst>
+          <pc:docMk/>
+          <pc:sldMk cId="141755162" sldId="262"/>
+        </pc:sldMkLst>
+        <pc:spChg chg="mod">
+          <ac:chgData name="Maldonado, Daniel" userId="208bc5cf-4c7f-40de-aa5f-36b84b85f9f4" providerId="ADAL" clId="{D4F8EDFF-8D22-436F-92E2-C640653DB82F}" dt="2023-10-12T16:57:35.404" v="788" actId="1076"/>
+          <ac:spMkLst>
+            <pc:docMk/>
+            <pc:sldMk cId="141755162" sldId="262"/>
+            <ac:spMk id="3" creationId="{2CE8C579-7494-6A2F-2E22-0B45FBF4DA55}"/>
+          </ac:spMkLst>
+        </pc:spChg>
+        <pc:spChg chg="mod">
+          <ac:chgData name="Maldonado, Daniel" userId="208bc5cf-4c7f-40de-aa5f-36b84b85f9f4" providerId="ADAL" clId="{D4F8EDFF-8D22-436F-92E2-C640653DB82F}" dt="2023-10-12T16:35:17.708" v="399" actId="20577"/>
+          <ac:spMkLst>
+            <pc:docMk/>
+            <pc:sldMk cId="141755162" sldId="262"/>
+            <ac:spMk id="9" creationId="{0373BD9D-1630-F5AA-B7EA-06E6635A217B}"/>
+          </ac:spMkLst>
+        </pc:spChg>
+        <pc:graphicFrameChg chg="mod modGraphic">
+          <ac:chgData name="Maldonado, Daniel" userId="208bc5cf-4c7f-40de-aa5f-36b84b85f9f4" providerId="ADAL" clId="{D4F8EDFF-8D22-436F-92E2-C640653DB82F}" dt="2023-10-12T16:57:41.451" v="794"/>
+          <ac:graphicFrameMkLst>
+            <pc:docMk/>
+            <pc:sldMk cId="141755162" sldId="262"/>
+            <ac:graphicFrameMk id="2" creationId="{387817E4-2C9E-F0E7-8AD1-B88F00C98E9D}"/>
+          </ac:graphicFrameMkLst>
+        </pc:graphicFrameChg>
+        <pc:graphicFrameChg chg="del">
+          <ac:chgData name="Maldonado, Daniel" userId="208bc5cf-4c7f-40de-aa5f-36b84b85f9f4" providerId="ADAL" clId="{D4F8EDFF-8D22-436F-92E2-C640653DB82F}" dt="2023-10-12T16:34:20.414" v="369" actId="478"/>
+          <ac:graphicFrameMkLst>
+            <pc:docMk/>
+            <pc:sldMk cId="141755162" sldId="262"/>
+            <ac:graphicFrameMk id="6" creationId="{9CDDFB77-3F87-5A6E-D4FA-B8DB9ED4A873}"/>
+          </ac:graphicFrameMkLst>
+        </pc:graphicFrameChg>
+        <pc:graphicFrameChg chg="add mod modGraphic">
+          <ac:chgData name="Maldonado, Daniel" userId="208bc5cf-4c7f-40de-aa5f-36b84b85f9f4" providerId="ADAL" clId="{D4F8EDFF-8D22-436F-92E2-C640653DB82F}" dt="2023-10-12T17:22:20.359" v="1021"/>
+          <ac:graphicFrameMkLst>
+            <pc:docMk/>
+            <pc:sldMk cId="141755162" sldId="262"/>
+            <ac:graphicFrameMk id="11" creationId="{6FAEB015-1F55-25CF-E64A-666E782CC231}"/>
+          </ac:graphicFrameMkLst>
+        </pc:graphicFrameChg>
+        <pc:picChg chg="add mod">
+          <ac:chgData name="Maldonado, Daniel" userId="208bc5cf-4c7f-40de-aa5f-36b84b85f9f4" providerId="ADAL" clId="{D4F8EDFF-8D22-436F-92E2-C640653DB82F}" dt="2023-10-12T16:57:45.535" v="795" actId="571"/>
+          <ac:picMkLst>
+            <pc:docMk/>
+            <pc:sldMk cId="141755162" sldId="262"/>
+            <ac:picMk id="13" creationId="{35812E25-0C1F-97EA-F390-106359925598}"/>
+          </ac:picMkLst>
+        </pc:picChg>
+      </pc:sldChg>
+      <pc:sldChg chg="addSp delSp modSp add mod">
+        <pc:chgData name="Maldonado, Daniel" userId="208bc5cf-4c7f-40de-aa5f-36b84b85f9f4" providerId="ADAL" clId="{D4F8EDFF-8D22-436F-92E2-C640653DB82F}" dt="2023-10-12T17:27:10.759" v="1080" actId="1076"/>
+        <pc:sldMkLst>
+          <pc:docMk/>
+          <pc:sldMk cId="3467779208" sldId="263"/>
+        </pc:sldMkLst>
+        <pc:spChg chg="add mod">
+          <ac:chgData name="Maldonado, Daniel" userId="208bc5cf-4c7f-40de-aa5f-36b84b85f9f4" providerId="ADAL" clId="{D4F8EDFF-8D22-436F-92E2-C640653DB82F}" dt="2023-10-12T17:27:01.309" v="1069" actId="790"/>
+          <ac:spMkLst>
+            <pc:docMk/>
+            <pc:sldMk cId="3467779208" sldId="263"/>
+            <ac:spMk id="2" creationId="{BBCB7B3B-3DFE-0AB1-C1AD-AB7AC91239CF}"/>
+          </ac:spMkLst>
+        </pc:spChg>
+        <pc:spChg chg="add mod">
+          <ac:chgData name="Maldonado, Daniel" userId="208bc5cf-4c7f-40de-aa5f-36b84b85f9f4" providerId="ADAL" clId="{D4F8EDFF-8D22-436F-92E2-C640653DB82F}" dt="2023-10-12T17:27:10.759" v="1080" actId="1076"/>
+          <ac:spMkLst>
+            <pc:docMk/>
+            <pc:sldMk cId="3467779208" sldId="263"/>
+            <ac:spMk id="3" creationId="{1509698F-76C9-C05E-ACE4-08226D8762EF}"/>
+          </ac:spMkLst>
+        </pc:spChg>
+        <pc:spChg chg="del">
+          <ac:chgData name="Maldonado, Daniel" userId="208bc5cf-4c7f-40de-aa5f-36b84b85f9f4" providerId="ADAL" clId="{D4F8EDFF-8D22-436F-92E2-C640653DB82F}" dt="2023-10-12T17:23:02.024" v="1033" actId="478"/>
+          <ac:spMkLst>
+            <pc:docMk/>
+            <pc:sldMk cId="3467779208" sldId="263"/>
+            <ac:spMk id="20" creationId="{78F97CCB-60A5-016F-C7E7-B9AD8B574372}"/>
+          </ac:spMkLst>
+        </pc:spChg>
+        <pc:spChg chg="del">
+          <ac:chgData name="Maldonado, Daniel" userId="208bc5cf-4c7f-40de-aa5f-36b84b85f9f4" providerId="ADAL" clId="{D4F8EDFF-8D22-436F-92E2-C640653DB82F}" dt="2023-10-12T17:23:02.024" v="1033" actId="478"/>
+          <ac:spMkLst>
+            <pc:docMk/>
+            <pc:sldMk cId="3467779208" sldId="263"/>
+            <ac:spMk id="21" creationId="{460D5A63-A6AE-02FE-1889-19471D65E097}"/>
+          </ac:spMkLst>
+        </pc:spChg>
+        <pc:spChg chg="del">
+          <ac:chgData name="Maldonado, Daniel" userId="208bc5cf-4c7f-40de-aa5f-36b84b85f9f4" providerId="ADAL" clId="{D4F8EDFF-8D22-436F-92E2-C640653DB82F}" dt="2023-10-12T17:23:02.024" v="1033" actId="478"/>
+          <ac:spMkLst>
+            <pc:docMk/>
+            <pc:sldMk cId="3467779208" sldId="263"/>
+            <ac:spMk id="22" creationId="{71A9CE2E-2125-101D-C167-FD8D01A5551F}"/>
+          </ac:spMkLst>
+        </pc:spChg>
+        <pc:spChg chg="del">
+          <ac:chgData name="Maldonado, Daniel" userId="208bc5cf-4c7f-40de-aa5f-36b84b85f9f4" providerId="ADAL" clId="{D4F8EDFF-8D22-436F-92E2-C640653DB82F}" dt="2023-10-12T17:23:02.024" v="1033" actId="478"/>
+          <ac:spMkLst>
+            <pc:docMk/>
+            <pc:sldMk cId="3467779208" sldId="263"/>
+            <ac:spMk id="23" creationId="{D7918DA9-D313-A1BD-57F5-EB77FC79BBEF}"/>
+          </ac:spMkLst>
+        </pc:spChg>
+        <pc:spChg chg="del">
+          <ac:chgData name="Maldonado, Daniel" userId="208bc5cf-4c7f-40de-aa5f-36b84b85f9f4" providerId="ADAL" clId="{D4F8EDFF-8D22-436F-92E2-C640653DB82F}" dt="2023-10-12T17:23:02.024" v="1033" actId="478"/>
+          <ac:spMkLst>
+            <pc:docMk/>
+            <pc:sldMk cId="3467779208" sldId="263"/>
+            <ac:spMk id="24" creationId="{693BC1C5-E8A5-715F-E9A6-9FCDD23B22A9}"/>
+          </ac:spMkLst>
+        </pc:spChg>
+        <pc:spChg chg="del">
+          <ac:chgData name="Maldonado, Daniel" userId="208bc5cf-4c7f-40de-aa5f-36b84b85f9f4" providerId="ADAL" clId="{D4F8EDFF-8D22-436F-92E2-C640653DB82F}" dt="2023-10-12T17:23:02.024" v="1033" actId="478"/>
+          <ac:spMkLst>
+            <pc:docMk/>
+            <pc:sldMk cId="3467779208" sldId="263"/>
+            <ac:spMk id="25" creationId="{CD56D140-9137-0720-384C-D4E45A13BE15}"/>
+          </ac:spMkLst>
+        </pc:spChg>
+        <pc:spChg chg="del">
+          <ac:chgData name="Maldonado, Daniel" userId="208bc5cf-4c7f-40de-aa5f-36b84b85f9f4" providerId="ADAL" clId="{D4F8EDFF-8D22-436F-92E2-C640653DB82F}" dt="2023-10-12T17:23:02.024" v="1033" actId="478"/>
+          <ac:spMkLst>
+            <pc:docMk/>
+            <pc:sldMk cId="3467779208" sldId="263"/>
+            <ac:spMk id="26" creationId="{819EE118-3F49-91C9-5C24-54B847178F99}"/>
+          </ac:spMkLst>
+        </pc:spChg>
+        <pc:spChg chg="del">
+          <ac:chgData name="Maldonado, Daniel" userId="208bc5cf-4c7f-40de-aa5f-36b84b85f9f4" providerId="ADAL" clId="{D4F8EDFF-8D22-436F-92E2-C640653DB82F}" dt="2023-10-12T17:23:02.024" v="1033" actId="478"/>
+          <ac:spMkLst>
+            <pc:docMk/>
+            <pc:sldMk cId="3467779208" sldId="263"/>
+            <ac:spMk id="27" creationId="{12989461-E9F9-028C-D977-ABD2E8D4A86A}"/>
+          </ac:spMkLst>
+        </pc:spChg>
+        <pc:spChg chg="del">
+          <ac:chgData name="Maldonado, Daniel" userId="208bc5cf-4c7f-40de-aa5f-36b84b85f9f4" providerId="ADAL" clId="{D4F8EDFF-8D22-436F-92E2-C640653DB82F}" dt="2023-10-12T17:23:02.024" v="1033" actId="478"/>
+          <ac:spMkLst>
+            <pc:docMk/>
+            <pc:sldMk cId="3467779208" sldId="263"/>
+            <ac:spMk id="28" creationId="{4443D486-EA55-E662-163C-000E5FEAA8A0}"/>
+          </ac:spMkLst>
+        </pc:spChg>
+        <pc:spChg chg="del">
+          <ac:chgData name="Maldonado, Daniel" userId="208bc5cf-4c7f-40de-aa5f-36b84b85f9f4" providerId="ADAL" clId="{D4F8EDFF-8D22-436F-92E2-C640653DB82F}" dt="2023-10-12T17:23:02.024" v="1033" actId="478"/>
+          <ac:spMkLst>
+            <pc:docMk/>
+            <pc:sldMk cId="3467779208" sldId="263"/>
+            <ac:spMk id="29" creationId="{5264F157-54B1-6667-B5EE-77C403B66FEB}"/>
+          </ac:spMkLst>
+        </pc:spChg>
+        <pc:spChg chg="del">
+          <ac:chgData name="Maldonado, Daniel" userId="208bc5cf-4c7f-40de-aa5f-36b84b85f9f4" providerId="ADAL" clId="{D4F8EDFF-8D22-436F-92E2-C640653DB82F}" dt="2023-10-12T17:23:02.024" v="1033" actId="478"/>
+          <ac:spMkLst>
+            <pc:docMk/>
+            <pc:sldMk cId="3467779208" sldId="263"/>
+            <ac:spMk id="40" creationId="{DC2E4665-6CBD-92EC-C296-A7DF360DC3A9}"/>
+          </ac:spMkLst>
+        </pc:spChg>
+        <pc:spChg chg="del">
+          <ac:chgData name="Maldonado, Daniel" userId="208bc5cf-4c7f-40de-aa5f-36b84b85f9f4" providerId="ADAL" clId="{D4F8EDFF-8D22-436F-92E2-C640653DB82F}" dt="2023-10-12T17:23:02.024" v="1033" actId="478"/>
+          <ac:spMkLst>
+            <pc:docMk/>
+            <pc:sldMk cId="3467779208" sldId="263"/>
+            <ac:spMk id="41" creationId="{F233DC48-D0FB-2987-1BDD-50C1D5201533}"/>
+          </ac:spMkLst>
+        </pc:spChg>
+        <pc:spChg chg="del">
+          <ac:chgData name="Maldonado, Daniel" userId="208bc5cf-4c7f-40de-aa5f-36b84b85f9f4" providerId="ADAL" clId="{D4F8EDFF-8D22-436F-92E2-C640653DB82F}" dt="2023-10-12T17:23:02.024" v="1033" actId="478"/>
+          <ac:spMkLst>
+            <pc:docMk/>
+            <pc:sldMk cId="3467779208" sldId="263"/>
+            <ac:spMk id="42" creationId="{918009D2-FC40-15D9-EDAF-56AFF3E18204}"/>
+          </ac:spMkLst>
+        </pc:spChg>
+        <pc:spChg chg="del">
+          <ac:chgData name="Maldonado, Daniel" userId="208bc5cf-4c7f-40de-aa5f-36b84b85f9f4" providerId="ADAL" clId="{D4F8EDFF-8D22-436F-92E2-C640653DB82F}" dt="2023-10-12T17:23:02.024" v="1033" actId="478"/>
+          <ac:spMkLst>
+            <pc:docMk/>
+            <pc:sldMk cId="3467779208" sldId="263"/>
+            <ac:spMk id="43" creationId="{60FB1637-8B35-7047-21B9-8EC79310C298}"/>
+          </ac:spMkLst>
+        </pc:spChg>
+        <pc:spChg chg="del">
+          <ac:chgData name="Maldonado, Daniel" userId="208bc5cf-4c7f-40de-aa5f-36b84b85f9f4" providerId="ADAL" clId="{D4F8EDFF-8D22-436F-92E2-C640653DB82F}" dt="2023-10-12T17:23:02.024" v="1033" actId="478"/>
+          <ac:spMkLst>
+            <pc:docMk/>
+            <pc:sldMk cId="3467779208" sldId="263"/>
+            <ac:spMk id="44" creationId="{2B98A963-4F4B-9F88-2977-F8565E724FC7}"/>
+          </ac:spMkLst>
+        </pc:spChg>
+        <pc:spChg chg="del">
+          <ac:chgData name="Maldonado, Daniel" userId="208bc5cf-4c7f-40de-aa5f-36b84b85f9f4" providerId="ADAL" clId="{D4F8EDFF-8D22-436F-92E2-C640653DB82F}" dt="2023-10-12T17:23:02.024" v="1033" actId="478"/>
+          <ac:spMkLst>
+            <pc:docMk/>
+            <pc:sldMk cId="3467779208" sldId="263"/>
+            <ac:spMk id="46" creationId="{538034D1-8718-28EE-76C6-D53B1AE728C0}"/>
+          </ac:spMkLst>
+        </pc:spChg>
+        <pc:spChg chg="del">
+          <ac:chgData name="Maldonado, Daniel" userId="208bc5cf-4c7f-40de-aa5f-36b84b85f9f4" providerId="ADAL" clId="{D4F8EDFF-8D22-436F-92E2-C640653DB82F}" dt="2023-10-12T17:23:02.024" v="1033" actId="478"/>
+          <ac:spMkLst>
+            <pc:docMk/>
+            <pc:sldMk cId="3467779208" sldId="263"/>
+            <ac:spMk id="47" creationId="{39C4F4DE-ED58-C4BD-A0DE-24305556D79C}"/>
+          </ac:spMkLst>
+        </pc:spChg>
+        <pc:spChg chg="del">
+          <ac:chgData name="Maldonado, Daniel" userId="208bc5cf-4c7f-40de-aa5f-36b84b85f9f4" providerId="ADAL" clId="{D4F8EDFF-8D22-436F-92E2-C640653DB82F}" dt="2023-10-12T17:23:02.024" v="1033" actId="478"/>
+          <ac:spMkLst>
+            <pc:docMk/>
+            <pc:sldMk cId="3467779208" sldId="263"/>
+            <ac:spMk id="53" creationId="{B65A3C7A-4455-81AA-E7A8-CA8CC59EDB43}"/>
+          </ac:spMkLst>
+        </pc:spChg>
+        <pc:spChg chg="del">
+          <ac:chgData name="Maldonado, Daniel" userId="208bc5cf-4c7f-40de-aa5f-36b84b85f9f4" providerId="ADAL" clId="{D4F8EDFF-8D22-436F-92E2-C640653DB82F}" dt="2023-10-12T17:23:02.024" v="1033" actId="478"/>
+          <ac:spMkLst>
+            <pc:docMk/>
+            <pc:sldMk cId="3467779208" sldId="263"/>
+            <ac:spMk id="55" creationId="{14276B5D-2642-0CF0-D579-579C6B8DA4E9}"/>
+          </ac:spMkLst>
+        </pc:spChg>
+        <pc:spChg chg="del">
+          <ac:chgData name="Maldonado, Daniel" userId="208bc5cf-4c7f-40de-aa5f-36b84b85f9f4" providerId="ADAL" clId="{D4F8EDFF-8D22-436F-92E2-C640653DB82F}" dt="2023-10-12T17:23:02.024" v="1033" actId="478"/>
+          <ac:spMkLst>
+            <pc:docMk/>
+            <pc:sldMk cId="3467779208" sldId="263"/>
+            <ac:spMk id="56" creationId="{9AAF1A5B-CDDA-7FE4-E2DC-09489ACB0AA4}"/>
+          </ac:spMkLst>
+        </pc:spChg>
+        <pc:spChg chg="del">
+          <ac:chgData name="Maldonado, Daniel" userId="208bc5cf-4c7f-40de-aa5f-36b84b85f9f4" providerId="ADAL" clId="{D4F8EDFF-8D22-436F-92E2-C640653DB82F}" dt="2023-10-12T17:23:02.024" v="1033" actId="478"/>
+          <ac:spMkLst>
+            <pc:docMk/>
+            <pc:sldMk cId="3467779208" sldId="263"/>
+            <ac:spMk id="57" creationId="{08DF9980-89B1-F77B-6444-6AEE4284D8EC}"/>
+          </ac:spMkLst>
+        </pc:spChg>
+        <pc:spChg chg="del">
+          <ac:chgData name="Maldonado, Daniel" userId="208bc5cf-4c7f-40de-aa5f-36b84b85f9f4" providerId="ADAL" clId="{D4F8EDFF-8D22-436F-92E2-C640653DB82F}" dt="2023-10-12T17:23:02.024" v="1033" actId="478"/>
+          <ac:spMkLst>
+            <pc:docMk/>
+            <pc:sldMk cId="3467779208" sldId="263"/>
+            <ac:spMk id="58" creationId="{58BD6280-C3FE-C7E9-B832-0D26FF077613}"/>
+          </ac:spMkLst>
+        </pc:spChg>
+        <pc:spChg chg="del">
+          <ac:chgData name="Maldonado, Daniel" userId="208bc5cf-4c7f-40de-aa5f-36b84b85f9f4" providerId="ADAL" clId="{D4F8EDFF-8D22-436F-92E2-C640653DB82F}" dt="2023-10-12T17:23:02.024" v="1033" actId="478"/>
+          <ac:spMkLst>
+            <pc:docMk/>
+            <pc:sldMk cId="3467779208" sldId="263"/>
+            <ac:spMk id="59" creationId="{B68A5E8F-843C-E4CD-5AF0-83EFCEC808E0}"/>
+          </ac:spMkLst>
+        </pc:spChg>
+        <pc:spChg chg="del">
+          <ac:chgData name="Maldonado, Daniel" userId="208bc5cf-4c7f-40de-aa5f-36b84b85f9f4" providerId="ADAL" clId="{D4F8EDFF-8D22-436F-92E2-C640653DB82F}" dt="2023-10-12T17:23:02.024" v="1033" actId="478"/>
+          <ac:spMkLst>
+            <pc:docMk/>
+            <pc:sldMk cId="3467779208" sldId="263"/>
+            <ac:spMk id="60" creationId="{5AB8DED0-0D5F-3989-1AB0-CF135632198D}"/>
+          </ac:spMkLst>
+        </pc:spChg>
+        <pc:spChg chg="del">
+          <ac:chgData name="Maldonado, Daniel" userId="208bc5cf-4c7f-40de-aa5f-36b84b85f9f4" providerId="ADAL" clId="{D4F8EDFF-8D22-436F-92E2-C640653DB82F}" dt="2023-10-12T17:23:02.024" v="1033" actId="478"/>
+          <ac:spMkLst>
+            <pc:docMk/>
+            <pc:sldMk cId="3467779208" sldId="263"/>
+            <ac:spMk id="61" creationId="{7FEB2675-68A6-1F26-BFA5-6AD7CAE3393B}"/>
+          </ac:spMkLst>
+        </pc:spChg>
+        <pc:spChg chg="del">
+          <ac:chgData name="Maldonado, Daniel" userId="208bc5cf-4c7f-40de-aa5f-36b84b85f9f4" providerId="ADAL" clId="{D4F8EDFF-8D22-436F-92E2-C640653DB82F}" dt="2023-10-12T17:23:02.024" v="1033" actId="478"/>
+          <ac:spMkLst>
+            <pc:docMk/>
+            <pc:sldMk cId="3467779208" sldId="263"/>
+            <ac:spMk id="62" creationId="{55BFF769-EA08-9520-5E6D-25B1892FB9F5}"/>
+          </ac:spMkLst>
+        </pc:spChg>
+        <pc:spChg chg="del">
+          <ac:chgData name="Maldonado, Daniel" userId="208bc5cf-4c7f-40de-aa5f-36b84b85f9f4" providerId="ADAL" clId="{D4F8EDFF-8D22-436F-92E2-C640653DB82F}" dt="2023-10-12T17:23:02.024" v="1033" actId="478"/>
+          <ac:spMkLst>
+            <pc:docMk/>
+            <pc:sldMk cId="3467779208" sldId="263"/>
+            <ac:spMk id="63" creationId="{158F5768-BC15-389D-D85A-92F1FC85C19A}"/>
+          </ac:spMkLst>
+        </pc:spChg>
+        <pc:spChg chg="del">
+          <ac:chgData name="Maldonado, Daniel" userId="208bc5cf-4c7f-40de-aa5f-36b84b85f9f4" providerId="ADAL" clId="{D4F8EDFF-8D22-436F-92E2-C640653DB82F}" dt="2023-10-12T17:23:02.024" v="1033" actId="478"/>
+          <ac:spMkLst>
+            <pc:docMk/>
+            <pc:sldMk cId="3467779208" sldId="263"/>
+            <ac:spMk id="1024" creationId="{15C50BBB-38C2-CB00-8C05-CED197A9F44B}"/>
+          </ac:spMkLst>
+        </pc:spChg>
+        <pc:spChg chg="del">
+          <ac:chgData name="Maldonado, Daniel" userId="208bc5cf-4c7f-40de-aa5f-36b84b85f9f4" providerId="ADAL" clId="{D4F8EDFF-8D22-436F-92E2-C640653DB82F}" dt="2023-10-12T17:23:02.024" v="1033" actId="478"/>
+          <ac:spMkLst>
+            <pc:docMk/>
+            <pc:sldMk cId="3467779208" sldId="263"/>
+            <ac:spMk id="1025" creationId="{FB841BC7-5C1E-52DD-104F-7BCFFC3811D3}"/>
+          </ac:spMkLst>
+        </pc:spChg>
+        <pc:spChg chg="del">
+          <ac:chgData name="Maldonado, Daniel" userId="208bc5cf-4c7f-40de-aa5f-36b84b85f9f4" providerId="ADAL" clId="{D4F8EDFF-8D22-436F-92E2-C640653DB82F}" dt="2023-10-12T17:23:02.024" v="1033" actId="478"/>
+          <ac:spMkLst>
+            <pc:docMk/>
+            <pc:sldMk cId="3467779208" sldId="263"/>
+            <ac:spMk id="1027" creationId="{54D51B9C-544B-AF07-EA0E-36FB2C3CBC2C}"/>
+          </ac:spMkLst>
+        </pc:spChg>
+        <pc:spChg chg="del">
+          <ac:chgData name="Maldonado, Daniel" userId="208bc5cf-4c7f-40de-aa5f-36b84b85f9f4" providerId="ADAL" clId="{D4F8EDFF-8D22-436F-92E2-C640653DB82F}" dt="2023-10-12T17:23:02.024" v="1033" actId="478"/>
+          <ac:spMkLst>
+            <pc:docMk/>
+            <pc:sldMk cId="3467779208" sldId="263"/>
+            <ac:spMk id="1028" creationId="{842F8237-76D3-5323-7ABF-A103144D755B}"/>
+          </ac:spMkLst>
+        </pc:spChg>
+        <pc:grpChg chg="del">
+          <ac:chgData name="Maldonado, Daniel" userId="208bc5cf-4c7f-40de-aa5f-36b84b85f9f4" providerId="ADAL" clId="{D4F8EDFF-8D22-436F-92E2-C640653DB82F}" dt="2023-10-12T17:23:02.024" v="1033" actId="478"/>
+          <ac:grpSpMkLst>
+            <pc:docMk/>
+            <pc:sldMk cId="3467779208" sldId="263"/>
+            <ac:grpSpMk id="18" creationId="{61640D9D-2BD1-999E-ACE3-258E9A78E537}"/>
+          </ac:grpSpMkLst>
+        </pc:grpChg>
+        <pc:graphicFrameChg chg="del">
+          <ac:chgData name="Maldonado, Daniel" userId="208bc5cf-4c7f-40de-aa5f-36b84b85f9f4" providerId="ADAL" clId="{D4F8EDFF-8D22-436F-92E2-C640653DB82F}" dt="2023-10-12T17:23:02.024" v="1033" actId="478"/>
+          <ac:graphicFrameMkLst>
+            <pc:docMk/>
+            <pc:sldMk cId="3467779208" sldId="263"/>
+            <ac:graphicFrameMk id="12" creationId="{61B08023-FDA1-6070-8953-1B102215E194}"/>
+          </ac:graphicFrameMkLst>
+        </pc:graphicFrameChg>
+        <pc:graphicFrameChg chg="modGraphic">
+          <ac:chgData name="Maldonado, Daniel" userId="208bc5cf-4c7f-40de-aa5f-36b84b85f9f4" providerId="ADAL" clId="{D4F8EDFF-8D22-436F-92E2-C640653DB82F}" dt="2023-10-12T17:25:58.838" v="1053" actId="207"/>
+          <ac:graphicFrameMkLst>
+            <pc:docMk/>
+            <pc:sldMk cId="3467779208" sldId="263"/>
+            <ac:graphicFrameMk id="19" creationId="{47DA04BD-D556-E349-F093-088F09954839}"/>
+          </ac:graphicFrameMkLst>
+        </pc:graphicFrameChg>
+        <pc:picChg chg="del">
+          <ac:chgData name="Maldonado, Daniel" userId="208bc5cf-4c7f-40de-aa5f-36b84b85f9f4" providerId="ADAL" clId="{D4F8EDFF-8D22-436F-92E2-C640653DB82F}" dt="2023-10-12T17:23:02.024" v="1033" actId="478"/>
+          <ac:picMkLst>
+            <pc:docMk/>
+            <pc:sldMk cId="3467779208" sldId="263"/>
+            <ac:picMk id="1026" creationId="{9FB0D8A3-BCFD-E629-3ACD-A10E5016AC48}"/>
+          </ac:picMkLst>
+        </pc:picChg>
+        <pc:picChg chg="add mod">
+          <ac:chgData name="Maldonado, Daniel" userId="208bc5cf-4c7f-40de-aa5f-36b84b85f9f4" providerId="ADAL" clId="{D4F8EDFF-8D22-436F-92E2-C640653DB82F}" dt="2023-10-12T17:25:33.790" v="1042" actId="1076"/>
+          <ac:picMkLst>
+            <pc:docMk/>
+            <pc:sldMk cId="3467779208" sldId="263"/>
+            <ac:picMk id="2050" creationId="{A53D8E13-1EA8-4524-2B20-3D254C8E938E}"/>
+          </ac:picMkLst>
+        </pc:picChg>
+        <pc:cxnChg chg="del">
+          <ac:chgData name="Maldonado, Daniel" userId="208bc5cf-4c7f-40de-aa5f-36b84b85f9f4" providerId="ADAL" clId="{D4F8EDFF-8D22-436F-92E2-C640653DB82F}" dt="2023-10-12T17:23:02.024" v="1033" actId="478"/>
+          <ac:cxnSpMkLst>
+            <pc:docMk/>
+            <pc:sldMk cId="3467779208" sldId="263"/>
+            <ac:cxnSpMk id="49" creationId="{E47DC78C-4344-43CB-C9D5-E58F8E67DCE2}"/>
+          </ac:cxnSpMkLst>
+        </pc:cxnChg>
+      </pc:sldChg>
+    </pc:docChg>
+  </pc:docChgLst>
+</pc:chgInfo>
+</file>
+
+<file path=ppt/comments/modernComment_103_E0944524.xml><?xml version="1.0" encoding="utf-8"?>
+<p188:cmLst xmlns:a="http://schemas.openxmlformats.org/drawingml/2006/main" xmlns:r="http://schemas.openxmlformats.org/officeDocument/2006/relationships" xmlns:p188="http://schemas.microsoft.com/office/powerpoint/2018/8/main">
+  <p188:cm id="{0A60AA8B-7088-40DB-BE9D-B79AC5AA9C14}" authorId="{A482621A-8E93-2DF6-0AD5-8249CB44BF2C}" created="2023-10-12T16:28:09.874">
+    <ac:deMkLst xmlns:ac="http://schemas.microsoft.com/office/drawing/2013/main/command">
+      <pc:docMk xmlns:pc="http://schemas.microsoft.com/office/powerpoint/2013/main/command"/>
+      <pc:sldMk xmlns:pc="http://schemas.microsoft.com/office/powerpoint/2013/main/command" cId="3767813412" sldId="259"/>
+      <ac:grpSpMk id="18" creationId="{61640D9D-2BD1-999E-ACE3-258E9A78E537}"/>
+    </ac:deMkLst>
+    <p188:txBody>
+      <a:bodyPr/>
+      <a:lstStyle/>
+      <a:p>
+        <a:r>
+          <a:rPr lang="en-US"/>
+          <a:t>Or by range of dates</a:t>
+        </a:r>
+      </a:p>
+    </p188:txBody>
+  </p188:cm>
+</p188:cmLst>
 </file>
 
 <file path=ppt/slideLayouts/slideLayout1.xml><?xml version="1.0" encoding="utf-8"?>
@@ -239,7 +1753,7 @@
           <a:p>
             <a:fld id="{210660DC-1BCF-477C-BD91-12EA2149101C}" type="datetimeFigureOut">
               <a:rPr lang="en-US" smtClean="0"/>
-              <a:t>10/11/2023</a:t>
+              <a:t>10/12/2023</a:t>
             </a:fld>
             <a:endParaRPr lang="en-US"/>
           </a:p>
@@ -409,7 +1923,7 @@
           <a:p>
             <a:fld id="{210660DC-1BCF-477C-BD91-12EA2149101C}" type="datetimeFigureOut">
               <a:rPr lang="en-US" smtClean="0"/>
-              <a:t>10/11/2023</a:t>
+              <a:t>10/12/2023</a:t>
             </a:fld>
             <a:endParaRPr lang="en-US"/>
           </a:p>
@@ -589,7 +2103,7 @@
           <a:p>
             <a:fld id="{210660DC-1BCF-477C-BD91-12EA2149101C}" type="datetimeFigureOut">
               <a:rPr lang="en-US" smtClean="0"/>
-              <a:t>10/11/2023</a:t>
+              <a:t>10/12/2023</a:t>
             </a:fld>
             <a:endParaRPr lang="en-US"/>
           </a:p>
@@ -759,7 +2273,7 @@
           <a:p>
             <a:fld id="{210660DC-1BCF-477C-BD91-12EA2149101C}" type="datetimeFigureOut">
               <a:rPr lang="en-US" smtClean="0"/>
-              <a:t>10/11/2023</a:t>
+              <a:t>10/12/2023</a:t>
             </a:fld>
             <a:endParaRPr lang="en-US"/>
           </a:p>
@@ -1005,7 +2519,7 @@
           <a:p>
             <a:fld id="{210660DC-1BCF-477C-BD91-12EA2149101C}" type="datetimeFigureOut">
               <a:rPr lang="en-US" smtClean="0"/>
-              <a:t>10/11/2023</a:t>
+              <a:t>10/12/2023</a:t>
             </a:fld>
             <a:endParaRPr lang="en-US"/>
           </a:p>
@@ -1237,7 +2751,7 @@
           <a:p>
             <a:fld id="{210660DC-1BCF-477C-BD91-12EA2149101C}" type="datetimeFigureOut">
               <a:rPr lang="en-US" smtClean="0"/>
-              <a:t>10/11/2023</a:t>
+              <a:t>10/12/2023</a:t>
             </a:fld>
             <a:endParaRPr lang="en-US"/>
           </a:p>
@@ -1604,7 +3118,7 @@
           <a:p>
             <a:fld id="{210660DC-1BCF-477C-BD91-12EA2149101C}" type="datetimeFigureOut">
               <a:rPr lang="en-US" smtClean="0"/>
-              <a:t>10/11/2023</a:t>
+              <a:t>10/12/2023</a:t>
             </a:fld>
             <a:endParaRPr lang="en-US"/>
           </a:p>
@@ -1722,7 +3236,7 @@
           <a:p>
             <a:fld id="{210660DC-1BCF-477C-BD91-12EA2149101C}" type="datetimeFigureOut">
               <a:rPr lang="en-US" smtClean="0"/>
-              <a:t>10/11/2023</a:t>
+              <a:t>10/12/2023</a:t>
             </a:fld>
             <a:endParaRPr lang="en-US"/>
           </a:p>
@@ -1817,7 +3331,7 @@
           <a:p>
             <a:fld id="{210660DC-1BCF-477C-BD91-12EA2149101C}" type="datetimeFigureOut">
               <a:rPr lang="en-US" smtClean="0"/>
-              <a:t>10/11/2023</a:t>
+              <a:t>10/12/2023</a:t>
             </a:fld>
             <a:endParaRPr lang="en-US"/>
           </a:p>
@@ -2094,7 +3608,7 @@
           <a:p>
             <a:fld id="{210660DC-1BCF-477C-BD91-12EA2149101C}" type="datetimeFigureOut">
               <a:rPr lang="en-US" smtClean="0"/>
-              <a:t>10/11/2023</a:t>
+              <a:t>10/12/2023</a:t>
             </a:fld>
             <a:endParaRPr lang="en-US"/>
           </a:p>
@@ -2351,7 +3865,7 @@
           <a:p>
             <a:fld id="{210660DC-1BCF-477C-BD91-12EA2149101C}" type="datetimeFigureOut">
               <a:rPr lang="en-US" smtClean="0"/>
-              <a:t>10/11/2023</a:t>
+              <a:t>10/12/2023</a:t>
             </a:fld>
             <a:endParaRPr lang="en-US"/>
           </a:p>
@@ -2564,7 +4078,7 @@
           <a:p>
             <a:fld id="{210660DC-1BCF-477C-BD91-12EA2149101C}" type="datetimeFigureOut">
               <a:rPr lang="en-US" smtClean="0"/>
-              <a:t>10/11/2023</a:t>
+              <a:t>10/12/2023</a:t>
             </a:fld>
             <a:endParaRPr lang="en-US"/>
           </a:p>
@@ -2992,14 +4506,14 @@
           <p:nvPr>
             <p:extLst>
               <p:ext uri="{D42A27DB-BD31-4B8C-83A1-F6EECF244321}">
-                <p14:modId xmlns:p14="http://schemas.microsoft.com/office/powerpoint/2010/main" val="1254154242"/>
+                <p14:modId xmlns:p14="http://schemas.microsoft.com/office/powerpoint/2010/main" val="2710905542"/>
               </p:ext>
             </p:extLst>
           </p:nvPr>
         </p:nvGraphicFramePr>
         <p:xfrm>
           <a:off x="376195" y="411183"/>
-          <a:ext cx="11202085" cy="370840"/>
+          <a:ext cx="11202084" cy="370840"/>
         </p:xfrm>
         <a:graphic>
           <a:graphicData uri="http://schemas.openxmlformats.org/drawingml/2006/table">
@@ -3008,35 +4522,42 @@
                 <a:tableStyleId>{5C22544A-7EE6-4342-B048-85BDC9FD1C3A}</a:tableStyleId>
               </a:tblPr>
               <a:tblGrid>
-                <a:gridCol w="2240417">
+                <a:gridCol w="1867014">
                   <a:extLst>
                     <a:ext uri="{9D8B030D-6E8A-4147-A177-3AD203B41FA5}">
                       <a16:colId xmlns:a16="http://schemas.microsoft.com/office/drawing/2014/main" val="864389183"/>
                     </a:ext>
                   </a:extLst>
                 </a:gridCol>
-                <a:gridCol w="2240417">
+                <a:gridCol w="1867014">
                   <a:extLst>
                     <a:ext uri="{9D8B030D-6E8A-4147-A177-3AD203B41FA5}">
                       <a16:colId xmlns:a16="http://schemas.microsoft.com/office/drawing/2014/main" val="918450666"/>
                     </a:ext>
                   </a:extLst>
                 </a:gridCol>
-                <a:gridCol w="2240417">
+                <a:gridCol w="1867014">
                   <a:extLst>
                     <a:ext uri="{9D8B030D-6E8A-4147-A177-3AD203B41FA5}">
                       <a16:colId xmlns:a16="http://schemas.microsoft.com/office/drawing/2014/main" val="3000011065"/>
                     </a:ext>
                   </a:extLst>
                 </a:gridCol>
-                <a:gridCol w="2240417">
+                <a:gridCol w="1867014">
+                  <a:extLst>
+                    <a:ext uri="{9D8B030D-6E8A-4147-A177-3AD203B41FA5}">
+                      <a16:colId xmlns:a16="http://schemas.microsoft.com/office/drawing/2014/main" val="386926505"/>
+                    </a:ext>
+                  </a:extLst>
+                </a:gridCol>
+                <a:gridCol w="1867014">
                   <a:extLst>
                     <a:ext uri="{9D8B030D-6E8A-4147-A177-3AD203B41FA5}">
                       <a16:colId xmlns:a16="http://schemas.microsoft.com/office/drawing/2014/main" val="1595816490"/>
                     </a:ext>
                   </a:extLst>
                 </a:gridCol>
-                <a:gridCol w="2240417">
+                <a:gridCol w="1867014">
                   <a:extLst>
                     <a:ext uri="{9D8B030D-6E8A-4147-A177-3AD203B41FA5}">
                       <a16:colId xmlns:a16="http://schemas.microsoft.com/office/drawing/2014/main" val="3658545522"/>
@@ -3091,7 +4612,7 @@
                       <a:pPr algn="ctr"/>
                       <a:r>
                         <a:rPr lang="en-US" noProof="0" dirty="0"/>
-                        <a:t>Savings</a:t>
+                        <a:t>Budget</a:t>
                       </a:r>
                     </a:p>
                   </a:txBody>
@@ -3127,7 +4648,43 @@
                       <a:pPr algn="ctr"/>
                       <a:r>
                         <a:rPr lang="en-US" noProof="0" dirty="0"/>
-                        <a:t>Budget</a:t>
+                        <a:t>Savings</a:t>
+                      </a:r>
+                    </a:p>
+                  </a:txBody>
+                  <a:tcPr>
+                    <a:lnL w="12700" cmpd="sng">
+                      <a:noFill/>
+                    </a:lnL>
+                    <a:lnR w="12700" cmpd="sng">
+                      <a:noFill/>
+                    </a:lnR>
+                    <a:lnT w="12700" cmpd="sng">
+                      <a:noFill/>
+                    </a:lnT>
+                    <a:lnB w="38100" cmpd="sng">
+                      <a:noFill/>
+                    </a:lnB>
+                    <a:lnTlToBr w="12700" cmpd="sng">
+                      <a:noFill/>
+                      <a:prstDash val="solid"/>
+                    </a:lnTlToBr>
+                    <a:lnBlToTr w="12700" cmpd="sng">
+                      <a:noFill/>
+                      <a:prstDash val="solid"/>
+                    </a:lnBlToTr>
+                    <a:noFill/>
+                  </a:tcPr>
+                </a:tc>
+                <a:tc>
+                  <a:txBody>
+                    <a:bodyPr/>
+                    <a:lstStyle/>
+                    <a:p>
+                      <a:pPr algn="ctr"/>
+                      <a:r>
+                        <a:rPr lang="en-US" noProof="0" dirty="0"/>
+                        <a:t>Payments</a:t>
                       </a:r>
                     </a:p>
                   </a:txBody>
@@ -3355,14 +4912,14 @@
           <p:nvPr>
             <p:extLst>
               <p:ext uri="{D42A27DB-BD31-4B8C-83A1-F6EECF244321}">
-                <p14:modId xmlns:p14="http://schemas.microsoft.com/office/powerpoint/2010/main" val="3396189187"/>
+                <p14:modId xmlns:p14="http://schemas.microsoft.com/office/powerpoint/2010/main" val="3277125126"/>
               </p:ext>
             </p:extLst>
           </p:nvPr>
         </p:nvGraphicFramePr>
         <p:xfrm>
-          <a:off x="5148200" y="1189588"/>
-          <a:ext cx="1560180" cy="370840"/>
+          <a:off x="4902129" y="1216880"/>
+          <a:ext cx="2301226" cy="370840"/>
         </p:xfrm>
         <a:graphic>
           <a:graphicData uri="http://schemas.openxmlformats.org/drawingml/2006/table">
@@ -3371,21 +4928,28 @@
                 <a:tableStyleId>{2D5ABB26-0587-4C30-8999-92F81FD0307C}</a:tableStyleId>
               </a:tblPr>
               <a:tblGrid>
-                <a:gridCol w="280894">
+                <a:gridCol w="297436">
                   <a:extLst>
                     <a:ext uri="{9D8B030D-6E8A-4147-A177-3AD203B41FA5}">
                       <a16:colId xmlns:a16="http://schemas.microsoft.com/office/drawing/2014/main" val="3164968454"/>
                     </a:ext>
                   </a:extLst>
                 </a:gridCol>
-                <a:gridCol w="968188">
+                <a:gridCol w="1038492">
                   <a:extLst>
                     <a:ext uri="{9D8B030D-6E8A-4147-A177-3AD203B41FA5}">
                       <a16:colId xmlns:a16="http://schemas.microsoft.com/office/drawing/2014/main" val="346824642"/>
                     </a:ext>
                   </a:extLst>
                 </a:gridCol>
-                <a:gridCol w="311098">
+                <a:gridCol w="667862">
+                  <a:extLst>
+                    <a:ext uri="{9D8B030D-6E8A-4147-A177-3AD203B41FA5}">
+                      <a16:colId xmlns:a16="http://schemas.microsoft.com/office/drawing/2014/main" val="3970779557"/>
+                    </a:ext>
+                  </a:extLst>
+                </a:gridCol>
+                <a:gridCol w="297436">
                   <a:extLst>
                     <a:ext uri="{9D8B030D-6E8A-4147-A177-3AD203B41FA5}">
                       <a16:colId xmlns:a16="http://schemas.microsoft.com/office/drawing/2014/main" val="1152229653"/>
@@ -3399,6 +4963,7 @@
                     <a:bodyPr/>
                     <a:lstStyle/>
                     <a:p>
+                      <a:pPr algn="ctr"/>
                       <a:r>
                         <a:rPr lang="en-US" noProof="0" dirty="0"/>
                         <a:t>&lt;</a:t>
@@ -3409,8 +4974,14 @@
                     <a:lnL>
                       <a:noFill/>
                     </a:lnL>
-                    <a:lnR>
-                      <a:noFill/>
+                    <a:lnR w="12700" cap="flat" cmpd="sng" algn="ctr">
+                      <a:solidFill>
+                        <a:schemeClr val="tx1"/>
+                      </a:solidFill>
+                      <a:prstDash val="solid"/>
+                      <a:round/>
+                      <a:headEnd type="none" w="med" len="med"/>
+                      <a:tailEnd type="none" w="med" len="med"/>
                     </a:lnR>
                     <a:lnT>
                       <a:noFill/>
@@ -3425,6 +4996,7 @@
                     <a:bodyPr/>
                     <a:lstStyle/>
                     <a:p>
+                      <a:pPr algn="ctr"/>
                       <a:r>
                         <a:rPr lang="en-US" noProof="0" dirty="0"/>
                         <a:t>October</a:t>
@@ -3432,17 +5004,41 @@
                     </a:p>
                   </a:txBody>
                   <a:tcPr>
-                    <a:lnL>
-                      <a:noFill/>
+                    <a:lnL w="12700" cap="flat" cmpd="sng" algn="ctr">
+                      <a:solidFill>
+                        <a:schemeClr val="tx1"/>
+                      </a:solidFill>
+                      <a:prstDash val="solid"/>
+                      <a:round/>
+                      <a:headEnd type="none" w="med" len="med"/>
+                      <a:tailEnd type="none" w="med" len="med"/>
                     </a:lnL>
-                    <a:lnR>
-                      <a:noFill/>
+                    <a:lnR w="12700" cap="flat" cmpd="sng" algn="ctr">
+                      <a:solidFill>
+                        <a:schemeClr val="tx1"/>
+                      </a:solidFill>
+                      <a:prstDash val="solid"/>
+                      <a:round/>
+                      <a:headEnd type="none" w="med" len="med"/>
+                      <a:tailEnd type="none" w="med" len="med"/>
                     </a:lnR>
-                    <a:lnT>
-                      <a:noFill/>
+                    <a:lnT w="12700" cap="flat" cmpd="sng" algn="ctr">
+                      <a:solidFill>
+                        <a:schemeClr val="tx1"/>
+                      </a:solidFill>
+                      <a:prstDash val="solid"/>
+                      <a:round/>
+                      <a:headEnd type="none" w="med" len="med"/>
+                      <a:tailEnd type="none" w="med" len="med"/>
                     </a:lnT>
-                    <a:lnB>
-                      <a:noFill/>
+                    <a:lnB w="12700" cap="flat" cmpd="sng" algn="ctr">
+                      <a:solidFill>
+                        <a:schemeClr val="tx1"/>
+                      </a:solidFill>
+                      <a:prstDash val="solid"/>
+                      <a:round/>
+                      <a:headEnd type="none" w="med" len="med"/>
+                      <a:tailEnd type="none" w="med" len="med"/>
                     </a:lnB>
                   </a:tcPr>
                 </a:tc>
@@ -3451,6 +5047,59 @@
                     <a:bodyPr/>
                     <a:lstStyle/>
                     <a:p>
+                      <a:pPr algn="ctr"/>
+                      <a:r>
+                        <a:rPr lang="es-ES" noProof="0" dirty="0"/>
+                        <a:t>2023</a:t>
+                      </a:r>
+                      <a:endParaRPr lang="en-US" noProof="0" dirty="0"/>
+                    </a:p>
+                  </a:txBody>
+                  <a:tcPr>
+                    <a:lnL w="12700" cap="flat" cmpd="sng" algn="ctr">
+                      <a:solidFill>
+                        <a:schemeClr val="tx1"/>
+                      </a:solidFill>
+                      <a:prstDash val="solid"/>
+                      <a:round/>
+                      <a:headEnd type="none" w="med" len="med"/>
+                      <a:tailEnd type="none" w="med" len="med"/>
+                    </a:lnL>
+                    <a:lnR w="12700" cap="flat" cmpd="sng" algn="ctr">
+                      <a:solidFill>
+                        <a:schemeClr val="tx1"/>
+                      </a:solidFill>
+                      <a:prstDash val="solid"/>
+                      <a:round/>
+                      <a:headEnd type="none" w="med" len="med"/>
+                      <a:tailEnd type="none" w="med" len="med"/>
+                    </a:lnR>
+                    <a:lnT w="12700" cap="flat" cmpd="sng" algn="ctr">
+                      <a:solidFill>
+                        <a:schemeClr val="tx1"/>
+                      </a:solidFill>
+                      <a:prstDash val="solid"/>
+                      <a:round/>
+                      <a:headEnd type="none" w="med" len="med"/>
+                      <a:tailEnd type="none" w="med" len="med"/>
+                    </a:lnT>
+                    <a:lnB w="12700" cap="flat" cmpd="sng" algn="ctr">
+                      <a:solidFill>
+                        <a:schemeClr val="tx1"/>
+                      </a:solidFill>
+                      <a:prstDash val="solid"/>
+                      <a:round/>
+                      <a:headEnd type="none" w="med" len="med"/>
+                      <a:tailEnd type="none" w="med" len="med"/>
+                    </a:lnB>
+                  </a:tcPr>
+                </a:tc>
+                <a:tc>
+                  <a:txBody>
+                    <a:bodyPr/>
+                    <a:lstStyle/>
+                    <a:p>
+                      <a:pPr algn="ctr"/>
                       <a:r>
                         <a:rPr lang="en-US" noProof="0" dirty="0"/>
                         <a:t>&gt;</a:t>
@@ -3458,8 +5107,14 @@
                     </a:p>
                   </a:txBody>
                   <a:tcPr>
-                    <a:lnL>
-                      <a:noFill/>
+                    <a:lnL w="12700" cap="flat" cmpd="sng" algn="ctr">
+                      <a:solidFill>
+                        <a:schemeClr val="tx1"/>
+                      </a:solidFill>
+                      <a:prstDash val="solid"/>
+                      <a:round/>
+                      <a:headEnd type="none" w="med" len="med"/>
+                      <a:tailEnd type="none" w="med" len="med"/>
                     </a:lnL>
                     <a:lnR>
                       <a:noFill/>
@@ -3593,266 +5248,6 @@
       </p:grpSpPr>
       <p:graphicFrame>
         <p:nvGraphicFramePr>
-          <p:cNvPr id="6" name="Table 5">
-            <a:extLst>
-              <a:ext uri="{FF2B5EF4-FFF2-40B4-BE49-F238E27FC236}">
-                <a16:creationId xmlns:a16="http://schemas.microsoft.com/office/drawing/2014/main" id="{4CE8F100-B7EB-711C-2777-DD1B5F7925FC}"/>
-              </a:ext>
-            </a:extLst>
-          </p:cNvPr>
-          <p:cNvGraphicFramePr>
-            <a:graphicFrameLocks noGrp="1"/>
-          </p:cNvGraphicFramePr>
-          <p:nvPr>
-            <p:extLst>
-              <p:ext uri="{D42A27DB-BD31-4B8C-83A1-F6EECF244321}">
-                <p14:modId xmlns:p14="http://schemas.microsoft.com/office/powerpoint/2010/main" val="1819814927"/>
-              </p:ext>
-            </p:extLst>
-          </p:nvPr>
-        </p:nvGraphicFramePr>
-        <p:xfrm>
-          <a:off x="376195" y="411183"/>
-          <a:ext cx="11202085" cy="370840"/>
-        </p:xfrm>
-        <a:graphic>
-          <a:graphicData uri="http://schemas.openxmlformats.org/drawingml/2006/table">
-            <a:tbl>
-              <a:tblPr firstRow="1" bandRow="1">
-                <a:tableStyleId>{5C22544A-7EE6-4342-B048-85BDC9FD1C3A}</a:tableStyleId>
-              </a:tblPr>
-              <a:tblGrid>
-                <a:gridCol w="2240417">
-                  <a:extLst>
-                    <a:ext uri="{9D8B030D-6E8A-4147-A177-3AD203B41FA5}">
-                      <a16:colId xmlns:a16="http://schemas.microsoft.com/office/drawing/2014/main" val="864389183"/>
-                    </a:ext>
-                  </a:extLst>
-                </a:gridCol>
-                <a:gridCol w="2240417">
-                  <a:extLst>
-                    <a:ext uri="{9D8B030D-6E8A-4147-A177-3AD203B41FA5}">
-                      <a16:colId xmlns:a16="http://schemas.microsoft.com/office/drawing/2014/main" val="918450666"/>
-                    </a:ext>
-                  </a:extLst>
-                </a:gridCol>
-                <a:gridCol w="2240417">
-                  <a:extLst>
-                    <a:ext uri="{9D8B030D-6E8A-4147-A177-3AD203B41FA5}">
-                      <a16:colId xmlns:a16="http://schemas.microsoft.com/office/drawing/2014/main" val="3000011065"/>
-                    </a:ext>
-                  </a:extLst>
-                </a:gridCol>
-                <a:gridCol w="2240417">
-                  <a:extLst>
-                    <a:ext uri="{9D8B030D-6E8A-4147-A177-3AD203B41FA5}">
-                      <a16:colId xmlns:a16="http://schemas.microsoft.com/office/drawing/2014/main" val="1595816490"/>
-                    </a:ext>
-                  </a:extLst>
-                </a:gridCol>
-                <a:gridCol w="2240417">
-                  <a:extLst>
-                    <a:ext uri="{9D8B030D-6E8A-4147-A177-3AD203B41FA5}">
-                      <a16:colId xmlns:a16="http://schemas.microsoft.com/office/drawing/2014/main" val="3658545522"/>
-                    </a:ext>
-                  </a:extLst>
-                </a:gridCol>
-              </a:tblGrid>
-              <a:tr h="370840">
-                <a:tc>
-                  <a:txBody>
-                    <a:bodyPr/>
-                    <a:lstStyle/>
-                    <a:p>
-                      <a:pPr algn="ctr"/>
-                      <a:r>
-                        <a:rPr lang="en-US" noProof="0" dirty="0"/>
-                        <a:t>Expenses</a:t>
-                      </a:r>
-                    </a:p>
-                  </a:txBody>
-                  <a:tcPr>
-                    <a:lnL w="12700" cmpd="sng">
-                      <a:noFill/>
-                    </a:lnL>
-                    <a:lnR w="12700" cmpd="sng">
-                      <a:noFill/>
-                    </a:lnR>
-                    <a:lnT w="12700" cmpd="sng">
-                      <a:noFill/>
-                    </a:lnT>
-                    <a:lnB w="38100" cmpd="sng">
-                      <a:noFill/>
-                    </a:lnB>
-                    <a:lnTlToBr w="12700" cmpd="sng">
-                      <a:noFill/>
-                      <a:prstDash val="solid"/>
-                    </a:lnTlToBr>
-                    <a:lnBlToTr w="12700" cmpd="sng">
-                      <a:noFill/>
-                      <a:prstDash val="solid"/>
-                    </a:lnBlToTr>
-                    <a:noFill/>
-                  </a:tcPr>
-                </a:tc>
-                <a:tc>
-                  <a:txBody>
-                    <a:bodyPr/>
-                    <a:lstStyle/>
-                    <a:p>
-                      <a:pPr algn="ctr"/>
-                      <a:r>
-                        <a:rPr lang="en-US" noProof="0" dirty="0"/>
-                        <a:t>Savings</a:t>
-                      </a:r>
-                    </a:p>
-                  </a:txBody>
-                  <a:tcPr>
-                    <a:lnL w="12700" cmpd="sng">
-                      <a:noFill/>
-                    </a:lnL>
-                    <a:lnR w="12700" cmpd="sng">
-                      <a:noFill/>
-                    </a:lnR>
-                    <a:lnT w="12700" cmpd="sng">
-                      <a:noFill/>
-                    </a:lnT>
-                    <a:lnB w="38100" cmpd="sng">
-                      <a:noFill/>
-                    </a:lnB>
-                    <a:lnTlToBr w="12700" cmpd="sng">
-                      <a:noFill/>
-                      <a:prstDash val="solid"/>
-                    </a:lnTlToBr>
-                    <a:lnBlToTr w="12700" cmpd="sng">
-                      <a:noFill/>
-                      <a:prstDash val="solid"/>
-                    </a:lnBlToTr>
-                    <a:solidFill>
-                      <a:srgbClr val="0070C0"/>
-                    </a:solidFill>
-                  </a:tcPr>
-                </a:tc>
-                <a:tc>
-                  <a:txBody>
-                    <a:bodyPr/>
-                    <a:lstStyle/>
-                    <a:p>
-                      <a:pPr algn="ctr"/>
-                      <a:r>
-                        <a:rPr lang="en-US" noProof="0" dirty="0"/>
-                        <a:t>Budget</a:t>
-                      </a:r>
-                    </a:p>
-                  </a:txBody>
-                  <a:tcPr>
-                    <a:lnL w="12700" cmpd="sng">
-                      <a:noFill/>
-                    </a:lnL>
-                    <a:lnR w="12700" cmpd="sng">
-                      <a:noFill/>
-                    </a:lnR>
-                    <a:lnT w="12700" cmpd="sng">
-                      <a:noFill/>
-                    </a:lnT>
-                    <a:lnB w="38100" cmpd="sng">
-                      <a:noFill/>
-                    </a:lnB>
-                    <a:lnTlToBr w="12700" cmpd="sng">
-                      <a:noFill/>
-                      <a:prstDash val="solid"/>
-                    </a:lnTlToBr>
-                    <a:lnBlToTr w="12700" cmpd="sng">
-                      <a:noFill/>
-                      <a:prstDash val="solid"/>
-                    </a:lnBlToTr>
-                    <a:noFill/>
-                  </a:tcPr>
-                </a:tc>
-                <a:tc>
-                  <a:txBody>
-                    <a:bodyPr/>
-                    <a:lstStyle/>
-                    <a:p>
-                      <a:pPr algn="ctr"/>
-                      <a:r>
-                        <a:rPr lang="en-US" noProof="0" dirty="0"/>
-                        <a:t>Summary</a:t>
-                      </a:r>
-                    </a:p>
-                  </a:txBody>
-                  <a:tcPr>
-                    <a:lnL w="12700" cmpd="sng">
-                      <a:noFill/>
-                    </a:lnL>
-                    <a:lnR w="12700" cmpd="sng">
-                      <a:noFill/>
-                    </a:lnR>
-                    <a:lnT w="12700" cmpd="sng">
-                      <a:noFill/>
-                    </a:lnT>
-                    <a:lnB w="38100" cmpd="sng">
-                      <a:noFill/>
-                    </a:lnB>
-                    <a:lnTlToBr w="12700" cmpd="sng">
-                      <a:noFill/>
-                      <a:prstDash val="solid"/>
-                    </a:lnTlToBr>
-                    <a:lnBlToTr w="12700" cmpd="sng">
-                      <a:noFill/>
-                      <a:prstDash val="solid"/>
-                    </a:lnBlToTr>
-                    <a:noFill/>
-                  </a:tcPr>
-                </a:tc>
-                <a:tc>
-                  <a:txBody>
-                    <a:bodyPr/>
-                    <a:lstStyle/>
-                    <a:p>
-                      <a:pPr algn="ctr"/>
-                      <a:r>
-                        <a:rPr lang="en-US" noProof="0" dirty="0"/>
-                        <a:t>Profile</a:t>
-                      </a:r>
-                    </a:p>
-                  </a:txBody>
-                  <a:tcPr>
-                    <a:lnL w="12700" cmpd="sng">
-                      <a:noFill/>
-                    </a:lnL>
-                    <a:lnR w="12700" cmpd="sng">
-                      <a:noFill/>
-                    </a:lnR>
-                    <a:lnT w="12700" cmpd="sng">
-                      <a:noFill/>
-                    </a:lnT>
-                    <a:lnB w="38100" cmpd="sng">
-                      <a:noFill/>
-                    </a:lnB>
-                    <a:lnTlToBr w="12700" cmpd="sng">
-                      <a:noFill/>
-                      <a:prstDash val="solid"/>
-                    </a:lnTlToBr>
-                    <a:lnBlToTr w="12700" cmpd="sng">
-                      <a:noFill/>
-                      <a:prstDash val="solid"/>
-                    </a:lnBlToTr>
-                    <a:noFill/>
-                  </a:tcPr>
-                </a:tc>
-                <a:extLst>
-                  <a:ext uri="{0D108BD9-81ED-4DB2-BD59-A6C34878D82A}">
-                    <a16:rowId xmlns:a16="http://schemas.microsoft.com/office/drawing/2014/main" val="2679203274"/>
-                  </a:ext>
-                </a:extLst>
-              </a:tr>
-            </a:tbl>
-          </a:graphicData>
-        </a:graphic>
-      </p:graphicFrame>
-      <p:graphicFrame>
-        <p:nvGraphicFramePr>
           <p:cNvPr id="2" name="Table 1">
             <a:extLst>
               <a:ext uri="{FF2B5EF4-FFF2-40B4-BE49-F238E27FC236}">
@@ -3866,7 +5261,7 @@
           <p:nvPr>
             <p:extLst>
               <p:ext uri="{D42A27DB-BD31-4B8C-83A1-F6EECF244321}">
-                <p14:modId xmlns:p14="http://schemas.microsoft.com/office/powerpoint/2010/main" val="1243044969"/>
+                <p14:modId xmlns:p14="http://schemas.microsoft.com/office/powerpoint/2010/main" val="461829298"/>
               </p:ext>
             </p:extLst>
           </p:nvPr>
@@ -4111,7 +5506,7 @@
                             <a:schemeClr val="tx1"/>
                           </a:solidFill>
                         </a:rPr>
-                        <a:t>For the future</a:t>
+                        <a:t>Groceries</a:t>
                       </a:r>
                     </a:p>
                   </a:txBody>
@@ -4300,7 +5695,7 @@
                             <a:schemeClr val="tx1"/>
                           </a:solidFill>
                         </a:rPr>
-                        <a:t>Unexpected</a:t>
+                        <a:t>Transport</a:t>
                       </a:r>
                     </a:p>
                   </a:txBody>
@@ -4453,7 +5848,7 @@
                             <a:schemeClr val="tx1"/>
                           </a:solidFill>
                         </a:rPr>
-                        <a:t>For Christmas</a:t>
+                        <a:t>Food</a:t>
                       </a:r>
                     </a:p>
                   </a:txBody>
@@ -4606,7 +6001,7 @@
                             <a:schemeClr val="tx1"/>
                           </a:solidFill>
                         </a:rPr>
-                        <a:t>Loans</a:t>
+                        <a:t>Weekend</a:t>
                       </a:r>
                     </a:p>
                   </a:txBody>
@@ -5000,7 +6395,7 @@
             </a:r>
             <a:r>
               <a:rPr lang="es-ES" dirty="0" err="1"/>
-              <a:t>Saving</a:t>
+              <a:t>Category</a:t>
             </a:r>
             <a:endParaRPr lang="en-US" dirty="0"/>
           </a:p>
@@ -5141,7 +6536,7 @@
         <p:spPr>
           <a:xfrm>
             <a:off x="4777841" y="1783327"/>
-            <a:ext cx="1286955" cy="369332"/>
+            <a:ext cx="1274901" cy="369332"/>
           </a:xfrm>
           <a:prstGeom prst="rect">
             <a:avLst/>
@@ -5156,7 +6551,7 @@
           <a:p>
             <a:r>
               <a:rPr lang="en-US" dirty="0"/>
-              <a:t>Total saved:</a:t>
+              <a:t>Total spent:</a:t>
             </a:r>
           </a:p>
         </p:txBody>
@@ -5199,27 +6594,21 @@
       </p:sp>
       <p:graphicFrame>
         <p:nvGraphicFramePr>
-          <p:cNvPr id="11" name="Table 10">
+          <p:cNvPr id="12" name="Table 11">
             <a:extLst>
               <a:ext uri="{FF2B5EF4-FFF2-40B4-BE49-F238E27FC236}">
-                <a16:creationId xmlns:a16="http://schemas.microsoft.com/office/drawing/2014/main" id="{3BE4FB13-3C44-110B-DC63-1051272896BF}"/>
+                <a16:creationId xmlns:a16="http://schemas.microsoft.com/office/drawing/2014/main" id="{61B08023-FDA1-6070-8953-1B102215E194}"/>
               </a:ext>
             </a:extLst>
           </p:cNvPr>
           <p:cNvGraphicFramePr>
             <a:graphicFrameLocks noGrp="1"/>
           </p:cNvGraphicFramePr>
-          <p:nvPr>
-            <p:extLst>
-              <p:ext uri="{D42A27DB-BD31-4B8C-83A1-F6EECF244321}">
-                <p14:modId xmlns:p14="http://schemas.microsoft.com/office/powerpoint/2010/main" val="71191690"/>
-              </p:ext>
-            </p:extLst>
-          </p:nvPr>
+          <p:nvPr/>
         </p:nvGraphicFramePr>
         <p:xfrm>
-          <a:off x="5148200" y="1189588"/>
-          <a:ext cx="1560180" cy="370840"/>
+          <a:off x="4945387" y="1220911"/>
+          <a:ext cx="2301226" cy="370840"/>
         </p:xfrm>
         <a:graphic>
           <a:graphicData uri="http://schemas.openxmlformats.org/drawingml/2006/table">
@@ -5228,21 +6617,28 @@
                 <a:tableStyleId>{2D5ABB26-0587-4C30-8999-92F81FD0307C}</a:tableStyleId>
               </a:tblPr>
               <a:tblGrid>
-                <a:gridCol w="280894">
+                <a:gridCol w="297436">
                   <a:extLst>
                     <a:ext uri="{9D8B030D-6E8A-4147-A177-3AD203B41FA5}">
                       <a16:colId xmlns:a16="http://schemas.microsoft.com/office/drawing/2014/main" val="3164968454"/>
                     </a:ext>
                   </a:extLst>
                 </a:gridCol>
-                <a:gridCol w="968188">
+                <a:gridCol w="1038492">
                   <a:extLst>
                     <a:ext uri="{9D8B030D-6E8A-4147-A177-3AD203B41FA5}">
                       <a16:colId xmlns:a16="http://schemas.microsoft.com/office/drawing/2014/main" val="346824642"/>
                     </a:ext>
                   </a:extLst>
                 </a:gridCol>
-                <a:gridCol w="311098">
+                <a:gridCol w="667862">
+                  <a:extLst>
+                    <a:ext uri="{9D8B030D-6E8A-4147-A177-3AD203B41FA5}">
+                      <a16:colId xmlns:a16="http://schemas.microsoft.com/office/drawing/2014/main" val="3970779557"/>
+                    </a:ext>
+                  </a:extLst>
+                </a:gridCol>
+                <a:gridCol w="297436">
                   <a:extLst>
                     <a:ext uri="{9D8B030D-6E8A-4147-A177-3AD203B41FA5}">
                       <a16:colId xmlns:a16="http://schemas.microsoft.com/office/drawing/2014/main" val="1152229653"/>
@@ -5256,6 +6652,7 @@
                     <a:bodyPr/>
                     <a:lstStyle/>
                     <a:p>
+                      <a:pPr algn="ctr"/>
                       <a:r>
                         <a:rPr lang="en-US" noProof="0" dirty="0"/>
                         <a:t>&lt;</a:t>
@@ -5266,8 +6663,14 @@
                     <a:lnL>
                       <a:noFill/>
                     </a:lnL>
-                    <a:lnR>
-                      <a:noFill/>
+                    <a:lnR w="12700" cap="flat" cmpd="sng" algn="ctr">
+                      <a:solidFill>
+                        <a:schemeClr val="tx1"/>
+                      </a:solidFill>
+                      <a:prstDash val="solid"/>
+                      <a:round/>
+                      <a:headEnd type="none" w="med" len="med"/>
+                      <a:tailEnd type="none" w="med" len="med"/>
                     </a:lnR>
                     <a:lnT>
                       <a:noFill/>
@@ -5282,6 +6685,7 @@
                     <a:bodyPr/>
                     <a:lstStyle/>
                     <a:p>
+                      <a:pPr algn="ctr"/>
                       <a:r>
                         <a:rPr lang="en-US" noProof="0" dirty="0"/>
                         <a:t>October</a:t>
@@ -5289,17 +6693,41 @@
                     </a:p>
                   </a:txBody>
                   <a:tcPr>
-                    <a:lnL>
-                      <a:noFill/>
+                    <a:lnL w="12700" cap="flat" cmpd="sng" algn="ctr">
+                      <a:solidFill>
+                        <a:schemeClr val="tx1"/>
+                      </a:solidFill>
+                      <a:prstDash val="solid"/>
+                      <a:round/>
+                      <a:headEnd type="none" w="med" len="med"/>
+                      <a:tailEnd type="none" w="med" len="med"/>
                     </a:lnL>
-                    <a:lnR>
-                      <a:noFill/>
+                    <a:lnR w="12700" cap="flat" cmpd="sng" algn="ctr">
+                      <a:solidFill>
+                        <a:schemeClr val="tx1"/>
+                      </a:solidFill>
+                      <a:prstDash val="solid"/>
+                      <a:round/>
+                      <a:headEnd type="none" w="med" len="med"/>
+                      <a:tailEnd type="none" w="med" len="med"/>
                     </a:lnR>
-                    <a:lnT>
-                      <a:noFill/>
+                    <a:lnT w="12700" cap="flat" cmpd="sng" algn="ctr">
+                      <a:solidFill>
+                        <a:schemeClr val="tx1"/>
+                      </a:solidFill>
+                      <a:prstDash val="solid"/>
+                      <a:round/>
+                      <a:headEnd type="none" w="med" len="med"/>
+                      <a:tailEnd type="none" w="med" len="med"/>
                     </a:lnT>
-                    <a:lnB>
-                      <a:noFill/>
+                    <a:lnB w="12700" cap="flat" cmpd="sng" algn="ctr">
+                      <a:solidFill>
+                        <a:schemeClr val="tx1"/>
+                      </a:solidFill>
+                      <a:prstDash val="solid"/>
+                      <a:round/>
+                      <a:headEnd type="none" w="med" len="med"/>
+                      <a:tailEnd type="none" w="med" len="med"/>
                     </a:lnB>
                   </a:tcPr>
                 </a:tc>
@@ -5308,6 +6736,59 @@
                     <a:bodyPr/>
                     <a:lstStyle/>
                     <a:p>
+                      <a:pPr algn="ctr"/>
+                      <a:r>
+                        <a:rPr lang="es-ES" noProof="0" dirty="0"/>
+                        <a:t>2023</a:t>
+                      </a:r>
+                      <a:endParaRPr lang="en-US" noProof="0" dirty="0"/>
+                    </a:p>
+                  </a:txBody>
+                  <a:tcPr>
+                    <a:lnL w="12700" cap="flat" cmpd="sng" algn="ctr">
+                      <a:solidFill>
+                        <a:schemeClr val="tx1"/>
+                      </a:solidFill>
+                      <a:prstDash val="solid"/>
+                      <a:round/>
+                      <a:headEnd type="none" w="med" len="med"/>
+                      <a:tailEnd type="none" w="med" len="med"/>
+                    </a:lnL>
+                    <a:lnR w="12700" cap="flat" cmpd="sng" algn="ctr">
+                      <a:solidFill>
+                        <a:schemeClr val="tx1"/>
+                      </a:solidFill>
+                      <a:prstDash val="solid"/>
+                      <a:round/>
+                      <a:headEnd type="none" w="med" len="med"/>
+                      <a:tailEnd type="none" w="med" len="med"/>
+                    </a:lnR>
+                    <a:lnT w="12700" cap="flat" cmpd="sng" algn="ctr">
+                      <a:solidFill>
+                        <a:schemeClr val="tx1"/>
+                      </a:solidFill>
+                      <a:prstDash val="solid"/>
+                      <a:round/>
+                      <a:headEnd type="none" w="med" len="med"/>
+                      <a:tailEnd type="none" w="med" len="med"/>
+                    </a:lnT>
+                    <a:lnB w="12700" cap="flat" cmpd="sng" algn="ctr">
+                      <a:solidFill>
+                        <a:schemeClr val="tx1"/>
+                      </a:solidFill>
+                      <a:prstDash val="solid"/>
+                      <a:round/>
+                      <a:headEnd type="none" w="med" len="med"/>
+                      <a:tailEnd type="none" w="med" len="med"/>
+                    </a:lnB>
+                  </a:tcPr>
+                </a:tc>
+                <a:tc>
+                  <a:txBody>
+                    <a:bodyPr/>
+                    <a:lstStyle/>
+                    <a:p>
+                      <a:pPr algn="ctr"/>
                       <a:r>
                         <a:rPr lang="en-US" noProof="0" dirty="0"/>
                         <a:t>&gt;</a:t>
@@ -5315,8 +6796,14 @@
                     </a:p>
                   </a:txBody>
                   <a:tcPr>
-                    <a:lnL>
-                      <a:noFill/>
+                    <a:lnL w="12700" cap="flat" cmpd="sng" algn="ctr">
+                      <a:solidFill>
+                        <a:schemeClr val="tx1"/>
+                      </a:solidFill>
+                      <a:prstDash val="solid"/>
+                      <a:round/>
+                      <a:headEnd type="none" w="med" len="med"/>
+                      <a:tailEnd type="none" w="med" len="med"/>
                     </a:lnL>
                     <a:lnR>
                       <a:noFill/>
@@ -5339,10 +6826,6812 @@
           </a:graphicData>
         </a:graphic>
       </p:graphicFrame>
+      <p:graphicFrame>
+        <p:nvGraphicFramePr>
+          <p:cNvPr id="6" name="Table 5">
+            <a:extLst>
+              <a:ext uri="{FF2B5EF4-FFF2-40B4-BE49-F238E27FC236}">
+                <a16:creationId xmlns:a16="http://schemas.microsoft.com/office/drawing/2014/main" id="{9CDDFB77-3F87-5A6E-D4FA-B8DB9ED4A873}"/>
+              </a:ext>
+            </a:extLst>
+          </p:cNvPr>
+          <p:cNvGraphicFramePr>
+            <a:graphicFrameLocks noGrp="1"/>
+          </p:cNvGraphicFramePr>
+          <p:nvPr>
+            <p:extLst>
+              <p:ext uri="{D42A27DB-BD31-4B8C-83A1-F6EECF244321}">
+                <p14:modId xmlns:p14="http://schemas.microsoft.com/office/powerpoint/2010/main" val="3898604060"/>
+              </p:ext>
+            </p:extLst>
+          </p:nvPr>
+        </p:nvGraphicFramePr>
+        <p:xfrm>
+          <a:off x="376195" y="411183"/>
+          <a:ext cx="11202084" cy="370840"/>
+        </p:xfrm>
+        <a:graphic>
+          <a:graphicData uri="http://schemas.openxmlformats.org/drawingml/2006/table">
+            <a:tbl>
+              <a:tblPr firstRow="1" bandRow="1">
+                <a:tableStyleId>{5C22544A-7EE6-4342-B048-85BDC9FD1C3A}</a:tableStyleId>
+              </a:tblPr>
+              <a:tblGrid>
+                <a:gridCol w="1867014">
+                  <a:extLst>
+                    <a:ext uri="{9D8B030D-6E8A-4147-A177-3AD203B41FA5}">
+                      <a16:colId xmlns:a16="http://schemas.microsoft.com/office/drawing/2014/main" val="864389183"/>
+                    </a:ext>
+                  </a:extLst>
+                </a:gridCol>
+                <a:gridCol w="1867014">
+                  <a:extLst>
+                    <a:ext uri="{9D8B030D-6E8A-4147-A177-3AD203B41FA5}">
+                      <a16:colId xmlns:a16="http://schemas.microsoft.com/office/drawing/2014/main" val="918450666"/>
+                    </a:ext>
+                  </a:extLst>
+                </a:gridCol>
+                <a:gridCol w="1867014">
+                  <a:extLst>
+                    <a:ext uri="{9D8B030D-6E8A-4147-A177-3AD203B41FA5}">
+                      <a16:colId xmlns:a16="http://schemas.microsoft.com/office/drawing/2014/main" val="3000011065"/>
+                    </a:ext>
+                  </a:extLst>
+                </a:gridCol>
+                <a:gridCol w="1867014">
+                  <a:extLst>
+                    <a:ext uri="{9D8B030D-6E8A-4147-A177-3AD203B41FA5}">
+                      <a16:colId xmlns:a16="http://schemas.microsoft.com/office/drawing/2014/main" val="386926505"/>
+                    </a:ext>
+                  </a:extLst>
+                </a:gridCol>
+                <a:gridCol w="1867014">
+                  <a:extLst>
+                    <a:ext uri="{9D8B030D-6E8A-4147-A177-3AD203B41FA5}">
+                      <a16:colId xmlns:a16="http://schemas.microsoft.com/office/drawing/2014/main" val="1595816490"/>
+                    </a:ext>
+                  </a:extLst>
+                </a:gridCol>
+                <a:gridCol w="1867014">
+                  <a:extLst>
+                    <a:ext uri="{9D8B030D-6E8A-4147-A177-3AD203B41FA5}">
+                      <a16:colId xmlns:a16="http://schemas.microsoft.com/office/drawing/2014/main" val="3658545522"/>
+                    </a:ext>
+                  </a:extLst>
+                </a:gridCol>
+              </a:tblGrid>
+              <a:tr h="370840">
+                <a:tc>
+                  <a:txBody>
+                    <a:bodyPr/>
+                    <a:lstStyle/>
+                    <a:p>
+                      <a:pPr algn="ctr"/>
+                      <a:r>
+                        <a:rPr lang="en-US" noProof="0" dirty="0"/>
+                        <a:t>Expenses</a:t>
+                      </a:r>
+                    </a:p>
+                  </a:txBody>
+                  <a:tcPr>
+                    <a:lnL w="12700" cmpd="sng">
+                      <a:noFill/>
+                    </a:lnL>
+                    <a:lnR w="12700" cmpd="sng">
+                      <a:noFill/>
+                    </a:lnR>
+                    <a:lnT w="12700" cmpd="sng">
+                      <a:noFill/>
+                    </a:lnT>
+                    <a:lnB w="38100" cmpd="sng">
+                      <a:noFill/>
+                    </a:lnB>
+                    <a:lnTlToBr w="12700" cmpd="sng">
+                      <a:noFill/>
+                      <a:prstDash val="solid"/>
+                    </a:lnTlToBr>
+                    <a:lnBlToTr w="12700" cmpd="sng">
+                      <a:noFill/>
+                      <a:prstDash val="solid"/>
+                    </a:lnBlToTr>
+                    <a:noFill/>
+                  </a:tcPr>
+                </a:tc>
+                <a:tc>
+                  <a:txBody>
+                    <a:bodyPr/>
+                    <a:lstStyle/>
+                    <a:p>
+                      <a:pPr algn="ctr"/>
+                      <a:r>
+                        <a:rPr lang="en-US" noProof="0" dirty="0"/>
+                        <a:t>Budget</a:t>
+                      </a:r>
+                    </a:p>
+                  </a:txBody>
+                  <a:tcPr>
+                    <a:lnL w="12700" cmpd="sng">
+                      <a:noFill/>
+                    </a:lnL>
+                    <a:lnR w="12700" cmpd="sng">
+                      <a:noFill/>
+                    </a:lnR>
+                    <a:lnT w="12700" cmpd="sng">
+                      <a:noFill/>
+                    </a:lnT>
+                    <a:lnB w="38100" cmpd="sng">
+                      <a:noFill/>
+                    </a:lnB>
+                    <a:lnTlToBr w="12700" cmpd="sng">
+                      <a:noFill/>
+                      <a:prstDash val="solid"/>
+                    </a:lnTlToBr>
+                    <a:lnBlToTr w="12700" cmpd="sng">
+                      <a:noFill/>
+                      <a:prstDash val="solid"/>
+                    </a:lnBlToTr>
+                    <a:solidFill>
+                      <a:srgbClr val="0070C0"/>
+                    </a:solidFill>
+                  </a:tcPr>
+                </a:tc>
+                <a:tc>
+                  <a:txBody>
+                    <a:bodyPr/>
+                    <a:lstStyle/>
+                    <a:p>
+                      <a:pPr algn="ctr"/>
+                      <a:r>
+                        <a:rPr lang="en-US" noProof="0" dirty="0"/>
+                        <a:t>Savings</a:t>
+                      </a:r>
+                    </a:p>
+                  </a:txBody>
+                  <a:tcPr>
+                    <a:lnL w="12700" cmpd="sng">
+                      <a:noFill/>
+                    </a:lnL>
+                    <a:lnR w="12700" cmpd="sng">
+                      <a:noFill/>
+                    </a:lnR>
+                    <a:lnT w="12700" cmpd="sng">
+                      <a:noFill/>
+                    </a:lnT>
+                    <a:lnB w="38100" cmpd="sng">
+                      <a:noFill/>
+                    </a:lnB>
+                    <a:lnTlToBr w="12700" cmpd="sng">
+                      <a:noFill/>
+                      <a:prstDash val="solid"/>
+                    </a:lnTlToBr>
+                    <a:lnBlToTr w="12700" cmpd="sng">
+                      <a:noFill/>
+                      <a:prstDash val="solid"/>
+                    </a:lnBlToTr>
+                    <a:noFill/>
+                  </a:tcPr>
+                </a:tc>
+                <a:tc>
+                  <a:txBody>
+                    <a:bodyPr/>
+                    <a:lstStyle/>
+                    <a:p>
+                      <a:pPr algn="ctr"/>
+                      <a:r>
+                        <a:rPr lang="en-US" noProof="0" dirty="0"/>
+                        <a:t>Payments</a:t>
+                      </a:r>
+                    </a:p>
+                  </a:txBody>
+                  <a:tcPr>
+                    <a:lnL w="12700" cmpd="sng">
+                      <a:noFill/>
+                    </a:lnL>
+                    <a:lnR w="12700" cmpd="sng">
+                      <a:noFill/>
+                    </a:lnR>
+                    <a:lnT w="12700" cmpd="sng">
+                      <a:noFill/>
+                    </a:lnT>
+                    <a:lnB w="38100" cmpd="sng">
+                      <a:noFill/>
+                    </a:lnB>
+                    <a:lnTlToBr w="12700" cmpd="sng">
+                      <a:noFill/>
+                      <a:prstDash val="solid"/>
+                    </a:lnTlToBr>
+                    <a:lnBlToTr w="12700" cmpd="sng">
+                      <a:noFill/>
+                      <a:prstDash val="solid"/>
+                    </a:lnBlToTr>
+                    <a:noFill/>
+                  </a:tcPr>
+                </a:tc>
+                <a:tc>
+                  <a:txBody>
+                    <a:bodyPr/>
+                    <a:lstStyle/>
+                    <a:p>
+                      <a:pPr algn="ctr"/>
+                      <a:r>
+                        <a:rPr lang="en-US" noProof="0" dirty="0"/>
+                        <a:t>Summary</a:t>
+                      </a:r>
+                    </a:p>
+                  </a:txBody>
+                  <a:tcPr>
+                    <a:lnL w="12700" cmpd="sng">
+                      <a:noFill/>
+                    </a:lnL>
+                    <a:lnR w="12700" cmpd="sng">
+                      <a:noFill/>
+                    </a:lnR>
+                    <a:lnT w="12700" cmpd="sng">
+                      <a:noFill/>
+                    </a:lnT>
+                    <a:lnB w="38100" cmpd="sng">
+                      <a:noFill/>
+                    </a:lnB>
+                    <a:lnTlToBr w="12700" cmpd="sng">
+                      <a:noFill/>
+                      <a:prstDash val="solid"/>
+                    </a:lnTlToBr>
+                    <a:lnBlToTr w="12700" cmpd="sng">
+                      <a:noFill/>
+                      <a:prstDash val="solid"/>
+                    </a:lnBlToTr>
+                    <a:noFill/>
+                  </a:tcPr>
+                </a:tc>
+                <a:tc>
+                  <a:txBody>
+                    <a:bodyPr/>
+                    <a:lstStyle/>
+                    <a:p>
+                      <a:pPr algn="ctr"/>
+                      <a:r>
+                        <a:rPr lang="en-US" noProof="0" dirty="0"/>
+                        <a:t>Profile</a:t>
+                      </a:r>
+                    </a:p>
+                  </a:txBody>
+                  <a:tcPr>
+                    <a:lnL w="12700" cmpd="sng">
+                      <a:noFill/>
+                    </a:lnL>
+                    <a:lnR w="12700" cmpd="sng">
+                      <a:noFill/>
+                    </a:lnR>
+                    <a:lnT w="12700" cmpd="sng">
+                      <a:noFill/>
+                    </a:lnT>
+                    <a:lnB w="38100" cmpd="sng">
+                      <a:noFill/>
+                    </a:lnB>
+                    <a:lnTlToBr w="12700" cmpd="sng">
+                      <a:noFill/>
+                      <a:prstDash val="solid"/>
+                    </a:lnTlToBr>
+                    <a:lnBlToTr w="12700" cmpd="sng">
+                      <a:noFill/>
+                      <a:prstDash val="solid"/>
+                    </a:lnBlToTr>
+                    <a:noFill/>
+                  </a:tcPr>
+                </a:tc>
+                <a:extLst>
+                  <a:ext uri="{0D108BD9-81ED-4DB2-BD59-A6C34878D82A}">
+                    <a16:rowId xmlns:a16="http://schemas.microsoft.com/office/drawing/2014/main" val="2679203274"/>
+                  </a:ext>
+                </a:extLst>
+              </a:tr>
+            </a:tbl>
+          </a:graphicData>
+        </a:graphic>
+      </p:graphicFrame>
+      <p:sp>
+        <p:nvSpPr>
+          <p:cNvPr id="13" name="TextBox 12">
+            <a:extLst>
+              <a:ext uri="{FF2B5EF4-FFF2-40B4-BE49-F238E27FC236}">
+                <a16:creationId xmlns:a16="http://schemas.microsoft.com/office/drawing/2014/main" id="{A1C97C49-7294-E28A-13C3-A32510D0FBEF}"/>
+              </a:ext>
+            </a:extLst>
+          </p:cNvPr>
+          <p:cNvSpPr txBox="1"/>
+          <p:nvPr/>
+        </p:nvSpPr>
+        <p:spPr>
+          <a:xfrm>
+            <a:off x="8040972" y="5253758"/>
+            <a:ext cx="1443408" cy="369332"/>
+          </a:xfrm>
+          <a:prstGeom prst="rect">
+            <a:avLst/>
+          </a:prstGeom>
+          <a:noFill/>
+        </p:spPr>
+        <p:txBody>
+          <a:bodyPr wrap="none" rtlCol="0">
+            <a:spAutoFit/>
+          </a:bodyPr>
+          <a:lstStyle/>
+          <a:p>
+            <a:r>
+              <a:rPr lang="en-US" dirty="0"/>
+              <a:t>Total income:</a:t>
+            </a:r>
+          </a:p>
+        </p:txBody>
+      </p:sp>
+      <p:sp>
+        <p:nvSpPr>
+          <p:cNvPr id="14" name="TextBox 13">
+            <a:extLst>
+              <a:ext uri="{FF2B5EF4-FFF2-40B4-BE49-F238E27FC236}">
+                <a16:creationId xmlns:a16="http://schemas.microsoft.com/office/drawing/2014/main" id="{CAB61050-9E75-50B8-C62E-0500F3272F36}"/>
+              </a:ext>
+            </a:extLst>
+          </p:cNvPr>
+          <p:cNvSpPr txBox="1"/>
+          <p:nvPr/>
+        </p:nvSpPr>
+        <p:spPr>
+          <a:xfrm>
+            <a:off x="9484380" y="5220013"/>
+            <a:ext cx="1358064" cy="400110"/>
+          </a:xfrm>
+          <a:prstGeom prst="rect">
+            <a:avLst/>
+          </a:prstGeom>
+          <a:noFill/>
+        </p:spPr>
+        <p:txBody>
+          <a:bodyPr wrap="none" rtlCol="0">
+            <a:spAutoFit/>
+          </a:bodyPr>
+          <a:lstStyle/>
+          <a:p>
+            <a:r>
+              <a:rPr lang="es-ES" sz="2000" b="1" dirty="0"/>
+              <a:t>$29,000.00</a:t>
+            </a:r>
+            <a:endParaRPr lang="en-US" sz="2000" b="1" dirty="0"/>
+          </a:p>
+        </p:txBody>
+      </p:sp>
+    </p:spTree>
+    <p:extLst>
+      <p:ext uri="{BB962C8B-B14F-4D97-AF65-F5344CB8AC3E}">
+        <p14:creationId xmlns:p14="http://schemas.microsoft.com/office/powerpoint/2010/main" val="1281371689"/>
+      </p:ext>
+    </p:extLst>
+  </p:cSld>
+  <p:clrMapOvr>
+    <a:masterClrMapping/>
+  </p:clrMapOvr>
+</p:sld>
+</file>
+
+<file path=ppt/slides/slide3.xml><?xml version="1.0" encoding="utf-8"?>
+<p:sld xmlns:a="http://schemas.openxmlformats.org/drawingml/2006/main" xmlns:r="http://schemas.openxmlformats.org/officeDocument/2006/relationships" xmlns:p="http://schemas.openxmlformats.org/presentationml/2006/main">
+  <p:cSld>
+    <p:bg>
+      <p:bgPr>
+        <a:solidFill>
+          <a:srgbClr val="212529"/>
+        </a:solidFill>
+        <a:effectLst/>
+      </p:bgPr>
+    </p:bg>
+    <p:spTree>
+      <p:nvGrpSpPr>
+        <p:cNvPr id="1" name=""/>
+        <p:cNvGrpSpPr/>
+        <p:nvPr/>
+      </p:nvGrpSpPr>
+      <p:grpSpPr>
+        <a:xfrm>
+          <a:off x="0" y="0"/>
+          <a:ext cx="0" cy="0"/>
+          <a:chOff x="0" y="0"/>
+          <a:chExt cx="0" cy="0"/>
+        </a:xfrm>
+      </p:grpSpPr>
+      <p:graphicFrame>
+        <p:nvGraphicFramePr>
+          <p:cNvPr id="2" name="Table 1">
+            <a:extLst>
+              <a:ext uri="{FF2B5EF4-FFF2-40B4-BE49-F238E27FC236}">
+                <a16:creationId xmlns:a16="http://schemas.microsoft.com/office/drawing/2014/main" id="{387817E4-2C9E-F0E7-8AD1-B88F00C98E9D}"/>
+              </a:ext>
+            </a:extLst>
+          </p:cNvPr>
+          <p:cNvGraphicFramePr>
+            <a:graphicFrameLocks noGrp="1"/>
+          </p:cNvGraphicFramePr>
+          <p:nvPr>
+            <p:extLst>
+              <p:ext uri="{D42A27DB-BD31-4B8C-83A1-F6EECF244321}">
+                <p14:modId xmlns:p14="http://schemas.microsoft.com/office/powerpoint/2010/main" val="2112031212"/>
+              </p:ext>
+            </p:extLst>
+          </p:nvPr>
+        </p:nvGraphicFramePr>
+        <p:xfrm>
+          <a:off x="945475" y="2606936"/>
+          <a:ext cx="9941264" cy="1854200"/>
+        </p:xfrm>
+        <a:graphic>
+          <a:graphicData uri="http://schemas.openxmlformats.org/drawingml/2006/table">
+            <a:tbl>
+              <a:tblPr firstRow="1" bandRow="1">
+                <a:tableStyleId>{7E9639D4-E3E2-4D34-9284-5A2195B3D0D7}</a:tableStyleId>
+              </a:tblPr>
+              <a:tblGrid>
+                <a:gridCol w="2485316">
+                  <a:extLst>
+                    <a:ext uri="{9D8B030D-6E8A-4147-A177-3AD203B41FA5}">
+                      <a16:colId xmlns:a16="http://schemas.microsoft.com/office/drawing/2014/main" val="3249489564"/>
+                    </a:ext>
+                  </a:extLst>
+                </a:gridCol>
+                <a:gridCol w="2485316">
+                  <a:extLst>
+                    <a:ext uri="{9D8B030D-6E8A-4147-A177-3AD203B41FA5}">
+                      <a16:colId xmlns:a16="http://schemas.microsoft.com/office/drawing/2014/main" val="138114118"/>
+                    </a:ext>
+                  </a:extLst>
+                </a:gridCol>
+                <a:gridCol w="2485316">
+                  <a:extLst>
+                    <a:ext uri="{9D8B030D-6E8A-4147-A177-3AD203B41FA5}">
+                      <a16:colId xmlns:a16="http://schemas.microsoft.com/office/drawing/2014/main" val="3489086391"/>
+                    </a:ext>
+                  </a:extLst>
+                </a:gridCol>
+                <a:gridCol w="2485316">
+                  <a:extLst>
+                    <a:ext uri="{9D8B030D-6E8A-4147-A177-3AD203B41FA5}">
+                      <a16:colId xmlns:a16="http://schemas.microsoft.com/office/drawing/2014/main" val="3808629571"/>
+                    </a:ext>
+                  </a:extLst>
+                </a:gridCol>
+              </a:tblGrid>
+              <a:tr h="370840">
+                <a:tc>
+                  <a:txBody>
+                    <a:bodyPr/>
+                    <a:lstStyle/>
+                    <a:p>
+                      <a:r>
+                        <a:rPr lang="en-US" noProof="0" dirty="0">
+                          <a:solidFill>
+                            <a:schemeClr val="tx1"/>
+                          </a:solidFill>
+                        </a:rPr>
+                        <a:t>Category</a:t>
+                      </a:r>
+                    </a:p>
+                  </a:txBody>
+                  <a:tcPr>
+                    <a:lnR w="9525" cap="flat" cmpd="sng" algn="ctr">
+                      <a:solidFill>
+                        <a:schemeClr val="tx1"/>
+                      </a:solidFill>
+                      <a:prstDash val="solid"/>
+                      <a:round/>
+                      <a:headEnd type="none" w="med" len="med"/>
+                      <a:tailEnd type="none" w="med" len="med"/>
+                    </a:lnR>
+                    <a:lnB w="28575" cap="flat" cmpd="sng" algn="ctr">
+                      <a:solidFill>
+                        <a:schemeClr val="tx1"/>
+                      </a:solidFill>
+                      <a:prstDash val="solid"/>
+                      <a:round/>
+                      <a:headEnd type="none" w="med" len="med"/>
+                      <a:tailEnd type="none" w="med" len="med"/>
+                    </a:lnB>
+                    <a:solidFill>
+                      <a:srgbClr val="212529"/>
+                    </a:solidFill>
+                  </a:tcPr>
+                </a:tc>
+                <a:tc>
+                  <a:txBody>
+                    <a:bodyPr/>
+                    <a:lstStyle/>
+                    <a:p>
+                      <a:r>
+                        <a:rPr lang="en-US" noProof="0" dirty="0">
+                          <a:solidFill>
+                            <a:schemeClr val="tx1"/>
+                          </a:solidFill>
+                        </a:rPr>
+                        <a:t>Goal</a:t>
+                      </a:r>
+                    </a:p>
+                  </a:txBody>
+                  <a:tcPr>
+                    <a:lnL w="9525" cap="flat" cmpd="sng" algn="ctr">
+                      <a:solidFill>
+                        <a:schemeClr val="tx1"/>
+                      </a:solidFill>
+                      <a:prstDash val="solid"/>
+                      <a:round/>
+                      <a:headEnd type="none" w="med" len="med"/>
+                      <a:tailEnd type="none" w="med" len="med"/>
+                    </a:lnL>
+                    <a:lnR w="9525" cap="flat" cmpd="sng" algn="ctr">
+                      <a:solidFill>
+                        <a:schemeClr val="tx1"/>
+                      </a:solidFill>
+                      <a:prstDash val="solid"/>
+                      <a:round/>
+                      <a:headEnd type="none" w="med" len="med"/>
+                      <a:tailEnd type="none" w="med" len="med"/>
+                    </a:lnR>
+                    <a:lnB w="28575" cap="flat" cmpd="sng" algn="ctr">
+                      <a:solidFill>
+                        <a:schemeClr val="tx1"/>
+                      </a:solidFill>
+                      <a:prstDash val="solid"/>
+                      <a:round/>
+                      <a:headEnd type="none" w="med" len="med"/>
+                      <a:tailEnd type="none" w="med" len="med"/>
+                    </a:lnB>
+                    <a:solidFill>
+                      <a:srgbClr val="212529"/>
+                    </a:solidFill>
+                  </a:tcPr>
+                </a:tc>
+                <a:tc>
+                  <a:txBody>
+                    <a:bodyPr/>
+                    <a:lstStyle/>
+                    <a:p>
+                      <a:r>
+                        <a:rPr lang="en-US" noProof="0" dirty="0">
+                          <a:solidFill>
+                            <a:schemeClr val="tx1"/>
+                          </a:solidFill>
+                        </a:rPr>
+                        <a:t>Spent</a:t>
+                      </a:r>
+                    </a:p>
+                  </a:txBody>
+                  <a:tcPr>
+                    <a:lnL w="9525" cap="flat" cmpd="sng" algn="ctr">
+                      <a:solidFill>
+                        <a:schemeClr val="tx1"/>
+                      </a:solidFill>
+                      <a:prstDash val="solid"/>
+                      <a:round/>
+                      <a:headEnd type="none" w="med" len="med"/>
+                      <a:tailEnd type="none" w="med" len="med"/>
+                    </a:lnL>
+                    <a:lnR w="9525" cap="flat" cmpd="sng" algn="ctr">
+                      <a:solidFill>
+                        <a:schemeClr val="tx1"/>
+                      </a:solidFill>
+                      <a:prstDash val="solid"/>
+                      <a:round/>
+                      <a:headEnd type="none" w="med" len="med"/>
+                      <a:tailEnd type="none" w="med" len="med"/>
+                    </a:lnR>
+                    <a:lnB w="28575" cap="flat" cmpd="sng" algn="ctr">
+                      <a:solidFill>
+                        <a:schemeClr val="tx1"/>
+                      </a:solidFill>
+                      <a:prstDash val="solid"/>
+                      <a:round/>
+                      <a:headEnd type="none" w="med" len="med"/>
+                      <a:tailEnd type="none" w="med" len="med"/>
+                    </a:lnB>
+                    <a:solidFill>
+                      <a:srgbClr val="212529"/>
+                    </a:solidFill>
+                  </a:tcPr>
+                </a:tc>
+                <a:tc>
+                  <a:txBody>
+                    <a:bodyPr/>
+                    <a:lstStyle/>
+                    <a:p>
+                      <a:r>
+                        <a:rPr lang="es-ES" noProof="0" dirty="0">
+                          <a:solidFill>
+                            <a:schemeClr val="tx1"/>
+                          </a:solidFill>
+                        </a:rPr>
+                        <a:t>Total</a:t>
+                      </a:r>
+                      <a:endParaRPr lang="en-US" noProof="0" dirty="0">
+                        <a:solidFill>
+                          <a:schemeClr val="tx1"/>
+                        </a:solidFill>
+                      </a:endParaRPr>
+                    </a:p>
+                  </a:txBody>
+                  <a:tcPr>
+                    <a:lnL w="9525" cap="flat" cmpd="sng" algn="ctr">
+                      <a:solidFill>
+                        <a:schemeClr val="tx1"/>
+                      </a:solidFill>
+                      <a:prstDash val="solid"/>
+                      <a:round/>
+                      <a:headEnd type="none" w="med" len="med"/>
+                      <a:tailEnd type="none" w="med" len="med"/>
+                    </a:lnL>
+                    <a:lnB w="28575" cap="flat" cmpd="sng" algn="ctr">
+                      <a:solidFill>
+                        <a:schemeClr val="tx1"/>
+                      </a:solidFill>
+                      <a:prstDash val="solid"/>
+                      <a:round/>
+                      <a:headEnd type="none" w="med" len="med"/>
+                      <a:tailEnd type="none" w="med" len="med"/>
+                    </a:lnB>
+                    <a:solidFill>
+                      <a:schemeClr val="tx2">
+                        <a:lumMod val="25000"/>
+                      </a:schemeClr>
+                    </a:solidFill>
+                  </a:tcPr>
+                </a:tc>
+                <a:extLst>
+                  <a:ext uri="{0D108BD9-81ED-4DB2-BD59-A6C34878D82A}">
+                    <a16:rowId xmlns:a16="http://schemas.microsoft.com/office/drawing/2014/main" val="2331638958"/>
+                  </a:ext>
+                </a:extLst>
+              </a:tr>
+              <a:tr h="370840">
+                <a:tc>
+                  <a:txBody>
+                    <a:bodyPr/>
+                    <a:lstStyle/>
+                    <a:p>
+                      <a:r>
+                        <a:rPr lang="en-US" noProof="0" dirty="0">
+                          <a:solidFill>
+                            <a:schemeClr val="tx1"/>
+                          </a:solidFill>
+                        </a:rPr>
+                        <a:t>For the future</a:t>
+                      </a:r>
+                    </a:p>
+                  </a:txBody>
+                  <a:tcPr>
+                    <a:lnR w="9525" cap="flat" cmpd="sng" algn="ctr">
+                      <a:solidFill>
+                        <a:schemeClr val="tx1"/>
+                      </a:solidFill>
+                      <a:prstDash val="solid"/>
+                      <a:round/>
+                      <a:headEnd type="none" w="med" len="med"/>
+                      <a:tailEnd type="none" w="med" len="med"/>
+                    </a:lnR>
+                    <a:lnT w="28575" cap="flat" cmpd="sng" algn="ctr">
+                      <a:solidFill>
+                        <a:schemeClr val="tx1"/>
+                      </a:solidFill>
+                      <a:prstDash val="solid"/>
+                      <a:round/>
+                      <a:headEnd type="none" w="med" len="med"/>
+                      <a:tailEnd type="none" w="med" len="med"/>
+                    </a:lnT>
+                  </a:tcPr>
+                </a:tc>
+                <a:tc>
+                  <a:txBody>
+                    <a:bodyPr/>
+                    <a:lstStyle/>
+                    <a:p>
+                      <a:r>
+                        <a:rPr lang="es-ES" noProof="0" dirty="0">
+                          <a:solidFill>
+                            <a:schemeClr val="tx1"/>
+                          </a:solidFill>
+                        </a:rPr>
+                        <a:t>$1,500.00</a:t>
+                      </a:r>
+                      <a:endParaRPr lang="en-US" noProof="0" dirty="0">
+                        <a:solidFill>
+                          <a:schemeClr val="tx1"/>
+                        </a:solidFill>
+                      </a:endParaRPr>
+                    </a:p>
+                  </a:txBody>
+                  <a:tcPr>
+                    <a:lnL w="9525" cap="flat" cmpd="sng" algn="ctr">
+                      <a:solidFill>
+                        <a:schemeClr val="tx1"/>
+                      </a:solidFill>
+                      <a:prstDash val="solid"/>
+                      <a:round/>
+                      <a:headEnd type="none" w="med" len="med"/>
+                      <a:tailEnd type="none" w="med" len="med"/>
+                    </a:lnL>
+                    <a:lnR w="9525" cap="flat" cmpd="sng" algn="ctr">
+                      <a:solidFill>
+                        <a:schemeClr val="tx1"/>
+                      </a:solidFill>
+                      <a:prstDash val="solid"/>
+                      <a:round/>
+                      <a:headEnd type="none" w="med" len="med"/>
+                      <a:tailEnd type="none" w="med" len="med"/>
+                    </a:lnR>
+                    <a:lnT w="28575" cap="flat" cmpd="sng" algn="ctr">
+                      <a:solidFill>
+                        <a:schemeClr val="tx1"/>
+                      </a:solidFill>
+                      <a:prstDash val="solid"/>
+                      <a:round/>
+                      <a:headEnd type="none" w="med" len="med"/>
+                      <a:tailEnd type="none" w="med" len="med"/>
+                    </a:lnT>
+                  </a:tcPr>
+                </a:tc>
+                <a:tc>
+                  <a:txBody>
+                    <a:bodyPr/>
+                    <a:lstStyle/>
+                    <a:p>
+                      <a:r>
+                        <a:rPr lang="es-ES" noProof="0" dirty="0">
+                          <a:solidFill>
+                            <a:schemeClr val="tx1"/>
+                          </a:solidFill>
+                        </a:rPr>
+                        <a:t>$200.00</a:t>
+                      </a:r>
+                      <a:endParaRPr lang="en-US" noProof="0" dirty="0">
+                        <a:solidFill>
+                          <a:schemeClr val="tx1"/>
+                        </a:solidFill>
+                      </a:endParaRPr>
+                    </a:p>
+                  </a:txBody>
+                  <a:tcPr>
+                    <a:lnL w="9525" cap="flat" cmpd="sng" algn="ctr">
+                      <a:solidFill>
+                        <a:schemeClr val="tx1"/>
+                      </a:solidFill>
+                      <a:prstDash val="solid"/>
+                      <a:round/>
+                      <a:headEnd type="none" w="med" len="med"/>
+                      <a:tailEnd type="none" w="med" len="med"/>
+                    </a:lnL>
+                    <a:lnR w="9525" cap="flat" cmpd="sng" algn="ctr">
+                      <a:solidFill>
+                        <a:schemeClr val="tx1"/>
+                      </a:solidFill>
+                      <a:prstDash val="solid"/>
+                      <a:round/>
+                      <a:headEnd type="none" w="med" len="med"/>
+                      <a:tailEnd type="none" w="med" len="med"/>
+                    </a:lnR>
+                    <a:lnT w="28575" cap="flat" cmpd="sng" algn="ctr">
+                      <a:solidFill>
+                        <a:schemeClr val="tx1"/>
+                      </a:solidFill>
+                      <a:prstDash val="solid"/>
+                      <a:round/>
+                      <a:headEnd type="none" w="med" len="med"/>
+                      <a:tailEnd type="none" w="med" len="med"/>
+                    </a:lnT>
+                  </a:tcPr>
+                </a:tc>
+                <a:tc>
+                  <a:txBody>
+                    <a:bodyPr/>
+                    <a:lstStyle/>
+                    <a:p>
+                      <a:r>
+                        <a:rPr lang="es-ES" noProof="0" dirty="0">
+                          <a:solidFill>
+                            <a:schemeClr val="tx1"/>
+                          </a:solidFill>
+                        </a:rPr>
+                        <a:t>$1,500.00</a:t>
+                      </a:r>
+                      <a:endParaRPr lang="en-US" noProof="0" dirty="0">
+                        <a:solidFill>
+                          <a:schemeClr val="tx1"/>
+                        </a:solidFill>
+                      </a:endParaRPr>
+                    </a:p>
+                  </a:txBody>
+                  <a:tcPr>
+                    <a:lnL w="9525" cap="flat" cmpd="sng" algn="ctr">
+                      <a:solidFill>
+                        <a:schemeClr val="tx1"/>
+                      </a:solidFill>
+                      <a:prstDash val="solid"/>
+                      <a:round/>
+                      <a:headEnd type="none" w="med" len="med"/>
+                      <a:tailEnd type="none" w="med" len="med"/>
+                    </a:lnL>
+                    <a:lnT w="28575" cap="flat" cmpd="sng" algn="ctr">
+                      <a:solidFill>
+                        <a:schemeClr val="tx1"/>
+                      </a:solidFill>
+                      <a:prstDash val="solid"/>
+                      <a:round/>
+                      <a:headEnd type="none" w="med" len="med"/>
+                      <a:tailEnd type="none" w="med" len="med"/>
+                    </a:lnT>
+                    <a:solidFill>
+                      <a:schemeClr val="tx2">
+                        <a:lumMod val="25000"/>
+                      </a:schemeClr>
+                    </a:solidFill>
+                  </a:tcPr>
+                </a:tc>
+                <a:extLst>
+                  <a:ext uri="{0D108BD9-81ED-4DB2-BD59-A6C34878D82A}">
+                    <a16:rowId xmlns:a16="http://schemas.microsoft.com/office/drawing/2014/main" val="3938460457"/>
+                  </a:ext>
+                </a:extLst>
+              </a:tr>
+              <a:tr h="370840">
+                <a:tc>
+                  <a:txBody>
+                    <a:bodyPr/>
+                    <a:lstStyle/>
+                    <a:p>
+                      <a:r>
+                        <a:rPr lang="en-US" noProof="0" dirty="0">
+                          <a:solidFill>
+                            <a:schemeClr val="tx1"/>
+                          </a:solidFill>
+                        </a:rPr>
+                        <a:t>Unexpected</a:t>
+                      </a:r>
+                    </a:p>
+                  </a:txBody>
+                  <a:tcPr>
+                    <a:lnR w="9525" cap="flat" cmpd="sng" algn="ctr">
+                      <a:solidFill>
+                        <a:schemeClr val="tx1"/>
+                      </a:solidFill>
+                      <a:prstDash val="solid"/>
+                      <a:round/>
+                      <a:headEnd type="none" w="med" len="med"/>
+                      <a:tailEnd type="none" w="med" len="med"/>
+                    </a:lnR>
+                  </a:tcPr>
+                </a:tc>
+                <a:tc>
+                  <a:txBody>
+                    <a:bodyPr/>
+                    <a:lstStyle/>
+                    <a:p>
+                      <a:r>
+                        <a:rPr lang="es-ES" noProof="0" dirty="0">
+                          <a:solidFill>
+                            <a:schemeClr val="tx1"/>
+                          </a:solidFill>
+                        </a:rPr>
+                        <a:t>$1,000.00</a:t>
+                      </a:r>
+                      <a:endParaRPr lang="en-US" noProof="0" dirty="0">
+                        <a:solidFill>
+                          <a:schemeClr val="tx1"/>
+                        </a:solidFill>
+                      </a:endParaRPr>
+                    </a:p>
+                  </a:txBody>
+                  <a:tcPr>
+                    <a:lnL w="9525" cap="flat" cmpd="sng" algn="ctr">
+                      <a:solidFill>
+                        <a:schemeClr val="tx1"/>
+                      </a:solidFill>
+                      <a:prstDash val="solid"/>
+                      <a:round/>
+                      <a:headEnd type="none" w="med" len="med"/>
+                      <a:tailEnd type="none" w="med" len="med"/>
+                    </a:lnL>
+                    <a:lnR w="9525" cap="flat" cmpd="sng" algn="ctr">
+                      <a:solidFill>
+                        <a:schemeClr val="tx1"/>
+                      </a:solidFill>
+                      <a:prstDash val="solid"/>
+                      <a:round/>
+                      <a:headEnd type="none" w="med" len="med"/>
+                      <a:tailEnd type="none" w="med" len="med"/>
+                    </a:lnR>
+                  </a:tcPr>
+                </a:tc>
+                <a:tc>
+                  <a:txBody>
+                    <a:bodyPr/>
+                    <a:lstStyle/>
+                    <a:p>
+                      <a:r>
+                        <a:rPr lang="es-ES" noProof="0" dirty="0">
+                          <a:solidFill>
+                            <a:schemeClr val="tx1"/>
+                          </a:solidFill>
+                        </a:rPr>
+                        <a:t>$400.00</a:t>
+                      </a:r>
+                      <a:endParaRPr lang="en-US" noProof="0" dirty="0">
+                        <a:solidFill>
+                          <a:schemeClr val="tx1"/>
+                        </a:solidFill>
+                      </a:endParaRPr>
+                    </a:p>
+                  </a:txBody>
+                  <a:tcPr>
+                    <a:lnL w="9525" cap="flat" cmpd="sng" algn="ctr">
+                      <a:solidFill>
+                        <a:schemeClr val="tx1"/>
+                      </a:solidFill>
+                      <a:prstDash val="solid"/>
+                      <a:round/>
+                      <a:headEnd type="none" w="med" len="med"/>
+                      <a:tailEnd type="none" w="med" len="med"/>
+                    </a:lnL>
+                    <a:lnR w="9525" cap="flat" cmpd="sng" algn="ctr">
+                      <a:solidFill>
+                        <a:schemeClr val="tx1"/>
+                      </a:solidFill>
+                      <a:prstDash val="solid"/>
+                      <a:round/>
+                      <a:headEnd type="none" w="med" len="med"/>
+                      <a:tailEnd type="none" w="med" len="med"/>
+                    </a:lnR>
+                  </a:tcPr>
+                </a:tc>
+                <a:tc>
+                  <a:txBody>
+                    <a:bodyPr/>
+                    <a:lstStyle/>
+                    <a:p>
+                      <a:r>
+                        <a:rPr lang="es-ES" noProof="0" dirty="0">
+                          <a:solidFill>
+                            <a:schemeClr val="tx1"/>
+                          </a:solidFill>
+                        </a:rPr>
+                        <a:t>$1,000.00</a:t>
+                      </a:r>
+                      <a:endParaRPr lang="en-US" noProof="0" dirty="0">
+                        <a:solidFill>
+                          <a:schemeClr val="tx1"/>
+                        </a:solidFill>
+                      </a:endParaRPr>
+                    </a:p>
+                  </a:txBody>
+                  <a:tcPr>
+                    <a:lnL w="9525" cap="flat" cmpd="sng" algn="ctr">
+                      <a:solidFill>
+                        <a:schemeClr val="tx1"/>
+                      </a:solidFill>
+                      <a:prstDash val="solid"/>
+                      <a:round/>
+                      <a:headEnd type="none" w="med" len="med"/>
+                      <a:tailEnd type="none" w="med" len="med"/>
+                    </a:lnL>
+                    <a:solidFill>
+                      <a:schemeClr val="tx2">
+                        <a:lumMod val="25000"/>
+                      </a:schemeClr>
+                    </a:solidFill>
+                  </a:tcPr>
+                </a:tc>
+                <a:extLst>
+                  <a:ext uri="{0D108BD9-81ED-4DB2-BD59-A6C34878D82A}">
+                    <a16:rowId xmlns:a16="http://schemas.microsoft.com/office/drawing/2014/main" val="797063675"/>
+                  </a:ext>
+                </a:extLst>
+              </a:tr>
+              <a:tr h="370840">
+                <a:tc>
+                  <a:txBody>
+                    <a:bodyPr/>
+                    <a:lstStyle/>
+                    <a:p>
+                      <a:r>
+                        <a:rPr lang="en-US" noProof="0" dirty="0">
+                          <a:solidFill>
+                            <a:schemeClr val="tx1"/>
+                          </a:solidFill>
+                        </a:rPr>
+                        <a:t>For Christmas</a:t>
+                      </a:r>
+                    </a:p>
+                  </a:txBody>
+                  <a:tcPr>
+                    <a:lnR w="9525" cap="flat" cmpd="sng" algn="ctr">
+                      <a:solidFill>
+                        <a:schemeClr val="tx1"/>
+                      </a:solidFill>
+                      <a:prstDash val="solid"/>
+                      <a:round/>
+                      <a:headEnd type="none" w="med" len="med"/>
+                      <a:tailEnd type="none" w="med" len="med"/>
+                    </a:lnR>
+                  </a:tcPr>
+                </a:tc>
+                <a:tc>
+                  <a:txBody>
+                    <a:bodyPr/>
+                    <a:lstStyle/>
+                    <a:p>
+                      <a:r>
+                        <a:rPr lang="es-ES" noProof="0" dirty="0">
+                          <a:solidFill>
+                            <a:schemeClr val="tx1"/>
+                          </a:solidFill>
+                        </a:rPr>
+                        <a:t>$1,300.00</a:t>
+                      </a:r>
+                      <a:endParaRPr lang="en-US" noProof="0" dirty="0">
+                        <a:solidFill>
+                          <a:schemeClr val="tx1"/>
+                        </a:solidFill>
+                      </a:endParaRPr>
+                    </a:p>
+                  </a:txBody>
+                  <a:tcPr>
+                    <a:lnL w="9525" cap="flat" cmpd="sng" algn="ctr">
+                      <a:solidFill>
+                        <a:schemeClr val="tx1"/>
+                      </a:solidFill>
+                      <a:prstDash val="solid"/>
+                      <a:round/>
+                      <a:headEnd type="none" w="med" len="med"/>
+                      <a:tailEnd type="none" w="med" len="med"/>
+                    </a:lnL>
+                    <a:lnR w="9525" cap="flat" cmpd="sng" algn="ctr">
+                      <a:solidFill>
+                        <a:schemeClr val="tx1"/>
+                      </a:solidFill>
+                      <a:prstDash val="solid"/>
+                      <a:round/>
+                      <a:headEnd type="none" w="med" len="med"/>
+                      <a:tailEnd type="none" w="med" len="med"/>
+                    </a:lnR>
+                  </a:tcPr>
+                </a:tc>
+                <a:tc>
+                  <a:txBody>
+                    <a:bodyPr/>
+                    <a:lstStyle/>
+                    <a:p>
+                      <a:r>
+                        <a:rPr lang="es-ES" noProof="0" dirty="0">
+                          <a:solidFill>
+                            <a:schemeClr val="tx1"/>
+                          </a:solidFill>
+                        </a:rPr>
+                        <a:t>$100.00</a:t>
+                      </a:r>
+                      <a:endParaRPr lang="en-US" noProof="0" dirty="0">
+                        <a:solidFill>
+                          <a:schemeClr val="tx1"/>
+                        </a:solidFill>
+                      </a:endParaRPr>
+                    </a:p>
+                  </a:txBody>
+                  <a:tcPr>
+                    <a:lnL w="9525" cap="flat" cmpd="sng" algn="ctr">
+                      <a:solidFill>
+                        <a:schemeClr val="tx1"/>
+                      </a:solidFill>
+                      <a:prstDash val="solid"/>
+                      <a:round/>
+                      <a:headEnd type="none" w="med" len="med"/>
+                      <a:tailEnd type="none" w="med" len="med"/>
+                    </a:lnL>
+                    <a:lnR w="9525" cap="flat" cmpd="sng" algn="ctr">
+                      <a:solidFill>
+                        <a:schemeClr val="tx1"/>
+                      </a:solidFill>
+                      <a:prstDash val="solid"/>
+                      <a:round/>
+                      <a:headEnd type="none" w="med" len="med"/>
+                      <a:tailEnd type="none" w="med" len="med"/>
+                    </a:lnR>
+                  </a:tcPr>
+                </a:tc>
+                <a:tc>
+                  <a:txBody>
+                    <a:bodyPr/>
+                    <a:lstStyle/>
+                    <a:p>
+                      <a:r>
+                        <a:rPr lang="es-ES" noProof="0" dirty="0">
+                          <a:solidFill>
+                            <a:schemeClr val="tx1"/>
+                          </a:solidFill>
+                        </a:rPr>
+                        <a:t>$1,300.00</a:t>
+                      </a:r>
+                      <a:endParaRPr lang="en-US" noProof="0" dirty="0">
+                        <a:solidFill>
+                          <a:schemeClr val="tx1"/>
+                        </a:solidFill>
+                      </a:endParaRPr>
+                    </a:p>
+                  </a:txBody>
+                  <a:tcPr>
+                    <a:lnL w="9525" cap="flat" cmpd="sng" algn="ctr">
+                      <a:solidFill>
+                        <a:schemeClr val="tx1"/>
+                      </a:solidFill>
+                      <a:prstDash val="solid"/>
+                      <a:round/>
+                      <a:headEnd type="none" w="med" len="med"/>
+                      <a:tailEnd type="none" w="med" len="med"/>
+                    </a:lnL>
+                    <a:solidFill>
+                      <a:schemeClr val="tx2">
+                        <a:lumMod val="25000"/>
+                      </a:schemeClr>
+                    </a:solidFill>
+                  </a:tcPr>
+                </a:tc>
+                <a:extLst>
+                  <a:ext uri="{0D108BD9-81ED-4DB2-BD59-A6C34878D82A}">
+                    <a16:rowId xmlns:a16="http://schemas.microsoft.com/office/drawing/2014/main" val="2020949859"/>
+                  </a:ext>
+                </a:extLst>
+              </a:tr>
+              <a:tr h="370840">
+                <a:tc>
+                  <a:txBody>
+                    <a:bodyPr/>
+                    <a:lstStyle/>
+                    <a:p>
+                      <a:r>
+                        <a:rPr lang="es-ES" noProof="0" dirty="0">
+                          <a:solidFill>
+                            <a:schemeClr val="tx1"/>
+                          </a:solidFill>
+                        </a:rPr>
+                        <a:t>Total</a:t>
+                      </a:r>
+                      <a:endParaRPr lang="en-US" noProof="0" dirty="0">
+                        <a:solidFill>
+                          <a:schemeClr val="tx1"/>
+                        </a:solidFill>
+                      </a:endParaRPr>
+                    </a:p>
+                  </a:txBody>
+                  <a:tcPr>
+                    <a:lnR w="9525" cap="flat" cmpd="sng" algn="ctr">
+                      <a:solidFill>
+                        <a:schemeClr val="tx1"/>
+                      </a:solidFill>
+                      <a:prstDash val="solid"/>
+                      <a:round/>
+                      <a:headEnd type="none" w="med" len="med"/>
+                      <a:tailEnd type="none" w="med" len="med"/>
+                    </a:lnR>
+                    <a:solidFill>
+                      <a:schemeClr val="tx2">
+                        <a:lumMod val="25000"/>
+                      </a:schemeClr>
+                    </a:solidFill>
+                  </a:tcPr>
+                </a:tc>
+                <a:tc>
+                  <a:txBody>
+                    <a:bodyPr/>
+                    <a:lstStyle/>
+                    <a:p>
+                      <a:r>
+                        <a:rPr lang="es-ES" noProof="0" dirty="0">
+                          <a:solidFill>
+                            <a:schemeClr val="tx1"/>
+                          </a:solidFill>
+                        </a:rPr>
+                        <a:t>$500.00</a:t>
+                      </a:r>
+                      <a:endParaRPr lang="en-US" noProof="0" dirty="0">
+                        <a:solidFill>
+                          <a:schemeClr val="tx1"/>
+                        </a:solidFill>
+                      </a:endParaRPr>
+                    </a:p>
+                  </a:txBody>
+                  <a:tcPr>
+                    <a:lnL w="9525" cap="flat" cmpd="sng" algn="ctr">
+                      <a:solidFill>
+                        <a:schemeClr val="tx1"/>
+                      </a:solidFill>
+                      <a:prstDash val="solid"/>
+                      <a:round/>
+                      <a:headEnd type="none" w="med" len="med"/>
+                      <a:tailEnd type="none" w="med" len="med"/>
+                    </a:lnL>
+                    <a:lnR w="9525" cap="flat" cmpd="sng" algn="ctr">
+                      <a:solidFill>
+                        <a:schemeClr val="tx1"/>
+                      </a:solidFill>
+                      <a:prstDash val="solid"/>
+                      <a:round/>
+                      <a:headEnd type="none" w="med" len="med"/>
+                      <a:tailEnd type="none" w="med" len="med"/>
+                    </a:lnR>
+                    <a:solidFill>
+                      <a:schemeClr val="tx2">
+                        <a:lumMod val="25000"/>
+                      </a:schemeClr>
+                    </a:solidFill>
+                  </a:tcPr>
+                </a:tc>
+                <a:tc>
+                  <a:txBody>
+                    <a:bodyPr/>
+                    <a:lstStyle/>
+                    <a:p>
+                      <a:r>
+                        <a:rPr lang="es-ES" noProof="0" dirty="0">
+                          <a:solidFill>
+                            <a:schemeClr val="tx1"/>
+                          </a:solidFill>
+                        </a:rPr>
+                        <a:t>$0.00</a:t>
+                      </a:r>
+                      <a:endParaRPr lang="en-US" noProof="0" dirty="0">
+                        <a:solidFill>
+                          <a:schemeClr val="tx1"/>
+                        </a:solidFill>
+                      </a:endParaRPr>
+                    </a:p>
+                  </a:txBody>
+                  <a:tcPr>
+                    <a:lnL w="9525" cap="flat" cmpd="sng" algn="ctr">
+                      <a:solidFill>
+                        <a:schemeClr val="tx1"/>
+                      </a:solidFill>
+                      <a:prstDash val="solid"/>
+                      <a:round/>
+                      <a:headEnd type="none" w="med" len="med"/>
+                      <a:tailEnd type="none" w="med" len="med"/>
+                    </a:lnL>
+                    <a:lnR w="9525" cap="flat" cmpd="sng" algn="ctr">
+                      <a:solidFill>
+                        <a:schemeClr val="tx1"/>
+                      </a:solidFill>
+                      <a:prstDash val="solid"/>
+                      <a:round/>
+                      <a:headEnd type="none" w="med" len="med"/>
+                      <a:tailEnd type="none" w="med" len="med"/>
+                    </a:lnR>
+                    <a:solidFill>
+                      <a:schemeClr val="tx2">
+                        <a:lumMod val="25000"/>
+                      </a:schemeClr>
+                    </a:solidFill>
+                  </a:tcPr>
+                </a:tc>
+                <a:tc>
+                  <a:txBody>
+                    <a:bodyPr/>
+                    <a:lstStyle/>
+                    <a:p>
+                      <a:endParaRPr lang="en-US" noProof="0" dirty="0">
+                        <a:solidFill>
+                          <a:schemeClr val="tx1"/>
+                        </a:solidFill>
+                      </a:endParaRPr>
+                    </a:p>
+                  </a:txBody>
+                  <a:tcPr>
+                    <a:lnL w="9525" cap="flat" cmpd="sng" algn="ctr">
+                      <a:solidFill>
+                        <a:schemeClr val="tx1"/>
+                      </a:solidFill>
+                      <a:prstDash val="solid"/>
+                      <a:round/>
+                      <a:headEnd type="none" w="med" len="med"/>
+                      <a:tailEnd type="none" w="med" len="med"/>
+                    </a:lnL>
+                    <a:lnR w="6350" cap="flat" cmpd="sng" algn="ctr">
+                      <a:noFill/>
+                      <a:prstDash val="solid"/>
+                      <a:miter lim="800000"/>
+                    </a:lnR>
+                    <a:lnB w="6350" cap="flat" cmpd="sng" algn="ctr">
+                      <a:noFill/>
+                      <a:prstDash val="solid"/>
+                      <a:miter lim="800000"/>
+                    </a:lnB>
+                    <a:lnTlToBr w="12700" cmpd="sng">
+                      <a:noFill/>
+                      <a:prstDash val="solid"/>
+                    </a:lnTlToBr>
+                    <a:lnBlToTr w="12700" cmpd="sng">
+                      <a:noFill/>
+                      <a:prstDash val="solid"/>
+                    </a:lnBlToTr>
+                    <a:noFill/>
+                  </a:tcPr>
+                </a:tc>
+                <a:extLst>
+                  <a:ext uri="{0D108BD9-81ED-4DB2-BD59-A6C34878D82A}">
+                    <a16:rowId xmlns:a16="http://schemas.microsoft.com/office/drawing/2014/main" val="1198387702"/>
+                  </a:ext>
+                </a:extLst>
+              </a:tr>
+            </a:tbl>
+          </a:graphicData>
+        </a:graphic>
+      </p:graphicFrame>
+      <p:sp>
+        <p:nvSpPr>
+          <p:cNvPr id="3" name="Rectangle: Rounded Corners 2">
+            <a:extLst>
+              <a:ext uri="{FF2B5EF4-FFF2-40B4-BE49-F238E27FC236}">
+                <a16:creationId xmlns:a16="http://schemas.microsoft.com/office/drawing/2014/main" id="{2CE8C579-7494-6A2F-2E22-0B45FBF4DA55}"/>
+              </a:ext>
+            </a:extLst>
+          </p:cNvPr>
+          <p:cNvSpPr/>
+          <p:nvPr/>
+        </p:nvSpPr>
+        <p:spPr>
+          <a:xfrm>
+            <a:off x="945475" y="4678745"/>
+            <a:ext cx="1582572" cy="473336"/>
+          </a:xfrm>
+          <a:prstGeom prst="roundRect">
+            <a:avLst/>
+          </a:prstGeom>
+        </p:spPr>
+        <p:style>
+          <a:lnRef idx="2">
+            <a:schemeClr val="accent1">
+              <a:shade val="15000"/>
+            </a:schemeClr>
+          </a:lnRef>
+          <a:fillRef idx="1">
+            <a:schemeClr val="accent1"/>
+          </a:fillRef>
+          <a:effectRef idx="0">
+            <a:schemeClr val="accent1"/>
+          </a:effectRef>
+          <a:fontRef idx="minor">
+            <a:schemeClr val="lt1"/>
+          </a:fontRef>
+        </p:style>
+        <p:txBody>
+          <a:bodyPr rtlCol="0" anchor="ctr"/>
+          <a:lstStyle/>
+          <a:p>
+            <a:pPr algn="ctr"/>
+            <a:r>
+              <a:rPr lang="es-ES" dirty="0" err="1"/>
+              <a:t>Add</a:t>
+            </a:r>
+            <a:r>
+              <a:rPr lang="es-ES" dirty="0"/>
+              <a:t> </a:t>
+            </a:r>
+            <a:r>
+              <a:rPr lang="es-ES" dirty="0" err="1"/>
+              <a:t>Saving</a:t>
+            </a:r>
+            <a:endParaRPr lang="en-US" dirty="0"/>
+          </a:p>
+        </p:txBody>
+      </p:sp>
+      <p:pic>
+        <p:nvPicPr>
+          <p:cNvPr id="4" name="Picture 3">
+            <a:extLst>
+              <a:ext uri="{FF2B5EF4-FFF2-40B4-BE49-F238E27FC236}">
+                <a16:creationId xmlns:a16="http://schemas.microsoft.com/office/drawing/2014/main" id="{2A0B324B-5B8B-30C6-FFEF-21DA89C8D965}"/>
+              </a:ext>
+            </a:extLst>
+          </p:cNvPr>
+          <p:cNvPicPr>
+            <a:picLocks noChangeAspect="1"/>
+          </p:cNvPicPr>
+          <p:nvPr/>
+        </p:nvPicPr>
+        <p:blipFill>
+          <a:blip r:embed="rId2"/>
+          <a:stretch>
+            <a:fillRect/>
+          </a:stretch>
+        </p:blipFill>
+        <p:spPr>
+          <a:xfrm>
+            <a:off x="10886739" y="2973242"/>
+            <a:ext cx="384575" cy="370840"/>
+          </a:xfrm>
+          <a:prstGeom prst="rect">
+            <a:avLst/>
+          </a:prstGeom>
+        </p:spPr>
+      </p:pic>
+      <p:pic>
+        <p:nvPicPr>
+          <p:cNvPr id="5" name="Picture 4">
+            <a:extLst>
+              <a:ext uri="{FF2B5EF4-FFF2-40B4-BE49-F238E27FC236}">
+                <a16:creationId xmlns:a16="http://schemas.microsoft.com/office/drawing/2014/main" id="{7F920867-97AB-3CE3-46D4-1C1DAD23F8A6}"/>
+              </a:ext>
+            </a:extLst>
+          </p:cNvPr>
+          <p:cNvPicPr>
+            <a:picLocks noChangeAspect="1"/>
+          </p:cNvPicPr>
+          <p:nvPr/>
+        </p:nvPicPr>
+        <p:blipFill>
+          <a:blip r:embed="rId2"/>
+          <a:stretch>
+            <a:fillRect/>
+          </a:stretch>
+        </p:blipFill>
+        <p:spPr>
+          <a:xfrm>
+            <a:off x="10886739" y="3348616"/>
+            <a:ext cx="384575" cy="370840"/>
+          </a:xfrm>
+          <a:prstGeom prst="rect">
+            <a:avLst/>
+          </a:prstGeom>
+        </p:spPr>
+      </p:pic>
+      <p:pic>
+        <p:nvPicPr>
+          <p:cNvPr id="7" name="Picture 6">
+            <a:extLst>
+              <a:ext uri="{FF2B5EF4-FFF2-40B4-BE49-F238E27FC236}">
+                <a16:creationId xmlns:a16="http://schemas.microsoft.com/office/drawing/2014/main" id="{B05F2212-91CA-8F10-7922-8391CB2E421B}"/>
+              </a:ext>
+            </a:extLst>
+          </p:cNvPr>
+          <p:cNvPicPr>
+            <a:picLocks noChangeAspect="1"/>
+          </p:cNvPicPr>
+          <p:nvPr/>
+        </p:nvPicPr>
+        <p:blipFill>
+          <a:blip r:embed="rId2"/>
+          <a:stretch>
+            <a:fillRect/>
+          </a:stretch>
+        </p:blipFill>
+        <p:spPr>
+          <a:xfrm>
+            <a:off x="10886739" y="3719456"/>
+            <a:ext cx="384575" cy="370840"/>
+          </a:xfrm>
+          <a:prstGeom prst="rect">
+            <a:avLst/>
+          </a:prstGeom>
+        </p:spPr>
+      </p:pic>
+      <p:sp>
+        <p:nvSpPr>
+          <p:cNvPr id="9" name="TextBox 8">
+            <a:extLst>
+              <a:ext uri="{FF2B5EF4-FFF2-40B4-BE49-F238E27FC236}">
+                <a16:creationId xmlns:a16="http://schemas.microsoft.com/office/drawing/2014/main" id="{0373BD9D-1630-F5AA-B7EA-06E6635A217B}"/>
+              </a:ext>
+            </a:extLst>
+          </p:cNvPr>
+          <p:cNvSpPr txBox="1"/>
+          <p:nvPr/>
+        </p:nvSpPr>
+        <p:spPr>
+          <a:xfrm>
+            <a:off x="4777841" y="1783327"/>
+            <a:ext cx="1286955" cy="369332"/>
+          </a:xfrm>
+          <a:prstGeom prst="rect">
+            <a:avLst/>
+          </a:prstGeom>
+          <a:noFill/>
+        </p:spPr>
+        <p:txBody>
+          <a:bodyPr wrap="none" rtlCol="0">
+            <a:spAutoFit/>
+          </a:bodyPr>
+          <a:lstStyle/>
+          <a:p>
+            <a:r>
+              <a:rPr lang="en-US" dirty="0"/>
+              <a:t>Total saved:</a:t>
+            </a:r>
+          </a:p>
+        </p:txBody>
+      </p:sp>
+      <p:sp>
+        <p:nvSpPr>
+          <p:cNvPr id="10" name="TextBox 9">
+            <a:extLst>
+              <a:ext uri="{FF2B5EF4-FFF2-40B4-BE49-F238E27FC236}">
+                <a16:creationId xmlns:a16="http://schemas.microsoft.com/office/drawing/2014/main" id="{A804D729-2950-2EB3-D5DD-3EACA9153B02}"/>
+              </a:ext>
+            </a:extLst>
+          </p:cNvPr>
+          <p:cNvSpPr txBox="1"/>
+          <p:nvPr/>
+        </p:nvSpPr>
+        <p:spPr>
+          <a:xfrm>
+            <a:off x="6096000" y="1767938"/>
+            <a:ext cx="1221809" cy="400110"/>
+          </a:xfrm>
+          <a:prstGeom prst="rect">
+            <a:avLst/>
+          </a:prstGeom>
+          <a:noFill/>
+        </p:spPr>
+        <p:txBody>
+          <a:bodyPr wrap="none" rtlCol="0">
+            <a:spAutoFit/>
+          </a:bodyPr>
+          <a:lstStyle/>
+          <a:p>
+            <a:r>
+              <a:rPr lang="es-ES" sz="2000" b="1" dirty="0"/>
+              <a:t>$2,000.00</a:t>
+            </a:r>
+            <a:endParaRPr lang="en-US" sz="2000" b="1" dirty="0"/>
+          </a:p>
+        </p:txBody>
+      </p:sp>
+      <p:graphicFrame>
+        <p:nvGraphicFramePr>
+          <p:cNvPr id="12" name="Table 11">
+            <a:extLst>
+              <a:ext uri="{FF2B5EF4-FFF2-40B4-BE49-F238E27FC236}">
+                <a16:creationId xmlns:a16="http://schemas.microsoft.com/office/drawing/2014/main" id="{61B08023-FDA1-6070-8953-1B102215E194}"/>
+              </a:ext>
+            </a:extLst>
+          </p:cNvPr>
+          <p:cNvGraphicFramePr>
+            <a:graphicFrameLocks noGrp="1"/>
+          </p:cNvGraphicFramePr>
+          <p:nvPr>
+            <p:extLst>
+              <p:ext uri="{D42A27DB-BD31-4B8C-83A1-F6EECF244321}">
+                <p14:modId xmlns:p14="http://schemas.microsoft.com/office/powerpoint/2010/main" val="491136002"/>
+              </p:ext>
+            </p:extLst>
+          </p:nvPr>
+        </p:nvGraphicFramePr>
+        <p:xfrm>
+          <a:off x="4945387" y="1220911"/>
+          <a:ext cx="2301226" cy="370840"/>
+        </p:xfrm>
+        <a:graphic>
+          <a:graphicData uri="http://schemas.openxmlformats.org/drawingml/2006/table">
+            <a:tbl>
+              <a:tblPr firstRow="1" bandRow="1">
+                <a:tableStyleId>{2D5ABB26-0587-4C30-8999-92F81FD0307C}</a:tableStyleId>
+              </a:tblPr>
+              <a:tblGrid>
+                <a:gridCol w="297436">
+                  <a:extLst>
+                    <a:ext uri="{9D8B030D-6E8A-4147-A177-3AD203B41FA5}">
+                      <a16:colId xmlns:a16="http://schemas.microsoft.com/office/drawing/2014/main" val="3164968454"/>
+                    </a:ext>
+                  </a:extLst>
+                </a:gridCol>
+                <a:gridCol w="1038492">
+                  <a:extLst>
+                    <a:ext uri="{9D8B030D-6E8A-4147-A177-3AD203B41FA5}">
+                      <a16:colId xmlns:a16="http://schemas.microsoft.com/office/drawing/2014/main" val="346824642"/>
+                    </a:ext>
+                  </a:extLst>
+                </a:gridCol>
+                <a:gridCol w="667862">
+                  <a:extLst>
+                    <a:ext uri="{9D8B030D-6E8A-4147-A177-3AD203B41FA5}">
+                      <a16:colId xmlns:a16="http://schemas.microsoft.com/office/drawing/2014/main" val="3970779557"/>
+                    </a:ext>
+                  </a:extLst>
+                </a:gridCol>
+                <a:gridCol w="297436">
+                  <a:extLst>
+                    <a:ext uri="{9D8B030D-6E8A-4147-A177-3AD203B41FA5}">
+                      <a16:colId xmlns:a16="http://schemas.microsoft.com/office/drawing/2014/main" val="1152229653"/>
+                    </a:ext>
+                  </a:extLst>
+                </a:gridCol>
+              </a:tblGrid>
+              <a:tr h="370840">
+                <a:tc>
+                  <a:txBody>
+                    <a:bodyPr/>
+                    <a:lstStyle/>
+                    <a:p>
+                      <a:pPr algn="ctr"/>
+                      <a:r>
+                        <a:rPr lang="en-US" noProof="0" dirty="0"/>
+                        <a:t>&lt;</a:t>
+                      </a:r>
+                    </a:p>
+                  </a:txBody>
+                  <a:tcPr>
+                    <a:lnL>
+                      <a:noFill/>
+                    </a:lnL>
+                    <a:lnR w="12700" cap="flat" cmpd="sng" algn="ctr">
+                      <a:solidFill>
+                        <a:schemeClr val="tx1"/>
+                      </a:solidFill>
+                      <a:prstDash val="solid"/>
+                      <a:round/>
+                      <a:headEnd type="none" w="med" len="med"/>
+                      <a:tailEnd type="none" w="med" len="med"/>
+                    </a:lnR>
+                    <a:lnT>
+                      <a:noFill/>
+                    </a:lnT>
+                    <a:lnB>
+                      <a:noFill/>
+                    </a:lnB>
+                  </a:tcPr>
+                </a:tc>
+                <a:tc>
+                  <a:txBody>
+                    <a:bodyPr/>
+                    <a:lstStyle/>
+                    <a:p>
+                      <a:pPr algn="ctr"/>
+                      <a:r>
+                        <a:rPr lang="en-US" noProof="0" dirty="0"/>
+                        <a:t>October</a:t>
+                      </a:r>
+                    </a:p>
+                  </a:txBody>
+                  <a:tcPr>
+                    <a:lnL w="12700" cap="flat" cmpd="sng" algn="ctr">
+                      <a:solidFill>
+                        <a:schemeClr val="tx1"/>
+                      </a:solidFill>
+                      <a:prstDash val="solid"/>
+                      <a:round/>
+                      <a:headEnd type="none" w="med" len="med"/>
+                      <a:tailEnd type="none" w="med" len="med"/>
+                    </a:lnL>
+                    <a:lnR w="12700" cap="flat" cmpd="sng" algn="ctr">
+                      <a:solidFill>
+                        <a:schemeClr val="tx1"/>
+                      </a:solidFill>
+                      <a:prstDash val="solid"/>
+                      <a:round/>
+                      <a:headEnd type="none" w="med" len="med"/>
+                      <a:tailEnd type="none" w="med" len="med"/>
+                    </a:lnR>
+                    <a:lnT w="12700" cap="flat" cmpd="sng" algn="ctr">
+                      <a:solidFill>
+                        <a:schemeClr val="tx1"/>
+                      </a:solidFill>
+                      <a:prstDash val="solid"/>
+                      <a:round/>
+                      <a:headEnd type="none" w="med" len="med"/>
+                      <a:tailEnd type="none" w="med" len="med"/>
+                    </a:lnT>
+                    <a:lnB w="12700" cap="flat" cmpd="sng" algn="ctr">
+                      <a:solidFill>
+                        <a:schemeClr val="tx1"/>
+                      </a:solidFill>
+                      <a:prstDash val="solid"/>
+                      <a:round/>
+                      <a:headEnd type="none" w="med" len="med"/>
+                      <a:tailEnd type="none" w="med" len="med"/>
+                    </a:lnB>
+                  </a:tcPr>
+                </a:tc>
+                <a:tc>
+                  <a:txBody>
+                    <a:bodyPr/>
+                    <a:lstStyle/>
+                    <a:p>
+                      <a:pPr algn="ctr"/>
+                      <a:r>
+                        <a:rPr lang="es-ES" noProof="0" dirty="0"/>
+                        <a:t>2023</a:t>
+                      </a:r>
+                      <a:endParaRPr lang="en-US" noProof="0" dirty="0"/>
+                    </a:p>
+                  </a:txBody>
+                  <a:tcPr>
+                    <a:lnL w="12700" cap="flat" cmpd="sng" algn="ctr">
+                      <a:solidFill>
+                        <a:schemeClr val="tx1"/>
+                      </a:solidFill>
+                      <a:prstDash val="solid"/>
+                      <a:round/>
+                      <a:headEnd type="none" w="med" len="med"/>
+                      <a:tailEnd type="none" w="med" len="med"/>
+                    </a:lnL>
+                    <a:lnR w="12700" cap="flat" cmpd="sng" algn="ctr">
+                      <a:solidFill>
+                        <a:schemeClr val="tx1"/>
+                      </a:solidFill>
+                      <a:prstDash val="solid"/>
+                      <a:round/>
+                      <a:headEnd type="none" w="med" len="med"/>
+                      <a:tailEnd type="none" w="med" len="med"/>
+                    </a:lnR>
+                    <a:lnT w="12700" cap="flat" cmpd="sng" algn="ctr">
+                      <a:solidFill>
+                        <a:schemeClr val="tx1"/>
+                      </a:solidFill>
+                      <a:prstDash val="solid"/>
+                      <a:round/>
+                      <a:headEnd type="none" w="med" len="med"/>
+                      <a:tailEnd type="none" w="med" len="med"/>
+                    </a:lnT>
+                    <a:lnB w="12700" cap="flat" cmpd="sng" algn="ctr">
+                      <a:solidFill>
+                        <a:schemeClr val="tx1"/>
+                      </a:solidFill>
+                      <a:prstDash val="solid"/>
+                      <a:round/>
+                      <a:headEnd type="none" w="med" len="med"/>
+                      <a:tailEnd type="none" w="med" len="med"/>
+                    </a:lnB>
+                  </a:tcPr>
+                </a:tc>
+                <a:tc>
+                  <a:txBody>
+                    <a:bodyPr/>
+                    <a:lstStyle/>
+                    <a:p>
+                      <a:pPr algn="ctr"/>
+                      <a:r>
+                        <a:rPr lang="en-US" noProof="0" dirty="0"/>
+                        <a:t>&gt;</a:t>
+                      </a:r>
+                    </a:p>
+                  </a:txBody>
+                  <a:tcPr>
+                    <a:lnL w="12700" cap="flat" cmpd="sng" algn="ctr">
+                      <a:solidFill>
+                        <a:schemeClr val="tx1"/>
+                      </a:solidFill>
+                      <a:prstDash val="solid"/>
+                      <a:round/>
+                      <a:headEnd type="none" w="med" len="med"/>
+                      <a:tailEnd type="none" w="med" len="med"/>
+                    </a:lnL>
+                    <a:lnR>
+                      <a:noFill/>
+                    </a:lnR>
+                    <a:lnT>
+                      <a:noFill/>
+                    </a:lnT>
+                    <a:lnB>
+                      <a:noFill/>
+                    </a:lnB>
+                  </a:tcPr>
+                </a:tc>
+                <a:extLst>
+                  <a:ext uri="{0D108BD9-81ED-4DB2-BD59-A6C34878D82A}">
+                    <a16:rowId xmlns:a16="http://schemas.microsoft.com/office/drawing/2014/main" val="2964456499"/>
+                  </a:ext>
+                </a:extLst>
+              </a:tr>
+            </a:tbl>
+          </a:graphicData>
+        </a:graphic>
+      </p:graphicFrame>
+      <p:graphicFrame>
+        <p:nvGraphicFramePr>
+          <p:cNvPr id="18" name="Table 17">
+            <a:extLst>
+              <a:ext uri="{FF2B5EF4-FFF2-40B4-BE49-F238E27FC236}">
+                <a16:creationId xmlns:a16="http://schemas.microsoft.com/office/drawing/2014/main" id="{168BC620-61D8-6B7D-2146-F02C1B2FE89F}"/>
+              </a:ext>
+            </a:extLst>
+          </p:cNvPr>
+          <p:cNvGraphicFramePr>
+            <a:graphicFrameLocks noGrp="1"/>
+          </p:cNvGraphicFramePr>
+          <p:nvPr>
+            <p:extLst>
+              <p:ext uri="{D42A27DB-BD31-4B8C-83A1-F6EECF244321}">
+                <p14:modId xmlns:p14="http://schemas.microsoft.com/office/powerpoint/2010/main" val="1353770507"/>
+              </p:ext>
+            </p:extLst>
+          </p:nvPr>
+        </p:nvGraphicFramePr>
+        <p:xfrm>
+          <a:off x="376195" y="411183"/>
+          <a:ext cx="11202084" cy="370840"/>
+        </p:xfrm>
+        <a:graphic>
+          <a:graphicData uri="http://schemas.openxmlformats.org/drawingml/2006/table">
+            <a:tbl>
+              <a:tblPr firstRow="1" bandRow="1">
+                <a:tableStyleId>{5C22544A-7EE6-4342-B048-85BDC9FD1C3A}</a:tableStyleId>
+              </a:tblPr>
+              <a:tblGrid>
+                <a:gridCol w="1867014">
+                  <a:extLst>
+                    <a:ext uri="{9D8B030D-6E8A-4147-A177-3AD203B41FA5}">
+                      <a16:colId xmlns:a16="http://schemas.microsoft.com/office/drawing/2014/main" val="864389183"/>
+                    </a:ext>
+                  </a:extLst>
+                </a:gridCol>
+                <a:gridCol w="1867014">
+                  <a:extLst>
+                    <a:ext uri="{9D8B030D-6E8A-4147-A177-3AD203B41FA5}">
+                      <a16:colId xmlns:a16="http://schemas.microsoft.com/office/drawing/2014/main" val="918450666"/>
+                    </a:ext>
+                  </a:extLst>
+                </a:gridCol>
+                <a:gridCol w="1867014">
+                  <a:extLst>
+                    <a:ext uri="{9D8B030D-6E8A-4147-A177-3AD203B41FA5}">
+                      <a16:colId xmlns:a16="http://schemas.microsoft.com/office/drawing/2014/main" val="3000011065"/>
+                    </a:ext>
+                  </a:extLst>
+                </a:gridCol>
+                <a:gridCol w="1867014">
+                  <a:extLst>
+                    <a:ext uri="{9D8B030D-6E8A-4147-A177-3AD203B41FA5}">
+                      <a16:colId xmlns:a16="http://schemas.microsoft.com/office/drawing/2014/main" val="386926505"/>
+                    </a:ext>
+                  </a:extLst>
+                </a:gridCol>
+                <a:gridCol w="1867014">
+                  <a:extLst>
+                    <a:ext uri="{9D8B030D-6E8A-4147-A177-3AD203B41FA5}">
+                      <a16:colId xmlns:a16="http://schemas.microsoft.com/office/drawing/2014/main" val="1595816490"/>
+                    </a:ext>
+                  </a:extLst>
+                </a:gridCol>
+                <a:gridCol w="1867014">
+                  <a:extLst>
+                    <a:ext uri="{9D8B030D-6E8A-4147-A177-3AD203B41FA5}">
+                      <a16:colId xmlns:a16="http://schemas.microsoft.com/office/drawing/2014/main" val="3658545522"/>
+                    </a:ext>
+                  </a:extLst>
+                </a:gridCol>
+              </a:tblGrid>
+              <a:tr h="370840">
+                <a:tc>
+                  <a:txBody>
+                    <a:bodyPr/>
+                    <a:lstStyle/>
+                    <a:p>
+                      <a:pPr algn="ctr"/>
+                      <a:r>
+                        <a:rPr lang="en-US" noProof="0" dirty="0"/>
+                        <a:t>Expenses</a:t>
+                      </a:r>
+                    </a:p>
+                  </a:txBody>
+                  <a:tcPr>
+                    <a:lnL w="12700" cmpd="sng">
+                      <a:noFill/>
+                    </a:lnL>
+                    <a:lnR w="12700" cmpd="sng">
+                      <a:noFill/>
+                    </a:lnR>
+                    <a:lnT w="12700" cmpd="sng">
+                      <a:noFill/>
+                    </a:lnT>
+                    <a:lnB w="38100" cmpd="sng">
+                      <a:noFill/>
+                    </a:lnB>
+                    <a:lnTlToBr w="12700" cmpd="sng">
+                      <a:noFill/>
+                      <a:prstDash val="solid"/>
+                    </a:lnTlToBr>
+                    <a:lnBlToTr w="12700" cmpd="sng">
+                      <a:noFill/>
+                      <a:prstDash val="solid"/>
+                    </a:lnBlToTr>
+                    <a:noFill/>
+                  </a:tcPr>
+                </a:tc>
+                <a:tc>
+                  <a:txBody>
+                    <a:bodyPr/>
+                    <a:lstStyle/>
+                    <a:p>
+                      <a:pPr algn="ctr"/>
+                      <a:r>
+                        <a:rPr lang="es-ES" noProof="0" dirty="0"/>
+                        <a:t>Budget</a:t>
+                      </a:r>
+                      <a:endParaRPr lang="en-US" noProof="0" dirty="0"/>
+                    </a:p>
+                  </a:txBody>
+                  <a:tcPr>
+                    <a:lnL w="12700" cmpd="sng">
+                      <a:noFill/>
+                    </a:lnL>
+                    <a:lnR w="12700" cmpd="sng">
+                      <a:noFill/>
+                    </a:lnR>
+                    <a:lnT w="12700" cmpd="sng">
+                      <a:noFill/>
+                    </a:lnT>
+                    <a:lnB w="38100" cmpd="sng">
+                      <a:noFill/>
+                    </a:lnB>
+                    <a:lnTlToBr w="12700" cmpd="sng">
+                      <a:noFill/>
+                      <a:prstDash val="solid"/>
+                    </a:lnTlToBr>
+                    <a:lnBlToTr w="12700" cmpd="sng">
+                      <a:noFill/>
+                      <a:prstDash val="solid"/>
+                    </a:lnBlToTr>
+                    <a:noFill/>
+                  </a:tcPr>
+                </a:tc>
+                <a:tc>
+                  <a:txBody>
+                    <a:bodyPr/>
+                    <a:lstStyle/>
+                    <a:p>
+                      <a:pPr algn="ctr"/>
+                      <a:r>
+                        <a:rPr lang="en-US" noProof="0" dirty="0"/>
+                        <a:t>Savings</a:t>
+                      </a:r>
+                    </a:p>
+                  </a:txBody>
+                  <a:tcPr>
+                    <a:lnL w="12700" cmpd="sng">
+                      <a:noFill/>
+                    </a:lnL>
+                    <a:lnR w="12700" cmpd="sng">
+                      <a:noFill/>
+                    </a:lnR>
+                    <a:lnT w="12700" cmpd="sng">
+                      <a:noFill/>
+                    </a:lnT>
+                    <a:lnB w="38100" cmpd="sng">
+                      <a:noFill/>
+                    </a:lnB>
+                    <a:lnTlToBr w="12700" cmpd="sng">
+                      <a:noFill/>
+                      <a:prstDash val="solid"/>
+                    </a:lnTlToBr>
+                    <a:lnBlToTr w="12700" cmpd="sng">
+                      <a:noFill/>
+                      <a:prstDash val="solid"/>
+                    </a:lnBlToTr>
+                    <a:solidFill>
+                      <a:srgbClr val="0070C0"/>
+                    </a:solidFill>
+                  </a:tcPr>
+                </a:tc>
+                <a:tc>
+                  <a:txBody>
+                    <a:bodyPr/>
+                    <a:lstStyle/>
+                    <a:p>
+                      <a:pPr algn="ctr"/>
+                      <a:r>
+                        <a:rPr lang="en-US" noProof="0" dirty="0"/>
+                        <a:t>Payments</a:t>
+                      </a:r>
+                    </a:p>
+                  </a:txBody>
+                  <a:tcPr>
+                    <a:lnL w="12700" cmpd="sng">
+                      <a:noFill/>
+                    </a:lnL>
+                    <a:lnR w="12700" cmpd="sng">
+                      <a:noFill/>
+                    </a:lnR>
+                    <a:lnT w="12700" cmpd="sng">
+                      <a:noFill/>
+                    </a:lnT>
+                    <a:lnB w="38100" cmpd="sng">
+                      <a:noFill/>
+                    </a:lnB>
+                    <a:lnTlToBr w="12700" cmpd="sng">
+                      <a:noFill/>
+                      <a:prstDash val="solid"/>
+                    </a:lnTlToBr>
+                    <a:lnBlToTr w="12700" cmpd="sng">
+                      <a:noFill/>
+                      <a:prstDash val="solid"/>
+                    </a:lnBlToTr>
+                    <a:noFill/>
+                  </a:tcPr>
+                </a:tc>
+                <a:tc>
+                  <a:txBody>
+                    <a:bodyPr/>
+                    <a:lstStyle/>
+                    <a:p>
+                      <a:pPr algn="ctr"/>
+                      <a:r>
+                        <a:rPr lang="en-US" noProof="0" dirty="0"/>
+                        <a:t>Summary</a:t>
+                      </a:r>
+                    </a:p>
+                  </a:txBody>
+                  <a:tcPr>
+                    <a:lnL w="12700" cmpd="sng">
+                      <a:noFill/>
+                    </a:lnL>
+                    <a:lnR w="12700" cmpd="sng">
+                      <a:noFill/>
+                    </a:lnR>
+                    <a:lnT w="12700" cmpd="sng">
+                      <a:noFill/>
+                    </a:lnT>
+                    <a:lnB w="38100" cmpd="sng">
+                      <a:noFill/>
+                    </a:lnB>
+                    <a:lnTlToBr w="12700" cmpd="sng">
+                      <a:noFill/>
+                      <a:prstDash val="solid"/>
+                    </a:lnTlToBr>
+                    <a:lnBlToTr w="12700" cmpd="sng">
+                      <a:noFill/>
+                      <a:prstDash val="solid"/>
+                    </a:lnBlToTr>
+                    <a:noFill/>
+                  </a:tcPr>
+                </a:tc>
+                <a:tc>
+                  <a:txBody>
+                    <a:bodyPr/>
+                    <a:lstStyle/>
+                    <a:p>
+                      <a:pPr algn="ctr"/>
+                      <a:r>
+                        <a:rPr lang="en-US" noProof="0" dirty="0"/>
+                        <a:t>Profile</a:t>
+                      </a:r>
+                    </a:p>
+                  </a:txBody>
+                  <a:tcPr>
+                    <a:lnL w="12700" cmpd="sng">
+                      <a:noFill/>
+                    </a:lnL>
+                    <a:lnR w="12700" cmpd="sng">
+                      <a:noFill/>
+                    </a:lnR>
+                    <a:lnT w="12700" cmpd="sng">
+                      <a:noFill/>
+                    </a:lnT>
+                    <a:lnB w="38100" cmpd="sng">
+                      <a:noFill/>
+                    </a:lnB>
+                    <a:lnTlToBr w="12700" cmpd="sng">
+                      <a:noFill/>
+                      <a:prstDash val="solid"/>
+                    </a:lnTlToBr>
+                    <a:lnBlToTr w="12700" cmpd="sng">
+                      <a:noFill/>
+                      <a:prstDash val="solid"/>
+                    </a:lnBlToTr>
+                    <a:noFill/>
+                  </a:tcPr>
+                </a:tc>
+                <a:extLst>
+                  <a:ext uri="{0D108BD9-81ED-4DB2-BD59-A6C34878D82A}">
+                    <a16:rowId xmlns:a16="http://schemas.microsoft.com/office/drawing/2014/main" val="2679203274"/>
+                  </a:ext>
+                </a:extLst>
+              </a:tr>
+            </a:tbl>
+          </a:graphicData>
+        </a:graphic>
+      </p:graphicFrame>
     </p:spTree>
     <p:extLst>
       <p:ext uri="{BB962C8B-B14F-4D97-AF65-F5344CB8AC3E}">
         <p14:creationId xmlns:p14="http://schemas.microsoft.com/office/powerpoint/2010/main" val="2217030426"/>
+      </p:ext>
+    </p:extLst>
+  </p:cSld>
+  <p:clrMapOvr>
+    <a:masterClrMapping/>
+  </p:clrMapOvr>
+</p:sld>
+</file>
+
+<file path=ppt/slides/slide4.xml><?xml version="1.0" encoding="utf-8"?>
+<p:sld xmlns:a="http://schemas.openxmlformats.org/drawingml/2006/main" xmlns:r="http://schemas.openxmlformats.org/officeDocument/2006/relationships" xmlns:p="http://schemas.openxmlformats.org/presentationml/2006/main">
+  <p:cSld>
+    <p:bg>
+      <p:bgPr>
+        <a:solidFill>
+          <a:srgbClr val="212529"/>
+        </a:solidFill>
+        <a:effectLst/>
+      </p:bgPr>
+    </p:bg>
+    <p:spTree>
+      <p:nvGrpSpPr>
+        <p:cNvPr id="1" name=""/>
+        <p:cNvGrpSpPr/>
+        <p:nvPr/>
+      </p:nvGrpSpPr>
+      <p:grpSpPr>
+        <a:xfrm>
+          <a:off x="0" y="0"/>
+          <a:ext cx="0" cy="0"/>
+          <a:chOff x="0" y="0"/>
+          <a:chExt cx="0" cy="0"/>
+        </a:xfrm>
+      </p:grpSpPr>
+      <p:graphicFrame>
+        <p:nvGraphicFramePr>
+          <p:cNvPr id="2" name="Table 1">
+            <a:extLst>
+              <a:ext uri="{FF2B5EF4-FFF2-40B4-BE49-F238E27FC236}">
+                <a16:creationId xmlns:a16="http://schemas.microsoft.com/office/drawing/2014/main" id="{387817E4-2C9E-F0E7-8AD1-B88F00C98E9D}"/>
+              </a:ext>
+            </a:extLst>
+          </p:cNvPr>
+          <p:cNvGraphicFramePr>
+            <a:graphicFrameLocks noGrp="1"/>
+          </p:cNvGraphicFramePr>
+          <p:nvPr>
+            <p:extLst>
+              <p:ext uri="{D42A27DB-BD31-4B8C-83A1-F6EECF244321}">
+                <p14:modId xmlns:p14="http://schemas.microsoft.com/office/powerpoint/2010/main" val="1489057321"/>
+              </p:ext>
+            </p:extLst>
+          </p:nvPr>
+        </p:nvGraphicFramePr>
+        <p:xfrm>
+          <a:off x="945475" y="2606936"/>
+          <a:ext cx="9941264" cy="2595880"/>
+        </p:xfrm>
+        <a:graphic>
+          <a:graphicData uri="http://schemas.openxmlformats.org/drawingml/2006/table">
+            <a:tbl>
+              <a:tblPr firstRow="1" bandRow="1">
+                <a:tableStyleId>{7E9639D4-E3E2-4D34-9284-5A2195B3D0D7}</a:tableStyleId>
+              </a:tblPr>
+              <a:tblGrid>
+                <a:gridCol w="2485316">
+                  <a:extLst>
+                    <a:ext uri="{9D8B030D-6E8A-4147-A177-3AD203B41FA5}">
+                      <a16:colId xmlns:a16="http://schemas.microsoft.com/office/drawing/2014/main" val="3249489564"/>
+                    </a:ext>
+                  </a:extLst>
+                </a:gridCol>
+                <a:gridCol w="2485316">
+                  <a:extLst>
+                    <a:ext uri="{9D8B030D-6E8A-4147-A177-3AD203B41FA5}">
+                      <a16:colId xmlns:a16="http://schemas.microsoft.com/office/drawing/2014/main" val="138114118"/>
+                    </a:ext>
+                  </a:extLst>
+                </a:gridCol>
+                <a:gridCol w="2485316">
+                  <a:extLst>
+                    <a:ext uri="{9D8B030D-6E8A-4147-A177-3AD203B41FA5}">
+                      <a16:colId xmlns:a16="http://schemas.microsoft.com/office/drawing/2014/main" val="3489086391"/>
+                    </a:ext>
+                  </a:extLst>
+                </a:gridCol>
+                <a:gridCol w="2485316">
+                  <a:extLst>
+                    <a:ext uri="{9D8B030D-6E8A-4147-A177-3AD203B41FA5}">
+                      <a16:colId xmlns:a16="http://schemas.microsoft.com/office/drawing/2014/main" val="3808629571"/>
+                    </a:ext>
+                  </a:extLst>
+                </a:gridCol>
+              </a:tblGrid>
+              <a:tr h="370840">
+                <a:tc>
+                  <a:txBody>
+                    <a:bodyPr/>
+                    <a:lstStyle/>
+                    <a:p>
+                      <a:r>
+                        <a:rPr lang="en-US" noProof="0" dirty="0">
+                          <a:solidFill>
+                            <a:schemeClr val="tx1"/>
+                          </a:solidFill>
+                        </a:rPr>
+                        <a:t>Category</a:t>
+                      </a:r>
+                    </a:p>
+                  </a:txBody>
+                  <a:tcPr>
+                    <a:lnR w="9525" cap="flat" cmpd="sng" algn="ctr">
+                      <a:solidFill>
+                        <a:schemeClr val="tx1"/>
+                      </a:solidFill>
+                      <a:prstDash val="solid"/>
+                      <a:round/>
+                      <a:headEnd type="none" w="med" len="med"/>
+                      <a:tailEnd type="none" w="med" len="med"/>
+                    </a:lnR>
+                    <a:lnB w="28575" cap="flat" cmpd="sng" algn="ctr">
+                      <a:solidFill>
+                        <a:schemeClr val="tx1"/>
+                      </a:solidFill>
+                      <a:prstDash val="solid"/>
+                      <a:round/>
+                      <a:headEnd type="none" w="med" len="med"/>
+                      <a:tailEnd type="none" w="med" len="med"/>
+                    </a:lnB>
+                    <a:solidFill>
+                      <a:srgbClr val="212529"/>
+                    </a:solidFill>
+                  </a:tcPr>
+                </a:tc>
+                <a:tc>
+                  <a:txBody>
+                    <a:bodyPr/>
+                    <a:lstStyle/>
+                    <a:p>
+                      <a:r>
+                        <a:rPr lang="en-US" noProof="0" dirty="0">
+                          <a:solidFill>
+                            <a:schemeClr val="tx1"/>
+                          </a:solidFill>
+                        </a:rPr>
+                        <a:t>Goal</a:t>
+                      </a:r>
+                    </a:p>
+                  </a:txBody>
+                  <a:tcPr>
+                    <a:lnL w="9525" cap="flat" cmpd="sng" algn="ctr">
+                      <a:solidFill>
+                        <a:schemeClr val="tx1"/>
+                      </a:solidFill>
+                      <a:prstDash val="solid"/>
+                      <a:round/>
+                      <a:headEnd type="none" w="med" len="med"/>
+                      <a:tailEnd type="none" w="med" len="med"/>
+                    </a:lnL>
+                    <a:lnR w="9525" cap="flat" cmpd="sng" algn="ctr">
+                      <a:solidFill>
+                        <a:schemeClr val="tx1"/>
+                      </a:solidFill>
+                      <a:prstDash val="solid"/>
+                      <a:round/>
+                      <a:headEnd type="none" w="med" len="med"/>
+                      <a:tailEnd type="none" w="med" len="med"/>
+                    </a:lnR>
+                    <a:lnB w="28575" cap="flat" cmpd="sng" algn="ctr">
+                      <a:solidFill>
+                        <a:schemeClr val="tx1"/>
+                      </a:solidFill>
+                      <a:prstDash val="solid"/>
+                      <a:round/>
+                      <a:headEnd type="none" w="med" len="med"/>
+                      <a:tailEnd type="none" w="med" len="med"/>
+                    </a:lnB>
+                    <a:solidFill>
+                      <a:srgbClr val="212529"/>
+                    </a:solidFill>
+                  </a:tcPr>
+                </a:tc>
+                <a:tc>
+                  <a:txBody>
+                    <a:bodyPr/>
+                    <a:lstStyle/>
+                    <a:p>
+                      <a:r>
+                        <a:rPr lang="en-US" noProof="0" dirty="0">
+                          <a:solidFill>
+                            <a:schemeClr val="tx1"/>
+                          </a:solidFill>
+                        </a:rPr>
+                        <a:t>Spent</a:t>
+                      </a:r>
+                    </a:p>
+                  </a:txBody>
+                  <a:tcPr>
+                    <a:lnL w="9525" cap="flat" cmpd="sng" algn="ctr">
+                      <a:solidFill>
+                        <a:schemeClr val="tx1"/>
+                      </a:solidFill>
+                      <a:prstDash val="solid"/>
+                      <a:round/>
+                      <a:headEnd type="none" w="med" len="med"/>
+                      <a:tailEnd type="none" w="med" len="med"/>
+                    </a:lnL>
+                    <a:lnR w="9525" cap="flat" cmpd="sng" algn="ctr">
+                      <a:solidFill>
+                        <a:schemeClr val="tx1"/>
+                      </a:solidFill>
+                      <a:prstDash val="solid"/>
+                      <a:round/>
+                      <a:headEnd type="none" w="med" len="med"/>
+                      <a:tailEnd type="none" w="med" len="med"/>
+                    </a:lnR>
+                    <a:lnB w="28575" cap="flat" cmpd="sng" algn="ctr">
+                      <a:solidFill>
+                        <a:schemeClr val="tx1"/>
+                      </a:solidFill>
+                      <a:prstDash val="solid"/>
+                      <a:round/>
+                      <a:headEnd type="none" w="med" len="med"/>
+                      <a:tailEnd type="none" w="med" len="med"/>
+                    </a:lnB>
+                    <a:solidFill>
+                      <a:srgbClr val="212529"/>
+                    </a:solidFill>
+                  </a:tcPr>
+                </a:tc>
+                <a:tc>
+                  <a:txBody>
+                    <a:bodyPr/>
+                    <a:lstStyle/>
+                    <a:p>
+                      <a:r>
+                        <a:rPr lang="es-ES" noProof="0" dirty="0">
+                          <a:solidFill>
+                            <a:schemeClr val="tx1"/>
+                          </a:solidFill>
+                        </a:rPr>
+                        <a:t>Total</a:t>
+                      </a:r>
+                      <a:endParaRPr lang="en-US" noProof="0" dirty="0">
+                        <a:solidFill>
+                          <a:schemeClr val="tx1"/>
+                        </a:solidFill>
+                      </a:endParaRPr>
+                    </a:p>
+                  </a:txBody>
+                  <a:tcPr>
+                    <a:lnL w="9525" cap="flat" cmpd="sng" algn="ctr">
+                      <a:solidFill>
+                        <a:schemeClr val="tx1"/>
+                      </a:solidFill>
+                      <a:prstDash val="solid"/>
+                      <a:round/>
+                      <a:headEnd type="none" w="med" len="med"/>
+                      <a:tailEnd type="none" w="med" len="med"/>
+                    </a:lnL>
+                    <a:lnB w="28575" cap="flat" cmpd="sng" algn="ctr">
+                      <a:solidFill>
+                        <a:schemeClr val="tx1"/>
+                      </a:solidFill>
+                      <a:prstDash val="solid"/>
+                      <a:round/>
+                      <a:headEnd type="none" w="med" len="med"/>
+                      <a:tailEnd type="none" w="med" len="med"/>
+                    </a:lnB>
+                    <a:solidFill>
+                      <a:schemeClr val="tx2">
+                        <a:lumMod val="25000"/>
+                      </a:schemeClr>
+                    </a:solidFill>
+                  </a:tcPr>
+                </a:tc>
+                <a:extLst>
+                  <a:ext uri="{0D108BD9-81ED-4DB2-BD59-A6C34878D82A}">
+                    <a16:rowId xmlns:a16="http://schemas.microsoft.com/office/drawing/2014/main" val="2331638958"/>
+                  </a:ext>
+                </a:extLst>
+              </a:tr>
+              <a:tr h="370840">
+                <a:tc>
+                  <a:txBody>
+                    <a:bodyPr/>
+                    <a:lstStyle/>
+                    <a:p>
+                      <a:r>
+                        <a:rPr lang="en-US" noProof="0" dirty="0">
+                          <a:solidFill>
+                            <a:schemeClr val="tx1"/>
+                          </a:solidFill>
+                        </a:rPr>
+                        <a:t>Taxes</a:t>
+                      </a:r>
+                    </a:p>
+                  </a:txBody>
+                  <a:tcPr>
+                    <a:lnR w="9525" cap="flat" cmpd="sng" algn="ctr">
+                      <a:solidFill>
+                        <a:schemeClr val="tx1"/>
+                      </a:solidFill>
+                      <a:prstDash val="solid"/>
+                      <a:round/>
+                      <a:headEnd type="none" w="med" len="med"/>
+                      <a:tailEnd type="none" w="med" len="med"/>
+                    </a:lnR>
+                    <a:lnT w="28575" cap="flat" cmpd="sng" algn="ctr">
+                      <a:solidFill>
+                        <a:schemeClr val="tx1"/>
+                      </a:solidFill>
+                      <a:prstDash val="solid"/>
+                      <a:round/>
+                      <a:headEnd type="none" w="med" len="med"/>
+                      <a:tailEnd type="none" w="med" len="med"/>
+                    </a:lnT>
+                  </a:tcPr>
+                </a:tc>
+                <a:tc>
+                  <a:txBody>
+                    <a:bodyPr/>
+                    <a:lstStyle/>
+                    <a:p>
+                      <a:r>
+                        <a:rPr lang="es-ES" noProof="0" dirty="0">
+                          <a:solidFill>
+                            <a:schemeClr val="tx1"/>
+                          </a:solidFill>
+                        </a:rPr>
+                        <a:t>$1,500.00</a:t>
+                      </a:r>
+                      <a:endParaRPr lang="en-US" noProof="0" dirty="0">
+                        <a:solidFill>
+                          <a:schemeClr val="tx1"/>
+                        </a:solidFill>
+                      </a:endParaRPr>
+                    </a:p>
+                  </a:txBody>
+                  <a:tcPr>
+                    <a:lnL w="9525" cap="flat" cmpd="sng" algn="ctr">
+                      <a:solidFill>
+                        <a:schemeClr val="tx1"/>
+                      </a:solidFill>
+                      <a:prstDash val="solid"/>
+                      <a:round/>
+                      <a:headEnd type="none" w="med" len="med"/>
+                      <a:tailEnd type="none" w="med" len="med"/>
+                    </a:lnL>
+                    <a:lnR w="9525" cap="flat" cmpd="sng" algn="ctr">
+                      <a:solidFill>
+                        <a:schemeClr val="tx1"/>
+                      </a:solidFill>
+                      <a:prstDash val="solid"/>
+                      <a:round/>
+                      <a:headEnd type="none" w="med" len="med"/>
+                      <a:tailEnd type="none" w="med" len="med"/>
+                    </a:lnR>
+                    <a:lnT w="28575" cap="flat" cmpd="sng" algn="ctr">
+                      <a:solidFill>
+                        <a:schemeClr val="tx1"/>
+                      </a:solidFill>
+                      <a:prstDash val="solid"/>
+                      <a:round/>
+                      <a:headEnd type="none" w="med" len="med"/>
+                      <a:tailEnd type="none" w="med" len="med"/>
+                    </a:lnT>
+                  </a:tcPr>
+                </a:tc>
+                <a:tc>
+                  <a:txBody>
+                    <a:bodyPr/>
+                    <a:lstStyle/>
+                    <a:p>
+                      <a:r>
+                        <a:rPr lang="es-ES" noProof="0" dirty="0">
+                          <a:solidFill>
+                            <a:schemeClr val="tx1"/>
+                          </a:solidFill>
+                        </a:rPr>
+                        <a:t>$200.00</a:t>
+                      </a:r>
+                      <a:endParaRPr lang="en-US" noProof="0" dirty="0">
+                        <a:solidFill>
+                          <a:schemeClr val="tx1"/>
+                        </a:solidFill>
+                      </a:endParaRPr>
+                    </a:p>
+                  </a:txBody>
+                  <a:tcPr>
+                    <a:lnL w="9525" cap="flat" cmpd="sng" algn="ctr">
+                      <a:solidFill>
+                        <a:schemeClr val="tx1"/>
+                      </a:solidFill>
+                      <a:prstDash val="solid"/>
+                      <a:round/>
+                      <a:headEnd type="none" w="med" len="med"/>
+                      <a:tailEnd type="none" w="med" len="med"/>
+                    </a:lnL>
+                    <a:lnR w="9525" cap="flat" cmpd="sng" algn="ctr">
+                      <a:solidFill>
+                        <a:schemeClr val="tx1"/>
+                      </a:solidFill>
+                      <a:prstDash val="solid"/>
+                      <a:round/>
+                      <a:headEnd type="none" w="med" len="med"/>
+                      <a:tailEnd type="none" w="med" len="med"/>
+                    </a:lnR>
+                    <a:lnT w="28575" cap="flat" cmpd="sng" algn="ctr">
+                      <a:solidFill>
+                        <a:schemeClr val="tx1"/>
+                      </a:solidFill>
+                      <a:prstDash val="solid"/>
+                      <a:round/>
+                      <a:headEnd type="none" w="med" len="med"/>
+                      <a:tailEnd type="none" w="med" len="med"/>
+                    </a:lnT>
+                  </a:tcPr>
+                </a:tc>
+                <a:tc>
+                  <a:txBody>
+                    <a:bodyPr/>
+                    <a:lstStyle/>
+                    <a:p>
+                      <a:r>
+                        <a:rPr lang="es-ES" noProof="0" dirty="0">
+                          <a:solidFill>
+                            <a:schemeClr val="tx1"/>
+                          </a:solidFill>
+                        </a:rPr>
+                        <a:t>$1,500.00</a:t>
+                      </a:r>
+                      <a:endParaRPr lang="en-US" noProof="0" dirty="0">
+                        <a:solidFill>
+                          <a:schemeClr val="tx1"/>
+                        </a:solidFill>
+                      </a:endParaRPr>
+                    </a:p>
+                  </a:txBody>
+                  <a:tcPr>
+                    <a:lnL w="9525" cap="flat" cmpd="sng" algn="ctr">
+                      <a:solidFill>
+                        <a:schemeClr val="tx1"/>
+                      </a:solidFill>
+                      <a:prstDash val="solid"/>
+                      <a:round/>
+                      <a:headEnd type="none" w="med" len="med"/>
+                      <a:tailEnd type="none" w="med" len="med"/>
+                    </a:lnL>
+                    <a:lnT w="28575" cap="flat" cmpd="sng" algn="ctr">
+                      <a:solidFill>
+                        <a:schemeClr val="tx1"/>
+                      </a:solidFill>
+                      <a:prstDash val="solid"/>
+                      <a:round/>
+                      <a:headEnd type="none" w="med" len="med"/>
+                      <a:tailEnd type="none" w="med" len="med"/>
+                    </a:lnT>
+                    <a:solidFill>
+                      <a:schemeClr val="tx2">
+                        <a:lumMod val="25000"/>
+                      </a:schemeClr>
+                    </a:solidFill>
+                  </a:tcPr>
+                </a:tc>
+                <a:extLst>
+                  <a:ext uri="{0D108BD9-81ED-4DB2-BD59-A6C34878D82A}">
+                    <a16:rowId xmlns:a16="http://schemas.microsoft.com/office/drawing/2014/main" val="3938460457"/>
+                  </a:ext>
+                </a:extLst>
+              </a:tr>
+              <a:tr h="370840">
+                <a:tc>
+                  <a:txBody>
+                    <a:bodyPr/>
+                    <a:lstStyle/>
+                    <a:p>
+                      <a:r>
+                        <a:rPr lang="en-US" noProof="0" dirty="0">
+                          <a:solidFill>
+                            <a:schemeClr val="tx1"/>
+                          </a:solidFill>
+                        </a:rPr>
+                        <a:t>IMSS</a:t>
+                      </a:r>
+                    </a:p>
+                  </a:txBody>
+                  <a:tcPr>
+                    <a:lnR w="9525" cap="flat" cmpd="sng" algn="ctr">
+                      <a:solidFill>
+                        <a:schemeClr val="tx1"/>
+                      </a:solidFill>
+                      <a:prstDash val="solid"/>
+                      <a:round/>
+                      <a:headEnd type="none" w="med" len="med"/>
+                      <a:tailEnd type="none" w="med" len="med"/>
+                    </a:lnR>
+                  </a:tcPr>
+                </a:tc>
+                <a:tc>
+                  <a:txBody>
+                    <a:bodyPr/>
+                    <a:lstStyle/>
+                    <a:p>
+                      <a:r>
+                        <a:rPr lang="es-ES" noProof="0" dirty="0">
+                          <a:solidFill>
+                            <a:schemeClr val="tx1"/>
+                          </a:solidFill>
+                        </a:rPr>
+                        <a:t>$1,000.00</a:t>
+                      </a:r>
+                      <a:endParaRPr lang="en-US" noProof="0" dirty="0">
+                        <a:solidFill>
+                          <a:schemeClr val="tx1"/>
+                        </a:solidFill>
+                      </a:endParaRPr>
+                    </a:p>
+                  </a:txBody>
+                  <a:tcPr>
+                    <a:lnL w="9525" cap="flat" cmpd="sng" algn="ctr">
+                      <a:solidFill>
+                        <a:schemeClr val="tx1"/>
+                      </a:solidFill>
+                      <a:prstDash val="solid"/>
+                      <a:round/>
+                      <a:headEnd type="none" w="med" len="med"/>
+                      <a:tailEnd type="none" w="med" len="med"/>
+                    </a:lnL>
+                    <a:lnR w="9525" cap="flat" cmpd="sng" algn="ctr">
+                      <a:solidFill>
+                        <a:schemeClr val="tx1"/>
+                      </a:solidFill>
+                      <a:prstDash val="solid"/>
+                      <a:round/>
+                      <a:headEnd type="none" w="med" len="med"/>
+                      <a:tailEnd type="none" w="med" len="med"/>
+                    </a:lnR>
+                  </a:tcPr>
+                </a:tc>
+                <a:tc>
+                  <a:txBody>
+                    <a:bodyPr/>
+                    <a:lstStyle/>
+                    <a:p>
+                      <a:r>
+                        <a:rPr lang="es-ES" noProof="0" dirty="0">
+                          <a:solidFill>
+                            <a:schemeClr val="tx1"/>
+                          </a:solidFill>
+                        </a:rPr>
+                        <a:t>$400.00</a:t>
+                      </a:r>
+                      <a:endParaRPr lang="en-US" noProof="0" dirty="0">
+                        <a:solidFill>
+                          <a:schemeClr val="tx1"/>
+                        </a:solidFill>
+                      </a:endParaRPr>
+                    </a:p>
+                  </a:txBody>
+                  <a:tcPr>
+                    <a:lnL w="9525" cap="flat" cmpd="sng" algn="ctr">
+                      <a:solidFill>
+                        <a:schemeClr val="tx1"/>
+                      </a:solidFill>
+                      <a:prstDash val="solid"/>
+                      <a:round/>
+                      <a:headEnd type="none" w="med" len="med"/>
+                      <a:tailEnd type="none" w="med" len="med"/>
+                    </a:lnL>
+                    <a:lnR w="9525" cap="flat" cmpd="sng" algn="ctr">
+                      <a:solidFill>
+                        <a:schemeClr val="tx1"/>
+                      </a:solidFill>
+                      <a:prstDash val="solid"/>
+                      <a:round/>
+                      <a:headEnd type="none" w="med" len="med"/>
+                      <a:tailEnd type="none" w="med" len="med"/>
+                    </a:lnR>
+                  </a:tcPr>
+                </a:tc>
+                <a:tc>
+                  <a:txBody>
+                    <a:bodyPr/>
+                    <a:lstStyle/>
+                    <a:p>
+                      <a:r>
+                        <a:rPr lang="es-ES" noProof="0" dirty="0">
+                          <a:solidFill>
+                            <a:schemeClr val="tx1"/>
+                          </a:solidFill>
+                        </a:rPr>
+                        <a:t>$1,000.00</a:t>
+                      </a:r>
+                      <a:endParaRPr lang="en-US" noProof="0" dirty="0">
+                        <a:solidFill>
+                          <a:schemeClr val="tx1"/>
+                        </a:solidFill>
+                      </a:endParaRPr>
+                    </a:p>
+                  </a:txBody>
+                  <a:tcPr>
+                    <a:lnL w="9525" cap="flat" cmpd="sng" algn="ctr">
+                      <a:solidFill>
+                        <a:schemeClr val="tx1"/>
+                      </a:solidFill>
+                      <a:prstDash val="solid"/>
+                      <a:round/>
+                      <a:headEnd type="none" w="med" len="med"/>
+                      <a:tailEnd type="none" w="med" len="med"/>
+                    </a:lnL>
+                    <a:solidFill>
+                      <a:schemeClr val="tx2">
+                        <a:lumMod val="25000"/>
+                      </a:schemeClr>
+                    </a:solidFill>
+                  </a:tcPr>
+                </a:tc>
+                <a:extLst>
+                  <a:ext uri="{0D108BD9-81ED-4DB2-BD59-A6C34878D82A}">
+                    <a16:rowId xmlns:a16="http://schemas.microsoft.com/office/drawing/2014/main" val="797063675"/>
+                  </a:ext>
+                </a:extLst>
+              </a:tr>
+              <a:tr h="370840">
+                <a:tc>
+                  <a:txBody>
+                    <a:bodyPr/>
+                    <a:lstStyle/>
+                    <a:p>
+                      <a:r>
+                        <a:rPr lang="en-US" noProof="0" dirty="0">
+                          <a:solidFill>
+                            <a:schemeClr val="tx1"/>
+                          </a:solidFill>
+                        </a:rPr>
+                        <a:t>Saving fund</a:t>
+                      </a:r>
+                    </a:p>
+                  </a:txBody>
+                  <a:tcPr>
+                    <a:lnR w="9525" cap="flat" cmpd="sng" algn="ctr">
+                      <a:solidFill>
+                        <a:schemeClr val="tx1"/>
+                      </a:solidFill>
+                      <a:prstDash val="solid"/>
+                      <a:round/>
+                      <a:headEnd type="none" w="med" len="med"/>
+                      <a:tailEnd type="none" w="med" len="med"/>
+                    </a:lnR>
+                  </a:tcPr>
+                </a:tc>
+                <a:tc>
+                  <a:txBody>
+                    <a:bodyPr/>
+                    <a:lstStyle/>
+                    <a:p>
+                      <a:r>
+                        <a:rPr lang="es-ES" noProof="0" dirty="0">
+                          <a:solidFill>
+                            <a:schemeClr val="tx1"/>
+                          </a:solidFill>
+                        </a:rPr>
+                        <a:t>$1,300.00</a:t>
+                      </a:r>
+                      <a:endParaRPr lang="en-US" noProof="0" dirty="0">
+                        <a:solidFill>
+                          <a:schemeClr val="tx1"/>
+                        </a:solidFill>
+                      </a:endParaRPr>
+                    </a:p>
+                  </a:txBody>
+                  <a:tcPr>
+                    <a:lnL w="9525" cap="flat" cmpd="sng" algn="ctr">
+                      <a:solidFill>
+                        <a:schemeClr val="tx1"/>
+                      </a:solidFill>
+                      <a:prstDash val="solid"/>
+                      <a:round/>
+                      <a:headEnd type="none" w="med" len="med"/>
+                      <a:tailEnd type="none" w="med" len="med"/>
+                    </a:lnL>
+                    <a:lnR w="9525" cap="flat" cmpd="sng" algn="ctr">
+                      <a:solidFill>
+                        <a:schemeClr val="tx1"/>
+                      </a:solidFill>
+                      <a:prstDash val="solid"/>
+                      <a:round/>
+                      <a:headEnd type="none" w="med" len="med"/>
+                      <a:tailEnd type="none" w="med" len="med"/>
+                    </a:lnR>
+                  </a:tcPr>
+                </a:tc>
+                <a:tc>
+                  <a:txBody>
+                    <a:bodyPr/>
+                    <a:lstStyle/>
+                    <a:p>
+                      <a:r>
+                        <a:rPr lang="es-ES" noProof="0" dirty="0">
+                          <a:solidFill>
+                            <a:schemeClr val="tx1"/>
+                          </a:solidFill>
+                        </a:rPr>
+                        <a:t>$100.00</a:t>
+                      </a:r>
+                      <a:endParaRPr lang="en-US" noProof="0" dirty="0">
+                        <a:solidFill>
+                          <a:schemeClr val="tx1"/>
+                        </a:solidFill>
+                      </a:endParaRPr>
+                    </a:p>
+                  </a:txBody>
+                  <a:tcPr>
+                    <a:lnL w="9525" cap="flat" cmpd="sng" algn="ctr">
+                      <a:solidFill>
+                        <a:schemeClr val="tx1"/>
+                      </a:solidFill>
+                      <a:prstDash val="solid"/>
+                      <a:round/>
+                      <a:headEnd type="none" w="med" len="med"/>
+                      <a:tailEnd type="none" w="med" len="med"/>
+                    </a:lnL>
+                    <a:lnR w="9525" cap="flat" cmpd="sng" algn="ctr">
+                      <a:solidFill>
+                        <a:schemeClr val="tx1"/>
+                      </a:solidFill>
+                      <a:prstDash val="solid"/>
+                      <a:round/>
+                      <a:headEnd type="none" w="med" len="med"/>
+                      <a:tailEnd type="none" w="med" len="med"/>
+                    </a:lnR>
+                  </a:tcPr>
+                </a:tc>
+                <a:tc>
+                  <a:txBody>
+                    <a:bodyPr/>
+                    <a:lstStyle/>
+                    <a:p>
+                      <a:r>
+                        <a:rPr lang="es-ES" noProof="0" dirty="0">
+                          <a:solidFill>
+                            <a:schemeClr val="tx1"/>
+                          </a:solidFill>
+                        </a:rPr>
+                        <a:t>$1,300.00</a:t>
+                      </a:r>
+                      <a:endParaRPr lang="en-US" noProof="0" dirty="0">
+                        <a:solidFill>
+                          <a:schemeClr val="tx1"/>
+                        </a:solidFill>
+                      </a:endParaRPr>
+                    </a:p>
+                  </a:txBody>
+                  <a:tcPr>
+                    <a:lnL w="9525" cap="flat" cmpd="sng" algn="ctr">
+                      <a:solidFill>
+                        <a:schemeClr val="tx1"/>
+                      </a:solidFill>
+                      <a:prstDash val="solid"/>
+                      <a:round/>
+                      <a:headEnd type="none" w="med" len="med"/>
+                      <a:tailEnd type="none" w="med" len="med"/>
+                    </a:lnL>
+                    <a:solidFill>
+                      <a:schemeClr val="tx2">
+                        <a:lumMod val="25000"/>
+                      </a:schemeClr>
+                    </a:solidFill>
+                  </a:tcPr>
+                </a:tc>
+                <a:extLst>
+                  <a:ext uri="{0D108BD9-81ED-4DB2-BD59-A6C34878D82A}">
+                    <a16:rowId xmlns:a16="http://schemas.microsoft.com/office/drawing/2014/main" val="2020949859"/>
+                  </a:ext>
+                </a:extLst>
+              </a:tr>
+              <a:tr h="370840">
+                <a:tc>
+                  <a:txBody>
+                    <a:bodyPr/>
+                    <a:lstStyle/>
+                    <a:p>
+                      <a:r>
+                        <a:rPr lang="en-US" noProof="0" dirty="0">
+                          <a:solidFill>
+                            <a:schemeClr val="tx1"/>
+                          </a:solidFill>
+                        </a:rPr>
+                        <a:t>Rent</a:t>
+                      </a:r>
+                    </a:p>
+                  </a:txBody>
+                  <a:tcPr>
+                    <a:lnR w="9525" cap="flat" cmpd="sng" algn="ctr">
+                      <a:solidFill>
+                        <a:schemeClr val="tx1"/>
+                      </a:solidFill>
+                      <a:prstDash val="solid"/>
+                      <a:round/>
+                      <a:headEnd type="none" w="med" len="med"/>
+                      <a:tailEnd type="none" w="med" len="med"/>
+                    </a:lnR>
+                  </a:tcPr>
+                </a:tc>
+                <a:tc>
+                  <a:txBody>
+                    <a:bodyPr/>
+                    <a:lstStyle/>
+                    <a:p>
+                      <a:r>
+                        <a:rPr lang="es-ES" noProof="0" dirty="0">
+                          <a:solidFill>
+                            <a:schemeClr val="tx1"/>
+                          </a:solidFill>
+                        </a:rPr>
+                        <a:t>$500.00</a:t>
+                      </a:r>
+                      <a:endParaRPr lang="en-US" noProof="0" dirty="0">
+                        <a:solidFill>
+                          <a:schemeClr val="tx1"/>
+                        </a:solidFill>
+                      </a:endParaRPr>
+                    </a:p>
+                  </a:txBody>
+                  <a:tcPr>
+                    <a:lnL w="9525" cap="flat" cmpd="sng" algn="ctr">
+                      <a:solidFill>
+                        <a:schemeClr val="tx1"/>
+                      </a:solidFill>
+                      <a:prstDash val="solid"/>
+                      <a:round/>
+                      <a:headEnd type="none" w="med" len="med"/>
+                      <a:tailEnd type="none" w="med" len="med"/>
+                    </a:lnL>
+                    <a:lnR w="9525" cap="flat" cmpd="sng" algn="ctr">
+                      <a:solidFill>
+                        <a:schemeClr val="tx1"/>
+                      </a:solidFill>
+                      <a:prstDash val="solid"/>
+                      <a:round/>
+                      <a:headEnd type="none" w="med" len="med"/>
+                      <a:tailEnd type="none" w="med" len="med"/>
+                    </a:lnR>
+                  </a:tcPr>
+                </a:tc>
+                <a:tc>
+                  <a:txBody>
+                    <a:bodyPr/>
+                    <a:lstStyle/>
+                    <a:p>
+                      <a:r>
+                        <a:rPr lang="es-ES" noProof="0" dirty="0">
+                          <a:solidFill>
+                            <a:schemeClr val="tx1"/>
+                          </a:solidFill>
+                        </a:rPr>
+                        <a:t>$0.00</a:t>
+                      </a:r>
+                      <a:endParaRPr lang="en-US" noProof="0" dirty="0">
+                        <a:solidFill>
+                          <a:schemeClr val="tx1"/>
+                        </a:solidFill>
+                      </a:endParaRPr>
+                    </a:p>
+                  </a:txBody>
+                  <a:tcPr>
+                    <a:lnL w="9525" cap="flat" cmpd="sng" algn="ctr">
+                      <a:solidFill>
+                        <a:schemeClr val="tx1"/>
+                      </a:solidFill>
+                      <a:prstDash val="solid"/>
+                      <a:round/>
+                      <a:headEnd type="none" w="med" len="med"/>
+                      <a:tailEnd type="none" w="med" len="med"/>
+                    </a:lnL>
+                    <a:lnR w="9525" cap="flat" cmpd="sng" algn="ctr">
+                      <a:solidFill>
+                        <a:schemeClr val="tx1"/>
+                      </a:solidFill>
+                      <a:prstDash val="solid"/>
+                      <a:round/>
+                      <a:headEnd type="none" w="med" len="med"/>
+                      <a:tailEnd type="none" w="med" len="med"/>
+                    </a:lnR>
+                  </a:tcPr>
+                </a:tc>
+                <a:tc>
+                  <a:txBody>
+                    <a:bodyPr/>
+                    <a:lstStyle/>
+                    <a:p>
+                      <a:r>
+                        <a:rPr lang="es-ES" noProof="0" dirty="0">
+                          <a:solidFill>
+                            <a:schemeClr val="tx1"/>
+                          </a:solidFill>
+                        </a:rPr>
+                        <a:t>$500.00</a:t>
+                      </a:r>
+                      <a:endParaRPr lang="en-US" noProof="0" dirty="0">
+                        <a:solidFill>
+                          <a:schemeClr val="tx1"/>
+                        </a:solidFill>
+                      </a:endParaRPr>
+                    </a:p>
+                  </a:txBody>
+                  <a:tcPr>
+                    <a:lnL w="9525" cap="flat" cmpd="sng" algn="ctr">
+                      <a:solidFill>
+                        <a:schemeClr val="tx1"/>
+                      </a:solidFill>
+                      <a:prstDash val="solid"/>
+                      <a:round/>
+                      <a:headEnd type="none" w="med" len="med"/>
+                      <a:tailEnd type="none" w="med" len="med"/>
+                    </a:lnL>
+                    <a:lnB w="9525" cap="flat" cmpd="sng" algn="ctr">
+                      <a:solidFill>
+                        <a:schemeClr val="tx1"/>
+                      </a:solidFill>
+                      <a:prstDash val="solid"/>
+                      <a:round/>
+                      <a:headEnd type="none" w="med" len="med"/>
+                      <a:tailEnd type="none" w="med" len="med"/>
+                    </a:lnB>
+                    <a:solidFill>
+                      <a:schemeClr val="tx2">
+                        <a:lumMod val="25000"/>
+                      </a:schemeClr>
+                    </a:solidFill>
+                  </a:tcPr>
+                </a:tc>
+                <a:extLst>
+                  <a:ext uri="{0D108BD9-81ED-4DB2-BD59-A6C34878D82A}">
+                    <a16:rowId xmlns:a16="http://schemas.microsoft.com/office/drawing/2014/main" val="344863675"/>
+                  </a:ext>
+                </a:extLst>
+              </a:tr>
+              <a:tr h="370840">
+                <a:tc>
+                  <a:txBody>
+                    <a:bodyPr/>
+                    <a:lstStyle/>
+                    <a:p>
+                      <a:r>
+                        <a:rPr lang="es-ES" noProof="0" dirty="0" err="1">
+                          <a:solidFill>
+                            <a:schemeClr val="tx1"/>
+                          </a:solidFill>
+                        </a:rPr>
+                        <a:t>Loans</a:t>
+                      </a:r>
+                      <a:endParaRPr lang="en-US" noProof="0" dirty="0">
+                        <a:solidFill>
+                          <a:schemeClr val="tx1"/>
+                        </a:solidFill>
+                      </a:endParaRPr>
+                    </a:p>
+                  </a:txBody>
+                  <a:tcPr>
+                    <a:lnR w="9525" cap="flat" cmpd="sng" algn="ctr">
+                      <a:solidFill>
+                        <a:schemeClr val="tx1"/>
+                      </a:solidFill>
+                      <a:prstDash val="solid"/>
+                      <a:round/>
+                      <a:headEnd type="none" w="med" len="med"/>
+                      <a:tailEnd type="none" w="med" len="med"/>
+                    </a:lnR>
+                  </a:tcPr>
+                </a:tc>
+                <a:tc>
+                  <a:txBody>
+                    <a:bodyPr/>
+                    <a:lstStyle/>
+                    <a:p>
+                      <a:r>
+                        <a:rPr lang="es-ES" noProof="0" dirty="0">
+                          <a:solidFill>
+                            <a:schemeClr val="tx1"/>
+                          </a:solidFill>
+                        </a:rPr>
+                        <a:t>$500.00</a:t>
+                      </a:r>
+                      <a:endParaRPr lang="en-US" noProof="0" dirty="0">
+                        <a:solidFill>
+                          <a:schemeClr val="tx1"/>
+                        </a:solidFill>
+                      </a:endParaRPr>
+                    </a:p>
+                  </a:txBody>
+                  <a:tcPr>
+                    <a:lnL w="9525" cap="flat" cmpd="sng" algn="ctr">
+                      <a:solidFill>
+                        <a:schemeClr val="tx1"/>
+                      </a:solidFill>
+                      <a:prstDash val="solid"/>
+                      <a:round/>
+                      <a:headEnd type="none" w="med" len="med"/>
+                      <a:tailEnd type="none" w="med" len="med"/>
+                    </a:lnL>
+                    <a:lnR w="9525" cap="flat" cmpd="sng" algn="ctr">
+                      <a:solidFill>
+                        <a:schemeClr val="tx1"/>
+                      </a:solidFill>
+                      <a:prstDash val="solid"/>
+                      <a:round/>
+                      <a:headEnd type="none" w="med" len="med"/>
+                      <a:tailEnd type="none" w="med" len="med"/>
+                    </a:lnR>
+                  </a:tcPr>
+                </a:tc>
+                <a:tc>
+                  <a:txBody>
+                    <a:bodyPr/>
+                    <a:lstStyle/>
+                    <a:p>
+                      <a:r>
+                        <a:rPr lang="es-ES" noProof="0" dirty="0">
+                          <a:solidFill>
+                            <a:schemeClr val="tx1"/>
+                          </a:solidFill>
+                        </a:rPr>
+                        <a:t>$0.00</a:t>
+                      </a:r>
+                      <a:endParaRPr lang="en-US" noProof="0" dirty="0">
+                        <a:solidFill>
+                          <a:schemeClr val="tx1"/>
+                        </a:solidFill>
+                      </a:endParaRPr>
+                    </a:p>
+                  </a:txBody>
+                  <a:tcPr>
+                    <a:lnL w="9525" cap="flat" cmpd="sng" algn="ctr">
+                      <a:solidFill>
+                        <a:schemeClr val="tx1"/>
+                      </a:solidFill>
+                      <a:prstDash val="solid"/>
+                      <a:round/>
+                      <a:headEnd type="none" w="med" len="med"/>
+                      <a:tailEnd type="none" w="med" len="med"/>
+                    </a:lnL>
+                    <a:lnR w="9525" cap="flat" cmpd="sng" algn="ctr">
+                      <a:solidFill>
+                        <a:schemeClr val="tx1"/>
+                      </a:solidFill>
+                      <a:prstDash val="solid"/>
+                      <a:round/>
+                      <a:headEnd type="none" w="med" len="med"/>
+                      <a:tailEnd type="none" w="med" len="med"/>
+                    </a:lnR>
+                  </a:tcPr>
+                </a:tc>
+                <a:tc>
+                  <a:txBody>
+                    <a:bodyPr/>
+                    <a:lstStyle/>
+                    <a:p>
+                      <a:r>
+                        <a:rPr lang="es-ES" noProof="0" dirty="0">
+                          <a:solidFill>
+                            <a:schemeClr val="tx1"/>
+                          </a:solidFill>
+                        </a:rPr>
+                        <a:t>$500.00</a:t>
+                      </a:r>
+                      <a:endParaRPr lang="en-US" noProof="0" dirty="0">
+                        <a:solidFill>
+                          <a:schemeClr val="tx1"/>
+                        </a:solidFill>
+                      </a:endParaRPr>
+                    </a:p>
+                  </a:txBody>
+                  <a:tcPr>
+                    <a:lnL w="9525" cap="flat" cmpd="sng" algn="ctr">
+                      <a:solidFill>
+                        <a:schemeClr val="tx1"/>
+                      </a:solidFill>
+                      <a:prstDash val="solid"/>
+                      <a:round/>
+                      <a:headEnd type="none" w="med" len="med"/>
+                      <a:tailEnd type="none" w="med" len="med"/>
+                    </a:lnL>
+                    <a:lnT w="9525" cap="flat" cmpd="sng" algn="ctr">
+                      <a:solidFill>
+                        <a:schemeClr val="tx1"/>
+                      </a:solidFill>
+                      <a:prstDash val="solid"/>
+                      <a:round/>
+                      <a:headEnd type="none" w="med" len="med"/>
+                      <a:tailEnd type="none" w="med" len="med"/>
+                    </a:lnT>
+                    <a:lnB w="9525" cap="flat" cmpd="sng" algn="ctr">
+                      <a:solidFill>
+                        <a:schemeClr val="tx1"/>
+                      </a:solidFill>
+                      <a:prstDash val="solid"/>
+                      <a:round/>
+                      <a:headEnd type="none" w="med" len="med"/>
+                      <a:tailEnd type="none" w="med" len="med"/>
+                    </a:lnB>
+                    <a:solidFill>
+                      <a:schemeClr val="tx2">
+                        <a:lumMod val="25000"/>
+                      </a:schemeClr>
+                    </a:solidFill>
+                  </a:tcPr>
+                </a:tc>
+                <a:extLst>
+                  <a:ext uri="{0D108BD9-81ED-4DB2-BD59-A6C34878D82A}">
+                    <a16:rowId xmlns:a16="http://schemas.microsoft.com/office/drawing/2014/main" val="4151077835"/>
+                  </a:ext>
+                </a:extLst>
+              </a:tr>
+              <a:tr h="370840">
+                <a:tc>
+                  <a:txBody>
+                    <a:bodyPr/>
+                    <a:lstStyle/>
+                    <a:p>
+                      <a:r>
+                        <a:rPr lang="es-ES" noProof="0" dirty="0">
+                          <a:solidFill>
+                            <a:schemeClr val="tx1"/>
+                          </a:solidFill>
+                        </a:rPr>
+                        <a:t>Total</a:t>
+                      </a:r>
+                      <a:endParaRPr lang="en-US" noProof="0" dirty="0">
+                        <a:solidFill>
+                          <a:schemeClr val="tx1"/>
+                        </a:solidFill>
+                      </a:endParaRPr>
+                    </a:p>
+                  </a:txBody>
+                  <a:tcPr>
+                    <a:lnR w="9525" cap="flat" cmpd="sng" algn="ctr">
+                      <a:solidFill>
+                        <a:schemeClr val="tx1"/>
+                      </a:solidFill>
+                      <a:prstDash val="solid"/>
+                      <a:round/>
+                      <a:headEnd type="none" w="med" len="med"/>
+                      <a:tailEnd type="none" w="med" len="med"/>
+                    </a:lnR>
+                    <a:solidFill>
+                      <a:schemeClr val="tx2">
+                        <a:lumMod val="25000"/>
+                      </a:schemeClr>
+                    </a:solidFill>
+                  </a:tcPr>
+                </a:tc>
+                <a:tc>
+                  <a:txBody>
+                    <a:bodyPr/>
+                    <a:lstStyle/>
+                    <a:p>
+                      <a:r>
+                        <a:rPr lang="es-ES" noProof="0" dirty="0">
+                          <a:solidFill>
+                            <a:schemeClr val="tx1"/>
+                          </a:solidFill>
+                        </a:rPr>
+                        <a:t>$500.00</a:t>
+                      </a:r>
+                      <a:endParaRPr lang="en-US" noProof="0" dirty="0">
+                        <a:solidFill>
+                          <a:schemeClr val="tx1"/>
+                        </a:solidFill>
+                      </a:endParaRPr>
+                    </a:p>
+                  </a:txBody>
+                  <a:tcPr>
+                    <a:lnL w="9525" cap="flat" cmpd="sng" algn="ctr">
+                      <a:solidFill>
+                        <a:schemeClr val="tx1"/>
+                      </a:solidFill>
+                      <a:prstDash val="solid"/>
+                      <a:round/>
+                      <a:headEnd type="none" w="med" len="med"/>
+                      <a:tailEnd type="none" w="med" len="med"/>
+                    </a:lnL>
+                    <a:lnR w="9525" cap="flat" cmpd="sng" algn="ctr">
+                      <a:solidFill>
+                        <a:schemeClr val="tx1"/>
+                      </a:solidFill>
+                      <a:prstDash val="solid"/>
+                      <a:round/>
+                      <a:headEnd type="none" w="med" len="med"/>
+                      <a:tailEnd type="none" w="med" len="med"/>
+                    </a:lnR>
+                    <a:solidFill>
+                      <a:schemeClr val="tx2">
+                        <a:lumMod val="25000"/>
+                      </a:schemeClr>
+                    </a:solidFill>
+                  </a:tcPr>
+                </a:tc>
+                <a:tc>
+                  <a:txBody>
+                    <a:bodyPr/>
+                    <a:lstStyle/>
+                    <a:p>
+                      <a:r>
+                        <a:rPr lang="es-ES" noProof="0" dirty="0">
+                          <a:solidFill>
+                            <a:schemeClr val="tx1"/>
+                          </a:solidFill>
+                        </a:rPr>
+                        <a:t>$0.00</a:t>
+                      </a:r>
+                      <a:endParaRPr lang="en-US" noProof="0" dirty="0">
+                        <a:solidFill>
+                          <a:schemeClr val="tx1"/>
+                        </a:solidFill>
+                      </a:endParaRPr>
+                    </a:p>
+                  </a:txBody>
+                  <a:tcPr>
+                    <a:lnL w="9525" cap="flat" cmpd="sng" algn="ctr">
+                      <a:solidFill>
+                        <a:schemeClr val="tx1"/>
+                      </a:solidFill>
+                      <a:prstDash val="solid"/>
+                      <a:round/>
+                      <a:headEnd type="none" w="med" len="med"/>
+                      <a:tailEnd type="none" w="med" len="med"/>
+                    </a:lnL>
+                    <a:lnR w="9525" cap="flat" cmpd="sng" algn="ctr">
+                      <a:solidFill>
+                        <a:schemeClr val="tx1"/>
+                      </a:solidFill>
+                      <a:prstDash val="solid"/>
+                      <a:round/>
+                      <a:headEnd type="none" w="med" len="med"/>
+                      <a:tailEnd type="none" w="med" len="med"/>
+                    </a:lnR>
+                    <a:solidFill>
+                      <a:schemeClr val="tx2">
+                        <a:lumMod val="25000"/>
+                      </a:schemeClr>
+                    </a:solidFill>
+                  </a:tcPr>
+                </a:tc>
+                <a:tc>
+                  <a:txBody>
+                    <a:bodyPr/>
+                    <a:lstStyle/>
+                    <a:p>
+                      <a:endParaRPr lang="en-US" noProof="0" dirty="0">
+                        <a:solidFill>
+                          <a:schemeClr val="tx1"/>
+                        </a:solidFill>
+                      </a:endParaRPr>
+                    </a:p>
+                  </a:txBody>
+                  <a:tcPr>
+                    <a:lnL w="9525" cap="flat" cmpd="sng" algn="ctr">
+                      <a:solidFill>
+                        <a:schemeClr val="tx1"/>
+                      </a:solidFill>
+                      <a:prstDash val="solid"/>
+                      <a:round/>
+                      <a:headEnd type="none" w="med" len="med"/>
+                      <a:tailEnd type="none" w="med" len="med"/>
+                    </a:lnL>
+                    <a:lnR w="6350" cap="flat" cmpd="sng" algn="ctr">
+                      <a:noFill/>
+                      <a:prstDash val="solid"/>
+                      <a:miter lim="800000"/>
+                    </a:lnR>
+                    <a:lnT w="9525" cap="flat" cmpd="sng" algn="ctr">
+                      <a:solidFill>
+                        <a:schemeClr val="tx1"/>
+                      </a:solidFill>
+                      <a:prstDash val="solid"/>
+                      <a:round/>
+                      <a:headEnd type="none" w="med" len="med"/>
+                      <a:tailEnd type="none" w="med" len="med"/>
+                    </a:lnT>
+                    <a:lnB w="6350" cap="flat" cmpd="sng" algn="ctr">
+                      <a:noFill/>
+                      <a:prstDash val="solid"/>
+                      <a:miter lim="800000"/>
+                    </a:lnB>
+                    <a:lnTlToBr w="12700" cmpd="sng">
+                      <a:noFill/>
+                      <a:prstDash val="solid"/>
+                    </a:lnTlToBr>
+                    <a:lnBlToTr w="12700" cmpd="sng">
+                      <a:noFill/>
+                      <a:prstDash val="solid"/>
+                    </a:lnBlToTr>
+                    <a:noFill/>
+                  </a:tcPr>
+                </a:tc>
+                <a:extLst>
+                  <a:ext uri="{0D108BD9-81ED-4DB2-BD59-A6C34878D82A}">
+                    <a16:rowId xmlns:a16="http://schemas.microsoft.com/office/drawing/2014/main" val="1198387702"/>
+                  </a:ext>
+                </a:extLst>
+              </a:tr>
+            </a:tbl>
+          </a:graphicData>
+        </a:graphic>
+      </p:graphicFrame>
+      <p:sp>
+        <p:nvSpPr>
+          <p:cNvPr id="3" name="Rectangle: Rounded Corners 2">
+            <a:extLst>
+              <a:ext uri="{FF2B5EF4-FFF2-40B4-BE49-F238E27FC236}">
+                <a16:creationId xmlns:a16="http://schemas.microsoft.com/office/drawing/2014/main" id="{2CE8C579-7494-6A2F-2E22-0B45FBF4DA55}"/>
+              </a:ext>
+            </a:extLst>
+          </p:cNvPr>
+          <p:cNvSpPr/>
+          <p:nvPr/>
+        </p:nvSpPr>
+        <p:spPr>
+          <a:xfrm>
+            <a:off x="945475" y="5420425"/>
+            <a:ext cx="1582572" cy="473336"/>
+          </a:xfrm>
+          <a:prstGeom prst="roundRect">
+            <a:avLst/>
+          </a:prstGeom>
+        </p:spPr>
+        <p:style>
+          <a:lnRef idx="2">
+            <a:schemeClr val="accent1">
+              <a:shade val="15000"/>
+            </a:schemeClr>
+          </a:lnRef>
+          <a:fillRef idx="1">
+            <a:schemeClr val="accent1"/>
+          </a:fillRef>
+          <a:effectRef idx="0">
+            <a:schemeClr val="accent1"/>
+          </a:effectRef>
+          <a:fontRef idx="minor">
+            <a:schemeClr val="lt1"/>
+          </a:fontRef>
+        </p:style>
+        <p:txBody>
+          <a:bodyPr rtlCol="0" anchor="ctr"/>
+          <a:lstStyle/>
+          <a:p>
+            <a:pPr algn="ctr"/>
+            <a:r>
+              <a:rPr lang="es-ES" dirty="0" err="1"/>
+              <a:t>Add</a:t>
+            </a:r>
+            <a:r>
+              <a:rPr lang="es-ES" dirty="0"/>
+              <a:t> </a:t>
+            </a:r>
+            <a:r>
+              <a:rPr lang="es-ES" dirty="0" err="1"/>
+              <a:t>Payment</a:t>
+            </a:r>
+            <a:endParaRPr lang="en-US" dirty="0"/>
+          </a:p>
+        </p:txBody>
+      </p:sp>
+      <p:pic>
+        <p:nvPicPr>
+          <p:cNvPr id="4" name="Picture 3">
+            <a:extLst>
+              <a:ext uri="{FF2B5EF4-FFF2-40B4-BE49-F238E27FC236}">
+                <a16:creationId xmlns:a16="http://schemas.microsoft.com/office/drawing/2014/main" id="{2A0B324B-5B8B-30C6-FFEF-21DA89C8D965}"/>
+              </a:ext>
+            </a:extLst>
+          </p:cNvPr>
+          <p:cNvPicPr>
+            <a:picLocks noChangeAspect="1"/>
+          </p:cNvPicPr>
+          <p:nvPr/>
+        </p:nvPicPr>
+        <p:blipFill>
+          <a:blip r:embed="rId2"/>
+          <a:stretch>
+            <a:fillRect/>
+          </a:stretch>
+        </p:blipFill>
+        <p:spPr>
+          <a:xfrm>
+            <a:off x="10886739" y="2973242"/>
+            <a:ext cx="384575" cy="370840"/>
+          </a:xfrm>
+          <a:prstGeom prst="rect">
+            <a:avLst/>
+          </a:prstGeom>
+        </p:spPr>
+      </p:pic>
+      <p:pic>
+        <p:nvPicPr>
+          <p:cNvPr id="5" name="Picture 4">
+            <a:extLst>
+              <a:ext uri="{FF2B5EF4-FFF2-40B4-BE49-F238E27FC236}">
+                <a16:creationId xmlns:a16="http://schemas.microsoft.com/office/drawing/2014/main" id="{7F920867-97AB-3CE3-46D4-1C1DAD23F8A6}"/>
+              </a:ext>
+            </a:extLst>
+          </p:cNvPr>
+          <p:cNvPicPr>
+            <a:picLocks noChangeAspect="1"/>
+          </p:cNvPicPr>
+          <p:nvPr/>
+        </p:nvPicPr>
+        <p:blipFill>
+          <a:blip r:embed="rId2"/>
+          <a:stretch>
+            <a:fillRect/>
+          </a:stretch>
+        </p:blipFill>
+        <p:spPr>
+          <a:xfrm>
+            <a:off x="10886739" y="3348616"/>
+            <a:ext cx="384575" cy="370840"/>
+          </a:xfrm>
+          <a:prstGeom prst="rect">
+            <a:avLst/>
+          </a:prstGeom>
+        </p:spPr>
+      </p:pic>
+      <p:pic>
+        <p:nvPicPr>
+          <p:cNvPr id="7" name="Picture 6">
+            <a:extLst>
+              <a:ext uri="{FF2B5EF4-FFF2-40B4-BE49-F238E27FC236}">
+                <a16:creationId xmlns:a16="http://schemas.microsoft.com/office/drawing/2014/main" id="{B05F2212-91CA-8F10-7922-8391CB2E421B}"/>
+              </a:ext>
+            </a:extLst>
+          </p:cNvPr>
+          <p:cNvPicPr>
+            <a:picLocks noChangeAspect="1"/>
+          </p:cNvPicPr>
+          <p:nvPr/>
+        </p:nvPicPr>
+        <p:blipFill>
+          <a:blip r:embed="rId2"/>
+          <a:stretch>
+            <a:fillRect/>
+          </a:stretch>
+        </p:blipFill>
+        <p:spPr>
+          <a:xfrm>
+            <a:off x="10886739" y="3719456"/>
+            <a:ext cx="384575" cy="370840"/>
+          </a:xfrm>
+          <a:prstGeom prst="rect">
+            <a:avLst/>
+          </a:prstGeom>
+        </p:spPr>
+      </p:pic>
+      <p:pic>
+        <p:nvPicPr>
+          <p:cNvPr id="8" name="Picture 7">
+            <a:extLst>
+              <a:ext uri="{FF2B5EF4-FFF2-40B4-BE49-F238E27FC236}">
+                <a16:creationId xmlns:a16="http://schemas.microsoft.com/office/drawing/2014/main" id="{CBA1B897-A7C9-E38B-51BF-6D43E2036CB9}"/>
+              </a:ext>
+            </a:extLst>
+          </p:cNvPr>
+          <p:cNvPicPr>
+            <a:picLocks noChangeAspect="1"/>
+          </p:cNvPicPr>
+          <p:nvPr/>
+        </p:nvPicPr>
+        <p:blipFill>
+          <a:blip r:embed="rId2"/>
+          <a:stretch>
+            <a:fillRect/>
+          </a:stretch>
+        </p:blipFill>
+        <p:spPr>
+          <a:xfrm>
+            <a:off x="10886739" y="4102680"/>
+            <a:ext cx="384575" cy="370840"/>
+          </a:xfrm>
+          <a:prstGeom prst="rect">
+            <a:avLst/>
+          </a:prstGeom>
+        </p:spPr>
+      </p:pic>
+      <p:sp>
+        <p:nvSpPr>
+          <p:cNvPr id="9" name="TextBox 8">
+            <a:extLst>
+              <a:ext uri="{FF2B5EF4-FFF2-40B4-BE49-F238E27FC236}">
+                <a16:creationId xmlns:a16="http://schemas.microsoft.com/office/drawing/2014/main" id="{0373BD9D-1630-F5AA-B7EA-06E6635A217B}"/>
+              </a:ext>
+            </a:extLst>
+          </p:cNvPr>
+          <p:cNvSpPr txBox="1"/>
+          <p:nvPr/>
+        </p:nvSpPr>
+        <p:spPr>
+          <a:xfrm>
+            <a:off x="4777841" y="1783327"/>
+            <a:ext cx="1158394" cy="369332"/>
+          </a:xfrm>
+          <a:prstGeom prst="rect">
+            <a:avLst/>
+          </a:prstGeom>
+          <a:noFill/>
+        </p:spPr>
+        <p:txBody>
+          <a:bodyPr wrap="none" rtlCol="0">
+            <a:spAutoFit/>
+          </a:bodyPr>
+          <a:lstStyle/>
+          <a:p>
+            <a:r>
+              <a:rPr lang="en-US" dirty="0"/>
+              <a:t>Total paid:</a:t>
+            </a:r>
+          </a:p>
+        </p:txBody>
+      </p:sp>
+      <p:sp>
+        <p:nvSpPr>
+          <p:cNvPr id="10" name="TextBox 9">
+            <a:extLst>
+              <a:ext uri="{FF2B5EF4-FFF2-40B4-BE49-F238E27FC236}">
+                <a16:creationId xmlns:a16="http://schemas.microsoft.com/office/drawing/2014/main" id="{A804D729-2950-2EB3-D5DD-3EACA9153B02}"/>
+              </a:ext>
+            </a:extLst>
+          </p:cNvPr>
+          <p:cNvSpPr txBox="1"/>
+          <p:nvPr/>
+        </p:nvSpPr>
+        <p:spPr>
+          <a:xfrm>
+            <a:off x="6096000" y="1767938"/>
+            <a:ext cx="1221809" cy="400110"/>
+          </a:xfrm>
+          <a:prstGeom prst="rect">
+            <a:avLst/>
+          </a:prstGeom>
+          <a:noFill/>
+        </p:spPr>
+        <p:txBody>
+          <a:bodyPr wrap="none" rtlCol="0">
+            <a:spAutoFit/>
+          </a:bodyPr>
+          <a:lstStyle/>
+          <a:p>
+            <a:r>
+              <a:rPr lang="es-ES" sz="2000" b="1" dirty="0"/>
+              <a:t>$2,000.00</a:t>
+            </a:r>
+            <a:endParaRPr lang="en-US" sz="2000" b="1" dirty="0"/>
+          </a:p>
+        </p:txBody>
+      </p:sp>
+      <p:graphicFrame>
+        <p:nvGraphicFramePr>
+          <p:cNvPr id="12" name="Table 11">
+            <a:extLst>
+              <a:ext uri="{FF2B5EF4-FFF2-40B4-BE49-F238E27FC236}">
+                <a16:creationId xmlns:a16="http://schemas.microsoft.com/office/drawing/2014/main" id="{61B08023-FDA1-6070-8953-1B102215E194}"/>
+              </a:ext>
+            </a:extLst>
+          </p:cNvPr>
+          <p:cNvGraphicFramePr>
+            <a:graphicFrameLocks noGrp="1"/>
+          </p:cNvGraphicFramePr>
+          <p:nvPr/>
+        </p:nvGraphicFramePr>
+        <p:xfrm>
+          <a:off x="4945387" y="1220911"/>
+          <a:ext cx="2301226" cy="370840"/>
+        </p:xfrm>
+        <a:graphic>
+          <a:graphicData uri="http://schemas.openxmlformats.org/drawingml/2006/table">
+            <a:tbl>
+              <a:tblPr firstRow="1" bandRow="1">
+                <a:tableStyleId>{2D5ABB26-0587-4C30-8999-92F81FD0307C}</a:tableStyleId>
+              </a:tblPr>
+              <a:tblGrid>
+                <a:gridCol w="297436">
+                  <a:extLst>
+                    <a:ext uri="{9D8B030D-6E8A-4147-A177-3AD203B41FA5}">
+                      <a16:colId xmlns:a16="http://schemas.microsoft.com/office/drawing/2014/main" val="3164968454"/>
+                    </a:ext>
+                  </a:extLst>
+                </a:gridCol>
+                <a:gridCol w="1038492">
+                  <a:extLst>
+                    <a:ext uri="{9D8B030D-6E8A-4147-A177-3AD203B41FA5}">
+                      <a16:colId xmlns:a16="http://schemas.microsoft.com/office/drawing/2014/main" val="346824642"/>
+                    </a:ext>
+                  </a:extLst>
+                </a:gridCol>
+                <a:gridCol w="667862">
+                  <a:extLst>
+                    <a:ext uri="{9D8B030D-6E8A-4147-A177-3AD203B41FA5}">
+                      <a16:colId xmlns:a16="http://schemas.microsoft.com/office/drawing/2014/main" val="3970779557"/>
+                    </a:ext>
+                  </a:extLst>
+                </a:gridCol>
+                <a:gridCol w="297436">
+                  <a:extLst>
+                    <a:ext uri="{9D8B030D-6E8A-4147-A177-3AD203B41FA5}">
+                      <a16:colId xmlns:a16="http://schemas.microsoft.com/office/drawing/2014/main" val="1152229653"/>
+                    </a:ext>
+                  </a:extLst>
+                </a:gridCol>
+              </a:tblGrid>
+              <a:tr h="370840">
+                <a:tc>
+                  <a:txBody>
+                    <a:bodyPr/>
+                    <a:lstStyle/>
+                    <a:p>
+                      <a:pPr algn="ctr"/>
+                      <a:r>
+                        <a:rPr lang="en-US" noProof="0" dirty="0"/>
+                        <a:t>&lt;</a:t>
+                      </a:r>
+                    </a:p>
+                  </a:txBody>
+                  <a:tcPr>
+                    <a:lnL>
+                      <a:noFill/>
+                    </a:lnL>
+                    <a:lnR w="12700" cap="flat" cmpd="sng" algn="ctr">
+                      <a:solidFill>
+                        <a:schemeClr val="tx1"/>
+                      </a:solidFill>
+                      <a:prstDash val="solid"/>
+                      <a:round/>
+                      <a:headEnd type="none" w="med" len="med"/>
+                      <a:tailEnd type="none" w="med" len="med"/>
+                    </a:lnR>
+                    <a:lnT>
+                      <a:noFill/>
+                    </a:lnT>
+                    <a:lnB>
+                      <a:noFill/>
+                    </a:lnB>
+                  </a:tcPr>
+                </a:tc>
+                <a:tc>
+                  <a:txBody>
+                    <a:bodyPr/>
+                    <a:lstStyle/>
+                    <a:p>
+                      <a:pPr algn="ctr"/>
+                      <a:r>
+                        <a:rPr lang="en-US" noProof="0" dirty="0"/>
+                        <a:t>October</a:t>
+                      </a:r>
+                    </a:p>
+                  </a:txBody>
+                  <a:tcPr>
+                    <a:lnL w="12700" cap="flat" cmpd="sng" algn="ctr">
+                      <a:solidFill>
+                        <a:schemeClr val="tx1"/>
+                      </a:solidFill>
+                      <a:prstDash val="solid"/>
+                      <a:round/>
+                      <a:headEnd type="none" w="med" len="med"/>
+                      <a:tailEnd type="none" w="med" len="med"/>
+                    </a:lnL>
+                    <a:lnR w="12700" cap="flat" cmpd="sng" algn="ctr">
+                      <a:solidFill>
+                        <a:schemeClr val="tx1"/>
+                      </a:solidFill>
+                      <a:prstDash val="solid"/>
+                      <a:round/>
+                      <a:headEnd type="none" w="med" len="med"/>
+                      <a:tailEnd type="none" w="med" len="med"/>
+                    </a:lnR>
+                    <a:lnT w="12700" cap="flat" cmpd="sng" algn="ctr">
+                      <a:solidFill>
+                        <a:schemeClr val="tx1"/>
+                      </a:solidFill>
+                      <a:prstDash val="solid"/>
+                      <a:round/>
+                      <a:headEnd type="none" w="med" len="med"/>
+                      <a:tailEnd type="none" w="med" len="med"/>
+                    </a:lnT>
+                    <a:lnB w="12700" cap="flat" cmpd="sng" algn="ctr">
+                      <a:solidFill>
+                        <a:schemeClr val="tx1"/>
+                      </a:solidFill>
+                      <a:prstDash val="solid"/>
+                      <a:round/>
+                      <a:headEnd type="none" w="med" len="med"/>
+                      <a:tailEnd type="none" w="med" len="med"/>
+                    </a:lnB>
+                  </a:tcPr>
+                </a:tc>
+                <a:tc>
+                  <a:txBody>
+                    <a:bodyPr/>
+                    <a:lstStyle/>
+                    <a:p>
+                      <a:pPr algn="ctr"/>
+                      <a:r>
+                        <a:rPr lang="es-ES" noProof="0" dirty="0"/>
+                        <a:t>2023</a:t>
+                      </a:r>
+                      <a:endParaRPr lang="en-US" noProof="0" dirty="0"/>
+                    </a:p>
+                  </a:txBody>
+                  <a:tcPr>
+                    <a:lnL w="12700" cap="flat" cmpd="sng" algn="ctr">
+                      <a:solidFill>
+                        <a:schemeClr val="tx1"/>
+                      </a:solidFill>
+                      <a:prstDash val="solid"/>
+                      <a:round/>
+                      <a:headEnd type="none" w="med" len="med"/>
+                      <a:tailEnd type="none" w="med" len="med"/>
+                    </a:lnL>
+                    <a:lnR w="12700" cap="flat" cmpd="sng" algn="ctr">
+                      <a:solidFill>
+                        <a:schemeClr val="tx1"/>
+                      </a:solidFill>
+                      <a:prstDash val="solid"/>
+                      <a:round/>
+                      <a:headEnd type="none" w="med" len="med"/>
+                      <a:tailEnd type="none" w="med" len="med"/>
+                    </a:lnR>
+                    <a:lnT w="12700" cap="flat" cmpd="sng" algn="ctr">
+                      <a:solidFill>
+                        <a:schemeClr val="tx1"/>
+                      </a:solidFill>
+                      <a:prstDash val="solid"/>
+                      <a:round/>
+                      <a:headEnd type="none" w="med" len="med"/>
+                      <a:tailEnd type="none" w="med" len="med"/>
+                    </a:lnT>
+                    <a:lnB w="12700" cap="flat" cmpd="sng" algn="ctr">
+                      <a:solidFill>
+                        <a:schemeClr val="tx1"/>
+                      </a:solidFill>
+                      <a:prstDash val="solid"/>
+                      <a:round/>
+                      <a:headEnd type="none" w="med" len="med"/>
+                      <a:tailEnd type="none" w="med" len="med"/>
+                    </a:lnB>
+                  </a:tcPr>
+                </a:tc>
+                <a:tc>
+                  <a:txBody>
+                    <a:bodyPr/>
+                    <a:lstStyle/>
+                    <a:p>
+                      <a:pPr algn="ctr"/>
+                      <a:r>
+                        <a:rPr lang="en-US" noProof="0" dirty="0"/>
+                        <a:t>&gt;</a:t>
+                      </a:r>
+                    </a:p>
+                  </a:txBody>
+                  <a:tcPr>
+                    <a:lnL w="12700" cap="flat" cmpd="sng" algn="ctr">
+                      <a:solidFill>
+                        <a:schemeClr val="tx1"/>
+                      </a:solidFill>
+                      <a:prstDash val="solid"/>
+                      <a:round/>
+                      <a:headEnd type="none" w="med" len="med"/>
+                      <a:tailEnd type="none" w="med" len="med"/>
+                    </a:lnL>
+                    <a:lnR>
+                      <a:noFill/>
+                    </a:lnR>
+                    <a:lnT>
+                      <a:noFill/>
+                    </a:lnT>
+                    <a:lnB>
+                      <a:noFill/>
+                    </a:lnB>
+                  </a:tcPr>
+                </a:tc>
+                <a:extLst>
+                  <a:ext uri="{0D108BD9-81ED-4DB2-BD59-A6C34878D82A}">
+                    <a16:rowId xmlns:a16="http://schemas.microsoft.com/office/drawing/2014/main" val="2964456499"/>
+                  </a:ext>
+                </a:extLst>
+              </a:tr>
+            </a:tbl>
+          </a:graphicData>
+        </a:graphic>
+      </p:graphicFrame>
+      <p:graphicFrame>
+        <p:nvGraphicFramePr>
+          <p:cNvPr id="11" name="Table 10">
+            <a:extLst>
+              <a:ext uri="{FF2B5EF4-FFF2-40B4-BE49-F238E27FC236}">
+                <a16:creationId xmlns:a16="http://schemas.microsoft.com/office/drawing/2014/main" id="{6FAEB015-1F55-25CF-E64A-666E782CC231}"/>
+              </a:ext>
+            </a:extLst>
+          </p:cNvPr>
+          <p:cNvGraphicFramePr>
+            <a:graphicFrameLocks noGrp="1"/>
+          </p:cNvGraphicFramePr>
+          <p:nvPr>
+            <p:extLst>
+              <p:ext uri="{D42A27DB-BD31-4B8C-83A1-F6EECF244321}">
+                <p14:modId xmlns:p14="http://schemas.microsoft.com/office/powerpoint/2010/main" val="3368438330"/>
+              </p:ext>
+            </p:extLst>
+          </p:nvPr>
+        </p:nvGraphicFramePr>
+        <p:xfrm>
+          <a:off x="376195" y="411183"/>
+          <a:ext cx="11202084" cy="370840"/>
+        </p:xfrm>
+        <a:graphic>
+          <a:graphicData uri="http://schemas.openxmlformats.org/drawingml/2006/table">
+            <a:tbl>
+              <a:tblPr firstRow="1" bandRow="1">
+                <a:tableStyleId>{5C22544A-7EE6-4342-B048-85BDC9FD1C3A}</a:tableStyleId>
+              </a:tblPr>
+              <a:tblGrid>
+                <a:gridCol w="1867014">
+                  <a:extLst>
+                    <a:ext uri="{9D8B030D-6E8A-4147-A177-3AD203B41FA5}">
+                      <a16:colId xmlns:a16="http://schemas.microsoft.com/office/drawing/2014/main" val="864389183"/>
+                    </a:ext>
+                  </a:extLst>
+                </a:gridCol>
+                <a:gridCol w="1867014">
+                  <a:extLst>
+                    <a:ext uri="{9D8B030D-6E8A-4147-A177-3AD203B41FA5}">
+                      <a16:colId xmlns:a16="http://schemas.microsoft.com/office/drawing/2014/main" val="918450666"/>
+                    </a:ext>
+                  </a:extLst>
+                </a:gridCol>
+                <a:gridCol w="1867014">
+                  <a:extLst>
+                    <a:ext uri="{9D8B030D-6E8A-4147-A177-3AD203B41FA5}">
+                      <a16:colId xmlns:a16="http://schemas.microsoft.com/office/drawing/2014/main" val="3000011065"/>
+                    </a:ext>
+                  </a:extLst>
+                </a:gridCol>
+                <a:gridCol w="1867014">
+                  <a:extLst>
+                    <a:ext uri="{9D8B030D-6E8A-4147-A177-3AD203B41FA5}">
+                      <a16:colId xmlns:a16="http://schemas.microsoft.com/office/drawing/2014/main" val="386926505"/>
+                    </a:ext>
+                  </a:extLst>
+                </a:gridCol>
+                <a:gridCol w="1867014">
+                  <a:extLst>
+                    <a:ext uri="{9D8B030D-6E8A-4147-A177-3AD203B41FA5}">
+                      <a16:colId xmlns:a16="http://schemas.microsoft.com/office/drawing/2014/main" val="1595816490"/>
+                    </a:ext>
+                  </a:extLst>
+                </a:gridCol>
+                <a:gridCol w="1867014">
+                  <a:extLst>
+                    <a:ext uri="{9D8B030D-6E8A-4147-A177-3AD203B41FA5}">
+                      <a16:colId xmlns:a16="http://schemas.microsoft.com/office/drawing/2014/main" val="3658545522"/>
+                    </a:ext>
+                  </a:extLst>
+                </a:gridCol>
+              </a:tblGrid>
+              <a:tr h="370840">
+                <a:tc>
+                  <a:txBody>
+                    <a:bodyPr/>
+                    <a:lstStyle/>
+                    <a:p>
+                      <a:pPr algn="ctr"/>
+                      <a:r>
+                        <a:rPr lang="en-US" noProof="0" dirty="0"/>
+                        <a:t>Expenses</a:t>
+                      </a:r>
+                    </a:p>
+                  </a:txBody>
+                  <a:tcPr>
+                    <a:lnL w="12700" cmpd="sng">
+                      <a:noFill/>
+                    </a:lnL>
+                    <a:lnR w="12700" cmpd="sng">
+                      <a:noFill/>
+                    </a:lnR>
+                    <a:lnT w="12700" cmpd="sng">
+                      <a:noFill/>
+                    </a:lnT>
+                    <a:lnB w="38100" cmpd="sng">
+                      <a:noFill/>
+                    </a:lnB>
+                    <a:lnTlToBr w="12700" cmpd="sng">
+                      <a:noFill/>
+                      <a:prstDash val="solid"/>
+                    </a:lnTlToBr>
+                    <a:lnBlToTr w="12700" cmpd="sng">
+                      <a:noFill/>
+                      <a:prstDash val="solid"/>
+                    </a:lnBlToTr>
+                    <a:noFill/>
+                  </a:tcPr>
+                </a:tc>
+                <a:tc>
+                  <a:txBody>
+                    <a:bodyPr/>
+                    <a:lstStyle/>
+                    <a:p>
+                      <a:pPr algn="ctr"/>
+                      <a:r>
+                        <a:rPr lang="en-US" noProof="0" dirty="0"/>
+                        <a:t>Budget</a:t>
+                      </a:r>
+                    </a:p>
+                  </a:txBody>
+                  <a:tcPr>
+                    <a:lnL w="12700" cmpd="sng">
+                      <a:noFill/>
+                    </a:lnL>
+                    <a:lnR w="12700" cmpd="sng">
+                      <a:noFill/>
+                    </a:lnR>
+                    <a:lnT w="12700" cmpd="sng">
+                      <a:noFill/>
+                    </a:lnT>
+                    <a:lnB w="38100" cmpd="sng">
+                      <a:noFill/>
+                    </a:lnB>
+                    <a:lnTlToBr w="12700" cmpd="sng">
+                      <a:noFill/>
+                      <a:prstDash val="solid"/>
+                    </a:lnTlToBr>
+                    <a:lnBlToTr w="12700" cmpd="sng">
+                      <a:noFill/>
+                      <a:prstDash val="solid"/>
+                    </a:lnBlToTr>
+                    <a:noFill/>
+                  </a:tcPr>
+                </a:tc>
+                <a:tc>
+                  <a:txBody>
+                    <a:bodyPr/>
+                    <a:lstStyle/>
+                    <a:p>
+                      <a:pPr algn="ctr"/>
+                      <a:r>
+                        <a:rPr lang="en-US" noProof="0" dirty="0"/>
+                        <a:t>Savings</a:t>
+                      </a:r>
+                    </a:p>
+                  </a:txBody>
+                  <a:tcPr>
+                    <a:lnL w="12700" cmpd="sng">
+                      <a:noFill/>
+                    </a:lnL>
+                    <a:lnR w="12700" cmpd="sng">
+                      <a:noFill/>
+                    </a:lnR>
+                    <a:lnT w="12700" cmpd="sng">
+                      <a:noFill/>
+                    </a:lnT>
+                    <a:lnB w="38100" cmpd="sng">
+                      <a:noFill/>
+                    </a:lnB>
+                    <a:lnTlToBr w="12700" cmpd="sng">
+                      <a:noFill/>
+                      <a:prstDash val="solid"/>
+                    </a:lnTlToBr>
+                    <a:lnBlToTr w="12700" cmpd="sng">
+                      <a:noFill/>
+                      <a:prstDash val="solid"/>
+                    </a:lnBlToTr>
+                    <a:noFill/>
+                  </a:tcPr>
+                </a:tc>
+                <a:tc>
+                  <a:txBody>
+                    <a:bodyPr/>
+                    <a:lstStyle/>
+                    <a:p>
+                      <a:pPr algn="ctr"/>
+                      <a:r>
+                        <a:rPr lang="en-US" noProof="0" dirty="0"/>
+                        <a:t>Payments</a:t>
+                      </a:r>
+                    </a:p>
+                  </a:txBody>
+                  <a:tcPr>
+                    <a:lnL w="12700" cmpd="sng">
+                      <a:noFill/>
+                    </a:lnL>
+                    <a:lnR w="12700" cmpd="sng">
+                      <a:noFill/>
+                    </a:lnR>
+                    <a:lnT w="12700" cmpd="sng">
+                      <a:noFill/>
+                    </a:lnT>
+                    <a:lnB w="38100" cmpd="sng">
+                      <a:noFill/>
+                    </a:lnB>
+                    <a:lnTlToBr w="12700" cmpd="sng">
+                      <a:noFill/>
+                      <a:prstDash val="solid"/>
+                    </a:lnTlToBr>
+                    <a:lnBlToTr w="12700" cmpd="sng">
+                      <a:noFill/>
+                      <a:prstDash val="solid"/>
+                    </a:lnBlToTr>
+                    <a:solidFill>
+                      <a:srgbClr val="0070C0"/>
+                    </a:solidFill>
+                  </a:tcPr>
+                </a:tc>
+                <a:tc>
+                  <a:txBody>
+                    <a:bodyPr/>
+                    <a:lstStyle/>
+                    <a:p>
+                      <a:pPr algn="ctr"/>
+                      <a:r>
+                        <a:rPr lang="en-US" noProof="0" dirty="0"/>
+                        <a:t>Summary</a:t>
+                      </a:r>
+                    </a:p>
+                  </a:txBody>
+                  <a:tcPr>
+                    <a:lnL w="12700" cmpd="sng">
+                      <a:noFill/>
+                    </a:lnL>
+                    <a:lnR w="12700" cmpd="sng">
+                      <a:noFill/>
+                    </a:lnR>
+                    <a:lnT w="12700" cmpd="sng">
+                      <a:noFill/>
+                    </a:lnT>
+                    <a:lnB w="38100" cmpd="sng">
+                      <a:noFill/>
+                    </a:lnB>
+                    <a:lnTlToBr w="12700" cmpd="sng">
+                      <a:noFill/>
+                      <a:prstDash val="solid"/>
+                    </a:lnTlToBr>
+                    <a:lnBlToTr w="12700" cmpd="sng">
+                      <a:noFill/>
+                      <a:prstDash val="solid"/>
+                    </a:lnBlToTr>
+                    <a:noFill/>
+                  </a:tcPr>
+                </a:tc>
+                <a:tc>
+                  <a:txBody>
+                    <a:bodyPr/>
+                    <a:lstStyle/>
+                    <a:p>
+                      <a:pPr algn="ctr"/>
+                      <a:r>
+                        <a:rPr lang="en-US" noProof="0" dirty="0"/>
+                        <a:t>Profile</a:t>
+                      </a:r>
+                    </a:p>
+                  </a:txBody>
+                  <a:tcPr>
+                    <a:lnL w="12700" cmpd="sng">
+                      <a:noFill/>
+                    </a:lnL>
+                    <a:lnR w="12700" cmpd="sng">
+                      <a:noFill/>
+                    </a:lnR>
+                    <a:lnT w="12700" cmpd="sng">
+                      <a:noFill/>
+                    </a:lnT>
+                    <a:lnB w="38100" cmpd="sng">
+                      <a:noFill/>
+                    </a:lnB>
+                    <a:lnTlToBr w="12700" cmpd="sng">
+                      <a:noFill/>
+                      <a:prstDash val="solid"/>
+                    </a:lnTlToBr>
+                    <a:lnBlToTr w="12700" cmpd="sng">
+                      <a:noFill/>
+                      <a:prstDash val="solid"/>
+                    </a:lnBlToTr>
+                    <a:noFill/>
+                  </a:tcPr>
+                </a:tc>
+                <a:extLst>
+                  <a:ext uri="{0D108BD9-81ED-4DB2-BD59-A6C34878D82A}">
+                    <a16:rowId xmlns:a16="http://schemas.microsoft.com/office/drawing/2014/main" val="2679203274"/>
+                  </a:ext>
+                </a:extLst>
+              </a:tr>
+            </a:tbl>
+          </a:graphicData>
+        </a:graphic>
+      </p:graphicFrame>
+      <p:pic>
+        <p:nvPicPr>
+          <p:cNvPr id="13" name="Picture 12">
+            <a:extLst>
+              <a:ext uri="{FF2B5EF4-FFF2-40B4-BE49-F238E27FC236}">
+                <a16:creationId xmlns:a16="http://schemas.microsoft.com/office/drawing/2014/main" id="{35812E25-0C1F-97EA-F390-106359925598}"/>
+              </a:ext>
+            </a:extLst>
+          </p:cNvPr>
+          <p:cNvPicPr>
+            <a:picLocks noChangeAspect="1"/>
+          </p:cNvPicPr>
+          <p:nvPr/>
+        </p:nvPicPr>
+        <p:blipFill>
+          <a:blip r:embed="rId2"/>
+          <a:stretch>
+            <a:fillRect/>
+          </a:stretch>
+        </p:blipFill>
+        <p:spPr>
+          <a:xfrm>
+            <a:off x="10908124" y="4485904"/>
+            <a:ext cx="384575" cy="370840"/>
+          </a:xfrm>
+          <a:prstGeom prst="rect">
+            <a:avLst/>
+          </a:prstGeom>
+        </p:spPr>
+      </p:pic>
+    </p:spTree>
+    <p:extLst>
+      <p:ext uri="{BB962C8B-B14F-4D97-AF65-F5344CB8AC3E}">
+        <p14:creationId xmlns:p14="http://schemas.microsoft.com/office/powerpoint/2010/main" val="141755162"/>
+      </p:ext>
+    </p:extLst>
+  </p:cSld>
+  <p:clrMapOvr>
+    <a:masterClrMapping/>
+  </p:clrMapOvr>
+</p:sld>
+</file>
+
+<file path=ppt/slides/slide5.xml><?xml version="1.0" encoding="utf-8"?>
+<p:sld xmlns:a="http://schemas.openxmlformats.org/drawingml/2006/main" xmlns:r="http://schemas.openxmlformats.org/officeDocument/2006/relationships" xmlns:p="http://schemas.openxmlformats.org/presentationml/2006/main">
+  <p:cSld>
+    <p:bg>
+      <p:bgPr>
+        <a:solidFill>
+          <a:srgbClr val="212529"/>
+        </a:solidFill>
+        <a:effectLst/>
+      </p:bgPr>
+    </p:bg>
+    <p:spTree>
+      <p:nvGrpSpPr>
+        <p:cNvPr id="1" name=""/>
+        <p:cNvGrpSpPr/>
+        <p:nvPr/>
+      </p:nvGrpSpPr>
+      <p:grpSpPr>
+        <a:xfrm>
+          <a:off x="0" y="0"/>
+          <a:ext cx="0" cy="0"/>
+          <a:chOff x="0" y="0"/>
+          <a:chExt cx="0" cy="0"/>
+        </a:xfrm>
+      </p:grpSpPr>
+      <p:graphicFrame>
+        <p:nvGraphicFramePr>
+          <p:cNvPr id="12" name="Table 11">
+            <a:extLst>
+              <a:ext uri="{FF2B5EF4-FFF2-40B4-BE49-F238E27FC236}">
+                <a16:creationId xmlns:a16="http://schemas.microsoft.com/office/drawing/2014/main" id="{61B08023-FDA1-6070-8953-1B102215E194}"/>
+              </a:ext>
+            </a:extLst>
+          </p:cNvPr>
+          <p:cNvGraphicFramePr>
+            <a:graphicFrameLocks noGrp="1"/>
+          </p:cNvGraphicFramePr>
+          <p:nvPr>
+            <p:extLst>
+              <p:ext uri="{D42A27DB-BD31-4B8C-83A1-F6EECF244321}">
+                <p14:modId xmlns:p14="http://schemas.microsoft.com/office/powerpoint/2010/main" val="1770000017"/>
+              </p:ext>
+            </p:extLst>
+          </p:nvPr>
+        </p:nvGraphicFramePr>
+        <p:xfrm>
+          <a:off x="7188966" y="1500975"/>
+          <a:ext cx="2301226" cy="370840"/>
+        </p:xfrm>
+        <a:graphic>
+          <a:graphicData uri="http://schemas.openxmlformats.org/drawingml/2006/table">
+            <a:tbl>
+              <a:tblPr firstRow="1" bandRow="1">
+                <a:tableStyleId>{2D5ABB26-0587-4C30-8999-92F81FD0307C}</a:tableStyleId>
+              </a:tblPr>
+              <a:tblGrid>
+                <a:gridCol w="297436">
+                  <a:extLst>
+                    <a:ext uri="{9D8B030D-6E8A-4147-A177-3AD203B41FA5}">
+                      <a16:colId xmlns:a16="http://schemas.microsoft.com/office/drawing/2014/main" val="3164968454"/>
+                    </a:ext>
+                  </a:extLst>
+                </a:gridCol>
+                <a:gridCol w="1038492">
+                  <a:extLst>
+                    <a:ext uri="{9D8B030D-6E8A-4147-A177-3AD203B41FA5}">
+                      <a16:colId xmlns:a16="http://schemas.microsoft.com/office/drawing/2014/main" val="346824642"/>
+                    </a:ext>
+                  </a:extLst>
+                </a:gridCol>
+                <a:gridCol w="667862">
+                  <a:extLst>
+                    <a:ext uri="{9D8B030D-6E8A-4147-A177-3AD203B41FA5}">
+                      <a16:colId xmlns:a16="http://schemas.microsoft.com/office/drawing/2014/main" val="3970779557"/>
+                    </a:ext>
+                  </a:extLst>
+                </a:gridCol>
+                <a:gridCol w="297436">
+                  <a:extLst>
+                    <a:ext uri="{9D8B030D-6E8A-4147-A177-3AD203B41FA5}">
+                      <a16:colId xmlns:a16="http://schemas.microsoft.com/office/drawing/2014/main" val="1152229653"/>
+                    </a:ext>
+                  </a:extLst>
+                </a:gridCol>
+              </a:tblGrid>
+              <a:tr h="370840">
+                <a:tc>
+                  <a:txBody>
+                    <a:bodyPr/>
+                    <a:lstStyle/>
+                    <a:p>
+                      <a:pPr algn="ctr"/>
+                      <a:r>
+                        <a:rPr lang="en-US" noProof="0" dirty="0"/>
+                        <a:t>&lt;</a:t>
+                      </a:r>
+                    </a:p>
+                  </a:txBody>
+                  <a:tcPr>
+                    <a:lnL>
+                      <a:noFill/>
+                    </a:lnL>
+                    <a:lnR w="12700" cap="flat" cmpd="sng" algn="ctr">
+                      <a:solidFill>
+                        <a:schemeClr val="tx1"/>
+                      </a:solidFill>
+                      <a:prstDash val="solid"/>
+                      <a:round/>
+                      <a:headEnd type="none" w="med" len="med"/>
+                      <a:tailEnd type="none" w="med" len="med"/>
+                    </a:lnR>
+                    <a:lnT>
+                      <a:noFill/>
+                    </a:lnT>
+                    <a:lnB>
+                      <a:noFill/>
+                    </a:lnB>
+                  </a:tcPr>
+                </a:tc>
+                <a:tc>
+                  <a:txBody>
+                    <a:bodyPr/>
+                    <a:lstStyle/>
+                    <a:p>
+                      <a:pPr algn="ctr"/>
+                      <a:r>
+                        <a:rPr lang="en-US" noProof="0" dirty="0"/>
+                        <a:t>October</a:t>
+                      </a:r>
+                    </a:p>
+                  </a:txBody>
+                  <a:tcPr>
+                    <a:lnL w="12700" cap="flat" cmpd="sng" algn="ctr">
+                      <a:solidFill>
+                        <a:schemeClr val="tx1"/>
+                      </a:solidFill>
+                      <a:prstDash val="solid"/>
+                      <a:round/>
+                      <a:headEnd type="none" w="med" len="med"/>
+                      <a:tailEnd type="none" w="med" len="med"/>
+                    </a:lnL>
+                    <a:lnR w="12700" cap="flat" cmpd="sng" algn="ctr">
+                      <a:solidFill>
+                        <a:schemeClr val="tx1"/>
+                      </a:solidFill>
+                      <a:prstDash val="solid"/>
+                      <a:round/>
+                      <a:headEnd type="none" w="med" len="med"/>
+                      <a:tailEnd type="none" w="med" len="med"/>
+                    </a:lnR>
+                    <a:lnT w="12700" cap="flat" cmpd="sng" algn="ctr">
+                      <a:solidFill>
+                        <a:schemeClr val="tx1"/>
+                      </a:solidFill>
+                      <a:prstDash val="solid"/>
+                      <a:round/>
+                      <a:headEnd type="none" w="med" len="med"/>
+                      <a:tailEnd type="none" w="med" len="med"/>
+                    </a:lnT>
+                    <a:lnB w="12700" cap="flat" cmpd="sng" algn="ctr">
+                      <a:solidFill>
+                        <a:schemeClr val="tx1"/>
+                      </a:solidFill>
+                      <a:prstDash val="solid"/>
+                      <a:round/>
+                      <a:headEnd type="none" w="med" len="med"/>
+                      <a:tailEnd type="none" w="med" len="med"/>
+                    </a:lnB>
+                  </a:tcPr>
+                </a:tc>
+                <a:tc>
+                  <a:txBody>
+                    <a:bodyPr/>
+                    <a:lstStyle/>
+                    <a:p>
+                      <a:pPr algn="ctr"/>
+                      <a:r>
+                        <a:rPr lang="es-ES" noProof="0" dirty="0"/>
+                        <a:t>2023</a:t>
+                      </a:r>
+                      <a:endParaRPr lang="en-US" noProof="0" dirty="0"/>
+                    </a:p>
+                  </a:txBody>
+                  <a:tcPr>
+                    <a:lnL w="12700" cap="flat" cmpd="sng" algn="ctr">
+                      <a:solidFill>
+                        <a:schemeClr val="tx1"/>
+                      </a:solidFill>
+                      <a:prstDash val="solid"/>
+                      <a:round/>
+                      <a:headEnd type="none" w="med" len="med"/>
+                      <a:tailEnd type="none" w="med" len="med"/>
+                    </a:lnL>
+                    <a:lnR w="12700" cap="flat" cmpd="sng" algn="ctr">
+                      <a:solidFill>
+                        <a:schemeClr val="tx1"/>
+                      </a:solidFill>
+                      <a:prstDash val="solid"/>
+                      <a:round/>
+                      <a:headEnd type="none" w="med" len="med"/>
+                      <a:tailEnd type="none" w="med" len="med"/>
+                    </a:lnR>
+                    <a:lnT w="12700" cap="flat" cmpd="sng" algn="ctr">
+                      <a:solidFill>
+                        <a:schemeClr val="tx1"/>
+                      </a:solidFill>
+                      <a:prstDash val="solid"/>
+                      <a:round/>
+                      <a:headEnd type="none" w="med" len="med"/>
+                      <a:tailEnd type="none" w="med" len="med"/>
+                    </a:lnT>
+                    <a:lnB w="12700" cap="flat" cmpd="sng" algn="ctr">
+                      <a:solidFill>
+                        <a:schemeClr val="tx1"/>
+                      </a:solidFill>
+                      <a:prstDash val="solid"/>
+                      <a:round/>
+                      <a:headEnd type="none" w="med" len="med"/>
+                      <a:tailEnd type="none" w="med" len="med"/>
+                    </a:lnB>
+                  </a:tcPr>
+                </a:tc>
+                <a:tc>
+                  <a:txBody>
+                    <a:bodyPr/>
+                    <a:lstStyle/>
+                    <a:p>
+                      <a:pPr algn="ctr"/>
+                      <a:r>
+                        <a:rPr lang="en-US" noProof="0" dirty="0"/>
+                        <a:t>&gt;</a:t>
+                      </a:r>
+                    </a:p>
+                  </a:txBody>
+                  <a:tcPr>
+                    <a:lnL w="12700" cap="flat" cmpd="sng" algn="ctr">
+                      <a:solidFill>
+                        <a:schemeClr val="tx1"/>
+                      </a:solidFill>
+                      <a:prstDash val="solid"/>
+                      <a:round/>
+                      <a:headEnd type="none" w="med" len="med"/>
+                      <a:tailEnd type="none" w="med" len="med"/>
+                    </a:lnL>
+                    <a:lnR>
+                      <a:noFill/>
+                    </a:lnR>
+                    <a:lnT>
+                      <a:noFill/>
+                    </a:lnT>
+                    <a:lnB>
+                      <a:noFill/>
+                    </a:lnB>
+                  </a:tcPr>
+                </a:tc>
+                <a:extLst>
+                  <a:ext uri="{0D108BD9-81ED-4DB2-BD59-A6C34878D82A}">
+                    <a16:rowId xmlns:a16="http://schemas.microsoft.com/office/drawing/2014/main" val="2964456499"/>
+                  </a:ext>
+                </a:extLst>
+              </a:tr>
+            </a:tbl>
+          </a:graphicData>
+        </a:graphic>
+      </p:graphicFrame>
+      <p:grpSp>
+        <p:nvGrpSpPr>
+          <p:cNvPr id="18" name="Group 17">
+            <a:extLst>
+              <a:ext uri="{FF2B5EF4-FFF2-40B4-BE49-F238E27FC236}">
+                <a16:creationId xmlns:a16="http://schemas.microsoft.com/office/drawing/2014/main" id="{61640D9D-2BD1-999E-ACE3-258E9A78E537}"/>
+              </a:ext>
+            </a:extLst>
+          </p:cNvPr>
+          <p:cNvGrpSpPr/>
+          <p:nvPr/>
+        </p:nvGrpSpPr>
+        <p:grpSpPr>
+          <a:xfrm>
+            <a:off x="9790863" y="1482669"/>
+            <a:ext cx="1488285" cy="407451"/>
+            <a:chOff x="9790863" y="1482669"/>
+            <a:chExt cx="1488285" cy="407451"/>
+          </a:xfrm>
+        </p:grpSpPr>
+        <p:sp>
+          <p:nvSpPr>
+            <p:cNvPr id="11" name="Rectangle 10">
+              <a:extLst>
+                <a:ext uri="{FF2B5EF4-FFF2-40B4-BE49-F238E27FC236}">
+                  <a16:creationId xmlns:a16="http://schemas.microsoft.com/office/drawing/2014/main" id="{E67CAEA9-5985-416A-72E5-4FBF029B2BA4}"/>
+                </a:ext>
+              </a:extLst>
+            </p:cNvPr>
+            <p:cNvSpPr/>
+            <p:nvPr/>
+          </p:nvSpPr>
+          <p:spPr>
+            <a:xfrm>
+              <a:off x="9790863" y="1482669"/>
+              <a:ext cx="1488285" cy="407451"/>
+            </a:xfrm>
+            <a:prstGeom prst="rect">
+              <a:avLst/>
+            </a:prstGeom>
+            <a:solidFill>
+              <a:srgbClr val="00B0F0"/>
+            </a:solidFill>
+          </p:spPr>
+          <p:style>
+            <a:lnRef idx="2">
+              <a:schemeClr val="accent1">
+                <a:shade val="15000"/>
+              </a:schemeClr>
+            </a:lnRef>
+            <a:fillRef idx="1">
+              <a:schemeClr val="accent1"/>
+            </a:fillRef>
+            <a:effectRef idx="0">
+              <a:schemeClr val="accent1"/>
+            </a:effectRef>
+            <a:fontRef idx="minor">
+              <a:schemeClr val="lt1"/>
+            </a:fontRef>
+          </p:style>
+          <p:txBody>
+            <a:bodyPr rtlCol="0" anchor="ctr"/>
+            <a:lstStyle/>
+            <a:p>
+              <a:r>
+                <a:rPr lang="es-ES" dirty="0" err="1"/>
+                <a:t>By</a:t>
+              </a:r>
+              <a:r>
+                <a:rPr lang="es-ES" dirty="0"/>
+                <a:t> </a:t>
+              </a:r>
+              <a:r>
+                <a:rPr lang="es-ES" dirty="0" err="1"/>
+                <a:t>month</a:t>
+              </a:r>
+              <a:endParaRPr lang="en-US" dirty="0"/>
+            </a:p>
+          </p:txBody>
+        </p:sp>
+        <p:sp>
+          <p:nvSpPr>
+            <p:cNvPr id="13" name="Isosceles Triangle 12">
+              <a:extLst>
+                <a:ext uri="{FF2B5EF4-FFF2-40B4-BE49-F238E27FC236}">
+                  <a16:creationId xmlns:a16="http://schemas.microsoft.com/office/drawing/2014/main" id="{82F8AC7F-0674-28DF-934A-11110828512A}"/>
+                </a:ext>
+              </a:extLst>
+            </p:cNvPr>
+            <p:cNvSpPr/>
+            <p:nvPr/>
+          </p:nvSpPr>
+          <p:spPr>
+            <a:xfrm rot="10800000">
+              <a:off x="10935093" y="1591751"/>
+              <a:ext cx="197963" cy="214731"/>
+            </a:xfrm>
+            <a:prstGeom prst="triangle">
+              <a:avLst/>
+            </a:prstGeom>
+          </p:spPr>
+          <p:style>
+            <a:lnRef idx="2">
+              <a:schemeClr val="dk1"/>
+            </a:lnRef>
+            <a:fillRef idx="1">
+              <a:schemeClr val="lt1"/>
+            </a:fillRef>
+            <a:effectRef idx="0">
+              <a:schemeClr val="dk1"/>
+            </a:effectRef>
+            <a:fontRef idx="minor">
+              <a:schemeClr val="dk1"/>
+            </a:fontRef>
+          </p:style>
+          <p:txBody>
+            <a:bodyPr rtlCol="0" anchor="ctr"/>
+            <a:lstStyle/>
+            <a:p>
+              <a:pPr algn="ctr"/>
+              <a:endParaRPr lang="en-US"/>
+            </a:p>
+          </p:txBody>
+        </p:sp>
+      </p:grpSp>
+      <p:graphicFrame>
+        <p:nvGraphicFramePr>
+          <p:cNvPr id="19" name="Table 18">
+            <a:extLst>
+              <a:ext uri="{FF2B5EF4-FFF2-40B4-BE49-F238E27FC236}">
+                <a16:creationId xmlns:a16="http://schemas.microsoft.com/office/drawing/2014/main" id="{47DA04BD-D556-E349-F093-088F09954839}"/>
+              </a:ext>
+            </a:extLst>
+          </p:cNvPr>
+          <p:cNvGraphicFramePr>
+            <a:graphicFrameLocks noGrp="1"/>
+          </p:cNvGraphicFramePr>
+          <p:nvPr>
+            <p:extLst>
+              <p:ext uri="{D42A27DB-BD31-4B8C-83A1-F6EECF244321}">
+                <p14:modId xmlns:p14="http://schemas.microsoft.com/office/powerpoint/2010/main" val="796416488"/>
+              </p:ext>
+            </p:extLst>
+          </p:nvPr>
+        </p:nvGraphicFramePr>
+        <p:xfrm>
+          <a:off x="376195" y="411183"/>
+          <a:ext cx="11202084" cy="370840"/>
+        </p:xfrm>
+        <a:graphic>
+          <a:graphicData uri="http://schemas.openxmlformats.org/drawingml/2006/table">
+            <a:tbl>
+              <a:tblPr firstRow="1" bandRow="1">
+                <a:tableStyleId>{5C22544A-7EE6-4342-B048-85BDC9FD1C3A}</a:tableStyleId>
+              </a:tblPr>
+              <a:tblGrid>
+                <a:gridCol w="1867014">
+                  <a:extLst>
+                    <a:ext uri="{9D8B030D-6E8A-4147-A177-3AD203B41FA5}">
+                      <a16:colId xmlns:a16="http://schemas.microsoft.com/office/drawing/2014/main" val="864389183"/>
+                    </a:ext>
+                  </a:extLst>
+                </a:gridCol>
+                <a:gridCol w="1867014">
+                  <a:extLst>
+                    <a:ext uri="{9D8B030D-6E8A-4147-A177-3AD203B41FA5}">
+                      <a16:colId xmlns:a16="http://schemas.microsoft.com/office/drawing/2014/main" val="918450666"/>
+                    </a:ext>
+                  </a:extLst>
+                </a:gridCol>
+                <a:gridCol w="1867014">
+                  <a:extLst>
+                    <a:ext uri="{9D8B030D-6E8A-4147-A177-3AD203B41FA5}">
+                      <a16:colId xmlns:a16="http://schemas.microsoft.com/office/drawing/2014/main" val="3000011065"/>
+                    </a:ext>
+                  </a:extLst>
+                </a:gridCol>
+                <a:gridCol w="1867014">
+                  <a:extLst>
+                    <a:ext uri="{9D8B030D-6E8A-4147-A177-3AD203B41FA5}">
+                      <a16:colId xmlns:a16="http://schemas.microsoft.com/office/drawing/2014/main" val="386926505"/>
+                    </a:ext>
+                  </a:extLst>
+                </a:gridCol>
+                <a:gridCol w="1867014">
+                  <a:extLst>
+                    <a:ext uri="{9D8B030D-6E8A-4147-A177-3AD203B41FA5}">
+                      <a16:colId xmlns:a16="http://schemas.microsoft.com/office/drawing/2014/main" val="1595816490"/>
+                    </a:ext>
+                  </a:extLst>
+                </a:gridCol>
+                <a:gridCol w="1867014">
+                  <a:extLst>
+                    <a:ext uri="{9D8B030D-6E8A-4147-A177-3AD203B41FA5}">
+                      <a16:colId xmlns:a16="http://schemas.microsoft.com/office/drawing/2014/main" val="3658545522"/>
+                    </a:ext>
+                  </a:extLst>
+                </a:gridCol>
+              </a:tblGrid>
+              <a:tr h="370840">
+                <a:tc>
+                  <a:txBody>
+                    <a:bodyPr/>
+                    <a:lstStyle/>
+                    <a:p>
+                      <a:pPr algn="ctr"/>
+                      <a:r>
+                        <a:rPr lang="en-US" noProof="0" dirty="0"/>
+                        <a:t>Expenses</a:t>
+                      </a:r>
+                    </a:p>
+                  </a:txBody>
+                  <a:tcPr>
+                    <a:lnL w="12700" cmpd="sng">
+                      <a:noFill/>
+                    </a:lnL>
+                    <a:lnR w="12700" cmpd="sng">
+                      <a:noFill/>
+                    </a:lnR>
+                    <a:lnT w="12700" cmpd="sng">
+                      <a:noFill/>
+                    </a:lnT>
+                    <a:lnB w="38100" cmpd="sng">
+                      <a:noFill/>
+                    </a:lnB>
+                    <a:lnTlToBr w="12700" cmpd="sng">
+                      <a:noFill/>
+                      <a:prstDash val="solid"/>
+                    </a:lnTlToBr>
+                    <a:lnBlToTr w="12700" cmpd="sng">
+                      <a:noFill/>
+                      <a:prstDash val="solid"/>
+                    </a:lnBlToTr>
+                    <a:noFill/>
+                  </a:tcPr>
+                </a:tc>
+                <a:tc>
+                  <a:txBody>
+                    <a:bodyPr/>
+                    <a:lstStyle/>
+                    <a:p>
+                      <a:pPr algn="ctr"/>
+                      <a:r>
+                        <a:rPr lang="en-US" noProof="0" dirty="0"/>
+                        <a:t>Budget</a:t>
+                      </a:r>
+                    </a:p>
+                  </a:txBody>
+                  <a:tcPr>
+                    <a:lnL w="12700" cmpd="sng">
+                      <a:noFill/>
+                    </a:lnL>
+                    <a:lnR w="12700" cmpd="sng">
+                      <a:noFill/>
+                    </a:lnR>
+                    <a:lnT w="12700" cmpd="sng">
+                      <a:noFill/>
+                    </a:lnT>
+                    <a:lnB w="38100" cmpd="sng">
+                      <a:noFill/>
+                    </a:lnB>
+                    <a:lnTlToBr w="12700" cmpd="sng">
+                      <a:noFill/>
+                      <a:prstDash val="solid"/>
+                    </a:lnTlToBr>
+                    <a:lnBlToTr w="12700" cmpd="sng">
+                      <a:noFill/>
+                      <a:prstDash val="solid"/>
+                    </a:lnBlToTr>
+                    <a:noFill/>
+                  </a:tcPr>
+                </a:tc>
+                <a:tc>
+                  <a:txBody>
+                    <a:bodyPr/>
+                    <a:lstStyle/>
+                    <a:p>
+                      <a:pPr algn="ctr"/>
+                      <a:r>
+                        <a:rPr lang="en-US" noProof="0" dirty="0"/>
+                        <a:t>Savings</a:t>
+                      </a:r>
+                    </a:p>
+                  </a:txBody>
+                  <a:tcPr>
+                    <a:lnL w="12700" cmpd="sng">
+                      <a:noFill/>
+                    </a:lnL>
+                    <a:lnR w="12700" cmpd="sng">
+                      <a:noFill/>
+                    </a:lnR>
+                    <a:lnT w="12700" cmpd="sng">
+                      <a:noFill/>
+                    </a:lnT>
+                    <a:lnB w="38100" cmpd="sng">
+                      <a:noFill/>
+                    </a:lnB>
+                    <a:lnTlToBr w="12700" cmpd="sng">
+                      <a:noFill/>
+                      <a:prstDash val="solid"/>
+                    </a:lnTlToBr>
+                    <a:lnBlToTr w="12700" cmpd="sng">
+                      <a:noFill/>
+                      <a:prstDash val="solid"/>
+                    </a:lnBlToTr>
+                    <a:noFill/>
+                  </a:tcPr>
+                </a:tc>
+                <a:tc>
+                  <a:txBody>
+                    <a:bodyPr/>
+                    <a:lstStyle/>
+                    <a:p>
+                      <a:pPr algn="ctr"/>
+                      <a:r>
+                        <a:rPr lang="en-US" noProof="0" dirty="0"/>
+                        <a:t>Payments</a:t>
+                      </a:r>
+                    </a:p>
+                  </a:txBody>
+                  <a:tcPr>
+                    <a:lnL w="12700" cmpd="sng">
+                      <a:noFill/>
+                    </a:lnL>
+                    <a:lnR w="12700" cmpd="sng">
+                      <a:noFill/>
+                    </a:lnR>
+                    <a:lnT w="12700" cmpd="sng">
+                      <a:noFill/>
+                    </a:lnT>
+                    <a:lnB w="38100" cmpd="sng">
+                      <a:noFill/>
+                    </a:lnB>
+                    <a:lnTlToBr w="12700" cmpd="sng">
+                      <a:noFill/>
+                      <a:prstDash val="solid"/>
+                    </a:lnTlToBr>
+                    <a:lnBlToTr w="12700" cmpd="sng">
+                      <a:noFill/>
+                      <a:prstDash val="solid"/>
+                    </a:lnBlToTr>
+                    <a:noFill/>
+                  </a:tcPr>
+                </a:tc>
+                <a:tc>
+                  <a:txBody>
+                    <a:bodyPr/>
+                    <a:lstStyle/>
+                    <a:p>
+                      <a:pPr algn="ctr"/>
+                      <a:r>
+                        <a:rPr lang="en-US" noProof="0" dirty="0"/>
+                        <a:t>Summary</a:t>
+                      </a:r>
+                    </a:p>
+                  </a:txBody>
+                  <a:tcPr>
+                    <a:lnL w="12700" cmpd="sng">
+                      <a:noFill/>
+                    </a:lnL>
+                    <a:lnR w="12700" cmpd="sng">
+                      <a:noFill/>
+                    </a:lnR>
+                    <a:lnT w="12700" cmpd="sng">
+                      <a:noFill/>
+                    </a:lnT>
+                    <a:lnB w="38100" cmpd="sng">
+                      <a:noFill/>
+                    </a:lnB>
+                    <a:lnTlToBr w="12700" cmpd="sng">
+                      <a:noFill/>
+                      <a:prstDash val="solid"/>
+                    </a:lnTlToBr>
+                    <a:lnBlToTr w="12700" cmpd="sng">
+                      <a:noFill/>
+                      <a:prstDash val="solid"/>
+                    </a:lnBlToTr>
+                    <a:solidFill>
+                      <a:srgbClr val="0070C0"/>
+                    </a:solidFill>
+                  </a:tcPr>
+                </a:tc>
+                <a:tc>
+                  <a:txBody>
+                    <a:bodyPr/>
+                    <a:lstStyle/>
+                    <a:p>
+                      <a:pPr algn="ctr"/>
+                      <a:r>
+                        <a:rPr lang="en-US" noProof="0" dirty="0"/>
+                        <a:t>Profile</a:t>
+                      </a:r>
+                    </a:p>
+                  </a:txBody>
+                  <a:tcPr>
+                    <a:lnL w="12700" cmpd="sng">
+                      <a:noFill/>
+                    </a:lnL>
+                    <a:lnR w="12700" cmpd="sng">
+                      <a:noFill/>
+                    </a:lnR>
+                    <a:lnT w="12700" cmpd="sng">
+                      <a:noFill/>
+                    </a:lnT>
+                    <a:lnB w="38100" cmpd="sng">
+                      <a:noFill/>
+                    </a:lnB>
+                    <a:lnTlToBr w="12700" cmpd="sng">
+                      <a:noFill/>
+                      <a:prstDash val="solid"/>
+                    </a:lnTlToBr>
+                    <a:lnBlToTr w="12700" cmpd="sng">
+                      <a:noFill/>
+                      <a:prstDash val="solid"/>
+                    </a:lnBlToTr>
+                    <a:noFill/>
+                  </a:tcPr>
+                </a:tc>
+                <a:extLst>
+                  <a:ext uri="{0D108BD9-81ED-4DB2-BD59-A6C34878D82A}">
+                    <a16:rowId xmlns:a16="http://schemas.microsoft.com/office/drawing/2014/main" val="2679203274"/>
+                  </a:ext>
+                </a:extLst>
+              </a:tr>
+            </a:tbl>
+          </a:graphicData>
+        </a:graphic>
+      </p:graphicFrame>
+      <p:sp>
+        <p:nvSpPr>
+          <p:cNvPr id="20" name="Rectangle: Rounded Corners 19">
+            <a:extLst>
+              <a:ext uri="{FF2B5EF4-FFF2-40B4-BE49-F238E27FC236}">
+                <a16:creationId xmlns:a16="http://schemas.microsoft.com/office/drawing/2014/main" id="{78F97CCB-60A5-016F-C7E7-B9AD8B574372}"/>
+              </a:ext>
+            </a:extLst>
+          </p:cNvPr>
+          <p:cNvSpPr/>
+          <p:nvPr/>
+        </p:nvSpPr>
+        <p:spPr>
+          <a:xfrm>
+            <a:off x="443059" y="2460396"/>
+            <a:ext cx="2045617" cy="1923068"/>
+          </a:xfrm>
+          <a:prstGeom prst="roundRect">
+            <a:avLst/>
+          </a:prstGeom>
+        </p:spPr>
+        <p:style>
+          <a:lnRef idx="2">
+            <a:schemeClr val="accent1">
+              <a:shade val="15000"/>
+            </a:schemeClr>
+          </a:lnRef>
+          <a:fillRef idx="1">
+            <a:schemeClr val="accent1"/>
+          </a:fillRef>
+          <a:effectRef idx="0">
+            <a:schemeClr val="accent1"/>
+          </a:effectRef>
+          <a:fontRef idx="minor">
+            <a:schemeClr val="lt1"/>
+          </a:fontRef>
+        </p:style>
+        <p:txBody>
+          <a:bodyPr rtlCol="0" anchor="ctr"/>
+          <a:lstStyle/>
+          <a:p>
+            <a:pPr algn="ctr"/>
+            <a:endParaRPr lang="en-US"/>
+          </a:p>
+        </p:txBody>
+      </p:sp>
+      <p:sp>
+        <p:nvSpPr>
+          <p:cNvPr id="21" name="TextBox 20">
+            <a:extLst>
+              <a:ext uri="{FF2B5EF4-FFF2-40B4-BE49-F238E27FC236}">
+                <a16:creationId xmlns:a16="http://schemas.microsoft.com/office/drawing/2014/main" id="{460D5A63-A6AE-02FE-1889-19471D65E097}"/>
+              </a:ext>
+            </a:extLst>
+          </p:cNvPr>
+          <p:cNvSpPr txBox="1"/>
+          <p:nvPr/>
+        </p:nvSpPr>
+        <p:spPr>
+          <a:xfrm>
+            <a:off x="641021" y="3267276"/>
+            <a:ext cx="1649691" cy="369332"/>
+          </a:xfrm>
+          <a:prstGeom prst="rect">
+            <a:avLst/>
+          </a:prstGeom>
+          <a:noFill/>
+        </p:spPr>
+        <p:txBody>
+          <a:bodyPr wrap="square" rtlCol="0">
+            <a:spAutoFit/>
+          </a:bodyPr>
+          <a:lstStyle/>
+          <a:p>
+            <a:r>
+              <a:rPr lang="es-ES" dirty="0"/>
+              <a:t>TOTAL INCOME</a:t>
+            </a:r>
+            <a:endParaRPr lang="en-US" dirty="0"/>
+          </a:p>
+        </p:txBody>
+      </p:sp>
+      <p:sp>
+        <p:nvSpPr>
+          <p:cNvPr id="22" name="TextBox 21">
+            <a:extLst>
+              <a:ext uri="{FF2B5EF4-FFF2-40B4-BE49-F238E27FC236}">
+                <a16:creationId xmlns:a16="http://schemas.microsoft.com/office/drawing/2014/main" id="{71A9CE2E-2125-101D-C167-FD8D01A5551F}"/>
+              </a:ext>
+            </a:extLst>
+          </p:cNvPr>
+          <p:cNvSpPr txBox="1"/>
+          <p:nvPr/>
+        </p:nvSpPr>
+        <p:spPr>
+          <a:xfrm>
+            <a:off x="641021" y="3633321"/>
+            <a:ext cx="1649691" cy="400110"/>
+          </a:xfrm>
+          <a:prstGeom prst="rect">
+            <a:avLst/>
+          </a:prstGeom>
+          <a:noFill/>
+        </p:spPr>
+        <p:txBody>
+          <a:bodyPr wrap="square" rtlCol="0">
+            <a:spAutoFit/>
+          </a:bodyPr>
+          <a:lstStyle/>
+          <a:p>
+            <a:r>
+              <a:rPr lang="es-ES" sz="2000" b="1" dirty="0"/>
+              <a:t>$29,000</a:t>
+            </a:r>
+            <a:endParaRPr lang="en-US" sz="2000" b="1" dirty="0"/>
+          </a:p>
+        </p:txBody>
+      </p:sp>
+      <p:sp>
+        <p:nvSpPr>
+          <p:cNvPr id="23" name="Oval 22">
+            <a:extLst>
+              <a:ext uri="{FF2B5EF4-FFF2-40B4-BE49-F238E27FC236}">
+                <a16:creationId xmlns:a16="http://schemas.microsoft.com/office/drawing/2014/main" id="{D7918DA9-D313-A1BD-57F5-EB77FC79BBEF}"/>
+              </a:ext>
+            </a:extLst>
+          </p:cNvPr>
+          <p:cNvSpPr/>
+          <p:nvPr/>
+        </p:nvSpPr>
+        <p:spPr>
+          <a:xfrm>
+            <a:off x="725863" y="2743913"/>
+            <a:ext cx="480767" cy="480767"/>
+          </a:xfrm>
+          <a:prstGeom prst="ellipse">
+            <a:avLst/>
+          </a:prstGeom>
+          <a:solidFill>
+            <a:srgbClr val="0070C0"/>
+          </a:solidFill>
+        </p:spPr>
+        <p:style>
+          <a:lnRef idx="2">
+            <a:schemeClr val="accent1">
+              <a:shade val="15000"/>
+            </a:schemeClr>
+          </a:lnRef>
+          <a:fillRef idx="1">
+            <a:schemeClr val="accent1"/>
+          </a:fillRef>
+          <a:effectRef idx="0">
+            <a:schemeClr val="accent1"/>
+          </a:effectRef>
+          <a:fontRef idx="minor">
+            <a:schemeClr val="lt1"/>
+          </a:fontRef>
+        </p:style>
+        <p:txBody>
+          <a:bodyPr rtlCol="0" anchor="ctr"/>
+          <a:lstStyle/>
+          <a:p>
+            <a:pPr algn="ctr"/>
+            <a:endParaRPr lang="en-US"/>
+          </a:p>
+        </p:txBody>
+      </p:sp>
+      <p:sp>
+        <p:nvSpPr>
+          <p:cNvPr id="24" name="TextBox 23">
+            <a:extLst>
+              <a:ext uri="{FF2B5EF4-FFF2-40B4-BE49-F238E27FC236}">
+                <a16:creationId xmlns:a16="http://schemas.microsoft.com/office/drawing/2014/main" id="{693BC1C5-E8A5-715F-E9A6-9FCDD23B22A9}"/>
+              </a:ext>
+            </a:extLst>
+          </p:cNvPr>
+          <p:cNvSpPr txBox="1"/>
+          <p:nvPr/>
+        </p:nvSpPr>
+        <p:spPr>
+          <a:xfrm>
+            <a:off x="641021" y="4012347"/>
+            <a:ext cx="1564849" cy="261610"/>
+          </a:xfrm>
+          <a:prstGeom prst="rect">
+            <a:avLst/>
+          </a:prstGeom>
+          <a:noFill/>
+        </p:spPr>
+        <p:txBody>
+          <a:bodyPr wrap="square" rtlCol="0">
+            <a:spAutoFit/>
+          </a:bodyPr>
+          <a:lstStyle/>
+          <a:p>
+            <a:r>
+              <a:rPr lang="en-US" sz="1100" dirty="0"/>
+              <a:t>Same as last month</a:t>
+            </a:r>
+          </a:p>
+        </p:txBody>
+      </p:sp>
+      <p:sp>
+        <p:nvSpPr>
+          <p:cNvPr id="25" name="Rectangle: Rounded Corners 24">
+            <a:extLst>
+              <a:ext uri="{FF2B5EF4-FFF2-40B4-BE49-F238E27FC236}">
+                <a16:creationId xmlns:a16="http://schemas.microsoft.com/office/drawing/2014/main" id="{CD56D140-9137-0720-384C-D4E45A13BE15}"/>
+              </a:ext>
+            </a:extLst>
+          </p:cNvPr>
+          <p:cNvSpPr/>
+          <p:nvPr/>
+        </p:nvSpPr>
+        <p:spPr>
+          <a:xfrm>
+            <a:off x="2771480" y="2467466"/>
+            <a:ext cx="2045617" cy="1923068"/>
+          </a:xfrm>
+          <a:prstGeom prst="roundRect">
+            <a:avLst/>
+          </a:prstGeom>
+          <a:solidFill>
+            <a:schemeClr val="accent5">
+              <a:lumMod val="60000"/>
+              <a:lumOff val="40000"/>
+            </a:schemeClr>
+          </a:solidFill>
+        </p:spPr>
+        <p:style>
+          <a:lnRef idx="2">
+            <a:schemeClr val="accent1">
+              <a:shade val="15000"/>
+            </a:schemeClr>
+          </a:lnRef>
+          <a:fillRef idx="1">
+            <a:schemeClr val="accent1"/>
+          </a:fillRef>
+          <a:effectRef idx="0">
+            <a:schemeClr val="accent1"/>
+          </a:effectRef>
+          <a:fontRef idx="minor">
+            <a:schemeClr val="lt1"/>
+          </a:fontRef>
+        </p:style>
+        <p:txBody>
+          <a:bodyPr rtlCol="0" anchor="ctr"/>
+          <a:lstStyle/>
+          <a:p>
+            <a:pPr algn="ctr"/>
+            <a:endParaRPr lang="en-US"/>
+          </a:p>
+        </p:txBody>
+      </p:sp>
+      <p:sp>
+        <p:nvSpPr>
+          <p:cNvPr id="26" name="TextBox 25">
+            <a:extLst>
+              <a:ext uri="{FF2B5EF4-FFF2-40B4-BE49-F238E27FC236}">
+                <a16:creationId xmlns:a16="http://schemas.microsoft.com/office/drawing/2014/main" id="{819EE118-3F49-91C9-5C24-54B847178F99}"/>
+              </a:ext>
+            </a:extLst>
+          </p:cNvPr>
+          <p:cNvSpPr txBox="1"/>
+          <p:nvPr/>
+        </p:nvSpPr>
+        <p:spPr>
+          <a:xfrm>
+            <a:off x="2936446" y="3178241"/>
+            <a:ext cx="1649691" cy="369332"/>
+          </a:xfrm>
+          <a:prstGeom prst="rect">
+            <a:avLst/>
+          </a:prstGeom>
+          <a:noFill/>
+        </p:spPr>
+        <p:txBody>
+          <a:bodyPr wrap="square" rtlCol="0">
+            <a:spAutoFit/>
+          </a:bodyPr>
+          <a:lstStyle/>
+          <a:p>
+            <a:r>
+              <a:rPr lang="es-ES" dirty="0"/>
+              <a:t>TOTAL SPENT</a:t>
+            </a:r>
+            <a:endParaRPr lang="en-US" dirty="0"/>
+          </a:p>
+        </p:txBody>
+      </p:sp>
+      <p:sp>
+        <p:nvSpPr>
+          <p:cNvPr id="27" name="TextBox 26">
+            <a:extLst>
+              <a:ext uri="{FF2B5EF4-FFF2-40B4-BE49-F238E27FC236}">
+                <a16:creationId xmlns:a16="http://schemas.microsoft.com/office/drawing/2014/main" id="{12989461-E9F9-028C-D977-ABD2E8D4A86A}"/>
+              </a:ext>
+            </a:extLst>
+          </p:cNvPr>
+          <p:cNvSpPr txBox="1"/>
+          <p:nvPr/>
+        </p:nvSpPr>
+        <p:spPr>
+          <a:xfrm>
+            <a:off x="2936445" y="3498850"/>
+            <a:ext cx="1649691" cy="400110"/>
+          </a:xfrm>
+          <a:prstGeom prst="rect">
+            <a:avLst/>
+          </a:prstGeom>
+          <a:noFill/>
+        </p:spPr>
+        <p:txBody>
+          <a:bodyPr wrap="square" rtlCol="0">
+            <a:spAutoFit/>
+          </a:bodyPr>
+          <a:lstStyle/>
+          <a:p>
+            <a:r>
+              <a:rPr lang="es-ES" sz="2000" b="1" dirty="0"/>
+              <a:t>$10,500</a:t>
+            </a:r>
+            <a:endParaRPr lang="en-US" sz="2000" b="1" dirty="0"/>
+          </a:p>
+        </p:txBody>
+      </p:sp>
+      <p:sp>
+        <p:nvSpPr>
+          <p:cNvPr id="28" name="Oval 27">
+            <a:extLst>
+              <a:ext uri="{FF2B5EF4-FFF2-40B4-BE49-F238E27FC236}">
+                <a16:creationId xmlns:a16="http://schemas.microsoft.com/office/drawing/2014/main" id="{4443D486-EA55-E662-163C-000E5FEAA8A0}"/>
+              </a:ext>
+            </a:extLst>
+          </p:cNvPr>
+          <p:cNvSpPr/>
+          <p:nvPr/>
+        </p:nvSpPr>
+        <p:spPr>
+          <a:xfrm>
+            <a:off x="2969442" y="2672764"/>
+            <a:ext cx="480767" cy="480767"/>
+          </a:xfrm>
+          <a:prstGeom prst="ellipse">
+            <a:avLst/>
+          </a:prstGeom>
+          <a:solidFill>
+            <a:srgbClr val="0070C0"/>
+          </a:solidFill>
+        </p:spPr>
+        <p:style>
+          <a:lnRef idx="2">
+            <a:schemeClr val="accent1">
+              <a:shade val="15000"/>
+            </a:schemeClr>
+          </a:lnRef>
+          <a:fillRef idx="1">
+            <a:schemeClr val="accent1"/>
+          </a:fillRef>
+          <a:effectRef idx="0">
+            <a:schemeClr val="accent1"/>
+          </a:effectRef>
+          <a:fontRef idx="minor">
+            <a:schemeClr val="lt1"/>
+          </a:fontRef>
+        </p:style>
+        <p:txBody>
+          <a:bodyPr rtlCol="0" anchor="ctr"/>
+          <a:lstStyle/>
+          <a:p>
+            <a:pPr algn="ctr"/>
+            <a:endParaRPr lang="en-US"/>
+          </a:p>
+        </p:txBody>
+      </p:sp>
+      <p:sp>
+        <p:nvSpPr>
+          <p:cNvPr id="29" name="TextBox 28">
+            <a:extLst>
+              <a:ext uri="{FF2B5EF4-FFF2-40B4-BE49-F238E27FC236}">
+                <a16:creationId xmlns:a16="http://schemas.microsoft.com/office/drawing/2014/main" id="{5264F157-54B1-6667-B5EE-77C403B66FEB}"/>
+              </a:ext>
+            </a:extLst>
+          </p:cNvPr>
+          <p:cNvSpPr txBox="1"/>
+          <p:nvPr/>
+        </p:nvSpPr>
+        <p:spPr>
+          <a:xfrm>
+            <a:off x="2969442" y="4019417"/>
+            <a:ext cx="1762814" cy="261610"/>
+          </a:xfrm>
+          <a:prstGeom prst="rect">
+            <a:avLst/>
+          </a:prstGeom>
+          <a:noFill/>
+        </p:spPr>
+        <p:txBody>
+          <a:bodyPr wrap="square" rtlCol="0">
+            <a:spAutoFit/>
+          </a:bodyPr>
+          <a:lstStyle/>
+          <a:p>
+            <a:r>
+              <a:rPr lang="en-US" sz="1100" dirty="0"/>
+              <a:t>2% more than last month</a:t>
+            </a:r>
+          </a:p>
+        </p:txBody>
+      </p:sp>
+      <p:sp>
+        <p:nvSpPr>
+          <p:cNvPr id="40" name="Rectangle: Rounded Corners 39">
+            <a:extLst>
+              <a:ext uri="{FF2B5EF4-FFF2-40B4-BE49-F238E27FC236}">
+                <a16:creationId xmlns:a16="http://schemas.microsoft.com/office/drawing/2014/main" id="{DC2E4665-6CBD-92EC-C296-A7DF360DC3A9}"/>
+              </a:ext>
+            </a:extLst>
+          </p:cNvPr>
+          <p:cNvSpPr/>
+          <p:nvPr/>
+        </p:nvSpPr>
+        <p:spPr>
+          <a:xfrm>
+            <a:off x="9756743" y="2460396"/>
+            <a:ext cx="2045617" cy="1923068"/>
+          </a:xfrm>
+          <a:prstGeom prst="roundRect">
+            <a:avLst/>
+          </a:prstGeom>
+        </p:spPr>
+        <p:style>
+          <a:lnRef idx="2">
+            <a:schemeClr val="accent1">
+              <a:shade val="15000"/>
+            </a:schemeClr>
+          </a:lnRef>
+          <a:fillRef idx="1">
+            <a:schemeClr val="accent1"/>
+          </a:fillRef>
+          <a:effectRef idx="0">
+            <a:schemeClr val="accent1"/>
+          </a:effectRef>
+          <a:fontRef idx="minor">
+            <a:schemeClr val="lt1"/>
+          </a:fontRef>
+        </p:style>
+        <p:txBody>
+          <a:bodyPr rtlCol="0" anchor="ctr"/>
+          <a:lstStyle/>
+          <a:p>
+            <a:pPr algn="ctr"/>
+            <a:endParaRPr lang="en-US"/>
+          </a:p>
+        </p:txBody>
+      </p:sp>
+      <p:sp>
+        <p:nvSpPr>
+          <p:cNvPr id="41" name="TextBox 40">
+            <a:extLst>
+              <a:ext uri="{FF2B5EF4-FFF2-40B4-BE49-F238E27FC236}">
+                <a16:creationId xmlns:a16="http://schemas.microsoft.com/office/drawing/2014/main" id="{F233DC48-D0FB-2987-1BDD-50C1D5201533}"/>
+              </a:ext>
+            </a:extLst>
+          </p:cNvPr>
+          <p:cNvSpPr txBox="1"/>
+          <p:nvPr/>
+        </p:nvSpPr>
+        <p:spPr>
+          <a:xfrm>
+            <a:off x="9954705" y="3267276"/>
+            <a:ext cx="1847655" cy="369332"/>
+          </a:xfrm>
+          <a:prstGeom prst="rect">
+            <a:avLst/>
+          </a:prstGeom>
+          <a:noFill/>
+        </p:spPr>
+        <p:txBody>
+          <a:bodyPr wrap="square" rtlCol="0">
+            <a:spAutoFit/>
+          </a:bodyPr>
+          <a:lstStyle/>
+          <a:p>
+            <a:r>
+              <a:rPr lang="es-ES" dirty="0"/>
+              <a:t>TOTAL LEFT</a:t>
+            </a:r>
+            <a:endParaRPr lang="en-US" dirty="0"/>
+          </a:p>
+        </p:txBody>
+      </p:sp>
+      <p:sp>
+        <p:nvSpPr>
+          <p:cNvPr id="42" name="TextBox 41">
+            <a:extLst>
+              <a:ext uri="{FF2B5EF4-FFF2-40B4-BE49-F238E27FC236}">
+                <a16:creationId xmlns:a16="http://schemas.microsoft.com/office/drawing/2014/main" id="{918009D2-FC40-15D9-EDAF-56AFF3E18204}"/>
+              </a:ext>
+            </a:extLst>
+          </p:cNvPr>
+          <p:cNvSpPr txBox="1"/>
+          <p:nvPr/>
+        </p:nvSpPr>
+        <p:spPr>
+          <a:xfrm>
+            <a:off x="9954705" y="3633321"/>
+            <a:ext cx="1649691" cy="400110"/>
+          </a:xfrm>
+          <a:prstGeom prst="rect">
+            <a:avLst/>
+          </a:prstGeom>
+          <a:noFill/>
+        </p:spPr>
+        <p:txBody>
+          <a:bodyPr wrap="square" rtlCol="0">
+            <a:spAutoFit/>
+          </a:bodyPr>
+          <a:lstStyle/>
+          <a:p>
+            <a:r>
+              <a:rPr lang="es-ES" sz="2000" b="1" dirty="0"/>
+              <a:t>$1,500</a:t>
+            </a:r>
+            <a:endParaRPr lang="en-US" sz="2000" b="1" dirty="0"/>
+          </a:p>
+        </p:txBody>
+      </p:sp>
+      <p:sp>
+        <p:nvSpPr>
+          <p:cNvPr id="43" name="Oval 42">
+            <a:extLst>
+              <a:ext uri="{FF2B5EF4-FFF2-40B4-BE49-F238E27FC236}">
+                <a16:creationId xmlns:a16="http://schemas.microsoft.com/office/drawing/2014/main" id="{60FB1637-8B35-7047-21B9-8EC79310C298}"/>
+              </a:ext>
+            </a:extLst>
+          </p:cNvPr>
+          <p:cNvSpPr/>
+          <p:nvPr/>
+        </p:nvSpPr>
+        <p:spPr>
+          <a:xfrm>
+            <a:off x="10039547" y="2743913"/>
+            <a:ext cx="480767" cy="480767"/>
+          </a:xfrm>
+          <a:prstGeom prst="ellipse">
+            <a:avLst/>
+          </a:prstGeom>
+          <a:solidFill>
+            <a:srgbClr val="0070C0"/>
+          </a:solidFill>
+        </p:spPr>
+        <p:style>
+          <a:lnRef idx="2">
+            <a:schemeClr val="accent1">
+              <a:shade val="15000"/>
+            </a:schemeClr>
+          </a:lnRef>
+          <a:fillRef idx="1">
+            <a:schemeClr val="accent1"/>
+          </a:fillRef>
+          <a:effectRef idx="0">
+            <a:schemeClr val="accent1"/>
+          </a:effectRef>
+          <a:fontRef idx="minor">
+            <a:schemeClr val="lt1"/>
+          </a:fontRef>
+        </p:style>
+        <p:txBody>
+          <a:bodyPr rtlCol="0" anchor="ctr"/>
+          <a:lstStyle/>
+          <a:p>
+            <a:pPr algn="ctr"/>
+            <a:endParaRPr lang="en-US"/>
+          </a:p>
+        </p:txBody>
+      </p:sp>
+      <p:sp>
+        <p:nvSpPr>
+          <p:cNvPr id="44" name="TextBox 43">
+            <a:extLst>
+              <a:ext uri="{FF2B5EF4-FFF2-40B4-BE49-F238E27FC236}">
+                <a16:creationId xmlns:a16="http://schemas.microsoft.com/office/drawing/2014/main" id="{2B98A963-4F4B-9F88-2977-F8565E724FC7}"/>
+              </a:ext>
+            </a:extLst>
+          </p:cNvPr>
+          <p:cNvSpPr txBox="1"/>
+          <p:nvPr/>
+        </p:nvSpPr>
+        <p:spPr>
+          <a:xfrm>
+            <a:off x="9954705" y="4012347"/>
+            <a:ext cx="1762814" cy="261610"/>
+          </a:xfrm>
+          <a:prstGeom prst="rect">
+            <a:avLst/>
+          </a:prstGeom>
+          <a:noFill/>
+        </p:spPr>
+        <p:txBody>
+          <a:bodyPr wrap="square" rtlCol="0">
+            <a:spAutoFit/>
+          </a:bodyPr>
+          <a:lstStyle/>
+          <a:p>
+            <a:r>
+              <a:rPr lang="en-US" sz="1100" dirty="0"/>
+              <a:t>2% more than last month</a:t>
+            </a:r>
+          </a:p>
+        </p:txBody>
+      </p:sp>
+      <p:pic>
+        <p:nvPicPr>
+          <p:cNvPr id="1026" name="Picture 2">
+            <a:hlinkClick r:id="rId3"/>
+            <a:extLst>
+              <a:ext uri="{FF2B5EF4-FFF2-40B4-BE49-F238E27FC236}">
+                <a16:creationId xmlns:a16="http://schemas.microsoft.com/office/drawing/2014/main" id="{9FB0D8A3-BCFD-E629-3ACD-A10E5016AC48}"/>
+              </a:ext>
+            </a:extLst>
+          </p:cNvPr>
+          <p:cNvPicPr>
+            <a:picLocks noChangeAspect="1" noChangeArrowheads="1"/>
+          </p:cNvPicPr>
+          <p:nvPr/>
+        </p:nvPicPr>
+        <p:blipFill>
+          <a:blip r:embed="rId4">
+            <a:extLst>
+              <a:ext uri="{28A0092B-C50C-407E-A947-70E740481C1C}">
+                <a14:useLocalDpi xmlns:a14="http://schemas.microsoft.com/office/drawing/2010/main" val="0"/>
+              </a:ext>
+            </a:extLst>
+          </a:blip>
+          <a:srcRect/>
+          <a:stretch>
+            <a:fillRect/>
+          </a:stretch>
+        </p:blipFill>
+        <p:spPr bwMode="auto">
+          <a:xfrm>
+            <a:off x="461912" y="4749509"/>
+            <a:ext cx="2120245" cy="1590184"/>
+          </a:xfrm>
+          <a:prstGeom prst="rect">
+            <a:avLst/>
+          </a:prstGeom>
+          <a:noFill/>
+          <a:extLst>
+            <a:ext uri="{909E8E84-426E-40DD-AFC4-6F175D3DCCD1}">
+              <a14:hiddenFill xmlns:a14="http://schemas.microsoft.com/office/drawing/2010/main">
+                <a:solidFill>
+                  <a:srgbClr val="FFFFFF"/>
+                </a:solidFill>
+              </a14:hiddenFill>
+            </a:ext>
+          </a:extLst>
+        </p:spPr>
+      </p:pic>
+      <p:sp>
+        <p:nvSpPr>
+          <p:cNvPr id="46" name="TextBox 45">
+            <a:extLst>
+              <a:ext uri="{FF2B5EF4-FFF2-40B4-BE49-F238E27FC236}">
+                <a16:creationId xmlns:a16="http://schemas.microsoft.com/office/drawing/2014/main" id="{538034D1-8718-28EE-76C6-D53B1AE728C0}"/>
+              </a:ext>
+            </a:extLst>
+          </p:cNvPr>
+          <p:cNvSpPr txBox="1"/>
+          <p:nvPr/>
+        </p:nvSpPr>
+        <p:spPr>
+          <a:xfrm>
+            <a:off x="2648929" y="5117571"/>
+            <a:ext cx="1857083" cy="1046440"/>
+          </a:xfrm>
+          <a:prstGeom prst="rect">
+            <a:avLst/>
+          </a:prstGeom>
+          <a:noFill/>
+        </p:spPr>
+        <p:txBody>
+          <a:bodyPr wrap="square">
+            <a:spAutoFit/>
+          </a:bodyPr>
+          <a:lstStyle/>
+          <a:p>
+            <a:r>
+              <a:rPr lang="en-US" dirty="0">
+                <a:hlinkClick r:id="rId3">
+                  <a:extLst>
+                    <a:ext uri="{A12FA001-AC4F-418D-AE19-62706E023703}">
+                      <ahyp:hlinkClr xmlns:ahyp="http://schemas.microsoft.com/office/drawing/2018/hyperlinkcolor" val="tx"/>
+                    </a:ext>
+                  </a:extLst>
+                </a:hlinkClick>
+              </a:rPr>
+              <a:t>Inspired by:</a:t>
+            </a:r>
+          </a:p>
+          <a:p>
+            <a:r>
+              <a:rPr lang="en-US" sz="1100" dirty="0">
+                <a:solidFill>
+                  <a:srgbClr val="0563C1"/>
+                </a:solidFill>
+                <a:hlinkClick r:id="rId3">
+                  <a:extLst>
+                    <a:ext uri="{A12FA001-AC4F-418D-AE19-62706E023703}">
+                      <ahyp:hlinkClr xmlns:ahyp="http://schemas.microsoft.com/office/drawing/2018/hyperlinkcolor" val="tx"/>
+                    </a:ext>
+                  </a:extLst>
+                </a:hlinkClick>
+              </a:rPr>
+              <a:t>https://dribbble.com/shots/20397691-Expense-Management-SaaS-Software-Design-Admin-Dashboard</a:t>
+            </a:r>
+            <a:endParaRPr lang="en-US" sz="1100" dirty="0"/>
+          </a:p>
+        </p:txBody>
+      </p:sp>
+      <p:sp>
+        <p:nvSpPr>
+          <p:cNvPr id="47" name="TextBox 46">
+            <a:extLst>
+              <a:ext uri="{FF2B5EF4-FFF2-40B4-BE49-F238E27FC236}">
+                <a16:creationId xmlns:a16="http://schemas.microsoft.com/office/drawing/2014/main" id="{39C4F4DE-ED58-C4BD-A0DE-24305556D79C}"/>
+              </a:ext>
+            </a:extLst>
+          </p:cNvPr>
+          <p:cNvSpPr txBox="1"/>
+          <p:nvPr/>
+        </p:nvSpPr>
+        <p:spPr>
+          <a:xfrm>
+            <a:off x="5623088" y="5324940"/>
+            <a:ext cx="5656082" cy="1077218"/>
+          </a:xfrm>
+          <a:prstGeom prst="rect">
+            <a:avLst/>
+          </a:prstGeom>
+          <a:noFill/>
+        </p:spPr>
+        <p:txBody>
+          <a:bodyPr wrap="square" rtlCol="0">
+            <a:spAutoFit/>
+          </a:bodyPr>
+          <a:lstStyle/>
+          <a:p>
+            <a:pPr algn="ctr"/>
+            <a:r>
+              <a:rPr lang="en-US" sz="3200" i="1" dirty="0"/>
+              <a:t>Future implementations:</a:t>
+            </a:r>
+          </a:p>
+          <a:p>
+            <a:pPr algn="ctr"/>
+            <a:r>
+              <a:rPr lang="en-US" sz="1600" i="1" dirty="0"/>
+              <a:t>- </a:t>
+            </a:r>
+            <a:r>
+              <a:rPr lang="en-US" sz="1600" i="1"/>
+              <a:t>Have a summary by week table</a:t>
+            </a:r>
+            <a:endParaRPr lang="en-US" sz="1600" i="1" dirty="0"/>
+          </a:p>
+          <a:p>
+            <a:pPr algn="ctr"/>
+            <a:r>
+              <a:rPr lang="en-US" sz="1600" i="1" dirty="0"/>
+              <a:t>- Include graphs like the ones in the image</a:t>
+            </a:r>
+          </a:p>
+        </p:txBody>
+      </p:sp>
+      <p:cxnSp>
+        <p:nvCxnSpPr>
+          <p:cNvPr id="49" name="Straight Arrow Connector 48">
+            <a:extLst>
+              <a:ext uri="{FF2B5EF4-FFF2-40B4-BE49-F238E27FC236}">
+                <a16:creationId xmlns:a16="http://schemas.microsoft.com/office/drawing/2014/main" id="{E47DC78C-4344-43CB-C9D5-E58F8E67DCE2}"/>
+              </a:ext>
+            </a:extLst>
+          </p:cNvPr>
+          <p:cNvCxnSpPr>
+            <a:cxnSpLocks/>
+          </p:cNvCxnSpPr>
+          <p:nvPr/>
+        </p:nvCxnSpPr>
+        <p:spPr>
+          <a:xfrm flipH="1" flipV="1">
+            <a:off x="4328471" y="4293762"/>
+            <a:ext cx="290662" cy="363004"/>
+          </a:xfrm>
+          <a:prstGeom prst="straightConnector1">
+            <a:avLst/>
+          </a:prstGeom>
+          <a:ln>
+            <a:tailEnd type="triangle"/>
+          </a:ln>
+        </p:spPr>
+        <p:style>
+          <a:lnRef idx="3">
+            <a:schemeClr val="accent5"/>
+          </a:lnRef>
+          <a:fillRef idx="0">
+            <a:schemeClr val="accent5"/>
+          </a:fillRef>
+          <a:effectRef idx="2">
+            <a:schemeClr val="accent5"/>
+          </a:effectRef>
+          <a:fontRef idx="minor">
+            <a:schemeClr val="tx1"/>
+          </a:fontRef>
+        </p:style>
+      </p:cxnSp>
+      <p:sp>
+        <p:nvSpPr>
+          <p:cNvPr id="53" name="TextBox 52">
+            <a:extLst>
+              <a:ext uri="{FF2B5EF4-FFF2-40B4-BE49-F238E27FC236}">
+                <a16:creationId xmlns:a16="http://schemas.microsoft.com/office/drawing/2014/main" id="{B65A3C7A-4455-81AA-E7A8-CA8CC59EDB43}"/>
+              </a:ext>
+            </a:extLst>
+          </p:cNvPr>
+          <p:cNvSpPr txBox="1"/>
+          <p:nvPr/>
+        </p:nvSpPr>
+        <p:spPr>
+          <a:xfrm>
+            <a:off x="4506012" y="4637365"/>
+            <a:ext cx="3822393" cy="276999"/>
+          </a:xfrm>
+          <a:prstGeom prst="rect">
+            <a:avLst/>
+          </a:prstGeom>
+          <a:noFill/>
+        </p:spPr>
+        <p:txBody>
+          <a:bodyPr wrap="none" rtlCol="0">
+            <a:spAutoFit/>
+          </a:bodyPr>
+          <a:lstStyle/>
+          <a:p>
+            <a:r>
+              <a:rPr lang="en-US" sz="1200" dirty="0"/>
+              <a:t>This text must hide when data is shown by range of dates</a:t>
+            </a:r>
+          </a:p>
+        </p:txBody>
+      </p:sp>
+      <p:sp>
+        <p:nvSpPr>
+          <p:cNvPr id="55" name="TextBox 54">
+            <a:extLst>
+              <a:ext uri="{FF2B5EF4-FFF2-40B4-BE49-F238E27FC236}">
+                <a16:creationId xmlns:a16="http://schemas.microsoft.com/office/drawing/2014/main" id="{14276B5D-2642-0CF0-D579-579C6B8DA4E9}"/>
+              </a:ext>
+            </a:extLst>
+          </p:cNvPr>
+          <p:cNvSpPr txBox="1"/>
+          <p:nvPr/>
+        </p:nvSpPr>
+        <p:spPr>
+          <a:xfrm>
+            <a:off x="2969441" y="3833376"/>
+            <a:ext cx="1574470" cy="261610"/>
+          </a:xfrm>
+          <a:prstGeom prst="rect">
+            <a:avLst/>
+          </a:prstGeom>
+          <a:noFill/>
+        </p:spPr>
+        <p:txBody>
+          <a:bodyPr wrap="none" rtlCol="0">
+            <a:spAutoFit/>
+          </a:bodyPr>
+          <a:lstStyle/>
+          <a:p>
+            <a:r>
+              <a:rPr lang="en-US" sz="1100" b="1" dirty="0"/>
+              <a:t>Goal</a:t>
+            </a:r>
+            <a:r>
+              <a:rPr lang="en-US" sz="1100" dirty="0"/>
+              <a:t>: $10,000 (3% over)</a:t>
+            </a:r>
+          </a:p>
+        </p:txBody>
+      </p:sp>
+      <p:sp>
+        <p:nvSpPr>
+          <p:cNvPr id="56" name="Rectangle: Rounded Corners 55">
+            <a:extLst>
+              <a:ext uri="{FF2B5EF4-FFF2-40B4-BE49-F238E27FC236}">
+                <a16:creationId xmlns:a16="http://schemas.microsoft.com/office/drawing/2014/main" id="{9AAF1A5B-CDDA-7FE4-E2DC-09489ACB0AA4}"/>
+              </a:ext>
+            </a:extLst>
+          </p:cNvPr>
+          <p:cNvSpPr/>
+          <p:nvPr/>
+        </p:nvSpPr>
+        <p:spPr>
+          <a:xfrm>
+            <a:off x="5099901" y="2467466"/>
+            <a:ext cx="2045617" cy="1923068"/>
+          </a:xfrm>
+          <a:prstGeom prst="roundRect">
+            <a:avLst/>
+          </a:prstGeom>
+          <a:solidFill>
+            <a:schemeClr val="accent5">
+              <a:lumMod val="60000"/>
+              <a:lumOff val="40000"/>
+            </a:schemeClr>
+          </a:solidFill>
+        </p:spPr>
+        <p:style>
+          <a:lnRef idx="2">
+            <a:schemeClr val="accent1">
+              <a:shade val="15000"/>
+            </a:schemeClr>
+          </a:lnRef>
+          <a:fillRef idx="1">
+            <a:schemeClr val="accent1"/>
+          </a:fillRef>
+          <a:effectRef idx="0">
+            <a:schemeClr val="accent1"/>
+          </a:effectRef>
+          <a:fontRef idx="minor">
+            <a:schemeClr val="lt1"/>
+          </a:fontRef>
+        </p:style>
+        <p:txBody>
+          <a:bodyPr rtlCol="0" anchor="ctr"/>
+          <a:lstStyle/>
+          <a:p>
+            <a:pPr algn="ctr"/>
+            <a:endParaRPr lang="en-US"/>
+          </a:p>
+        </p:txBody>
+      </p:sp>
+      <p:sp>
+        <p:nvSpPr>
+          <p:cNvPr id="57" name="TextBox 56">
+            <a:extLst>
+              <a:ext uri="{FF2B5EF4-FFF2-40B4-BE49-F238E27FC236}">
+                <a16:creationId xmlns:a16="http://schemas.microsoft.com/office/drawing/2014/main" id="{08DF9980-89B1-F77B-6444-6AEE4284D8EC}"/>
+              </a:ext>
+            </a:extLst>
+          </p:cNvPr>
+          <p:cNvSpPr txBox="1"/>
+          <p:nvPr/>
+        </p:nvSpPr>
+        <p:spPr>
+          <a:xfrm>
+            <a:off x="5264867" y="3178241"/>
+            <a:ext cx="1649691" cy="369332"/>
+          </a:xfrm>
+          <a:prstGeom prst="rect">
+            <a:avLst/>
+          </a:prstGeom>
+          <a:noFill/>
+        </p:spPr>
+        <p:txBody>
+          <a:bodyPr wrap="square" rtlCol="0">
+            <a:spAutoFit/>
+          </a:bodyPr>
+          <a:lstStyle/>
+          <a:p>
+            <a:r>
+              <a:rPr lang="es-ES" dirty="0"/>
+              <a:t>TOTAL SAVED</a:t>
+            </a:r>
+            <a:endParaRPr lang="en-US" dirty="0"/>
+          </a:p>
+        </p:txBody>
+      </p:sp>
+      <p:sp>
+        <p:nvSpPr>
+          <p:cNvPr id="58" name="TextBox 57">
+            <a:extLst>
+              <a:ext uri="{FF2B5EF4-FFF2-40B4-BE49-F238E27FC236}">
+                <a16:creationId xmlns:a16="http://schemas.microsoft.com/office/drawing/2014/main" id="{58BD6280-C3FE-C7E9-B832-0D26FF077613}"/>
+              </a:ext>
+            </a:extLst>
+          </p:cNvPr>
+          <p:cNvSpPr txBox="1"/>
+          <p:nvPr/>
+        </p:nvSpPr>
+        <p:spPr>
+          <a:xfrm>
+            <a:off x="5264866" y="3498850"/>
+            <a:ext cx="1649691" cy="400110"/>
+          </a:xfrm>
+          <a:prstGeom prst="rect">
+            <a:avLst/>
+          </a:prstGeom>
+          <a:noFill/>
+        </p:spPr>
+        <p:txBody>
+          <a:bodyPr wrap="square" rtlCol="0">
+            <a:spAutoFit/>
+          </a:bodyPr>
+          <a:lstStyle/>
+          <a:p>
+            <a:r>
+              <a:rPr lang="es-ES" sz="2000" b="1" dirty="0"/>
+              <a:t>$5,500</a:t>
+            </a:r>
+            <a:endParaRPr lang="en-US" sz="2000" b="1" dirty="0"/>
+          </a:p>
+        </p:txBody>
+      </p:sp>
+      <p:sp>
+        <p:nvSpPr>
+          <p:cNvPr id="59" name="Oval 58">
+            <a:extLst>
+              <a:ext uri="{FF2B5EF4-FFF2-40B4-BE49-F238E27FC236}">
+                <a16:creationId xmlns:a16="http://schemas.microsoft.com/office/drawing/2014/main" id="{B68A5E8F-843C-E4CD-5AF0-83EFCEC808E0}"/>
+              </a:ext>
+            </a:extLst>
+          </p:cNvPr>
+          <p:cNvSpPr/>
+          <p:nvPr/>
+        </p:nvSpPr>
+        <p:spPr>
+          <a:xfrm>
+            <a:off x="5297863" y="2672764"/>
+            <a:ext cx="480767" cy="480767"/>
+          </a:xfrm>
+          <a:prstGeom prst="ellipse">
+            <a:avLst/>
+          </a:prstGeom>
+          <a:solidFill>
+            <a:srgbClr val="0070C0"/>
+          </a:solidFill>
+        </p:spPr>
+        <p:style>
+          <a:lnRef idx="2">
+            <a:schemeClr val="accent1">
+              <a:shade val="15000"/>
+            </a:schemeClr>
+          </a:lnRef>
+          <a:fillRef idx="1">
+            <a:schemeClr val="accent1"/>
+          </a:fillRef>
+          <a:effectRef idx="0">
+            <a:schemeClr val="accent1"/>
+          </a:effectRef>
+          <a:fontRef idx="minor">
+            <a:schemeClr val="lt1"/>
+          </a:fontRef>
+        </p:style>
+        <p:txBody>
+          <a:bodyPr rtlCol="0" anchor="ctr"/>
+          <a:lstStyle/>
+          <a:p>
+            <a:pPr algn="ctr"/>
+            <a:endParaRPr lang="en-US"/>
+          </a:p>
+        </p:txBody>
+      </p:sp>
+      <p:sp>
+        <p:nvSpPr>
+          <p:cNvPr id="60" name="TextBox 59">
+            <a:extLst>
+              <a:ext uri="{FF2B5EF4-FFF2-40B4-BE49-F238E27FC236}">
+                <a16:creationId xmlns:a16="http://schemas.microsoft.com/office/drawing/2014/main" id="{5AB8DED0-0D5F-3989-1AB0-CF135632198D}"/>
+              </a:ext>
+            </a:extLst>
+          </p:cNvPr>
+          <p:cNvSpPr txBox="1"/>
+          <p:nvPr/>
+        </p:nvSpPr>
+        <p:spPr>
+          <a:xfrm>
+            <a:off x="5297863" y="4019417"/>
+            <a:ext cx="1762814" cy="261610"/>
+          </a:xfrm>
+          <a:prstGeom prst="rect">
+            <a:avLst/>
+          </a:prstGeom>
+          <a:noFill/>
+        </p:spPr>
+        <p:txBody>
+          <a:bodyPr wrap="square" rtlCol="0">
+            <a:spAutoFit/>
+          </a:bodyPr>
+          <a:lstStyle/>
+          <a:p>
+            <a:r>
+              <a:rPr lang="en-US" sz="1100" dirty="0"/>
+              <a:t>3% less than last month</a:t>
+            </a:r>
+          </a:p>
+        </p:txBody>
+      </p:sp>
+      <p:sp>
+        <p:nvSpPr>
+          <p:cNvPr id="61" name="TextBox 60">
+            <a:extLst>
+              <a:ext uri="{FF2B5EF4-FFF2-40B4-BE49-F238E27FC236}">
+                <a16:creationId xmlns:a16="http://schemas.microsoft.com/office/drawing/2014/main" id="{7FEB2675-68A6-1F26-BFA5-6AD7CAE3393B}"/>
+              </a:ext>
+            </a:extLst>
+          </p:cNvPr>
+          <p:cNvSpPr txBox="1"/>
+          <p:nvPr/>
+        </p:nvSpPr>
+        <p:spPr>
+          <a:xfrm>
+            <a:off x="5297862" y="3833376"/>
+            <a:ext cx="1502334" cy="261610"/>
+          </a:xfrm>
+          <a:prstGeom prst="rect">
+            <a:avLst/>
+          </a:prstGeom>
+          <a:noFill/>
+        </p:spPr>
+        <p:txBody>
+          <a:bodyPr wrap="none" rtlCol="0">
+            <a:spAutoFit/>
+          </a:bodyPr>
+          <a:lstStyle/>
+          <a:p>
+            <a:r>
+              <a:rPr lang="en-US" sz="1100" b="1" dirty="0"/>
+              <a:t>Goal</a:t>
+            </a:r>
+            <a:r>
+              <a:rPr lang="en-US" sz="1100" dirty="0"/>
+              <a:t>: $5,000 (3% over)</a:t>
+            </a:r>
+          </a:p>
+        </p:txBody>
+      </p:sp>
+      <p:sp>
+        <p:nvSpPr>
+          <p:cNvPr id="62" name="Rectangle: Rounded Corners 61">
+            <a:extLst>
+              <a:ext uri="{FF2B5EF4-FFF2-40B4-BE49-F238E27FC236}">
+                <a16:creationId xmlns:a16="http://schemas.microsoft.com/office/drawing/2014/main" id="{55BFF769-EA08-9520-5E6D-25B1892FB9F5}"/>
+              </a:ext>
+            </a:extLst>
+          </p:cNvPr>
+          <p:cNvSpPr/>
+          <p:nvPr/>
+        </p:nvSpPr>
+        <p:spPr>
+          <a:xfrm>
+            <a:off x="7442457" y="2467466"/>
+            <a:ext cx="2045617" cy="1923068"/>
+          </a:xfrm>
+          <a:prstGeom prst="roundRect">
+            <a:avLst/>
+          </a:prstGeom>
+        </p:spPr>
+        <p:style>
+          <a:lnRef idx="2">
+            <a:schemeClr val="accent1">
+              <a:shade val="15000"/>
+            </a:schemeClr>
+          </a:lnRef>
+          <a:fillRef idx="1">
+            <a:schemeClr val="accent1"/>
+          </a:fillRef>
+          <a:effectRef idx="0">
+            <a:schemeClr val="accent1"/>
+          </a:effectRef>
+          <a:fontRef idx="minor">
+            <a:schemeClr val="lt1"/>
+          </a:fontRef>
+        </p:style>
+        <p:txBody>
+          <a:bodyPr rtlCol="0" anchor="ctr"/>
+          <a:lstStyle/>
+          <a:p>
+            <a:pPr algn="ctr"/>
+            <a:endParaRPr lang="en-US"/>
+          </a:p>
+        </p:txBody>
+      </p:sp>
+      <p:sp>
+        <p:nvSpPr>
+          <p:cNvPr id="63" name="TextBox 62">
+            <a:extLst>
+              <a:ext uri="{FF2B5EF4-FFF2-40B4-BE49-F238E27FC236}">
+                <a16:creationId xmlns:a16="http://schemas.microsoft.com/office/drawing/2014/main" id="{158F5768-BC15-389D-D85A-92F1FC85C19A}"/>
+              </a:ext>
+            </a:extLst>
+          </p:cNvPr>
+          <p:cNvSpPr txBox="1"/>
+          <p:nvPr/>
+        </p:nvSpPr>
+        <p:spPr>
+          <a:xfrm>
+            <a:off x="7607423" y="3178241"/>
+            <a:ext cx="1649691" cy="369332"/>
+          </a:xfrm>
+          <a:prstGeom prst="rect">
+            <a:avLst/>
+          </a:prstGeom>
+          <a:noFill/>
+        </p:spPr>
+        <p:txBody>
+          <a:bodyPr wrap="square" rtlCol="0">
+            <a:spAutoFit/>
+          </a:bodyPr>
+          <a:lstStyle/>
+          <a:p>
+            <a:r>
+              <a:rPr lang="es-ES" dirty="0"/>
+              <a:t>TOTAL PAID</a:t>
+            </a:r>
+            <a:endParaRPr lang="en-US" dirty="0"/>
+          </a:p>
+        </p:txBody>
+      </p:sp>
+      <p:sp>
+        <p:nvSpPr>
+          <p:cNvPr id="1024" name="TextBox 1023">
+            <a:extLst>
+              <a:ext uri="{FF2B5EF4-FFF2-40B4-BE49-F238E27FC236}">
+                <a16:creationId xmlns:a16="http://schemas.microsoft.com/office/drawing/2014/main" id="{15C50BBB-38C2-CB00-8C05-CED197A9F44B}"/>
+              </a:ext>
+            </a:extLst>
+          </p:cNvPr>
+          <p:cNvSpPr txBox="1"/>
+          <p:nvPr/>
+        </p:nvSpPr>
+        <p:spPr>
+          <a:xfrm>
+            <a:off x="7607422" y="3498850"/>
+            <a:ext cx="1649691" cy="400110"/>
+          </a:xfrm>
+          <a:prstGeom prst="rect">
+            <a:avLst/>
+          </a:prstGeom>
+          <a:noFill/>
+        </p:spPr>
+        <p:txBody>
+          <a:bodyPr wrap="square" rtlCol="0">
+            <a:spAutoFit/>
+          </a:bodyPr>
+          <a:lstStyle/>
+          <a:p>
+            <a:r>
+              <a:rPr lang="es-ES" sz="2000" b="1" dirty="0"/>
+              <a:t>$6,500</a:t>
+            </a:r>
+            <a:endParaRPr lang="en-US" sz="2000" b="1" dirty="0"/>
+          </a:p>
+        </p:txBody>
+      </p:sp>
+      <p:sp>
+        <p:nvSpPr>
+          <p:cNvPr id="1025" name="Oval 1024">
+            <a:extLst>
+              <a:ext uri="{FF2B5EF4-FFF2-40B4-BE49-F238E27FC236}">
+                <a16:creationId xmlns:a16="http://schemas.microsoft.com/office/drawing/2014/main" id="{FB841BC7-5C1E-52DD-104F-7BCFFC3811D3}"/>
+              </a:ext>
+            </a:extLst>
+          </p:cNvPr>
+          <p:cNvSpPr/>
+          <p:nvPr/>
+        </p:nvSpPr>
+        <p:spPr>
+          <a:xfrm>
+            <a:off x="7640419" y="2672764"/>
+            <a:ext cx="480767" cy="480767"/>
+          </a:xfrm>
+          <a:prstGeom prst="ellipse">
+            <a:avLst/>
+          </a:prstGeom>
+          <a:solidFill>
+            <a:srgbClr val="0070C0"/>
+          </a:solidFill>
+        </p:spPr>
+        <p:style>
+          <a:lnRef idx="2">
+            <a:schemeClr val="accent1">
+              <a:shade val="15000"/>
+            </a:schemeClr>
+          </a:lnRef>
+          <a:fillRef idx="1">
+            <a:schemeClr val="accent1"/>
+          </a:fillRef>
+          <a:effectRef idx="0">
+            <a:schemeClr val="accent1"/>
+          </a:effectRef>
+          <a:fontRef idx="minor">
+            <a:schemeClr val="lt1"/>
+          </a:fontRef>
+        </p:style>
+        <p:txBody>
+          <a:bodyPr rtlCol="0" anchor="ctr"/>
+          <a:lstStyle/>
+          <a:p>
+            <a:pPr algn="ctr"/>
+            <a:endParaRPr lang="en-US"/>
+          </a:p>
+        </p:txBody>
+      </p:sp>
+      <p:sp>
+        <p:nvSpPr>
+          <p:cNvPr id="1027" name="TextBox 1026">
+            <a:extLst>
+              <a:ext uri="{FF2B5EF4-FFF2-40B4-BE49-F238E27FC236}">
+                <a16:creationId xmlns:a16="http://schemas.microsoft.com/office/drawing/2014/main" id="{54D51B9C-544B-AF07-EA0E-36FB2C3CBC2C}"/>
+              </a:ext>
+            </a:extLst>
+          </p:cNvPr>
+          <p:cNvSpPr txBox="1"/>
+          <p:nvPr/>
+        </p:nvSpPr>
+        <p:spPr>
+          <a:xfrm>
+            <a:off x="7640419" y="4019417"/>
+            <a:ext cx="1762814" cy="261610"/>
+          </a:xfrm>
+          <a:prstGeom prst="rect">
+            <a:avLst/>
+          </a:prstGeom>
+          <a:noFill/>
+        </p:spPr>
+        <p:txBody>
+          <a:bodyPr wrap="square" rtlCol="0">
+            <a:spAutoFit/>
+          </a:bodyPr>
+          <a:lstStyle/>
+          <a:p>
+            <a:r>
+              <a:rPr lang="en-US" sz="1100" dirty="0"/>
+              <a:t>5% more than last month</a:t>
+            </a:r>
+          </a:p>
+        </p:txBody>
+      </p:sp>
+      <p:sp>
+        <p:nvSpPr>
+          <p:cNvPr id="1028" name="TextBox 1027">
+            <a:extLst>
+              <a:ext uri="{FF2B5EF4-FFF2-40B4-BE49-F238E27FC236}">
+                <a16:creationId xmlns:a16="http://schemas.microsoft.com/office/drawing/2014/main" id="{842F8237-76D3-5323-7ABF-A103144D755B}"/>
+              </a:ext>
+            </a:extLst>
+          </p:cNvPr>
+          <p:cNvSpPr txBox="1"/>
+          <p:nvPr/>
+        </p:nvSpPr>
+        <p:spPr>
+          <a:xfrm>
+            <a:off x="7640418" y="3833376"/>
+            <a:ext cx="1585690" cy="261610"/>
+          </a:xfrm>
+          <a:prstGeom prst="rect">
+            <a:avLst/>
+          </a:prstGeom>
+          <a:noFill/>
+        </p:spPr>
+        <p:txBody>
+          <a:bodyPr wrap="none" rtlCol="0">
+            <a:spAutoFit/>
+          </a:bodyPr>
+          <a:lstStyle/>
+          <a:p>
+            <a:r>
+              <a:rPr lang="en-US" sz="1100" b="1" dirty="0"/>
+              <a:t>Goal</a:t>
+            </a:r>
+            <a:r>
+              <a:rPr lang="en-US" sz="1100" dirty="0"/>
+              <a:t>: $7,000 (3% under)</a:t>
+            </a:r>
+          </a:p>
+        </p:txBody>
+      </p:sp>
+    </p:spTree>
+    <p:extLst>
+      <p:ext uri="{BB962C8B-B14F-4D97-AF65-F5344CB8AC3E}">
+        <p14:creationId xmlns:p14="http://schemas.microsoft.com/office/powerpoint/2010/main" val="3767813412"/>
+      </p:ext>
+    </p:extLst>
+  </p:cSld>
+  <p:clrMapOvr>
+    <a:masterClrMapping/>
+  </p:clrMapOvr>
+  <p:extLst>
+    <p:ext uri="{6950BFC3-D8DA-4A85-94F7-54DA5524770B}">
+      <p188:commentRel xmlns:p188="http://schemas.microsoft.com/office/powerpoint/2018/8/main" r:id="rId2"/>
+    </p:ext>
+  </p:extLst>
+</p:sld>
+</file>
+
+<file path=ppt/slides/slide6.xml><?xml version="1.0" encoding="utf-8"?>
+<p:sld xmlns:a="http://schemas.openxmlformats.org/drawingml/2006/main" xmlns:r="http://schemas.openxmlformats.org/officeDocument/2006/relationships" xmlns:p="http://schemas.openxmlformats.org/presentationml/2006/main">
+  <p:cSld>
+    <p:bg>
+      <p:bgPr>
+        <a:solidFill>
+          <a:srgbClr val="212529"/>
+        </a:solidFill>
+        <a:effectLst/>
+      </p:bgPr>
+    </p:bg>
+    <p:spTree>
+      <p:nvGrpSpPr>
+        <p:cNvPr id="1" name=""/>
+        <p:cNvGrpSpPr/>
+        <p:nvPr/>
+      </p:nvGrpSpPr>
+      <p:grpSpPr>
+        <a:xfrm>
+          <a:off x="0" y="0"/>
+          <a:ext cx="0" cy="0"/>
+          <a:chOff x="0" y="0"/>
+          <a:chExt cx="0" cy="0"/>
+        </a:xfrm>
+      </p:grpSpPr>
+      <p:graphicFrame>
+        <p:nvGraphicFramePr>
+          <p:cNvPr id="19" name="Table 18">
+            <a:extLst>
+              <a:ext uri="{FF2B5EF4-FFF2-40B4-BE49-F238E27FC236}">
+                <a16:creationId xmlns:a16="http://schemas.microsoft.com/office/drawing/2014/main" id="{47DA04BD-D556-E349-F093-088F09954839}"/>
+              </a:ext>
+            </a:extLst>
+          </p:cNvPr>
+          <p:cNvGraphicFramePr>
+            <a:graphicFrameLocks noGrp="1"/>
+          </p:cNvGraphicFramePr>
+          <p:nvPr>
+            <p:extLst>
+              <p:ext uri="{D42A27DB-BD31-4B8C-83A1-F6EECF244321}">
+                <p14:modId xmlns:p14="http://schemas.microsoft.com/office/powerpoint/2010/main" val="4065937059"/>
+              </p:ext>
+            </p:extLst>
+          </p:nvPr>
+        </p:nvGraphicFramePr>
+        <p:xfrm>
+          <a:off x="376195" y="411183"/>
+          <a:ext cx="11202084" cy="370840"/>
+        </p:xfrm>
+        <a:graphic>
+          <a:graphicData uri="http://schemas.openxmlformats.org/drawingml/2006/table">
+            <a:tbl>
+              <a:tblPr firstRow="1" bandRow="1">
+                <a:tableStyleId>{5C22544A-7EE6-4342-B048-85BDC9FD1C3A}</a:tableStyleId>
+              </a:tblPr>
+              <a:tblGrid>
+                <a:gridCol w="1867014">
+                  <a:extLst>
+                    <a:ext uri="{9D8B030D-6E8A-4147-A177-3AD203B41FA5}">
+                      <a16:colId xmlns:a16="http://schemas.microsoft.com/office/drawing/2014/main" val="864389183"/>
+                    </a:ext>
+                  </a:extLst>
+                </a:gridCol>
+                <a:gridCol w="1867014">
+                  <a:extLst>
+                    <a:ext uri="{9D8B030D-6E8A-4147-A177-3AD203B41FA5}">
+                      <a16:colId xmlns:a16="http://schemas.microsoft.com/office/drawing/2014/main" val="918450666"/>
+                    </a:ext>
+                  </a:extLst>
+                </a:gridCol>
+                <a:gridCol w="1867014">
+                  <a:extLst>
+                    <a:ext uri="{9D8B030D-6E8A-4147-A177-3AD203B41FA5}">
+                      <a16:colId xmlns:a16="http://schemas.microsoft.com/office/drawing/2014/main" val="3000011065"/>
+                    </a:ext>
+                  </a:extLst>
+                </a:gridCol>
+                <a:gridCol w="1867014">
+                  <a:extLst>
+                    <a:ext uri="{9D8B030D-6E8A-4147-A177-3AD203B41FA5}">
+                      <a16:colId xmlns:a16="http://schemas.microsoft.com/office/drawing/2014/main" val="386926505"/>
+                    </a:ext>
+                  </a:extLst>
+                </a:gridCol>
+                <a:gridCol w="1867014">
+                  <a:extLst>
+                    <a:ext uri="{9D8B030D-6E8A-4147-A177-3AD203B41FA5}">
+                      <a16:colId xmlns:a16="http://schemas.microsoft.com/office/drawing/2014/main" val="1595816490"/>
+                    </a:ext>
+                  </a:extLst>
+                </a:gridCol>
+                <a:gridCol w="1867014">
+                  <a:extLst>
+                    <a:ext uri="{9D8B030D-6E8A-4147-A177-3AD203B41FA5}">
+                      <a16:colId xmlns:a16="http://schemas.microsoft.com/office/drawing/2014/main" val="3658545522"/>
+                    </a:ext>
+                  </a:extLst>
+                </a:gridCol>
+              </a:tblGrid>
+              <a:tr h="370840">
+                <a:tc>
+                  <a:txBody>
+                    <a:bodyPr/>
+                    <a:lstStyle/>
+                    <a:p>
+                      <a:pPr algn="ctr"/>
+                      <a:r>
+                        <a:rPr lang="en-US" noProof="0" dirty="0"/>
+                        <a:t>Expenses</a:t>
+                      </a:r>
+                    </a:p>
+                  </a:txBody>
+                  <a:tcPr>
+                    <a:lnL w="12700" cmpd="sng">
+                      <a:noFill/>
+                    </a:lnL>
+                    <a:lnR w="12700" cmpd="sng">
+                      <a:noFill/>
+                    </a:lnR>
+                    <a:lnT w="12700" cmpd="sng">
+                      <a:noFill/>
+                    </a:lnT>
+                    <a:lnB w="38100" cmpd="sng">
+                      <a:noFill/>
+                    </a:lnB>
+                    <a:lnTlToBr w="12700" cmpd="sng">
+                      <a:noFill/>
+                      <a:prstDash val="solid"/>
+                    </a:lnTlToBr>
+                    <a:lnBlToTr w="12700" cmpd="sng">
+                      <a:noFill/>
+                      <a:prstDash val="solid"/>
+                    </a:lnBlToTr>
+                    <a:noFill/>
+                  </a:tcPr>
+                </a:tc>
+                <a:tc>
+                  <a:txBody>
+                    <a:bodyPr/>
+                    <a:lstStyle/>
+                    <a:p>
+                      <a:pPr algn="ctr"/>
+                      <a:r>
+                        <a:rPr lang="en-US" noProof="0" dirty="0"/>
+                        <a:t>Budget</a:t>
+                      </a:r>
+                    </a:p>
+                  </a:txBody>
+                  <a:tcPr>
+                    <a:lnL w="12700" cmpd="sng">
+                      <a:noFill/>
+                    </a:lnL>
+                    <a:lnR w="12700" cmpd="sng">
+                      <a:noFill/>
+                    </a:lnR>
+                    <a:lnT w="12700" cmpd="sng">
+                      <a:noFill/>
+                    </a:lnT>
+                    <a:lnB w="38100" cmpd="sng">
+                      <a:noFill/>
+                    </a:lnB>
+                    <a:lnTlToBr w="12700" cmpd="sng">
+                      <a:noFill/>
+                      <a:prstDash val="solid"/>
+                    </a:lnTlToBr>
+                    <a:lnBlToTr w="12700" cmpd="sng">
+                      <a:noFill/>
+                      <a:prstDash val="solid"/>
+                    </a:lnBlToTr>
+                    <a:noFill/>
+                  </a:tcPr>
+                </a:tc>
+                <a:tc>
+                  <a:txBody>
+                    <a:bodyPr/>
+                    <a:lstStyle/>
+                    <a:p>
+                      <a:pPr algn="ctr"/>
+                      <a:r>
+                        <a:rPr lang="en-US" noProof="0" dirty="0"/>
+                        <a:t>Savings</a:t>
+                      </a:r>
+                    </a:p>
+                  </a:txBody>
+                  <a:tcPr>
+                    <a:lnL w="12700" cmpd="sng">
+                      <a:noFill/>
+                    </a:lnL>
+                    <a:lnR w="12700" cmpd="sng">
+                      <a:noFill/>
+                    </a:lnR>
+                    <a:lnT w="12700" cmpd="sng">
+                      <a:noFill/>
+                    </a:lnT>
+                    <a:lnB w="38100" cmpd="sng">
+                      <a:noFill/>
+                    </a:lnB>
+                    <a:lnTlToBr w="12700" cmpd="sng">
+                      <a:noFill/>
+                      <a:prstDash val="solid"/>
+                    </a:lnTlToBr>
+                    <a:lnBlToTr w="12700" cmpd="sng">
+                      <a:noFill/>
+                      <a:prstDash val="solid"/>
+                    </a:lnBlToTr>
+                    <a:noFill/>
+                  </a:tcPr>
+                </a:tc>
+                <a:tc>
+                  <a:txBody>
+                    <a:bodyPr/>
+                    <a:lstStyle/>
+                    <a:p>
+                      <a:pPr algn="ctr"/>
+                      <a:r>
+                        <a:rPr lang="en-US" noProof="0" dirty="0"/>
+                        <a:t>Payments</a:t>
+                      </a:r>
+                    </a:p>
+                  </a:txBody>
+                  <a:tcPr>
+                    <a:lnL w="12700" cmpd="sng">
+                      <a:noFill/>
+                    </a:lnL>
+                    <a:lnR w="12700" cmpd="sng">
+                      <a:noFill/>
+                    </a:lnR>
+                    <a:lnT w="12700" cmpd="sng">
+                      <a:noFill/>
+                    </a:lnT>
+                    <a:lnB w="38100" cmpd="sng">
+                      <a:noFill/>
+                    </a:lnB>
+                    <a:lnTlToBr w="12700" cmpd="sng">
+                      <a:noFill/>
+                      <a:prstDash val="solid"/>
+                    </a:lnTlToBr>
+                    <a:lnBlToTr w="12700" cmpd="sng">
+                      <a:noFill/>
+                      <a:prstDash val="solid"/>
+                    </a:lnBlToTr>
+                    <a:noFill/>
+                  </a:tcPr>
+                </a:tc>
+                <a:tc>
+                  <a:txBody>
+                    <a:bodyPr/>
+                    <a:lstStyle/>
+                    <a:p>
+                      <a:pPr algn="ctr"/>
+                      <a:r>
+                        <a:rPr lang="en-US" noProof="0" dirty="0"/>
+                        <a:t>Summary</a:t>
+                      </a:r>
+                    </a:p>
+                  </a:txBody>
+                  <a:tcPr>
+                    <a:lnL w="12700" cmpd="sng">
+                      <a:noFill/>
+                    </a:lnL>
+                    <a:lnR w="12700" cmpd="sng">
+                      <a:noFill/>
+                    </a:lnR>
+                    <a:lnT w="12700" cmpd="sng">
+                      <a:noFill/>
+                    </a:lnT>
+                    <a:lnB w="38100" cmpd="sng">
+                      <a:noFill/>
+                    </a:lnB>
+                    <a:lnTlToBr w="12700" cmpd="sng">
+                      <a:noFill/>
+                      <a:prstDash val="solid"/>
+                    </a:lnTlToBr>
+                    <a:lnBlToTr w="12700" cmpd="sng">
+                      <a:noFill/>
+                      <a:prstDash val="solid"/>
+                    </a:lnBlToTr>
+                    <a:noFill/>
+                  </a:tcPr>
+                </a:tc>
+                <a:tc>
+                  <a:txBody>
+                    <a:bodyPr/>
+                    <a:lstStyle/>
+                    <a:p>
+                      <a:pPr algn="ctr"/>
+                      <a:r>
+                        <a:rPr lang="en-US" noProof="0" dirty="0"/>
+                        <a:t>Profile</a:t>
+                      </a:r>
+                    </a:p>
+                  </a:txBody>
+                  <a:tcPr>
+                    <a:lnL w="12700" cmpd="sng">
+                      <a:noFill/>
+                    </a:lnL>
+                    <a:lnR w="12700" cmpd="sng">
+                      <a:noFill/>
+                    </a:lnR>
+                    <a:lnT w="12700" cmpd="sng">
+                      <a:noFill/>
+                    </a:lnT>
+                    <a:lnB w="38100" cmpd="sng">
+                      <a:noFill/>
+                    </a:lnB>
+                    <a:lnTlToBr w="12700" cmpd="sng">
+                      <a:noFill/>
+                      <a:prstDash val="solid"/>
+                    </a:lnTlToBr>
+                    <a:lnBlToTr w="12700" cmpd="sng">
+                      <a:noFill/>
+                      <a:prstDash val="solid"/>
+                    </a:lnBlToTr>
+                    <a:solidFill>
+                      <a:srgbClr val="0070C0"/>
+                    </a:solidFill>
+                  </a:tcPr>
+                </a:tc>
+                <a:extLst>
+                  <a:ext uri="{0D108BD9-81ED-4DB2-BD59-A6C34878D82A}">
+                    <a16:rowId xmlns:a16="http://schemas.microsoft.com/office/drawing/2014/main" val="2679203274"/>
+                  </a:ext>
+                </a:extLst>
+              </a:tr>
+            </a:tbl>
+          </a:graphicData>
+        </a:graphic>
+      </p:graphicFrame>
+      <p:pic>
+        <p:nvPicPr>
+          <p:cNvPr id="2050" name="Picture 2" descr="32 Bootstrap Profiles">
+            <a:extLst>
+              <a:ext uri="{FF2B5EF4-FFF2-40B4-BE49-F238E27FC236}">
+                <a16:creationId xmlns:a16="http://schemas.microsoft.com/office/drawing/2014/main" id="{A53D8E13-1EA8-4524-2B20-3D254C8E938E}"/>
+              </a:ext>
+            </a:extLst>
+          </p:cNvPr>
+          <p:cNvPicPr>
+            <a:picLocks noChangeAspect="1" noChangeArrowheads="1"/>
+          </p:cNvPicPr>
+          <p:nvPr/>
+        </p:nvPicPr>
+        <p:blipFill rotWithShape="1">
+          <a:blip r:embed="rId2">
+            <a:extLst>
+              <a:ext uri="{28A0092B-C50C-407E-A947-70E740481C1C}">
+                <a14:useLocalDpi xmlns:a14="http://schemas.microsoft.com/office/drawing/2010/main" val="0"/>
+              </a:ext>
+            </a:extLst>
+          </a:blip>
+          <a:srcRect l="8168" t="12993" r="65774" b="57735"/>
+          <a:stretch/>
+        </p:blipFill>
+        <p:spPr bwMode="auto">
+          <a:xfrm>
+            <a:off x="4554718" y="1904214"/>
+            <a:ext cx="3082564" cy="1947691"/>
+          </a:xfrm>
+          <a:prstGeom prst="rect">
+            <a:avLst/>
+          </a:prstGeom>
+          <a:noFill/>
+          <a:extLst>
+            <a:ext uri="{909E8E84-426E-40DD-AFC4-6F175D3DCCD1}">
+              <a14:hiddenFill xmlns:a14="http://schemas.microsoft.com/office/drawing/2010/main">
+                <a:solidFill>
+                  <a:srgbClr val="FFFFFF"/>
+                </a:solidFill>
+              </a14:hiddenFill>
+            </a:ext>
+          </a:extLst>
+        </p:spPr>
+      </p:pic>
+      <p:sp>
+        <p:nvSpPr>
+          <p:cNvPr id="2" name="Rectangle: Rounded Corners 1">
+            <a:extLst>
+              <a:ext uri="{FF2B5EF4-FFF2-40B4-BE49-F238E27FC236}">
+                <a16:creationId xmlns:a16="http://schemas.microsoft.com/office/drawing/2014/main" id="{BBCB7B3B-3DFE-0AB1-C1AD-AB7AC91239CF}"/>
+              </a:ext>
+            </a:extLst>
+          </p:cNvPr>
+          <p:cNvSpPr/>
+          <p:nvPr/>
+        </p:nvSpPr>
+        <p:spPr>
+          <a:xfrm>
+            <a:off x="5203596" y="4176074"/>
+            <a:ext cx="1762812" cy="527901"/>
+          </a:xfrm>
+          <a:prstGeom prst="roundRect">
+            <a:avLst/>
+          </a:prstGeom>
+        </p:spPr>
+        <p:style>
+          <a:lnRef idx="2">
+            <a:schemeClr val="accent1">
+              <a:shade val="15000"/>
+            </a:schemeClr>
+          </a:lnRef>
+          <a:fillRef idx="1">
+            <a:schemeClr val="accent1"/>
+          </a:fillRef>
+          <a:effectRef idx="0">
+            <a:schemeClr val="accent1"/>
+          </a:effectRef>
+          <a:fontRef idx="minor">
+            <a:schemeClr val="lt1"/>
+          </a:fontRef>
+        </p:style>
+        <p:txBody>
+          <a:bodyPr rtlCol="0" anchor="ctr"/>
+          <a:lstStyle/>
+          <a:p>
+            <a:pPr algn="ctr"/>
+            <a:r>
+              <a:rPr lang="en-US" dirty="0"/>
+              <a:t>Log out</a:t>
+            </a:r>
+          </a:p>
+        </p:txBody>
+      </p:sp>
+      <p:sp>
+        <p:nvSpPr>
+          <p:cNvPr id="3" name="Rectangle: Rounded Corners 2">
+            <a:extLst>
+              <a:ext uri="{FF2B5EF4-FFF2-40B4-BE49-F238E27FC236}">
+                <a16:creationId xmlns:a16="http://schemas.microsoft.com/office/drawing/2014/main" id="{1509698F-76C9-C05E-ACE4-08226D8762EF}"/>
+              </a:ext>
+            </a:extLst>
+          </p:cNvPr>
+          <p:cNvSpPr/>
+          <p:nvPr/>
+        </p:nvSpPr>
+        <p:spPr>
+          <a:xfrm>
+            <a:off x="4766820" y="4892511"/>
+            <a:ext cx="2658359" cy="527901"/>
+          </a:xfrm>
+          <a:prstGeom prst="roundRect">
+            <a:avLst/>
+          </a:prstGeom>
+        </p:spPr>
+        <p:style>
+          <a:lnRef idx="2">
+            <a:schemeClr val="accent1">
+              <a:shade val="15000"/>
+            </a:schemeClr>
+          </a:lnRef>
+          <a:fillRef idx="1">
+            <a:schemeClr val="accent1"/>
+          </a:fillRef>
+          <a:effectRef idx="0">
+            <a:schemeClr val="accent1"/>
+          </a:effectRef>
+          <a:fontRef idx="minor">
+            <a:schemeClr val="lt1"/>
+          </a:fontRef>
+        </p:style>
+        <p:txBody>
+          <a:bodyPr rtlCol="0" anchor="ctr"/>
+          <a:lstStyle/>
+          <a:p>
+            <a:pPr algn="ctr"/>
+            <a:r>
+              <a:rPr lang="en-US" dirty="0"/>
+              <a:t>Delete account and data</a:t>
+            </a:r>
+          </a:p>
+        </p:txBody>
+      </p:sp>
+    </p:spTree>
+    <p:extLst>
+      <p:ext uri="{BB962C8B-B14F-4D97-AF65-F5344CB8AC3E}">
+        <p14:creationId xmlns:p14="http://schemas.microsoft.com/office/powerpoint/2010/main" val="3467779208"/>
       </p:ext>
     </p:extLst>
   </p:cSld>

--- a/front-end/MockupSimpleDesign.pptx
+++ b/front-end/MockupSimpleDesign.pptx
@@ -5,12 +5,13 @@
     <p:sldMasterId id="2147483660" r:id="rId1"/>
   </p:sldMasterIdLst>
   <p:sldIdLst>
-    <p:sldId id="256" r:id="rId2"/>
-    <p:sldId id="261" r:id="rId3"/>
-    <p:sldId id="257" r:id="rId4"/>
-    <p:sldId id="262" r:id="rId5"/>
-    <p:sldId id="259" r:id="rId6"/>
-    <p:sldId id="263" r:id="rId7"/>
+    <p:sldId id="264" r:id="rId2"/>
+    <p:sldId id="256" r:id="rId3"/>
+    <p:sldId id="261" r:id="rId4"/>
+    <p:sldId id="257" r:id="rId5"/>
+    <p:sldId id="262" r:id="rId6"/>
+    <p:sldId id="259" r:id="rId7"/>
+    <p:sldId id="263" r:id="rId8"/>
   </p:sldIdLst>
   <p:sldSz cx="12192000" cy="6858000"/>
   <p:notesSz cx="6858000" cy="9144000"/>
@@ -126,7 +127,7 @@
 <file path=ppt/revisionInfo.xml><?xml version="1.0" encoding="utf-8"?>
 <p1510:revInfo xmlns:a="http://schemas.openxmlformats.org/drawingml/2006/main" xmlns:r="http://schemas.openxmlformats.org/officeDocument/2006/relationships" xmlns:p1510="http://schemas.microsoft.com/office/powerpoint/2015/10/main">
   <p1510:revLst>
-    <p1510:client id="{D4F8EDFF-8D22-436F-92E2-C640653DB82F}" v="64" dt="2023-10-12T17:26:48.783"/>
+    <p1510:client id="{D4F8EDFF-8D22-436F-92E2-C640653DB82F}" v="68" dt="2023-10-12T18:12:45.622"/>
   </p1510:revLst>
 </p1510:revInfo>
 </file>
@@ -136,7 +137,7 @@
   <pc:docChgLst>
     <pc:chgData name="Maldonado, Daniel" userId="208bc5cf-4c7f-40de-aa5f-36b84b85f9f4" providerId="ADAL" clId="{D4F8EDFF-8D22-436F-92E2-C640653DB82F}"/>
     <pc:docChg chg="undo custSel addSld delSld modSld sldOrd">
-      <pc:chgData name="Maldonado, Daniel" userId="208bc5cf-4c7f-40de-aa5f-36b84b85f9f4" providerId="ADAL" clId="{D4F8EDFF-8D22-436F-92E2-C640653DB82F}" dt="2023-10-12T17:30:04.966" v="1207" actId="20577"/>
+      <pc:chgData name="Maldonado, Daniel" userId="208bc5cf-4c7f-40de-aa5f-36b84b85f9f4" providerId="ADAL" clId="{D4F8EDFF-8D22-436F-92E2-C640653DB82F}" dt="2023-10-12T18:30:30.135" v="1335" actId="20577"/>
       <pc:docMkLst>
         <pc:docMk/>
       </pc:docMkLst>
@@ -164,7 +165,7 @@
         </pc:graphicFrameChg>
       </pc:sldChg>
       <pc:sldChg chg="addSp delSp modSp mod">
-        <pc:chgData name="Maldonado, Daniel" userId="208bc5cf-4c7f-40de-aa5f-36b84b85f9f4" providerId="ADAL" clId="{D4F8EDFF-8D22-436F-92E2-C640653DB82F}" dt="2023-10-12T16:57:57.122" v="798" actId="1076"/>
+        <pc:chgData name="Maldonado, Daniel" userId="208bc5cf-4c7f-40de-aa5f-36b84b85f9f4" providerId="ADAL" clId="{D4F8EDFF-8D22-436F-92E2-C640653DB82F}" dt="2023-10-12T18:05:13.945" v="1239" actId="20577"/>
         <pc:sldMkLst>
           <pc:docMk/>
           <pc:sldMk cId="2217030426" sldId="257"/>
@@ -218,7 +219,7 @@
           </ac:spMkLst>
         </pc:spChg>
         <pc:graphicFrameChg chg="modGraphic">
-          <ac:chgData name="Maldonado, Daniel" userId="208bc5cf-4c7f-40de-aa5f-36b84b85f9f4" providerId="ADAL" clId="{D4F8EDFF-8D22-436F-92E2-C640653DB82F}" dt="2023-10-12T16:57:53.284" v="796" actId="2165"/>
+          <ac:chgData name="Maldonado, Daniel" userId="208bc5cf-4c7f-40de-aa5f-36b84b85f9f4" providerId="ADAL" clId="{D4F8EDFF-8D22-436F-92E2-C640653DB82F}" dt="2023-10-12T18:05:13.945" v="1239" actId="20577"/>
           <ac:graphicFrameMkLst>
             <pc:docMk/>
             <pc:sldMk cId="2217030426" sldId="257"/>
@@ -628,8 +629,8 @@
           </p:ext>
         </pc:extLst>
       </pc:sldChg>
-      <pc:sldChg chg="addSp delSp modSp add mod addCm">
-        <pc:chgData name="Maldonado, Daniel" userId="208bc5cf-4c7f-40de-aa5f-36b84b85f9f4" providerId="ADAL" clId="{D4F8EDFF-8D22-436F-92E2-C640653DB82F}" dt="2023-10-12T17:30:04.966" v="1207" actId="20577"/>
+      <pc:sldChg chg="addSp delSp modSp add mod addCm modCm">
+        <pc:chgData name="Maldonado, Daniel" userId="208bc5cf-4c7f-40de-aa5f-36b84b85f9f4" providerId="ADAL" clId="{D4F8EDFF-8D22-436F-92E2-C640653DB82F}" dt="2023-10-12T18:26:40.297" v="1328" actId="20577"/>
         <pc:sldMkLst>
           <pc:docMk/>
           <pc:sldMk cId="3767813412" sldId="259"/>
@@ -915,7 +916,7 @@
           </ac:spMkLst>
         </pc:spChg>
         <pc:spChg chg="add mod">
-          <ac:chgData name="Maldonado, Daniel" userId="208bc5cf-4c7f-40de-aa5f-36b84b85f9f4" providerId="ADAL" clId="{D4F8EDFF-8D22-436F-92E2-C640653DB82F}" dt="2023-10-12T17:30:04.966" v="1207" actId="20577"/>
+          <ac:chgData name="Maldonado, Daniel" userId="208bc5cf-4c7f-40de-aa5f-36b84b85f9f4" providerId="ADAL" clId="{D4F8EDFF-8D22-436F-92E2-C640653DB82F}" dt="2023-10-12T18:26:40.297" v="1328" actId="20577"/>
           <ac:spMkLst>
             <pc:docMk/>
             <pc:sldMk cId="3767813412" sldId="259"/>
@@ -1124,8 +1125,8 @@
         </pc:cxnChg>
         <pc:extLst>
           <p:ext xmlns:p="http://schemas.openxmlformats.org/presentationml/2006/main" uri="{D6D511B9-2390-475A-947B-AFAB55BFBCF1}">
-            <pc226:cmChg xmlns:pc226="http://schemas.microsoft.com/office/powerpoint/2022/06/main/command" chg="add">
-              <pc226:chgData name="Maldonado, Daniel" userId="208bc5cf-4c7f-40de-aa5f-36b84b85f9f4" providerId="ADAL" clId="{D4F8EDFF-8D22-436F-92E2-C640653DB82F}" dt="2023-10-12T16:28:09.904" v="285"/>
+            <pc226:cmChg xmlns:pc226="http://schemas.microsoft.com/office/powerpoint/2022/06/main/command" chg="add mod">
+              <pc226:chgData name="Maldonado, Daniel" userId="208bc5cf-4c7f-40de-aa5f-36b84b85f9f4" providerId="ADAL" clId="{D4F8EDFF-8D22-436F-92E2-C640653DB82F}" dt="2023-10-12T18:10:29.635" v="1250"/>
               <pc2:cmMkLst xmlns:pc2="http://schemas.microsoft.com/office/powerpoint/2019/9/main/command">
                 <pc:docMk/>
                 <pc:sldMk cId="3767813412" sldId="259"/>
@@ -1151,7 +1152,7 @@
         </pc:graphicFrameChg>
       </pc:sldChg>
       <pc:sldChg chg="addSp delSp modSp add mod ord">
-        <pc:chgData name="Maldonado, Daniel" userId="208bc5cf-4c7f-40de-aa5f-36b84b85f9f4" providerId="ADAL" clId="{D4F8EDFF-8D22-436F-92E2-C640653DB82F}" dt="2023-10-12T17:02:55.824" v="841" actId="20577"/>
+        <pc:chgData name="Maldonado, Daniel" userId="208bc5cf-4c7f-40de-aa5f-36b84b85f9f4" providerId="ADAL" clId="{D4F8EDFF-8D22-436F-92E2-C640653DB82F}" dt="2023-10-12T17:47:52.161" v="1212" actId="20577"/>
         <pc:sldMkLst>
           <pc:docMk/>
           <pc:sldMk cId="1281371689" sldId="261"/>
@@ -1197,7 +1198,7 @@
           </ac:spMkLst>
         </pc:spChg>
         <pc:graphicFrameChg chg="modGraphic">
-          <ac:chgData name="Maldonado, Daniel" userId="208bc5cf-4c7f-40de-aa5f-36b84b85f9f4" providerId="ADAL" clId="{D4F8EDFF-8D22-436F-92E2-C640653DB82F}" dt="2023-10-12T16:33:56.204" v="359" actId="20577"/>
+          <ac:chgData name="Maldonado, Daniel" userId="208bc5cf-4c7f-40de-aa5f-36b84b85f9f4" providerId="ADAL" clId="{D4F8EDFF-8D22-436F-92E2-C640653DB82F}" dt="2023-10-12T17:47:52.161" v="1212" actId="20577"/>
           <ac:graphicFrameMkLst>
             <pc:docMk/>
             <pc:sldMk cId="1281371689" sldId="261"/>
@@ -1222,7 +1223,7 @@
         </pc:graphicFrameChg>
       </pc:sldChg>
       <pc:sldChg chg="addSp delSp modSp add mod">
-        <pc:chgData name="Maldonado, Daniel" userId="208bc5cf-4c7f-40de-aa5f-36b84b85f9f4" providerId="ADAL" clId="{D4F8EDFF-8D22-436F-92E2-C640653DB82F}" dt="2023-10-12T17:22:20.359" v="1021"/>
+        <pc:chgData name="Maldonado, Daniel" userId="208bc5cf-4c7f-40de-aa5f-36b84b85f9f4" providerId="ADAL" clId="{D4F8EDFF-8D22-436F-92E2-C640653DB82F}" dt="2023-10-12T18:30:30.135" v="1335" actId="20577"/>
         <pc:sldMkLst>
           <pc:docMk/>
           <pc:sldMk cId="141755162" sldId="262"/>
@@ -1244,7 +1245,7 @@
           </ac:spMkLst>
         </pc:spChg>
         <pc:graphicFrameChg chg="mod modGraphic">
-          <ac:chgData name="Maldonado, Daniel" userId="208bc5cf-4c7f-40de-aa5f-36b84b85f9f4" providerId="ADAL" clId="{D4F8EDFF-8D22-436F-92E2-C640653DB82F}" dt="2023-10-12T16:57:41.451" v="794"/>
+          <ac:chgData name="Maldonado, Daniel" userId="208bc5cf-4c7f-40de-aa5f-36b84b85f9f4" providerId="ADAL" clId="{D4F8EDFF-8D22-436F-92E2-C640653DB82F}" dt="2023-10-12T18:30:30.135" v="1335" actId="20577"/>
           <ac:graphicFrameMkLst>
             <pc:docMk/>
             <pc:sldMk cId="141755162" sldId="262"/>
@@ -1594,6 +1595,53 @@
             <ac:cxnSpMk id="49" creationId="{E47DC78C-4344-43CB-C9D5-E58F8E67DCE2}"/>
           </ac:cxnSpMkLst>
         </pc:cxnChg>
+      </pc:sldChg>
+      <pc:sldChg chg="addSp delSp modSp add mod ord">
+        <pc:chgData name="Maldonado, Daniel" userId="208bc5cf-4c7f-40de-aa5f-36b84b85f9f4" providerId="ADAL" clId="{D4F8EDFF-8D22-436F-92E2-C640653DB82F}" dt="2023-10-12T18:13:23.514" v="1285"/>
+        <pc:sldMkLst>
+          <pc:docMk/>
+          <pc:sldMk cId="1966457589" sldId="264"/>
+        </pc:sldMkLst>
+        <pc:spChg chg="del">
+          <ac:chgData name="Maldonado, Daniel" userId="208bc5cf-4c7f-40de-aa5f-36b84b85f9f4" providerId="ADAL" clId="{D4F8EDFF-8D22-436F-92E2-C640653DB82F}" dt="2023-10-12T18:12:37.176" v="1280" actId="478"/>
+          <ac:spMkLst>
+            <pc:docMk/>
+            <pc:sldMk cId="1966457589" sldId="264"/>
+            <ac:spMk id="2" creationId="{BBCB7B3B-3DFE-0AB1-C1AD-AB7AC91239CF}"/>
+          </ac:spMkLst>
+        </pc:spChg>
+        <pc:spChg chg="del">
+          <ac:chgData name="Maldonado, Daniel" userId="208bc5cf-4c7f-40de-aa5f-36b84b85f9f4" providerId="ADAL" clId="{D4F8EDFF-8D22-436F-92E2-C640653DB82F}" dt="2023-10-12T18:12:37.176" v="1280" actId="478"/>
+          <ac:spMkLst>
+            <pc:docMk/>
+            <pc:sldMk cId="1966457589" sldId="264"/>
+            <ac:spMk id="3" creationId="{1509698F-76C9-C05E-ACE4-08226D8762EF}"/>
+          </ac:spMkLst>
+        </pc:spChg>
+        <pc:graphicFrameChg chg="mod modGraphic">
+          <ac:chgData name="Maldonado, Daniel" userId="208bc5cf-4c7f-40de-aa5f-36b84b85f9f4" providerId="ADAL" clId="{D4F8EDFF-8D22-436F-92E2-C640653DB82F}" dt="2023-10-12T18:12:34.396" v="1279" actId="403"/>
+          <ac:graphicFrameMkLst>
+            <pc:docMk/>
+            <pc:sldMk cId="1966457589" sldId="264"/>
+            <ac:graphicFrameMk id="19" creationId="{47DA04BD-D556-E349-F093-088F09954839}"/>
+          </ac:graphicFrameMkLst>
+        </pc:graphicFrameChg>
+        <pc:picChg chg="add mod">
+          <ac:chgData name="Maldonado, Daniel" userId="208bc5cf-4c7f-40de-aa5f-36b84b85f9f4" providerId="ADAL" clId="{D4F8EDFF-8D22-436F-92E2-C640653DB82F}" dt="2023-10-12T18:12:45.622" v="1283" actId="1076"/>
+          <ac:picMkLst>
+            <pc:docMk/>
+            <pc:sldMk cId="1966457589" sldId="264"/>
+            <ac:picMk id="1026" creationId="{08FD82EA-2AC1-DBF7-3225-33B31CF50966}"/>
+          </ac:picMkLst>
+        </pc:picChg>
+        <pc:picChg chg="del">
+          <ac:chgData name="Maldonado, Daniel" userId="208bc5cf-4c7f-40de-aa5f-36b84b85f9f4" providerId="ADAL" clId="{D4F8EDFF-8D22-436F-92E2-C640653DB82F}" dt="2023-10-12T18:12:37.176" v="1280" actId="478"/>
+          <ac:picMkLst>
+            <pc:docMk/>
+            <pc:sldMk cId="1966457589" sldId="264"/>
+            <ac:picMk id="2050" creationId="{A53D8E13-1EA8-4524-2B20-3D254C8E938E}"/>
+          </ac:picMkLst>
+        </pc:picChg>
       </pc:sldChg>
     </pc:docChg>
   </pc:docChgLst>
@@ -1614,7 +1662,7 @@
       <a:p>
         <a:r>
           <a:rPr lang="en-US"/>
-          <a:t>Or by range of dates</a:t>
+          <a:t>Or by range of months</a:t>
         </a:r>
       </a:p>
     </p188:txBody>
@@ -4493,6 +4541,177 @@
       </p:grpSpPr>
       <p:graphicFrame>
         <p:nvGraphicFramePr>
+          <p:cNvPr id="19" name="Table 18">
+            <a:extLst>
+              <a:ext uri="{FF2B5EF4-FFF2-40B4-BE49-F238E27FC236}">
+                <a16:creationId xmlns:a16="http://schemas.microsoft.com/office/drawing/2014/main" id="{47DA04BD-D556-E349-F093-088F09954839}"/>
+              </a:ext>
+            </a:extLst>
+          </p:cNvPr>
+          <p:cNvGraphicFramePr>
+            <a:graphicFrameLocks noGrp="1"/>
+          </p:cNvGraphicFramePr>
+          <p:nvPr>
+            <p:extLst>
+              <p:ext uri="{D42A27DB-BD31-4B8C-83A1-F6EECF244321}">
+                <p14:modId xmlns:p14="http://schemas.microsoft.com/office/powerpoint/2010/main" val="1675367439"/>
+              </p:ext>
+            </p:extLst>
+          </p:nvPr>
+        </p:nvGraphicFramePr>
+        <p:xfrm>
+          <a:off x="0" y="411183"/>
+          <a:ext cx="12191999" cy="457200"/>
+        </p:xfrm>
+        <a:graphic>
+          <a:graphicData uri="http://schemas.openxmlformats.org/drawingml/2006/table">
+            <a:tbl>
+              <a:tblPr firstRow="1" bandRow="1">
+                <a:tableStyleId>{5C22544A-7EE6-4342-B048-85BDC9FD1C3A}</a:tableStyleId>
+              </a:tblPr>
+              <a:tblGrid>
+                <a:gridCol w="12191999">
+                  <a:extLst>
+                    <a:ext uri="{9D8B030D-6E8A-4147-A177-3AD203B41FA5}">
+                      <a16:colId xmlns:a16="http://schemas.microsoft.com/office/drawing/2014/main" val="864389183"/>
+                    </a:ext>
+                  </a:extLst>
+                </a:gridCol>
+              </a:tblGrid>
+              <a:tr h="370840">
+                <a:tc>
+                  <a:txBody>
+                    <a:bodyPr/>
+                    <a:lstStyle/>
+                    <a:p>
+                      <a:pPr algn="ctr"/>
+                      <a:r>
+                        <a:rPr lang="en-US" sz="2400" noProof="0" dirty="0"/>
+                        <a:t>Personal Finances App</a:t>
+                      </a:r>
+                    </a:p>
+                  </a:txBody>
+                  <a:tcPr>
+                    <a:lnL w="12700" cmpd="sng">
+                      <a:noFill/>
+                    </a:lnL>
+                    <a:lnR w="12700" cmpd="sng">
+                      <a:noFill/>
+                    </a:lnR>
+                    <a:lnT w="12700" cmpd="sng">
+                      <a:noFill/>
+                    </a:lnT>
+                    <a:lnB w="38100" cmpd="sng">
+                      <a:noFill/>
+                    </a:lnB>
+                    <a:lnTlToBr w="12700" cmpd="sng">
+                      <a:noFill/>
+                      <a:prstDash val="solid"/>
+                    </a:lnTlToBr>
+                    <a:lnBlToTr w="12700" cmpd="sng">
+                      <a:noFill/>
+                      <a:prstDash val="solid"/>
+                    </a:lnBlToTr>
+                    <a:noFill/>
+                  </a:tcPr>
+                </a:tc>
+                <a:extLst>
+                  <a:ext uri="{0D108BD9-81ED-4DB2-BD59-A6C34878D82A}">
+                    <a16:rowId xmlns:a16="http://schemas.microsoft.com/office/drawing/2014/main" val="2679203274"/>
+                  </a:ext>
+                </a:extLst>
+              </a:tr>
+            </a:tbl>
+          </a:graphicData>
+        </a:graphic>
+      </p:graphicFrame>
+      <p:pic>
+        <p:nvPicPr>
+          <p:cNvPr id="1026" name="Picture 2" descr="Google Login with Angular 15. In this article, we are going to… | by Atakan  Korez | Medium">
+            <a:extLst>
+              <a:ext uri="{FF2B5EF4-FFF2-40B4-BE49-F238E27FC236}">
+                <a16:creationId xmlns:a16="http://schemas.microsoft.com/office/drawing/2014/main" id="{08FD82EA-2AC1-DBF7-3225-33B31CF50966}"/>
+              </a:ext>
+            </a:extLst>
+          </p:cNvPr>
+          <p:cNvPicPr>
+            <a:picLocks noChangeAspect="1" noChangeArrowheads="1"/>
+          </p:cNvPicPr>
+          <p:nvPr/>
+        </p:nvPicPr>
+        <p:blipFill>
+          <a:blip r:embed="rId2">
+            <a:extLst>
+              <a:ext uri="{28A0092B-C50C-407E-A947-70E740481C1C}">
+                <a14:useLocalDpi xmlns:a14="http://schemas.microsoft.com/office/drawing/2010/main" val="0"/>
+              </a:ext>
+            </a:extLst>
+          </a:blip>
+          <a:srcRect/>
+          <a:stretch>
+            <a:fillRect/>
+          </a:stretch>
+        </p:blipFill>
+        <p:spPr bwMode="auto">
+          <a:xfrm>
+            <a:off x="4763477" y="3090664"/>
+            <a:ext cx="2665046" cy="676672"/>
+          </a:xfrm>
+          <a:prstGeom prst="rect">
+            <a:avLst/>
+          </a:prstGeom>
+          <a:noFill/>
+          <a:extLst>
+            <a:ext uri="{909E8E84-426E-40DD-AFC4-6F175D3DCCD1}">
+              <a14:hiddenFill xmlns:a14="http://schemas.microsoft.com/office/drawing/2010/main">
+                <a:solidFill>
+                  <a:srgbClr val="FFFFFF"/>
+                </a:solidFill>
+              </a14:hiddenFill>
+            </a:ext>
+          </a:extLst>
+        </p:spPr>
+      </p:pic>
+    </p:spTree>
+    <p:extLst>
+      <p:ext uri="{BB962C8B-B14F-4D97-AF65-F5344CB8AC3E}">
+        <p14:creationId xmlns:p14="http://schemas.microsoft.com/office/powerpoint/2010/main" val="1966457589"/>
+      </p:ext>
+    </p:extLst>
+  </p:cSld>
+  <p:clrMapOvr>
+    <a:masterClrMapping/>
+  </p:clrMapOvr>
+</p:sld>
+</file>
+
+<file path=ppt/slides/slide2.xml><?xml version="1.0" encoding="utf-8"?>
+<p:sld xmlns:a="http://schemas.openxmlformats.org/drawingml/2006/main" xmlns:r="http://schemas.openxmlformats.org/officeDocument/2006/relationships" xmlns:p="http://schemas.openxmlformats.org/presentationml/2006/main">
+  <p:cSld>
+    <p:bg>
+      <p:bgPr>
+        <a:solidFill>
+          <a:srgbClr val="212529"/>
+        </a:solidFill>
+        <a:effectLst/>
+      </p:bgPr>
+    </p:bg>
+    <p:spTree>
+      <p:nvGrpSpPr>
+        <p:cNvPr id="1" name=""/>
+        <p:cNvGrpSpPr/>
+        <p:nvPr/>
+      </p:nvGrpSpPr>
+      <p:grpSpPr>
+        <a:xfrm>
+          <a:off x="0" y="0"/>
+          <a:ext cx="0" cy="0"/>
+          <a:chOff x="0" y="0"/>
+          <a:chExt cx="0" cy="0"/>
+        </a:xfrm>
+      </p:grpSpPr>
+      <p:graphicFrame>
+        <p:nvGraphicFramePr>
           <p:cNvPr id="6" name="Table 5">
             <a:extLst>
               <a:ext uri="{FF2B5EF4-FFF2-40B4-BE49-F238E27FC236}">
@@ -5221,7 +5440,7 @@
 </p:sld>
 </file>
 
-<file path=ppt/slides/slide2.xml><?xml version="1.0" encoding="utf-8"?>
+<file path=ppt/slides/slide3.xml><?xml version="1.0" encoding="utf-8"?>
 <p:sld xmlns:a="http://schemas.openxmlformats.org/drawingml/2006/main" xmlns:r="http://schemas.openxmlformats.org/officeDocument/2006/relationships" xmlns:p="http://schemas.openxmlformats.org/presentationml/2006/main">
   <p:cSld>
     <p:bg>
@@ -5261,7 +5480,7 @@
           <p:nvPr>
             <p:extLst>
               <p:ext uri="{D42A27DB-BD31-4B8C-83A1-F6EECF244321}">
-                <p14:modId xmlns:p14="http://schemas.microsoft.com/office/powerpoint/2010/main" val="461829298"/>
+                <p14:modId xmlns:p14="http://schemas.microsoft.com/office/powerpoint/2010/main" val="2740745858"/>
               </p:ext>
             </p:extLst>
           </p:nvPr>
@@ -5357,7 +5576,7 @@
                             <a:schemeClr val="tx1"/>
                           </a:solidFill>
                         </a:rPr>
-                        <a:t>Goal</a:t>
+                        <a:t>Limit</a:t>
                       </a:r>
                     </a:p>
                   </a:txBody>
@@ -7213,7 +7432,7 @@
 </p:sld>
 </file>
 
-<file path=ppt/slides/slide3.xml><?xml version="1.0" encoding="utf-8"?>
+<file path=ppt/slides/slide4.xml><?xml version="1.0" encoding="utf-8"?>
 <p:sld xmlns:a="http://schemas.openxmlformats.org/drawingml/2006/main" xmlns:r="http://schemas.openxmlformats.org/officeDocument/2006/relationships" xmlns:p="http://schemas.openxmlformats.org/presentationml/2006/main">
   <p:cSld>
     <p:bg>
@@ -7253,7 +7472,7 @@
           <p:nvPr>
             <p:extLst>
               <p:ext uri="{D42A27DB-BD31-4B8C-83A1-F6EECF244321}">
-                <p14:modId xmlns:p14="http://schemas.microsoft.com/office/powerpoint/2010/main" val="2112031212"/>
+                <p14:modId xmlns:p14="http://schemas.microsoft.com/office/powerpoint/2010/main" val="241210325"/>
               </p:ext>
             </p:extLst>
           </p:nvPr>
@@ -7310,7 +7529,7 @@
                             <a:schemeClr val="tx1"/>
                           </a:solidFill>
                         </a:rPr>
-                        <a:t>Category</a:t>
+                        <a:t>Saving</a:t>
                       </a:r>
                     </a:p>
                   </a:txBody>
@@ -7349,7 +7568,7 @@
                             <a:schemeClr val="tx1"/>
                           </a:solidFill>
                         </a:rPr>
-                        <a:t>Goal</a:t>
+                        <a:t>Target</a:t>
                       </a:r>
                     </a:p>
                   </a:txBody>
@@ -8940,7 +9159,7 @@
 </p:sld>
 </file>
 
-<file path=ppt/slides/slide4.xml><?xml version="1.0" encoding="utf-8"?>
+<file path=ppt/slides/slide5.xml><?xml version="1.0" encoding="utf-8"?>
 <p:sld xmlns:a="http://schemas.openxmlformats.org/drawingml/2006/main" xmlns:r="http://schemas.openxmlformats.org/officeDocument/2006/relationships" xmlns:p="http://schemas.openxmlformats.org/presentationml/2006/main">
   <p:cSld>
     <p:bg>
@@ -8980,7 +9199,7 @@
           <p:nvPr>
             <p:extLst>
               <p:ext uri="{D42A27DB-BD31-4B8C-83A1-F6EECF244321}">
-                <p14:modId xmlns:p14="http://schemas.microsoft.com/office/powerpoint/2010/main" val="1489057321"/>
+                <p14:modId xmlns:p14="http://schemas.microsoft.com/office/powerpoint/2010/main" val="479873309"/>
               </p:ext>
             </p:extLst>
           </p:nvPr>
@@ -9037,7 +9256,7 @@
                             <a:schemeClr val="tx1"/>
                           </a:solidFill>
                         </a:rPr>
-                        <a:t>Category</a:t>
+                        <a:t>Payment</a:t>
                       </a:r>
                     </a:p>
                   </a:txBody>
@@ -9076,7 +9295,7 @@
                             <a:schemeClr val="tx1"/>
                           </a:solidFill>
                         </a:rPr>
-                        <a:t>Goal</a:t>
+                        <a:t>Amount</a:t>
                       </a:r>
                     </a:p>
                   </a:txBody>
@@ -9124,7 +9343,7 @@
                             <a:schemeClr val="tx1"/>
                           </a:solidFill>
                         </a:rPr>
-                        <a:t>Spent</a:t>
+                        <a:t>Paid</a:t>
                       </a:r>
                     </a:p>
                   </a:txBody>
@@ -9167,12 +9386,12 @@
                     <a:lstStyle/>
                     <a:p>
                       <a:r>
-                        <a:rPr lang="es-ES" noProof="0" dirty="0">
+                        <a:rPr lang="es-ES" noProof="0" dirty="0" err="1">
                           <a:solidFill>
                             <a:schemeClr val="tx1"/>
                           </a:solidFill>
                         </a:rPr>
-                        <a:t>Total</a:t>
+                        <a:t>Missing</a:t>
                       </a:r>
                       <a:endParaRPr lang="en-US" noProof="0" dirty="0">
                         <a:solidFill>
@@ -11067,7 +11286,7 @@
 </p:sld>
 </file>
 
-<file path=ppt/slides/slide5.xml><?xml version="1.0" encoding="utf-8"?>
+<file path=ppt/slides/slide6.xml><?xml version="1.0" encoding="utf-8"?>
 <p:sld xmlns:a="http://schemas.openxmlformats.org/drawingml/2006/main" xmlns:r="http://schemas.openxmlformats.org/officeDocument/2006/relationships" xmlns:p="http://schemas.openxmlformats.org/presentationml/2006/main">
   <p:cSld>
     <p:bg>
@@ -12496,7 +12715,7 @@
         <p:spPr>
           <a:xfrm>
             <a:off x="5623088" y="5324940"/>
-            <a:ext cx="5656082" cy="1077218"/>
+            <a:ext cx="5656082" cy="1323439"/>
           </a:xfrm>
           <a:prstGeom prst="rect">
             <a:avLst/>
@@ -12519,19 +12738,21 @@
             <a:pPr algn="ctr"/>
             <a:r>
               <a:rPr lang="en-US" sz="1600" i="1" dirty="0"/>
-              <a:t>- </a:t>
+              <a:t>- Have a summary by week table</a:t>
             </a:r>
-            <a:r>
-              <a:rPr lang="en-US" sz="1600" i="1"/>
-              <a:t>Have a summary by week table</a:t>
-            </a:r>
-            <a:endParaRPr lang="en-US" sz="1600" i="1" dirty="0"/>
           </a:p>
           <a:p>
             <a:pPr algn="ctr"/>
             <a:r>
               <a:rPr lang="en-US" sz="1600" i="1" dirty="0"/>
               <a:t>- Include graphs like the ones in the image</a:t>
+            </a:r>
+          </a:p>
+          <a:p>
+            <a:pPr algn="ctr"/>
+            <a:r>
+              <a:rPr lang="en-US" sz="1600" i="1" dirty="0"/>
+              <a:t>- Download CSV file of the information</a:t>
             </a:r>
           </a:p>
         </p:txBody>
@@ -13157,7 +13378,7 @@
 </p:sld>
 </file>
 
-<file path=ppt/slides/slide6.xml><?xml version="1.0" encoding="utf-8"?>
+<file path=ppt/slides/slide7.xml><?xml version="1.0" encoding="utf-8"?>
 <p:sld xmlns:a="http://schemas.openxmlformats.org/drawingml/2006/main" xmlns:r="http://schemas.openxmlformats.org/officeDocument/2006/relationships" xmlns:p="http://schemas.openxmlformats.org/presentationml/2006/main">
   <p:cSld>
     <p:bg>
